--- a/preject.pptx
+++ b/preject.pptx
@@ -7,6 +7,10 @@
   <p:sldIdLst>
     <p:sldId id="256" r:id="rId2"/>
     <p:sldId id="257" r:id="rId3"/>
+    <p:sldId id="258" r:id="rId4"/>
+    <p:sldId id="260" r:id="rId5"/>
+    <p:sldId id="259" r:id="rId6"/>
+    <p:sldId id="261" r:id="rId7"/>
   </p:sldIdLst>
   <p:sldSz cx="12192000" cy="6858000"/>
   <p:notesSz cx="6858000" cy="9144000"/>
@@ -4427,6 +4431,715 @@
 </p:sld>
 </file>
 
+<file path=ppt/slides/slide3.xml><?xml version="1.0" encoding="utf-8"?>
+<p:sld xmlns:a="http://schemas.openxmlformats.org/drawingml/2006/main" xmlns:r="http://schemas.openxmlformats.org/officeDocument/2006/relationships" xmlns:p="http://schemas.openxmlformats.org/presentationml/2006/main">
+  <p:cSld>
+    <p:spTree>
+      <p:nvGrpSpPr>
+        <p:cNvPr id="1" name=""/>
+        <p:cNvGrpSpPr/>
+        <p:nvPr/>
+      </p:nvGrpSpPr>
+      <p:grpSpPr>
+        <a:xfrm>
+          <a:off x="0" y="0"/>
+          <a:ext cx="0" cy="0"/>
+          <a:chOff x="0" y="0"/>
+          <a:chExt cx="0" cy="0"/>
+        </a:xfrm>
+      </p:grpSpPr>
+      <p:pic>
+        <p:nvPicPr>
+          <p:cNvPr id="4" name="Picture 3">
+            <a:extLst>
+              <a:ext uri="{FF2B5EF4-FFF2-40B4-BE49-F238E27FC236}">
+                <a16:creationId xmlns:a16="http://schemas.microsoft.com/office/drawing/2014/main" id="{2E519EC8-71CA-D840-9C30-63E2D2BFF5E8}"/>
+              </a:ext>
+            </a:extLst>
+          </p:cNvPr>
+          <p:cNvPicPr>
+            <a:picLocks noChangeAspect="1"/>
+          </p:cNvPicPr>
+          <p:nvPr/>
+        </p:nvPicPr>
+        <p:blipFill>
+          <a:blip r:embed="rId2"/>
+          <a:stretch>
+            <a:fillRect/>
+          </a:stretch>
+        </p:blipFill>
+        <p:spPr>
+          <a:xfrm>
+            <a:off x="3626187" y="469371"/>
+            <a:ext cx="3480476" cy="3425880"/>
+          </a:xfrm>
+          <a:prstGeom prst="rect">
+            <a:avLst/>
+          </a:prstGeom>
+        </p:spPr>
+      </p:pic>
+      <p:pic>
+        <p:nvPicPr>
+          <p:cNvPr id="6" name="Picture 5">
+            <a:extLst>
+              <a:ext uri="{FF2B5EF4-FFF2-40B4-BE49-F238E27FC236}">
+                <a16:creationId xmlns:a16="http://schemas.microsoft.com/office/drawing/2014/main" id="{D9617095-DF6A-4F41-95B9-4D08FB0B98D7}"/>
+              </a:ext>
+            </a:extLst>
+          </p:cNvPr>
+          <p:cNvPicPr>
+            <a:picLocks noChangeAspect="1"/>
+          </p:cNvPicPr>
+          <p:nvPr/>
+        </p:nvPicPr>
+        <p:blipFill>
+          <a:blip r:embed="rId3"/>
+          <a:stretch>
+            <a:fillRect/>
+          </a:stretch>
+        </p:blipFill>
+        <p:spPr>
+          <a:xfrm>
+            <a:off x="423693" y="4102629"/>
+            <a:ext cx="2336800" cy="2286000"/>
+          </a:xfrm>
+          <a:prstGeom prst="rect">
+            <a:avLst/>
+          </a:prstGeom>
+        </p:spPr>
+      </p:pic>
+      <p:pic>
+        <p:nvPicPr>
+          <p:cNvPr id="8" name="Picture 7">
+            <a:extLst>
+              <a:ext uri="{FF2B5EF4-FFF2-40B4-BE49-F238E27FC236}">
+                <a16:creationId xmlns:a16="http://schemas.microsoft.com/office/drawing/2014/main" id="{7B83E342-28D1-5041-9FFB-DB28E5DEDC63}"/>
+              </a:ext>
+            </a:extLst>
+          </p:cNvPr>
+          <p:cNvPicPr>
+            <a:picLocks noChangeAspect="1"/>
+          </p:cNvPicPr>
+          <p:nvPr/>
+        </p:nvPicPr>
+        <p:blipFill>
+          <a:blip r:embed="rId4"/>
+          <a:stretch>
+            <a:fillRect/>
+          </a:stretch>
+        </p:blipFill>
+        <p:spPr>
+          <a:xfrm>
+            <a:off x="2994363" y="4140729"/>
+            <a:ext cx="2273300" cy="2247900"/>
+          </a:xfrm>
+          <a:prstGeom prst="rect">
+            <a:avLst/>
+          </a:prstGeom>
+        </p:spPr>
+      </p:pic>
+      <p:pic>
+        <p:nvPicPr>
+          <p:cNvPr id="10" name="Picture 9">
+            <a:extLst>
+              <a:ext uri="{FF2B5EF4-FFF2-40B4-BE49-F238E27FC236}">
+                <a16:creationId xmlns:a16="http://schemas.microsoft.com/office/drawing/2014/main" id="{3ABDFB73-9D98-2C49-AF28-E43A27455F48}"/>
+              </a:ext>
+            </a:extLst>
+          </p:cNvPr>
+          <p:cNvPicPr>
+            <a:picLocks noChangeAspect="1"/>
+          </p:cNvPicPr>
+          <p:nvPr/>
+        </p:nvPicPr>
+        <p:blipFill>
+          <a:blip r:embed="rId5"/>
+          <a:stretch>
+            <a:fillRect/>
+          </a:stretch>
+        </p:blipFill>
+        <p:spPr>
+          <a:xfrm>
+            <a:off x="5501533" y="4140729"/>
+            <a:ext cx="2273300" cy="2247900"/>
+          </a:xfrm>
+          <a:prstGeom prst="rect">
+            <a:avLst/>
+          </a:prstGeom>
+        </p:spPr>
+      </p:pic>
+      <p:pic>
+        <p:nvPicPr>
+          <p:cNvPr id="12" name="Picture 11">
+            <a:extLst>
+              <a:ext uri="{FF2B5EF4-FFF2-40B4-BE49-F238E27FC236}">
+                <a16:creationId xmlns:a16="http://schemas.microsoft.com/office/drawing/2014/main" id="{C8371C20-AA68-3C4A-9D4C-8FFC158C50C7}"/>
+              </a:ext>
+            </a:extLst>
+          </p:cNvPr>
+          <p:cNvPicPr>
+            <a:picLocks noChangeAspect="1"/>
+          </p:cNvPicPr>
+          <p:nvPr/>
+        </p:nvPicPr>
+        <p:blipFill>
+          <a:blip r:embed="rId6"/>
+          <a:stretch>
+            <a:fillRect/>
+          </a:stretch>
+        </p:blipFill>
+        <p:spPr>
+          <a:xfrm>
+            <a:off x="8008703" y="4140729"/>
+            <a:ext cx="2247900" cy="2247900"/>
+          </a:xfrm>
+          <a:prstGeom prst="rect">
+            <a:avLst/>
+          </a:prstGeom>
+        </p:spPr>
+      </p:pic>
+    </p:spTree>
+    <p:extLst>
+      <p:ext uri="{BB962C8B-B14F-4D97-AF65-F5344CB8AC3E}">
+        <p14:creationId xmlns:p14="http://schemas.microsoft.com/office/powerpoint/2010/main" val="1358721396"/>
+      </p:ext>
+    </p:extLst>
+  </p:cSld>
+  <p:clrMapOvr>
+    <a:masterClrMapping/>
+  </p:clrMapOvr>
+</p:sld>
+</file>
+
+<file path=ppt/slides/slide4.xml><?xml version="1.0" encoding="utf-8"?>
+<p:sld xmlns:a="http://schemas.openxmlformats.org/drawingml/2006/main" xmlns:r="http://schemas.openxmlformats.org/officeDocument/2006/relationships" xmlns:p="http://schemas.openxmlformats.org/presentationml/2006/main">
+  <p:cSld>
+    <p:spTree>
+      <p:nvGrpSpPr>
+        <p:cNvPr id="1" name=""/>
+        <p:cNvGrpSpPr/>
+        <p:nvPr/>
+      </p:nvGrpSpPr>
+      <p:grpSpPr>
+        <a:xfrm>
+          <a:off x="0" y="0"/>
+          <a:ext cx="0" cy="0"/>
+          <a:chOff x="0" y="0"/>
+          <a:chExt cx="0" cy="0"/>
+        </a:xfrm>
+      </p:grpSpPr>
+      <p:pic>
+        <p:nvPicPr>
+          <p:cNvPr id="3" name="Picture 2">
+            <a:extLst>
+              <a:ext uri="{FF2B5EF4-FFF2-40B4-BE49-F238E27FC236}">
+                <a16:creationId xmlns:a16="http://schemas.microsoft.com/office/drawing/2014/main" id="{041C70E5-B258-C540-8E1C-1357F56956E4}"/>
+              </a:ext>
+            </a:extLst>
+          </p:cNvPr>
+          <p:cNvPicPr>
+            <a:picLocks noChangeAspect="1"/>
+          </p:cNvPicPr>
+          <p:nvPr/>
+        </p:nvPicPr>
+        <p:blipFill>
+          <a:blip r:embed="rId2"/>
+          <a:stretch>
+            <a:fillRect/>
+          </a:stretch>
+        </p:blipFill>
+        <p:spPr>
+          <a:xfrm>
+            <a:off x="1358630" y="598251"/>
+            <a:ext cx="2743200" cy="2743200"/>
+          </a:xfrm>
+          <a:prstGeom prst="rect">
+            <a:avLst/>
+          </a:prstGeom>
+        </p:spPr>
+      </p:pic>
+      <p:pic>
+        <p:nvPicPr>
+          <p:cNvPr id="7" name="Picture 6">
+            <a:extLst>
+              <a:ext uri="{FF2B5EF4-FFF2-40B4-BE49-F238E27FC236}">
+                <a16:creationId xmlns:a16="http://schemas.microsoft.com/office/drawing/2014/main" id="{B1185DED-08BA-FE4D-88F8-3B98084DA5A3}"/>
+              </a:ext>
+            </a:extLst>
+          </p:cNvPr>
+          <p:cNvPicPr>
+            <a:picLocks noChangeAspect="1"/>
+          </p:cNvPicPr>
+          <p:nvPr/>
+        </p:nvPicPr>
+        <p:blipFill>
+          <a:blip r:embed="rId3"/>
+          <a:stretch>
+            <a:fillRect/>
+          </a:stretch>
+        </p:blipFill>
+        <p:spPr>
+          <a:xfrm>
+            <a:off x="6874212" y="598251"/>
+            <a:ext cx="2743200" cy="2743200"/>
+          </a:xfrm>
+          <a:prstGeom prst="rect">
+            <a:avLst/>
+          </a:prstGeom>
+        </p:spPr>
+      </p:pic>
+      <p:pic>
+        <p:nvPicPr>
+          <p:cNvPr id="11" name="Picture 10">
+            <a:extLst>
+              <a:ext uri="{FF2B5EF4-FFF2-40B4-BE49-F238E27FC236}">
+                <a16:creationId xmlns:a16="http://schemas.microsoft.com/office/drawing/2014/main" id="{C327F4C0-73E3-C14C-9B0D-EBB396FC02EE}"/>
+              </a:ext>
+            </a:extLst>
+          </p:cNvPr>
+          <p:cNvPicPr>
+            <a:picLocks noChangeAspect="1"/>
+          </p:cNvPicPr>
+          <p:nvPr/>
+        </p:nvPicPr>
+        <p:blipFill>
+          <a:blip r:embed="rId4"/>
+          <a:stretch>
+            <a:fillRect/>
+          </a:stretch>
+        </p:blipFill>
+        <p:spPr>
+          <a:xfrm>
+            <a:off x="3615448" y="3769468"/>
+            <a:ext cx="2743200" cy="2767370"/>
+          </a:xfrm>
+          <a:prstGeom prst="rect">
+            <a:avLst/>
+          </a:prstGeom>
+        </p:spPr>
+      </p:pic>
+      <p:sp>
+        <p:nvSpPr>
+          <p:cNvPr id="2" name="TextBox 1">
+            <a:extLst>
+              <a:ext uri="{FF2B5EF4-FFF2-40B4-BE49-F238E27FC236}">
+                <a16:creationId xmlns:a16="http://schemas.microsoft.com/office/drawing/2014/main" id="{42629754-2095-1248-B5E3-9333334D0C08}"/>
+              </a:ext>
+            </a:extLst>
+          </p:cNvPr>
+          <p:cNvSpPr txBox="1"/>
+          <p:nvPr/>
+        </p:nvSpPr>
+        <p:spPr>
+          <a:xfrm>
+            <a:off x="496111" y="301558"/>
+            <a:ext cx="1101199" cy="369332"/>
+          </a:xfrm>
+          <a:prstGeom prst="rect">
+            <a:avLst/>
+          </a:prstGeom>
+          <a:noFill/>
+        </p:spPr>
+        <p:txBody>
+          <a:bodyPr wrap="none" rtlCol="0">
+            <a:spAutoFit/>
+          </a:bodyPr>
+          <a:lstStyle/>
+          <a:p>
+            <a:r>
+              <a:rPr lang="en-US" dirty="0"/>
+              <a:t>Binarized </a:t>
+            </a:r>
+          </a:p>
+        </p:txBody>
+      </p:sp>
+      <p:sp>
+        <p:nvSpPr>
+          <p:cNvPr id="4" name="TextBox 3">
+            <a:extLst>
+              <a:ext uri="{FF2B5EF4-FFF2-40B4-BE49-F238E27FC236}">
+                <a16:creationId xmlns:a16="http://schemas.microsoft.com/office/drawing/2014/main" id="{62CC6AB0-6FC9-C742-BCEA-0FF8A995BAE9}"/>
+              </a:ext>
+            </a:extLst>
+          </p:cNvPr>
+          <p:cNvSpPr txBox="1"/>
+          <p:nvPr/>
+        </p:nvSpPr>
+        <p:spPr>
+          <a:xfrm>
+            <a:off x="1046710" y="4163438"/>
+            <a:ext cx="2462725" cy="369332"/>
+          </a:xfrm>
+          <a:prstGeom prst="rect">
+            <a:avLst/>
+          </a:prstGeom>
+          <a:noFill/>
+        </p:spPr>
+        <p:txBody>
+          <a:bodyPr wrap="none" rtlCol="0">
+            <a:spAutoFit/>
+          </a:bodyPr>
+          <a:lstStyle/>
+          <a:p>
+            <a:r>
+              <a:rPr lang="en-US" dirty="0" err="1"/>
+              <a:t>Downsampled</a:t>
+            </a:r>
+            <a:r>
+              <a:rPr lang="en-US" dirty="0"/>
+              <a:t> and crop </a:t>
+            </a:r>
+          </a:p>
+        </p:txBody>
+      </p:sp>
+    </p:spTree>
+    <p:extLst>
+      <p:ext uri="{BB962C8B-B14F-4D97-AF65-F5344CB8AC3E}">
+        <p14:creationId xmlns:p14="http://schemas.microsoft.com/office/powerpoint/2010/main" val="968249077"/>
+      </p:ext>
+    </p:extLst>
+  </p:cSld>
+  <p:clrMapOvr>
+    <a:masterClrMapping/>
+  </p:clrMapOvr>
+</p:sld>
+</file>
+
+<file path=ppt/slides/slide5.xml><?xml version="1.0" encoding="utf-8"?>
+<p:sld xmlns:a="http://schemas.openxmlformats.org/drawingml/2006/main" xmlns:r="http://schemas.openxmlformats.org/officeDocument/2006/relationships" xmlns:p="http://schemas.openxmlformats.org/presentationml/2006/main">
+  <p:cSld>
+    <p:spTree>
+      <p:nvGrpSpPr>
+        <p:cNvPr id="1" name=""/>
+        <p:cNvGrpSpPr/>
+        <p:nvPr/>
+      </p:nvGrpSpPr>
+      <p:grpSpPr>
+        <a:xfrm>
+          <a:off x="0" y="0"/>
+          <a:ext cx="0" cy="0"/>
+          <a:chOff x="0" y="0"/>
+          <a:chExt cx="0" cy="0"/>
+        </a:xfrm>
+      </p:grpSpPr>
+      <p:pic>
+        <p:nvPicPr>
+          <p:cNvPr id="14" name="Picture 13">
+            <a:extLst>
+              <a:ext uri="{FF2B5EF4-FFF2-40B4-BE49-F238E27FC236}">
+                <a16:creationId xmlns:a16="http://schemas.microsoft.com/office/drawing/2014/main" id="{7A2230B4-E188-9848-B9F7-A740F72B3BBD}"/>
+              </a:ext>
+            </a:extLst>
+          </p:cNvPr>
+          <p:cNvPicPr>
+            <a:picLocks noChangeAspect="1"/>
+          </p:cNvPicPr>
+          <p:nvPr/>
+        </p:nvPicPr>
+        <p:blipFill>
+          <a:blip r:embed="rId2"/>
+          <a:stretch>
+            <a:fillRect/>
+          </a:stretch>
+        </p:blipFill>
+        <p:spPr>
+          <a:xfrm>
+            <a:off x="529414" y="897444"/>
+            <a:ext cx="3410289" cy="3410289"/>
+          </a:xfrm>
+          <a:prstGeom prst="rect">
+            <a:avLst/>
+          </a:prstGeom>
+        </p:spPr>
+      </p:pic>
+      <p:sp>
+        <p:nvSpPr>
+          <p:cNvPr id="15" name="TextBox 14">
+            <a:extLst>
+              <a:ext uri="{FF2B5EF4-FFF2-40B4-BE49-F238E27FC236}">
+                <a16:creationId xmlns:a16="http://schemas.microsoft.com/office/drawing/2014/main" id="{8D96CD51-B8F5-2B4B-8A52-059502B79555}"/>
+              </a:ext>
+            </a:extLst>
+          </p:cNvPr>
+          <p:cNvSpPr txBox="1"/>
+          <p:nvPr/>
+        </p:nvSpPr>
+        <p:spPr>
+          <a:xfrm>
+            <a:off x="945423" y="528112"/>
+            <a:ext cx="2578270" cy="369332"/>
+          </a:xfrm>
+          <a:prstGeom prst="rect">
+            <a:avLst/>
+          </a:prstGeom>
+          <a:noFill/>
+        </p:spPr>
+        <p:txBody>
+          <a:bodyPr wrap="none" rtlCol="0">
+            <a:spAutoFit/>
+          </a:bodyPr>
+          <a:lstStyle/>
+          <a:p>
+            <a:r>
+              <a:rPr lang="en-US" dirty="0"/>
+              <a:t>Just 2% of measurements</a:t>
+            </a:r>
+          </a:p>
+        </p:txBody>
+      </p:sp>
+      <p:pic>
+        <p:nvPicPr>
+          <p:cNvPr id="17" name="Picture 16">
+            <a:extLst>
+              <a:ext uri="{FF2B5EF4-FFF2-40B4-BE49-F238E27FC236}">
+                <a16:creationId xmlns:a16="http://schemas.microsoft.com/office/drawing/2014/main" id="{E8604359-E03D-844C-8D8C-EE9CAB2CE2F6}"/>
+              </a:ext>
+            </a:extLst>
+          </p:cNvPr>
+          <p:cNvPicPr>
+            <a:picLocks noChangeAspect="1"/>
+          </p:cNvPicPr>
+          <p:nvPr/>
+        </p:nvPicPr>
+        <p:blipFill>
+          <a:blip r:embed="rId3"/>
+          <a:stretch>
+            <a:fillRect/>
+          </a:stretch>
+        </p:blipFill>
+        <p:spPr>
+          <a:xfrm>
+            <a:off x="4289763" y="1212343"/>
+            <a:ext cx="3771110" cy="2780490"/>
+          </a:xfrm>
+          <a:prstGeom prst="rect">
+            <a:avLst/>
+          </a:prstGeom>
+        </p:spPr>
+      </p:pic>
+      <p:pic>
+        <p:nvPicPr>
+          <p:cNvPr id="19" name="Picture 18">
+            <a:extLst>
+              <a:ext uri="{FF2B5EF4-FFF2-40B4-BE49-F238E27FC236}">
+                <a16:creationId xmlns:a16="http://schemas.microsoft.com/office/drawing/2014/main" id="{B0A53854-E8D3-5A41-B018-945D4DEEFE0E}"/>
+              </a:ext>
+            </a:extLst>
+          </p:cNvPr>
+          <p:cNvPicPr>
+            <a:picLocks noChangeAspect="1"/>
+          </p:cNvPicPr>
+          <p:nvPr/>
+        </p:nvPicPr>
+        <p:blipFill>
+          <a:blip r:embed="rId4"/>
+          <a:stretch>
+            <a:fillRect/>
+          </a:stretch>
+        </p:blipFill>
+        <p:spPr>
+          <a:xfrm>
+            <a:off x="8596732" y="1077102"/>
+            <a:ext cx="3065854" cy="3050971"/>
+          </a:xfrm>
+          <a:prstGeom prst="rect">
+            <a:avLst/>
+          </a:prstGeom>
+        </p:spPr>
+      </p:pic>
+      <p:pic>
+        <p:nvPicPr>
+          <p:cNvPr id="21" name="Picture 20">
+            <a:extLst>
+              <a:ext uri="{FF2B5EF4-FFF2-40B4-BE49-F238E27FC236}">
+                <a16:creationId xmlns:a16="http://schemas.microsoft.com/office/drawing/2014/main" id="{A7D47EF5-F662-074D-9F95-CE960D466848}"/>
+              </a:ext>
+            </a:extLst>
+          </p:cNvPr>
+          <p:cNvPicPr>
+            <a:picLocks noChangeAspect="1"/>
+          </p:cNvPicPr>
+          <p:nvPr/>
+        </p:nvPicPr>
+        <p:blipFill>
+          <a:blip r:embed="rId5"/>
+          <a:stretch>
+            <a:fillRect/>
+          </a:stretch>
+        </p:blipFill>
+        <p:spPr>
+          <a:xfrm>
+            <a:off x="4705040" y="4240179"/>
+            <a:ext cx="3119869" cy="2617821"/>
+          </a:xfrm>
+          <a:prstGeom prst="rect">
+            <a:avLst/>
+          </a:prstGeom>
+        </p:spPr>
+      </p:pic>
+    </p:spTree>
+    <p:extLst>
+      <p:ext uri="{BB962C8B-B14F-4D97-AF65-F5344CB8AC3E}">
+        <p14:creationId xmlns:p14="http://schemas.microsoft.com/office/powerpoint/2010/main" val="4168040403"/>
+      </p:ext>
+    </p:extLst>
+  </p:cSld>
+  <p:clrMapOvr>
+    <a:masterClrMapping/>
+  </p:clrMapOvr>
+</p:sld>
+</file>
+
+<file path=ppt/slides/slide6.xml><?xml version="1.0" encoding="utf-8"?>
+<p:sld xmlns:a="http://schemas.openxmlformats.org/drawingml/2006/main" xmlns:r="http://schemas.openxmlformats.org/officeDocument/2006/relationships" xmlns:p="http://schemas.openxmlformats.org/presentationml/2006/main">
+  <p:cSld>
+    <p:spTree>
+      <p:nvGrpSpPr>
+        <p:cNvPr id="1" name=""/>
+        <p:cNvGrpSpPr/>
+        <p:nvPr/>
+      </p:nvGrpSpPr>
+      <p:grpSpPr>
+        <a:xfrm>
+          <a:off x="0" y="0"/>
+          <a:ext cx="0" cy="0"/>
+          <a:chOff x="0" y="0"/>
+          <a:chExt cx="0" cy="0"/>
+        </a:xfrm>
+      </p:grpSpPr>
+      <p:pic>
+        <p:nvPicPr>
+          <p:cNvPr id="3" name="Picture 2">
+            <a:extLst>
+              <a:ext uri="{FF2B5EF4-FFF2-40B4-BE49-F238E27FC236}">
+                <a16:creationId xmlns:a16="http://schemas.microsoft.com/office/drawing/2014/main" id="{1AA6D635-8DE2-5F4C-8E79-00314D2F0B54}"/>
+              </a:ext>
+            </a:extLst>
+          </p:cNvPr>
+          <p:cNvPicPr>
+            <a:picLocks noChangeAspect="1"/>
+          </p:cNvPicPr>
+          <p:nvPr/>
+        </p:nvPicPr>
+        <p:blipFill>
+          <a:blip r:embed="rId2"/>
+          <a:stretch>
+            <a:fillRect/>
+          </a:stretch>
+        </p:blipFill>
+        <p:spPr>
+          <a:xfrm>
+            <a:off x="156589" y="1028565"/>
+            <a:ext cx="3746500" cy="3263900"/>
+          </a:xfrm>
+          <a:prstGeom prst="rect">
+            <a:avLst/>
+          </a:prstGeom>
+        </p:spPr>
+      </p:pic>
+      <p:pic>
+        <p:nvPicPr>
+          <p:cNvPr id="5" name="Picture 4">
+            <a:extLst>
+              <a:ext uri="{FF2B5EF4-FFF2-40B4-BE49-F238E27FC236}">
+                <a16:creationId xmlns:a16="http://schemas.microsoft.com/office/drawing/2014/main" id="{0D1A159D-40CC-A445-8542-55BA2049A431}"/>
+              </a:ext>
+            </a:extLst>
+          </p:cNvPr>
+          <p:cNvPicPr>
+            <a:picLocks noChangeAspect="1"/>
+          </p:cNvPicPr>
+          <p:nvPr/>
+        </p:nvPicPr>
+        <p:blipFill>
+          <a:blip r:embed="rId3"/>
+          <a:stretch>
+            <a:fillRect/>
+          </a:stretch>
+        </p:blipFill>
+        <p:spPr>
+          <a:xfrm>
+            <a:off x="3903089" y="1239078"/>
+            <a:ext cx="3746500" cy="2842873"/>
+          </a:xfrm>
+          <a:prstGeom prst="rect">
+            <a:avLst/>
+          </a:prstGeom>
+        </p:spPr>
+      </p:pic>
+      <p:pic>
+        <p:nvPicPr>
+          <p:cNvPr id="7" name="Picture 6">
+            <a:extLst>
+              <a:ext uri="{FF2B5EF4-FFF2-40B4-BE49-F238E27FC236}">
+                <a16:creationId xmlns:a16="http://schemas.microsoft.com/office/drawing/2014/main" id="{59D74B4D-43D6-5548-A28E-8B0293E2016B}"/>
+              </a:ext>
+            </a:extLst>
+          </p:cNvPr>
+          <p:cNvPicPr>
+            <a:picLocks noChangeAspect="1"/>
+          </p:cNvPicPr>
+          <p:nvPr/>
+        </p:nvPicPr>
+        <p:blipFill>
+          <a:blip r:embed="rId4"/>
+          <a:stretch>
+            <a:fillRect/>
+          </a:stretch>
+        </p:blipFill>
+        <p:spPr>
+          <a:xfrm>
+            <a:off x="7799557" y="914264"/>
+            <a:ext cx="3771900" cy="3492500"/>
+          </a:xfrm>
+          <a:prstGeom prst="rect">
+            <a:avLst/>
+          </a:prstGeom>
+        </p:spPr>
+      </p:pic>
+      <p:pic>
+        <p:nvPicPr>
+          <p:cNvPr id="11" name="Picture 10">
+            <a:extLst>
+              <a:ext uri="{FF2B5EF4-FFF2-40B4-BE49-F238E27FC236}">
+                <a16:creationId xmlns:a16="http://schemas.microsoft.com/office/drawing/2014/main" id="{E38B9648-7C2E-144B-92F6-432037F38BF9}"/>
+              </a:ext>
+            </a:extLst>
+          </p:cNvPr>
+          <p:cNvPicPr>
+            <a:picLocks noChangeAspect="1"/>
+          </p:cNvPicPr>
+          <p:nvPr/>
+        </p:nvPicPr>
+        <p:blipFill>
+          <a:blip r:embed="rId5"/>
+          <a:stretch>
+            <a:fillRect/>
+          </a:stretch>
+        </p:blipFill>
+        <p:spPr>
+          <a:xfrm>
+            <a:off x="4392444" y="4292464"/>
+            <a:ext cx="2976933" cy="2464289"/>
+          </a:xfrm>
+          <a:prstGeom prst="rect">
+            <a:avLst/>
+          </a:prstGeom>
+        </p:spPr>
+      </p:pic>
+    </p:spTree>
+    <p:extLst>
+      <p:ext uri="{BB962C8B-B14F-4D97-AF65-F5344CB8AC3E}">
+        <p14:creationId xmlns:p14="http://schemas.microsoft.com/office/powerpoint/2010/main" val="1923623714"/>
+      </p:ext>
+    </p:extLst>
+  </p:cSld>
+  <p:clrMapOvr>
+    <a:masterClrMapping/>
+  </p:clrMapOvr>
+</p:sld>
+</file>
+
 <file path=ppt/theme/theme1.xml><?xml version="1.0" encoding="utf-8"?>
 <a:theme xmlns:a="http://schemas.openxmlformats.org/drawingml/2006/main" name="Office Theme">
   <a:themeElements>

--- a/preject.pptx
+++ b/preject.pptx
@@ -6,11 +6,18 @@
   </p:sldMasterIdLst>
   <p:sldIdLst>
     <p:sldId id="256" r:id="rId2"/>
-    <p:sldId id="257" r:id="rId3"/>
-    <p:sldId id="258" r:id="rId4"/>
-    <p:sldId id="260" r:id="rId5"/>
-    <p:sldId id="259" r:id="rId6"/>
-    <p:sldId id="261" r:id="rId7"/>
+    <p:sldId id="264" r:id="rId3"/>
+    <p:sldId id="263" r:id="rId4"/>
+    <p:sldId id="265" r:id="rId5"/>
+    <p:sldId id="266" r:id="rId6"/>
+    <p:sldId id="257" r:id="rId7"/>
+    <p:sldId id="267" r:id="rId8"/>
+    <p:sldId id="260" r:id="rId9"/>
+    <p:sldId id="270" r:id="rId10"/>
+    <p:sldId id="268" r:id="rId11"/>
+    <p:sldId id="259" r:id="rId12"/>
+    <p:sldId id="261" r:id="rId13"/>
+    <p:sldId id="269" r:id="rId14"/>
   </p:sldIdLst>
   <p:sldSz cx="12192000" cy="6858000"/>
   <p:notesSz cx="6858000" cy="9144000"/>
@@ -109,6 +116,11 @@
       </a:defRPr>
     </a:lvl9pPr>
   </p:defaultTextStyle>
+  <p:extLst>
+    <p:ext uri="{EFAFB233-063F-42B5-8137-9DF3F51BA10A}">
+      <p15:sldGuideLst xmlns:p15="http://schemas.microsoft.com/office/powerpoint/2012/main"/>
+    </p:ext>
+  </p:extLst>
 </p:presentation>
 </file>
 
@@ -259,7 +271,7 @@
           <a:p>
             <a:fld id="{12AC0475-D1BF-6748-99D7-5F4ACE0198D3}" type="datetimeFigureOut">
               <a:rPr lang="en-US" smtClean="0"/>
-              <a:t>4/18/21</a:t>
+              <a:t>4/21/21</a:t>
             </a:fld>
             <a:endParaRPr lang="en-US"/>
           </a:p>
@@ -457,7 +469,7 @@
           <a:p>
             <a:fld id="{12AC0475-D1BF-6748-99D7-5F4ACE0198D3}" type="datetimeFigureOut">
               <a:rPr lang="en-US" smtClean="0"/>
-              <a:t>4/18/21</a:t>
+              <a:t>4/21/21</a:t>
             </a:fld>
             <a:endParaRPr lang="en-US"/>
           </a:p>
@@ -665,7 +677,7 @@
           <a:p>
             <a:fld id="{12AC0475-D1BF-6748-99D7-5F4ACE0198D3}" type="datetimeFigureOut">
               <a:rPr lang="en-US" smtClean="0"/>
-              <a:t>4/18/21</a:t>
+              <a:t>4/21/21</a:t>
             </a:fld>
             <a:endParaRPr lang="en-US"/>
           </a:p>
@@ -863,7 +875,7 @@
           <a:p>
             <a:fld id="{12AC0475-D1BF-6748-99D7-5F4ACE0198D3}" type="datetimeFigureOut">
               <a:rPr lang="en-US" smtClean="0"/>
-              <a:t>4/18/21</a:t>
+              <a:t>4/21/21</a:t>
             </a:fld>
             <a:endParaRPr lang="en-US"/>
           </a:p>
@@ -1138,7 +1150,7 @@
           <a:p>
             <a:fld id="{12AC0475-D1BF-6748-99D7-5F4ACE0198D3}" type="datetimeFigureOut">
               <a:rPr lang="en-US" smtClean="0"/>
-              <a:t>4/18/21</a:t>
+              <a:t>4/21/21</a:t>
             </a:fld>
             <a:endParaRPr lang="en-US"/>
           </a:p>
@@ -1403,7 +1415,7 @@
           <a:p>
             <a:fld id="{12AC0475-D1BF-6748-99D7-5F4ACE0198D3}" type="datetimeFigureOut">
               <a:rPr lang="en-US" smtClean="0"/>
-              <a:t>4/18/21</a:t>
+              <a:t>4/21/21</a:t>
             </a:fld>
             <a:endParaRPr lang="en-US"/>
           </a:p>
@@ -1815,7 +1827,7 @@
           <a:p>
             <a:fld id="{12AC0475-D1BF-6748-99D7-5F4ACE0198D3}" type="datetimeFigureOut">
               <a:rPr lang="en-US" smtClean="0"/>
-              <a:t>4/18/21</a:t>
+              <a:t>4/21/21</a:t>
             </a:fld>
             <a:endParaRPr lang="en-US"/>
           </a:p>
@@ -1956,7 +1968,7 @@
           <a:p>
             <a:fld id="{12AC0475-D1BF-6748-99D7-5F4ACE0198D3}" type="datetimeFigureOut">
               <a:rPr lang="en-US" smtClean="0"/>
-              <a:t>4/18/21</a:t>
+              <a:t>4/21/21</a:t>
             </a:fld>
             <a:endParaRPr lang="en-US"/>
           </a:p>
@@ -2069,7 +2081,7 @@
           <a:p>
             <a:fld id="{12AC0475-D1BF-6748-99D7-5F4ACE0198D3}" type="datetimeFigureOut">
               <a:rPr lang="en-US" smtClean="0"/>
-              <a:t>4/18/21</a:t>
+              <a:t>4/21/21</a:t>
             </a:fld>
             <a:endParaRPr lang="en-US"/>
           </a:p>
@@ -2380,7 +2392,7 @@
           <a:p>
             <a:fld id="{12AC0475-D1BF-6748-99D7-5F4ACE0198D3}" type="datetimeFigureOut">
               <a:rPr lang="en-US" smtClean="0"/>
-              <a:t>4/18/21</a:t>
+              <a:t>4/21/21</a:t>
             </a:fld>
             <a:endParaRPr lang="en-US"/>
           </a:p>
@@ -2668,7 +2680,7 @@
           <a:p>
             <a:fld id="{12AC0475-D1BF-6748-99D7-5F4ACE0198D3}" type="datetimeFigureOut">
               <a:rPr lang="en-US" smtClean="0"/>
-              <a:t>4/18/21</a:t>
+              <a:t>4/21/21</a:t>
             </a:fld>
             <a:endParaRPr lang="en-US"/>
           </a:p>
@@ -2909,7 +2921,7 @@
           <a:p>
             <a:fld id="{12AC0475-D1BF-6748-99D7-5F4ACE0198D3}" type="datetimeFigureOut">
               <a:rPr lang="en-US" smtClean="0"/>
-              <a:t>4/18/21</a:t>
+              <a:t>4/21/21</a:t>
             </a:fld>
             <a:endParaRPr lang="en-US"/>
           </a:p>
@@ -3326,6 +3338,2812 @@
           <a:chExt cx="0" cy="0"/>
         </a:xfrm>
       </p:grpSpPr>
+      <p:sp>
+        <p:nvSpPr>
+          <p:cNvPr id="17" name="Rectangle 16">
+            <a:extLst>
+              <a:ext uri="{FF2B5EF4-FFF2-40B4-BE49-F238E27FC236}">
+                <a16:creationId xmlns:a16="http://schemas.microsoft.com/office/drawing/2014/main" id="{9550235C-1024-244B-9F2E-B1C7B154F452}"/>
+              </a:ext>
+            </a:extLst>
+          </p:cNvPr>
+          <p:cNvSpPr/>
+          <p:nvPr/>
+        </p:nvSpPr>
+        <p:spPr>
+          <a:xfrm>
+            <a:off x="1885473" y="1556425"/>
+            <a:ext cx="8625246" cy="1138773"/>
+          </a:xfrm>
+          <a:prstGeom prst="rect">
+            <a:avLst/>
+          </a:prstGeom>
+        </p:spPr>
+        <p:txBody>
+          <a:bodyPr wrap="none">
+            <a:spAutoFit/>
+          </a:bodyPr>
+          <a:lstStyle/>
+          <a:p>
+            <a:r>
+              <a:rPr lang="en-US" sz="2800" dirty="0"/>
+              <a:t>Mechanical field reconstruction from limited observations</a:t>
+            </a:r>
+          </a:p>
+          <a:p>
+            <a:pPr algn="ctr"/>
+            <a:r>
+              <a:rPr lang="en-US" sz="2000" dirty="0" err="1"/>
+              <a:t>Bahador</a:t>
+            </a:r>
+            <a:r>
+              <a:rPr lang="en-US" sz="2000" dirty="0"/>
+              <a:t> Bahmani</a:t>
+            </a:r>
+          </a:p>
+          <a:p>
+            <a:pPr algn="ctr"/>
+            <a:r>
+              <a:rPr lang="en-US" sz="2000" dirty="0"/>
+              <a:t>bb2969@Columbia.edu</a:t>
+            </a:r>
+          </a:p>
+        </p:txBody>
+      </p:sp>
+    </p:spTree>
+    <p:extLst>
+      <p:ext uri="{BB962C8B-B14F-4D97-AF65-F5344CB8AC3E}">
+        <p14:creationId xmlns:p14="http://schemas.microsoft.com/office/powerpoint/2010/main" val="3425089107"/>
+      </p:ext>
+    </p:extLst>
+  </p:cSld>
+  <p:clrMapOvr>
+    <a:masterClrMapping/>
+  </p:clrMapOvr>
+</p:sld>
+</file>
+
+<file path=ppt/slides/slide10.xml><?xml version="1.0" encoding="utf-8"?>
+<p:sld xmlns:a="http://schemas.openxmlformats.org/drawingml/2006/main" xmlns:r="http://schemas.openxmlformats.org/officeDocument/2006/relationships" xmlns:p="http://schemas.openxmlformats.org/presentationml/2006/main">
+  <p:cSld>
+    <p:spTree>
+      <p:nvGrpSpPr>
+        <p:cNvPr id="1" name=""/>
+        <p:cNvGrpSpPr/>
+        <p:nvPr/>
+      </p:nvGrpSpPr>
+      <p:grpSpPr>
+        <a:xfrm>
+          <a:off x="0" y="0"/>
+          <a:ext cx="0" cy="0"/>
+          <a:chOff x="0" y="0"/>
+          <a:chExt cx="0" cy="0"/>
+        </a:xfrm>
+      </p:grpSpPr>
+      <p:sp>
+        <p:nvSpPr>
+          <p:cNvPr id="8" name="TextBox 7">
+            <a:extLst>
+              <a:ext uri="{FF2B5EF4-FFF2-40B4-BE49-F238E27FC236}">
+                <a16:creationId xmlns:a16="http://schemas.microsoft.com/office/drawing/2014/main" id="{C74BE216-385C-9146-B656-C67128BA1F10}"/>
+              </a:ext>
+            </a:extLst>
+          </p:cNvPr>
+          <p:cNvSpPr txBox="1"/>
+          <p:nvPr/>
+        </p:nvSpPr>
+        <p:spPr>
+          <a:xfrm>
+            <a:off x="21425" y="69378"/>
+            <a:ext cx="3565528" cy="400110"/>
+          </a:xfrm>
+          <a:prstGeom prst="rect">
+            <a:avLst/>
+          </a:prstGeom>
+          <a:noFill/>
+        </p:spPr>
+        <p:txBody>
+          <a:bodyPr wrap="none" rtlCol="0">
+            <a:spAutoFit/>
+          </a:bodyPr>
+          <a:lstStyle/>
+          <a:p>
+            <a:r>
+              <a:rPr lang="en-US" sz="2000" dirty="0"/>
+              <a:t>Toy problem 2: Data preparation</a:t>
+            </a:r>
+          </a:p>
+        </p:txBody>
+      </p:sp>
+      <p:sp>
+        <p:nvSpPr>
+          <p:cNvPr id="2" name="TextBox 1">
+            <a:extLst>
+              <a:ext uri="{FF2B5EF4-FFF2-40B4-BE49-F238E27FC236}">
+                <a16:creationId xmlns:a16="http://schemas.microsoft.com/office/drawing/2014/main" id="{4625E87B-44B7-AA4E-91AF-177B570A647A}"/>
+              </a:ext>
+            </a:extLst>
+          </p:cNvPr>
+          <p:cNvSpPr txBox="1"/>
+          <p:nvPr/>
+        </p:nvSpPr>
+        <p:spPr>
+          <a:xfrm>
+            <a:off x="446567" y="667582"/>
+            <a:ext cx="7309502" cy="923330"/>
+          </a:xfrm>
+          <a:prstGeom prst="rect">
+            <a:avLst/>
+          </a:prstGeom>
+          <a:noFill/>
+        </p:spPr>
+        <p:txBody>
+          <a:bodyPr wrap="none" rtlCol="0">
+            <a:spAutoFit/>
+          </a:bodyPr>
+          <a:lstStyle/>
+          <a:p>
+            <a:pPr marL="285750" indent="-285750">
+              <a:buFont typeface="Arial" panose="020B0604020202020204" pitchFamily="34" charset="0"/>
+              <a:buChar char="•"/>
+            </a:pPr>
+            <a:r>
+              <a:rPr lang="en-US" dirty="0"/>
+              <a:t>we record 300 snapshots from beginning to the steady state condition</a:t>
+            </a:r>
+          </a:p>
+          <a:p>
+            <a:pPr marL="285750" indent="-285750">
+              <a:buFont typeface="Arial" panose="020B0604020202020204" pitchFamily="34" charset="0"/>
+              <a:buChar char="•"/>
+            </a:pPr>
+            <a:r>
+              <a:rPr lang="en-US" dirty="0"/>
+              <a:t>250 random snapshots are used to construct the library</a:t>
+            </a:r>
+          </a:p>
+          <a:p>
+            <a:pPr marL="285750" indent="-285750">
+              <a:buFont typeface="Arial" panose="020B0604020202020204" pitchFamily="34" charset="0"/>
+              <a:buChar char="•"/>
+            </a:pPr>
+            <a:r>
+              <a:rPr lang="en-US" dirty="0"/>
+              <a:t>For reconstruction we select from those data not presented in the library</a:t>
+            </a:r>
+          </a:p>
+        </p:txBody>
+      </p:sp>
+      <p:pic>
+        <p:nvPicPr>
+          <p:cNvPr id="16" name="Picture 15">
+            <a:extLst>
+              <a:ext uri="{FF2B5EF4-FFF2-40B4-BE49-F238E27FC236}">
+                <a16:creationId xmlns:a16="http://schemas.microsoft.com/office/drawing/2014/main" id="{65409BF2-3A98-304C-B0C0-C2C07DB9111F}"/>
+              </a:ext>
+            </a:extLst>
+          </p:cNvPr>
+          <p:cNvPicPr>
+            <a:picLocks noChangeAspect="1"/>
+          </p:cNvPicPr>
+          <p:nvPr/>
+        </p:nvPicPr>
+        <p:blipFill>
+          <a:blip r:embed="rId2"/>
+          <a:stretch>
+            <a:fillRect/>
+          </a:stretch>
+        </p:blipFill>
+        <p:spPr>
+          <a:xfrm>
+            <a:off x="3933594" y="2663554"/>
+            <a:ext cx="3822306" cy="3822306"/>
+          </a:xfrm>
+          <a:prstGeom prst="rect">
+            <a:avLst/>
+          </a:prstGeom>
+        </p:spPr>
+      </p:pic>
+      <p:sp>
+        <p:nvSpPr>
+          <p:cNvPr id="17" name="TextBox 16">
+            <a:extLst>
+              <a:ext uri="{FF2B5EF4-FFF2-40B4-BE49-F238E27FC236}">
+                <a16:creationId xmlns:a16="http://schemas.microsoft.com/office/drawing/2014/main" id="{E1110C96-CEE7-4F4C-BE0E-0A9226903BB0}"/>
+              </a:ext>
+            </a:extLst>
+          </p:cNvPr>
+          <p:cNvSpPr txBox="1"/>
+          <p:nvPr/>
+        </p:nvSpPr>
+        <p:spPr>
+          <a:xfrm>
+            <a:off x="4700540" y="2294222"/>
+            <a:ext cx="2578270" cy="369332"/>
+          </a:xfrm>
+          <a:prstGeom prst="rect">
+            <a:avLst/>
+          </a:prstGeom>
+          <a:noFill/>
+        </p:spPr>
+        <p:txBody>
+          <a:bodyPr wrap="none" rtlCol="0">
+            <a:spAutoFit/>
+          </a:bodyPr>
+          <a:lstStyle/>
+          <a:p>
+            <a:r>
+              <a:rPr lang="en-US" dirty="0"/>
+              <a:t>Just 2% of measurements</a:t>
+            </a:r>
+          </a:p>
+        </p:txBody>
+      </p:sp>
+    </p:spTree>
+    <p:extLst>
+      <p:ext uri="{BB962C8B-B14F-4D97-AF65-F5344CB8AC3E}">
+        <p14:creationId xmlns:p14="http://schemas.microsoft.com/office/powerpoint/2010/main" val="3599638248"/>
+      </p:ext>
+    </p:extLst>
+  </p:cSld>
+  <p:clrMapOvr>
+    <a:masterClrMapping/>
+  </p:clrMapOvr>
+</p:sld>
+</file>
+
+<file path=ppt/slides/slide11.xml><?xml version="1.0" encoding="utf-8"?>
+<p:sld xmlns:a="http://schemas.openxmlformats.org/drawingml/2006/main" xmlns:r="http://schemas.openxmlformats.org/officeDocument/2006/relationships" xmlns:p="http://schemas.openxmlformats.org/presentationml/2006/main">
+  <p:cSld>
+    <p:spTree>
+      <p:nvGrpSpPr>
+        <p:cNvPr id="1" name=""/>
+        <p:cNvGrpSpPr/>
+        <p:nvPr/>
+      </p:nvGrpSpPr>
+      <p:grpSpPr>
+        <a:xfrm>
+          <a:off x="0" y="0"/>
+          <a:ext cx="0" cy="0"/>
+          <a:chOff x="0" y="0"/>
+          <a:chExt cx="0" cy="0"/>
+        </a:xfrm>
+      </p:grpSpPr>
+      <p:pic>
+        <p:nvPicPr>
+          <p:cNvPr id="17" name="Picture 16">
+            <a:extLst>
+              <a:ext uri="{FF2B5EF4-FFF2-40B4-BE49-F238E27FC236}">
+                <a16:creationId xmlns:a16="http://schemas.microsoft.com/office/drawing/2014/main" id="{E8604359-E03D-844C-8D8C-EE9CAB2CE2F6}"/>
+              </a:ext>
+            </a:extLst>
+          </p:cNvPr>
+          <p:cNvPicPr>
+            <a:picLocks noChangeAspect="1"/>
+          </p:cNvPicPr>
+          <p:nvPr/>
+        </p:nvPicPr>
+        <p:blipFill>
+          <a:blip r:embed="rId2"/>
+          <a:stretch>
+            <a:fillRect/>
+          </a:stretch>
+        </p:blipFill>
+        <p:spPr>
+          <a:xfrm>
+            <a:off x="472471" y="4299685"/>
+            <a:ext cx="3161860" cy="2331282"/>
+          </a:xfrm>
+          <a:prstGeom prst="rect">
+            <a:avLst/>
+          </a:prstGeom>
+        </p:spPr>
+      </p:pic>
+      <p:pic>
+        <p:nvPicPr>
+          <p:cNvPr id="19" name="Picture 18">
+            <a:extLst>
+              <a:ext uri="{FF2B5EF4-FFF2-40B4-BE49-F238E27FC236}">
+                <a16:creationId xmlns:a16="http://schemas.microsoft.com/office/drawing/2014/main" id="{B0A53854-E8D3-5A41-B018-945D4DEEFE0E}"/>
+              </a:ext>
+            </a:extLst>
+          </p:cNvPr>
+          <p:cNvPicPr>
+            <a:picLocks noChangeAspect="1"/>
+          </p:cNvPicPr>
+          <p:nvPr/>
+        </p:nvPicPr>
+        <p:blipFill>
+          <a:blip r:embed="rId3"/>
+          <a:stretch>
+            <a:fillRect/>
+          </a:stretch>
+        </p:blipFill>
+        <p:spPr>
+          <a:xfrm>
+            <a:off x="5018960" y="4061637"/>
+            <a:ext cx="2647114" cy="2634264"/>
+          </a:xfrm>
+          <a:prstGeom prst="rect">
+            <a:avLst/>
+          </a:prstGeom>
+        </p:spPr>
+      </p:pic>
+      <p:pic>
+        <p:nvPicPr>
+          <p:cNvPr id="21" name="Picture 20">
+            <a:extLst>
+              <a:ext uri="{FF2B5EF4-FFF2-40B4-BE49-F238E27FC236}">
+                <a16:creationId xmlns:a16="http://schemas.microsoft.com/office/drawing/2014/main" id="{A7D47EF5-F662-074D-9F95-CE960D466848}"/>
+              </a:ext>
+            </a:extLst>
+          </p:cNvPr>
+          <p:cNvPicPr>
+            <a:picLocks noChangeAspect="1"/>
+          </p:cNvPicPr>
+          <p:nvPr/>
+        </p:nvPicPr>
+        <p:blipFill>
+          <a:blip r:embed="rId4"/>
+          <a:stretch>
+            <a:fillRect/>
+          </a:stretch>
+        </p:blipFill>
+        <p:spPr>
+          <a:xfrm>
+            <a:off x="8701661" y="4061636"/>
+            <a:ext cx="3139465" cy="2634264"/>
+          </a:xfrm>
+          <a:prstGeom prst="rect">
+            <a:avLst/>
+          </a:prstGeom>
+        </p:spPr>
+      </p:pic>
+      <p:sp>
+        <p:nvSpPr>
+          <p:cNvPr id="7" name="TextBox 6">
+            <a:extLst>
+              <a:ext uri="{FF2B5EF4-FFF2-40B4-BE49-F238E27FC236}">
+                <a16:creationId xmlns:a16="http://schemas.microsoft.com/office/drawing/2014/main" id="{5DF48528-55E9-EB49-A7D2-C6452EDF4ACB}"/>
+              </a:ext>
+            </a:extLst>
+          </p:cNvPr>
+          <p:cNvSpPr txBox="1"/>
+          <p:nvPr/>
+        </p:nvSpPr>
+        <p:spPr>
+          <a:xfrm>
+            <a:off x="0" y="60279"/>
+            <a:ext cx="5527732" cy="400110"/>
+          </a:xfrm>
+          <a:prstGeom prst="rect">
+            <a:avLst/>
+          </a:prstGeom>
+          <a:noFill/>
+        </p:spPr>
+        <p:txBody>
+          <a:bodyPr wrap="none" rtlCol="0">
+            <a:spAutoFit/>
+          </a:bodyPr>
+          <a:lstStyle/>
+          <a:p>
+            <a:r>
+              <a:rPr lang="en-US" sz="2000" dirty="0"/>
+              <a:t>Toy problem 2: LASSO reconstruction without noise</a:t>
+            </a:r>
+          </a:p>
+        </p:txBody>
+      </p:sp>
+      <p:pic>
+        <p:nvPicPr>
+          <p:cNvPr id="8" name="Picture 7">
+            <a:extLst>
+              <a:ext uri="{FF2B5EF4-FFF2-40B4-BE49-F238E27FC236}">
+                <a16:creationId xmlns:a16="http://schemas.microsoft.com/office/drawing/2014/main" id="{954484BE-D60E-C24F-ADB0-36204C44E1D9}"/>
+              </a:ext>
+            </a:extLst>
+          </p:cNvPr>
+          <p:cNvPicPr>
+            <a:picLocks noChangeAspect="1"/>
+          </p:cNvPicPr>
+          <p:nvPr/>
+        </p:nvPicPr>
+        <p:blipFill>
+          <a:blip r:embed="rId5"/>
+          <a:stretch>
+            <a:fillRect/>
+          </a:stretch>
+        </p:blipFill>
+        <p:spPr>
+          <a:xfrm>
+            <a:off x="2281527" y="433504"/>
+            <a:ext cx="2462659" cy="2462659"/>
+          </a:xfrm>
+          <a:prstGeom prst="rect">
+            <a:avLst/>
+          </a:prstGeom>
+        </p:spPr>
+      </p:pic>
+      <p:sp>
+        <p:nvSpPr>
+          <p:cNvPr id="2" name="TextBox 1">
+            <a:extLst>
+              <a:ext uri="{FF2B5EF4-FFF2-40B4-BE49-F238E27FC236}">
+                <a16:creationId xmlns:a16="http://schemas.microsoft.com/office/drawing/2014/main" id="{7D17BEAF-0739-934C-8337-2DAFA102468A}"/>
+              </a:ext>
+            </a:extLst>
+          </p:cNvPr>
+          <p:cNvSpPr txBox="1"/>
+          <p:nvPr/>
+        </p:nvSpPr>
+        <p:spPr>
+          <a:xfrm>
+            <a:off x="472471" y="1639432"/>
+            <a:ext cx="1477777" cy="369332"/>
+          </a:xfrm>
+          <a:prstGeom prst="rect">
+            <a:avLst/>
+          </a:prstGeom>
+          <a:noFill/>
+        </p:spPr>
+        <p:txBody>
+          <a:bodyPr wrap="none" rtlCol="0">
+            <a:spAutoFit/>
+          </a:bodyPr>
+          <a:lstStyle/>
+          <a:p>
+            <a:r>
+              <a:rPr lang="en-US" dirty="0"/>
+              <a:t>Ground truth</a:t>
+            </a:r>
+          </a:p>
+        </p:txBody>
+      </p:sp>
+      <p:sp>
+        <p:nvSpPr>
+          <p:cNvPr id="3" name="TextBox 2">
+            <a:extLst>
+              <a:ext uri="{FF2B5EF4-FFF2-40B4-BE49-F238E27FC236}">
+                <a16:creationId xmlns:a16="http://schemas.microsoft.com/office/drawing/2014/main" id="{9F55C512-125E-5149-9898-D621B6BC6D09}"/>
+              </a:ext>
+            </a:extLst>
+          </p:cNvPr>
+          <p:cNvSpPr txBox="1"/>
+          <p:nvPr/>
+        </p:nvSpPr>
+        <p:spPr>
+          <a:xfrm>
+            <a:off x="1353343" y="3961837"/>
+            <a:ext cx="1801519" cy="369332"/>
+          </a:xfrm>
+          <a:prstGeom prst="rect">
+            <a:avLst/>
+          </a:prstGeom>
+          <a:noFill/>
+        </p:spPr>
+        <p:txBody>
+          <a:bodyPr wrap="none" rtlCol="0">
+            <a:spAutoFit/>
+          </a:bodyPr>
+          <a:lstStyle/>
+          <a:p>
+            <a:r>
+              <a:rPr lang="en-US" dirty="0"/>
+              <a:t>Recovered atoms</a:t>
+            </a:r>
+          </a:p>
+        </p:txBody>
+      </p:sp>
+      <p:sp>
+        <p:nvSpPr>
+          <p:cNvPr id="4" name="TextBox 3">
+            <a:extLst>
+              <a:ext uri="{FF2B5EF4-FFF2-40B4-BE49-F238E27FC236}">
+                <a16:creationId xmlns:a16="http://schemas.microsoft.com/office/drawing/2014/main" id="{55FBC8FF-4C3F-D942-A167-F1727C88432B}"/>
+              </a:ext>
+            </a:extLst>
+          </p:cNvPr>
+          <p:cNvSpPr txBox="1"/>
+          <p:nvPr/>
+        </p:nvSpPr>
+        <p:spPr>
+          <a:xfrm>
+            <a:off x="5547972" y="3745467"/>
+            <a:ext cx="1589089" cy="369332"/>
+          </a:xfrm>
+          <a:prstGeom prst="rect">
+            <a:avLst/>
+          </a:prstGeom>
+          <a:noFill/>
+        </p:spPr>
+        <p:txBody>
+          <a:bodyPr wrap="none" rtlCol="0">
+            <a:spAutoFit/>
+          </a:bodyPr>
+          <a:lstStyle/>
+          <a:p>
+            <a:r>
+              <a:rPr lang="en-US" dirty="0"/>
+              <a:t>Reconstructed</a:t>
+            </a:r>
+          </a:p>
+        </p:txBody>
+      </p:sp>
+      <p:sp>
+        <p:nvSpPr>
+          <p:cNvPr id="12" name="TextBox 11">
+            <a:extLst>
+              <a:ext uri="{FF2B5EF4-FFF2-40B4-BE49-F238E27FC236}">
+                <a16:creationId xmlns:a16="http://schemas.microsoft.com/office/drawing/2014/main" id="{2540C02B-BA79-FC4E-9328-BAC05A7F3CD1}"/>
+              </a:ext>
+            </a:extLst>
+          </p:cNvPr>
+          <p:cNvSpPr txBox="1"/>
+          <p:nvPr/>
+        </p:nvSpPr>
+        <p:spPr>
+          <a:xfrm>
+            <a:off x="9848988" y="3745467"/>
+            <a:ext cx="655436" cy="369332"/>
+          </a:xfrm>
+          <a:prstGeom prst="rect">
+            <a:avLst/>
+          </a:prstGeom>
+          <a:noFill/>
+        </p:spPr>
+        <p:txBody>
+          <a:bodyPr wrap="none" rtlCol="0">
+            <a:spAutoFit/>
+          </a:bodyPr>
+          <a:lstStyle/>
+          <a:p>
+            <a:r>
+              <a:rPr lang="en-US" dirty="0"/>
+              <a:t>Error</a:t>
+            </a:r>
+          </a:p>
+        </p:txBody>
+      </p:sp>
+    </p:spTree>
+    <p:extLst>
+      <p:ext uri="{BB962C8B-B14F-4D97-AF65-F5344CB8AC3E}">
+        <p14:creationId xmlns:p14="http://schemas.microsoft.com/office/powerpoint/2010/main" val="4168040403"/>
+      </p:ext>
+    </p:extLst>
+  </p:cSld>
+  <p:clrMapOvr>
+    <a:masterClrMapping/>
+  </p:clrMapOvr>
+</p:sld>
+</file>
+
+<file path=ppt/slides/slide12.xml><?xml version="1.0" encoding="utf-8"?>
+<p:sld xmlns:a="http://schemas.openxmlformats.org/drawingml/2006/main" xmlns:r="http://schemas.openxmlformats.org/officeDocument/2006/relationships" xmlns:p="http://schemas.openxmlformats.org/presentationml/2006/main">
+  <p:cSld>
+    <p:spTree>
+      <p:nvGrpSpPr>
+        <p:cNvPr id="1" name=""/>
+        <p:cNvGrpSpPr/>
+        <p:nvPr/>
+      </p:nvGrpSpPr>
+      <p:grpSpPr>
+        <a:xfrm>
+          <a:off x="0" y="0"/>
+          <a:ext cx="0" cy="0"/>
+          <a:chOff x="0" y="0"/>
+          <a:chExt cx="0" cy="0"/>
+        </a:xfrm>
+      </p:grpSpPr>
+      <p:pic>
+        <p:nvPicPr>
+          <p:cNvPr id="3" name="Picture 2">
+            <a:extLst>
+              <a:ext uri="{FF2B5EF4-FFF2-40B4-BE49-F238E27FC236}">
+                <a16:creationId xmlns:a16="http://schemas.microsoft.com/office/drawing/2014/main" id="{1AA6D635-8DE2-5F4C-8E79-00314D2F0B54}"/>
+              </a:ext>
+            </a:extLst>
+          </p:cNvPr>
+          <p:cNvPicPr>
+            <a:picLocks noChangeAspect="1"/>
+          </p:cNvPicPr>
+          <p:nvPr/>
+        </p:nvPicPr>
+        <p:blipFill>
+          <a:blip r:embed="rId2"/>
+          <a:stretch>
+            <a:fillRect/>
+          </a:stretch>
+        </p:blipFill>
+        <p:spPr>
+          <a:xfrm>
+            <a:off x="465616" y="1030831"/>
+            <a:ext cx="2781142" cy="2422893"/>
+          </a:xfrm>
+          <a:prstGeom prst="rect">
+            <a:avLst/>
+          </a:prstGeom>
+        </p:spPr>
+      </p:pic>
+      <p:pic>
+        <p:nvPicPr>
+          <p:cNvPr id="5" name="Picture 4">
+            <a:extLst>
+              <a:ext uri="{FF2B5EF4-FFF2-40B4-BE49-F238E27FC236}">
+                <a16:creationId xmlns:a16="http://schemas.microsoft.com/office/drawing/2014/main" id="{0D1A159D-40CC-A445-8542-55BA2049A431}"/>
+              </a:ext>
+            </a:extLst>
+          </p:cNvPr>
+          <p:cNvPicPr>
+            <a:picLocks noChangeAspect="1"/>
+          </p:cNvPicPr>
+          <p:nvPr/>
+        </p:nvPicPr>
+        <p:blipFill>
+          <a:blip r:embed="rId3"/>
+          <a:stretch>
+            <a:fillRect/>
+          </a:stretch>
+        </p:blipFill>
+        <p:spPr>
+          <a:xfrm>
+            <a:off x="267426" y="4302129"/>
+            <a:ext cx="3177524" cy="2411130"/>
+          </a:xfrm>
+          <a:prstGeom prst="rect">
+            <a:avLst/>
+          </a:prstGeom>
+        </p:spPr>
+      </p:pic>
+      <p:pic>
+        <p:nvPicPr>
+          <p:cNvPr id="7" name="Picture 6">
+            <a:extLst>
+              <a:ext uri="{FF2B5EF4-FFF2-40B4-BE49-F238E27FC236}">
+                <a16:creationId xmlns:a16="http://schemas.microsoft.com/office/drawing/2014/main" id="{59D74B4D-43D6-5548-A28E-8B0293E2016B}"/>
+              </a:ext>
+            </a:extLst>
+          </p:cNvPr>
+          <p:cNvPicPr>
+            <a:picLocks noChangeAspect="1"/>
+          </p:cNvPicPr>
+          <p:nvPr/>
+        </p:nvPicPr>
+        <p:blipFill>
+          <a:blip r:embed="rId4"/>
+          <a:stretch>
+            <a:fillRect/>
+          </a:stretch>
+        </p:blipFill>
+        <p:spPr>
+          <a:xfrm>
+            <a:off x="4435412" y="4024166"/>
+            <a:ext cx="3060541" cy="2833834"/>
+          </a:xfrm>
+          <a:prstGeom prst="rect">
+            <a:avLst/>
+          </a:prstGeom>
+        </p:spPr>
+      </p:pic>
+      <p:pic>
+        <p:nvPicPr>
+          <p:cNvPr id="11" name="Picture 10">
+            <a:extLst>
+              <a:ext uri="{FF2B5EF4-FFF2-40B4-BE49-F238E27FC236}">
+                <a16:creationId xmlns:a16="http://schemas.microsoft.com/office/drawing/2014/main" id="{E38B9648-7C2E-144B-92F6-432037F38BF9}"/>
+              </a:ext>
+            </a:extLst>
+          </p:cNvPr>
+          <p:cNvPicPr>
+            <a:picLocks noChangeAspect="1"/>
+          </p:cNvPicPr>
+          <p:nvPr/>
+        </p:nvPicPr>
+        <p:blipFill>
+          <a:blip r:embed="rId5"/>
+          <a:stretch>
+            <a:fillRect/>
+          </a:stretch>
+        </p:blipFill>
+        <p:spPr>
+          <a:xfrm>
+            <a:off x="8275215" y="4103721"/>
+            <a:ext cx="3152398" cy="2609538"/>
+          </a:xfrm>
+          <a:prstGeom prst="rect">
+            <a:avLst/>
+          </a:prstGeom>
+        </p:spPr>
+      </p:pic>
+      <p:sp>
+        <p:nvSpPr>
+          <p:cNvPr id="6" name="TextBox 5">
+            <a:extLst>
+              <a:ext uri="{FF2B5EF4-FFF2-40B4-BE49-F238E27FC236}">
+                <a16:creationId xmlns:a16="http://schemas.microsoft.com/office/drawing/2014/main" id="{F52802FA-DBE6-6A48-A862-44CDE2A25ED2}"/>
+              </a:ext>
+            </a:extLst>
+          </p:cNvPr>
+          <p:cNvSpPr txBox="1"/>
+          <p:nvPr/>
+        </p:nvSpPr>
+        <p:spPr>
+          <a:xfrm>
+            <a:off x="0" y="60279"/>
+            <a:ext cx="7031797" cy="400110"/>
+          </a:xfrm>
+          <a:prstGeom prst="rect">
+            <a:avLst/>
+          </a:prstGeom>
+          <a:noFill/>
+        </p:spPr>
+        <p:txBody>
+          <a:bodyPr wrap="none" rtlCol="0">
+            <a:spAutoFit/>
+          </a:bodyPr>
+          <a:lstStyle/>
+          <a:p>
+            <a:r>
+              <a:rPr lang="en-US" sz="2000" dirty="0"/>
+              <a:t>Toy problem 2: LASSO reconstruction without noisy measurement</a:t>
+            </a:r>
+          </a:p>
+        </p:txBody>
+      </p:sp>
+      <p:pic>
+        <p:nvPicPr>
+          <p:cNvPr id="8" name="Picture 7">
+            <a:extLst>
+              <a:ext uri="{FF2B5EF4-FFF2-40B4-BE49-F238E27FC236}">
+                <a16:creationId xmlns:a16="http://schemas.microsoft.com/office/drawing/2014/main" id="{C21D8DC1-6A38-874E-9048-A3532EFF9CF0}"/>
+              </a:ext>
+            </a:extLst>
+          </p:cNvPr>
+          <p:cNvPicPr>
+            <a:picLocks noChangeAspect="1"/>
+          </p:cNvPicPr>
+          <p:nvPr/>
+        </p:nvPicPr>
+        <p:blipFill>
+          <a:blip r:embed="rId6"/>
+          <a:stretch>
+            <a:fillRect/>
+          </a:stretch>
+        </p:blipFill>
+        <p:spPr>
+          <a:xfrm>
+            <a:off x="4435412" y="966341"/>
+            <a:ext cx="2462659" cy="2462659"/>
+          </a:xfrm>
+          <a:prstGeom prst="rect">
+            <a:avLst/>
+          </a:prstGeom>
+        </p:spPr>
+      </p:pic>
+      <p:sp>
+        <p:nvSpPr>
+          <p:cNvPr id="9" name="TextBox 8">
+            <a:extLst>
+              <a:ext uri="{FF2B5EF4-FFF2-40B4-BE49-F238E27FC236}">
+                <a16:creationId xmlns:a16="http://schemas.microsoft.com/office/drawing/2014/main" id="{2361A918-12F0-1F43-9F17-03ADA8740F69}"/>
+              </a:ext>
+            </a:extLst>
+          </p:cNvPr>
+          <p:cNvSpPr txBox="1"/>
+          <p:nvPr/>
+        </p:nvSpPr>
+        <p:spPr>
+          <a:xfrm>
+            <a:off x="5117024" y="597009"/>
+            <a:ext cx="1477777" cy="369332"/>
+          </a:xfrm>
+          <a:prstGeom prst="rect">
+            <a:avLst/>
+          </a:prstGeom>
+          <a:noFill/>
+        </p:spPr>
+        <p:txBody>
+          <a:bodyPr wrap="none" rtlCol="0">
+            <a:spAutoFit/>
+          </a:bodyPr>
+          <a:lstStyle/>
+          <a:p>
+            <a:r>
+              <a:rPr lang="en-US" dirty="0"/>
+              <a:t>Ground truth</a:t>
+            </a:r>
+          </a:p>
+        </p:txBody>
+      </p:sp>
+      <p:sp>
+        <p:nvSpPr>
+          <p:cNvPr id="2" name="TextBox 1">
+            <a:extLst>
+              <a:ext uri="{FF2B5EF4-FFF2-40B4-BE49-F238E27FC236}">
+                <a16:creationId xmlns:a16="http://schemas.microsoft.com/office/drawing/2014/main" id="{2E9431FC-E046-A14C-A6EE-00C045EA5699}"/>
+              </a:ext>
+            </a:extLst>
+          </p:cNvPr>
+          <p:cNvSpPr txBox="1"/>
+          <p:nvPr/>
+        </p:nvSpPr>
+        <p:spPr>
+          <a:xfrm>
+            <a:off x="716371" y="661499"/>
+            <a:ext cx="2115003" cy="369332"/>
+          </a:xfrm>
+          <a:prstGeom prst="rect">
+            <a:avLst/>
+          </a:prstGeom>
+          <a:noFill/>
+        </p:spPr>
+        <p:txBody>
+          <a:bodyPr wrap="none" rtlCol="0">
+            <a:spAutoFit/>
+          </a:bodyPr>
+          <a:lstStyle/>
+          <a:p>
+            <a:r>
+              <a:rPr lang="en-US" dirty="0"/>
+              <a:t>Noisy measurement</a:t>
+            </a:r>
+          </a:p>
+        </p:txBody>
+      </p:sp>
+      <p:sp>
+        <p:nvSpPr>
+          <p:cNvPr id="10" name="TextBox 9">
+            <a:extLst>
+              <a:ext uri="{FF2B5EF4-FFF2-40B4-BE49-F238E27FC236}">
+                <a16:creationId xmlns:a16="http://schemas.microsoft.com/office/drawing/2014/main" id="{26C57488-8A65-084C-9CB4-A9A827E17DE6}"/>
+              </a:ext>
+            </a:extLst>
+          </p:cNvPr>
+          <p:cNvSpPr txBox="1"/>
+          <p:nvPr/>
+        </p:nvSpPr>
+        <p:spPr>
+          <a:xfrm>
+            <a:off x="955428" y="3786555"/>
+            <a:ext cx="1801519" cy="369332"/>
+          </a:xfrm>
+          <a:prstGeom prst="rect">
+            <a:avLst/>
+          </a:prstGeom>
+          <a:noFill/>
+        </p:spPr>
+        <p:txBody>
+          <a:bodyPr wrap="none" rtlCol="0">
+            <a:spAutoFit/>
+          </a:bodyPr>
+          <a:lstStyle/>
+          <a:p>
+            <a:r>
+              <a:rPr lang="en-US" dirty="0"/>
+              <a:t>Recovered atoms</a:t>
+            </a:r>
+          </a:p>
+        </p:txBody>
+      </p:sp>
+      <p:sp>
+        <p:nvSpPr>
+          <p:cNvPr id="12" name="TextBox 11">
+            <a:extLst>
+              <a:ext uri="{FF2B5EF4-FFF2-40B4-BE49-F238E27FC236}">
+                <a16:creationId xmlns:a16="http://schemas.microsoft.com/office/drawing/2014/main" id="{5A3913AD-3071-374A-8DCE-94AFA41CC560}"/>
+              </a:ext>
+            </a:extLst>
+          </p:cNvPr>
+          <p:cNvSpPr txBox="1"/>
+          <p:nvPr/>
+        </p:nvSpPr>
+        <p:spPr>
+          <a:xfrm>
+            <a:off x="5005712" y="3786555"/>
+            <a:ext cx="1589089" cy="369332"/>
+          </a:xfrm>
+          <a:prstGeom prst="rect">
+            <a:avLst/>
+          </a:prstGeom>
+          <a:noFill/>
+        </p:spPr>
+        <p:txBody>
+          <a:bodyPr wrap="none" rtlCol="0">
+            <a:spAutoFit/>
+          </a:bodyPr>
+          <a:lstStyle/>
+          <a:p>
+            <a:r>
+              <a:rPr lang="en-US" dirty="0"/>
+              <a:t>Reconstructed</a:t>
+            </a:r>
+          </a:p>
+        </p:txBody>
+      </p:sp>
+      <p:sp>
+        <p:nvSpPr>
+          <p:cNvPr id="13" name="TextBox 12">
+            <a:extLst>
+              <a:ext uri="{FF2B5EF4-FFF2-40B4-BE49-F238E27FC236}">
+                <a16:creationId xmlns:a16="http://schemas.microsoft.com/office/drawing/2014/main" id="{AA8394F6-7552-A540-881F-3AA9AF22AE21}"/>
+              </a:ext>
+            </a:extLst>
+          </p:cNvPr>
+          <p:cNvSpPr txBox="1"/>
+          <p:nvPr/>
+        </p:nvSpPr>
+        <p:spPr>
+          <a:xfrm>
+            <a:off x="9523696" y="3786555"/>
+            <a:ext cx="655436" cy="369332"/>
+          </a:xfrm>
+          <a:prstGeom prst="rect">
+            <a:avLst/>
+          </a:prstGeom>
+          <a:noFill/>
+        </p:spPr>
+        <p:txBody>
+          <a:bodyPr wrap="none" rtlCol="0">
+            <a:spAutoFit/>
+          </a:bodyPr>
+          <a:lstStyle/>
+          <a:p>
+            <a:r>
+              <a:rPr lang="en-US" dirty="0"/>
+              <a:t>Error</a:t>
+            </a:r>
+          </a:p>
+        </p:txBody>
+      </p:sp>
+    </p:spTree>
+    <p:extLst>
+      <p:ext uri="{BB962C8B-B14F-4D97-AF65-F5344CB8AC3E}">
+        <p14:creationId xmlns:p14="http://schemas.microsoft.com/office/powerpoint/2010/main" val="1923623714"/>
+      </p:ext>
+    </p:extLst>
+  </p:cSld>
+  <p:clrMapOvr>
+    <a:masterClrMapping/>
+  </p:clrMapOvr>
+</p:sld>
+</file>
+
+<file path=ppt/slides/slide13.xml><?xml version="1.0" encoding="utf-8"?>
+<p:sld xmlns:a="http://schemas.openxmlformats.org/drawingml/2006/main" xmlns:r="http://schemas.openxmlformats.org/officeDocument/2006/relationships" xmlns:p="http://schemas.openxmlformats.org/presentationml/2006/main">
+  <p:cSld>
+    <p:spTree>
+      <p:nvGrpSpPr>
+        <p:cNvPr id="1" name=""/>
+        <p:cNvGrpSpPr/>
+        <p:nvPr/>
+      </p:nvGrpSpPr>
+      <p:grpSpPr>
+        <a:xfrm>
+          <a:off x="0" y="0"/>
+          <a:ext cx="0" cy="0"/>
+          <a:chOff x="0" y="0"/>
+          <a:chExt cx="0" cy="0"/>
+        </a:xfrm>
+      </p:grpSpPr>
+      <p:sp>
+        <p:nvSpPr>
+          <p:cNvPr id="4" name="TextBox 3">
+            <a:extLst>
+              <a:ext uri="{FF2B5EF4-FFF2-40B4-BE49-F238E27FC236}">
+                <a16:creationId xmlns:a16="http://schemas.microsoft.com/office/drawing/2014/main" id="{5B55BE75-EC5A-F54B-8236-E4CB993E7FA7}"/>
+              </a:ext>
+            </a:extLst>
+          </p:cNvPr>
+          <p:cNvSpPr txBox="1"/>
+          <p:nvPr/>
+        </p:nvSpPr>
+        <p:spPr>
+          <a:xfrm>
+            <a:off x="116958" y="116958"/>
+            <a:ext cx="1273105" cy="369332"/>
+          </a:xfrm>
+          <a:prstGeom prst="rect">
+            <a:avLst/>
+          </a:prstGeom>
+          <a:noFill/>
+        </p:spPr>
+        <p:txBody>
+          <a:bodyPr wrap="none" rtlCol="0">
+            <a:spAutoFit/>
+          </a:bodyPr>
+          <a:lstStyle/>
+          <a:p>
+            <a:r>
+              <a:rPr lang="en-US" dirty="0"/>
+              <a:t>Conclusion:</a:t>
+            </a:r>
+          </a:p>
+        </p:txBody>
+      </p:sp>
+      <p:sp>
+        <p:nvSpPr>
+          <p:cNvPr id="14" name="TextBox 13">
+            <a:extLst>
+              <a:ext uri="{FF2B5EF4-FFF2-40B4-BE49-F238E27FC236}">
+                <a16:creationId xmlns:a16="http://schemas.microsoft.com/office/drawing/2014/main" id="{1DBA9A70-68E1-F143-9797-2E3BBA43624C}"/>
+              </a:ext>
+            </a:extLst>
+          </p:cNvPr>
+          <p:cNvSpPr txBox="1"/>
+          <p:nvPr/>
+        </p:nvSpPr>
+        <p:spPr>
+          <a:xfrm>
+            <a:off x="1063256" y="2842437"/>
+            <a:ext cx="10431125" cy="369332"/>
+          </a:xfrm>
+          <a:prstGeom prst="rect">
+            <a:avLst/>
+          </a:prstGeom>
+          <a:noFill/>
+        </p:spPr>
+        <p:txBody>
+          <a:bodyPr wrap="none" rtlCol="0">
+            <a:spAutoFit/>
+          </a:bodyPr>
+          <a:lstStyle/>
+          <a:p>
+            <a:r>
+              <a:rPr lang="en-US" dirty="0"/>
+              <a:t>It seems sparse learning can help a lot experimental and computational area of mechanics/material modeling</a:t>
+            </a:r>
+          </a:p>
+        </p:txBody>
+      </p:sp>
+      <p:sp>
+        <p:nvSpPr>
+          <p:cNvPr id="15" name="TextBox 14">
+            <a:extLst>
+              <a:ext uri="{FF2B5EF4-FFF2-40B4-BE49-F238E27FC236}">
+                <a16:creationId xmlns:a16="http://schemas.microsoft.com/office/drawing/2014/main" id="{EF3056B8-E0DD-8049-B065-0E35B24FB95D}"/>
+              </a:ext>
+            </a:extLst>
+          </p:cNvPr>
+          <p:cNvSpPr txBox="1"/>
+          <p:nvPr/>
+        </p:nvSpPr>
+        <p:spPr>
+          <a:xfrm>
+            <a:off x="1063256" y="1616149"/>
+            <a:ext cx="9037154" cy="646331"/>
+          </a:xfrm>
+          <a:prstGeom prst="rect">
+            <a:avLst/>
+          </a:prstGeom>
+          <a:noFill/>
+        </p:spPr>
+        <p:txBody>
+          <a:bodyPr wrap="none" rtlCol="0">
+            <a:spAutoFit/>
+          </a:bodyPr>
+          <a:lstStyle/>
+          <a:p>
+            <a:r>
+              <a:rPr lang="en-US" dirty="0"/>
+              <a:t>We empirically show dictionary learning is a reasonable approach for flied reconstruction from</a:t>
+            </a:r>
+          </a:p>
+          <a:p>
+            <a:r>
+              <a:rPr lang="en-US" dirty="0"/>
+              <a:t>Few measurements even in noisy conditions.</a:t>
+            </a:r>
+          </a:p>
+        </p:txBody>
+      </p:sp>
+    </p:spTree>
+    <p:extLst>
+      <p:ext uri="{BB962C8B-B14F-4D97-AF65-F5344CB8AC3E}">
+        <p14:creationId xmlns:p14="http://schemas.microsoft.com/office/powerpoint/2010/main" val="1851292813"/>
+      </p:ext>
+    </p:extLst>
+  </p:cSld>
+  <p:clrMapOvr>
+    <a:masterClrMapping/>
+  </p:clrMapOvr>
+</p:sld>
+</file>
+
+<file path=ppt/slides/slide2.xml><?xml version="1.0" encoding="utf-8"?>
+<p:sld xmlns:a="http://schemas.openxmlformats.org/drawingml/2006/main" xmlns:r="http://schemas.openxmlformats.org/officeDocument/2006/relationships" xmlns:p="http://schemas.openxmlformats.org/presentationml/2006/main">
+  <p:cSld>
+    <p:spTree>
+      <p:nvGrpSpPr>
+        <p:cNvPr id="1" name=""/>
+        <p:cNvGrpSpPr/>
+        <p:nvPr/>
+      </p:nvGrpSpPr>
+      <p:grpSpPr>
+        <a:xfrm>
+          <a:off x="0" y="0"/>
+          <a:ext cx="0" cy="0"/>
+          <a:chOff x="0" y="0"/>
+          <a:chExt cx="0" cy="0"/>
+        </a:xfrm>
+      </p:grpSpPr>
+      <p:sp>
+        <p:nvSpPr>
+          <p:cNvPr id="2" name="TextBox 1">
+            <a:extLst>
+              <a:ext uri="{FF2B5EF4-FFF2-40B4-BE49-F238E27FC236}">
+                <a16:creationId xmlns:a16="http://schemas.microsoft.com/office/drawing/2014/main" id="{189A2756-308E-B447-8292-255CC056E227}"/>
+              </a:ext>
+            </a:extLst>
+          </p:cNvPr>
+          <p:cNvSpPr txBox="1"/>
+          <p:nvPr/>
+        </p:nvSpPr>
+        <p:spPr>
+          <a:xfrm>
+            <a:off x="107004" y="0"/>
+            <a:ext cx="1401602" cy="400110"/>
+          </a:xfrm>
+          <a:prstGeom prst="rect">
+            <a:avLst/>
+          </a:prstGeom>
+          <a:noFill/>
+        </p:spPr>
+        <p:txBody>
+          <a:bodyPr wrap="none" rtlCol="0">
+            <a:spAutoFit/>
+          </a:bodyPr>
+          <a:lstStyle/>
+          <a:p>
+            <a:r>
+              <a:rPr lang="en-US" sz="2000" dirty="0"/>
+              <a:t>Motivation:</a:t>
+            </a:r>
+          </a:p>
+        </p:txBody>
+      </p:sp>
+      <p:pic>
+        <p:nvPicPr>
+          <p:cNvPr id="4" name="Picture 3">
+            <a:extLst>
+              <a:ext uri="{FF2B5EF4-FFF2-40B4-BE49-F238E27FC236}">
+                <a16:creationId xmlns:a16="http://schemas.microsoft.com/office/drawing/2014/main" id="{939832FA-C7DF-4546-B4AF-0291A3A3D31C}"/>
+              </a:ext>
+            </a:extLst>
+          </p:cNvPr>
+          <p:cNvPicPr>
+            <a:picLocks noChangeAspect="1"/>
+          </p:cNvPicPr>
+          <p:nvPr/>
+        </p:nvPicPr>
+        <p:blipFill>
+          <a:blip r:embed="rId2"/>
+          <a:stretch>
+            <a:fillRect/>
+          </a:stretch>
+        </p:blipFill>
+        <p:spPr>
+          <a:xfrm>
+            <a:off x="6944342" y="116054"/>
+            <a:ext cx="2705640" cy="2244789"/>
+          </a:xfrm>
+          <a:prstGeom prst="rect">
+            <a:avLst/>
+          </a:prstGeom>
+        </p:spPr>
+      </p:pic>
+      <p:sp>
+        <p:nvSpPr>
+          <p:cNvPr id="5" name="TextBox 4">
+            <a:extLst>
+              <a:ext uri="{FF2B5EF4-FFF2-40B4-BE49-F238E27FC236}">
+                <a16:creationId xmlns:a16="http://schemas.microsoft.com/office/drawing/2014/main" id="{1F6A5DC2-863B-E343-B7A4-2E79780BDB01}"/>
+              </a:ext>
+            </a:extLst>
+          </p:cNvPr>
+          <p:cNvSpPr txBox="1"/>
+          <p:nvPr/>
+        </p:nvSpPr>
+        <p:spPr>
+          <a:xfrm>
+            <a:off x="650546" y="664279"/>
+            <a:ext cx="6888389" cy="1077218"/>
+          </a:xfrm>
+          <a:prstGeom prst="rect">
+            <a:avLst/>
+          </a:prstGeom>
+          <a:noFill/>
+        </p:spPr>
+        <p:txBody>
+          <a:bodyPr wrap="square" rtlCol="0">
+            <a:spAutoFit/>
+          </a:bodyPr>
+          <a:lstStyle/>
+          <a:p>
+            <a:r>
+              <a:rPr lang="en-US" sz="1600" dirty="0"/>
+              <a:t>Fact:</a:t>
+            </a:r>
+          </a:p>
+          <a:p>
+            <a:pPr marL="285750" indent="-285750">
+              <a:buFont typeface="Arial" panose="020B0604020202020204" pitchFamily="34" charset="0"/>
+              <a:buChar char="•"/>
+            </a:pPr>
+            <a:r>
+              <a:rPr lang="en-US" sz="1600" dirty="0"/>
+              <a:t>Our experimental observations are </a:t>
+            </a:r>
+            <a:r>
+              <a:rPr lang="en-US" sz="1600" dirty="0">
+                <a:solidFill>
+                  <a:srgbClr val="FF0000"/>
+                </a:solidFill>
+              </a:rPr>
+              <a:t>limited</a:t>
+            </a:r>
+            <a:r>
+              <a:rPr lang="en-US" sz="1600" dirty="0"/>
+              <a:t> by the number of sensors</a:t>
+            </a:r>
+          </a:p>
+          <a:p>
+            <a:r>
+              <a:rPr lang="en-US" sz="1600" dirty="0"/>
+              <a:t>Reason:</a:t>
+            </a:r>
+          </a:p>
+          <a:p>
+            <a:pPr marL="285750" indent="-285750">
+              <a:buFont typeface="Arial" panose="020B0604020202020204" pitchFamily="34" charset="0"/>
+              <a:buChar char="•"/>
+            </a:pPr>
+            <a:r>
+              <a:rPr lang="en-US" sz="1600" dirty="0"/>
+              <a:t>Cost or manufacture restriction</a:t>
+            </a:r>
+          </a:p>
+        </p:txBody>
+      </p:sp>
+      <p:sp>
+        <p:nvSpPr>
+          <p:cNvPr id="6" name="Rectangle 5">
+            <a:extLst>
+              <a:ext uri="{FF2B5EF4-FFF2-40B4-BE49-F238E27FC236}">
+                <a16:creationId xmlns:a16="http://schemas.microsoft.com/office/drawing/2014/main" id="{D6E9E8B9-12FF-3643-873E-65700C1A1931}"/>
+              </a:ext>
+            </a:extLst>
+          </p:cNvPr>
+          <p:cNvSpPr/>
+          <p:nvPr/>
+        </p:nvSpPr>
+        <p:spPr>
+          <a:xfrm>
+            <a:off x="6944342" y="2409568"/>
+            <a:ext cx="5293054" cy="430887"/>
+          </a:xfrm>
+          <a:prstGeom prst="rect">
+            <a:avLst/>
+          </a:prstGeom>
+        </p:spPr>
+        <p:txBody>
+          <a:bodyPr wrap="square">
+            <a:spAutoFit/>
+          </a:bodyPr>
+          <a:lstStyle/>
+          <a:p>
+            <a:r>
+              <a:rPr lang="en-US" sz="1050" dirty="0"/>
+              <a:t>Efficient Sensor Placement Optimization for Shape Deformation Sensing of Antenna Structures with Fiber Bragg Grating Strain Sensors </a:t>
+            </a:r>
+            <a:r>
+              <a:rPr lang="en-US" sz="1050" dirty="0" err="1"/>
+              <a:t>Jinzhu</a:t>
+            </a:r>
+            <a:r>
+              <a:rPr lang="en-US" sz="1050" dirty="0"/>
+              <a:t> Zhou</a:t>
+            </a:r>
+          </a:p>
+        </p:txBody>
+      </p:sp>
+      <p:sp>
+        <p:nvSpPr>
+          <p:cNvPr id="7" name="TextBox 6">
+            <a:extLst>
+              <a:ext uri="{FF2B5EF4-FFF2-40B4-BE49-F238E27FC236}">
+                <a16:creationId xmlns:a16="http://schemas.microsoft.com/office/drawing/2014/main" id="{60FACB05-6259-6A40-B1BA-08D6E35AF85D}"/>
+              </a:ext>
+            </a:extLst>
+          </p:cNvPr>
+          <p:cNvSpPr txBox="1"/>
+          <p:nvPr/>
+        </p:nvSpPr>
+        <p:spPr>
+          <a:xfrm>
+            <a:off x="203787" y="3259723"/>
+            <a:ext cx="9557168" cy="830997"/>
+          </a:xfrm>
+          <a:prstGeom prst="rect">
+            <a:avLst/>
+          </a:prstGeom>
+          <a:noFill/>
+        </p:spPr>
+        <p:txBody>
+          <a:bodyPr wrap="none" rtlCol="0">
+            <a:spAutoFit/>
+          </a:bodyPr>
+          <a:lstStyle/>
+          <a:p>
+            <a:r>
+              <a:rPr lang="en-US" sz="1600" dirty="0"/>
+              <a:t>Sometime we have a good prior knowledge about underlying physical phenomena! We know the governing PDE!</a:t>
+            </a:r>
+          </a:p>
+          <a:p>
+            <a:pPr marL="285750" indent="-285750">
+              <a:buFont typeface="Arial" panose="020B0604020202020204" pitchFamily="34" charset="0"/>
+              <a:buChar char="•"/>
+            </a:pPr>
+            <a:r>
+              <a:rPr lang="en-US" sz="1600" dirty="0"/>
+              <a:t>We can create many many admissible solutions using numerical solver.</a:t>
+            </a:r>
+          </a:p>
+          <a:p>
+            <a:pPr marL="285750" indent="-285750">
+              <a:buFont typeface="Arial" panose="020B0604020202020204" pitchFamily="34" charset="0"/>
+              <a:buChar char="•"/>
+            </a:pPr>
+            <a:r>
+              <a:rPr lang="en-US" sz="1600" dirty="0">
+                <a:solidFill>
+                  <a:srgbClr val="FF0000"/>
+                </a:solidFill>
+              </a:rPr>
+              <a:t>Hypothesis</a:t>
+            </a:r>
+            <a:r>
+              <a:rPr lang="en-US" sz="1600" dirty="0"/>
+              <a:t>: experimental observation is a linear combination of </a:t>
+            </a:r>
+            <a:r>
+              <a:rPr lang="en-US" sz="1600" dirty="0">
+                <a:solidFill>
+                  <a:srgbClr val="FF0000"/>
+                </a:solidFill>
+              </a:rPr>
+              <a:t>some</a:t>
+            </a:r>
+            <a:r>
+              <a:rPr lang="en-US" sz="1600" dirty="0"/>
+              <a:t> of those admissible solutions</a:t>
+            </a:r>
+          </a:p>
+        </p:txBody>
+      </p:sp>
+      <p:pic>
+        <p:nvPicPr>
+          <p:cNvPr id="13" name="Picture 12">
+            <a:extLst>
+              <a:ext uri="{FF2B5EF4-FFF2-40B4-BE49-F238E27FC236}">
+                <a16:creationId xmlns:a16="http://schemas.microsoft.com/office/drawing/2014/main" id="{D067CFEF-2F0A-0946-881D-7F91436CE069}"/>
+              </a:ext>
+            </a:extLst>
+          </p:cNvPr>
+          <p:cNvPicPr>
+            <a:picLocks noChangeAspect="1"/>
+          </p:cNvPicPr>
+          <p:nvPr/>
+        </p:nvPicPr>
+        <p:blipFill>
+          <a:blip r:embed="rId3"/>
+          <a:stretch>
+            <a:fillRect/>
+          </a:stretch>
+        </p:blipFill>
+        <p:spPr>
+          <a:xfrm>
+            <a:off x="7310804" y="4783846"/>
+            <a:ext cx="1404575" cy="1396594"/>
+          </a:xfrm>
+          <a:prstGeom prst="rect">
+            <a:avLst/>
+          </a:prstGeom>
+        </p:spPr>
+      </p:pic>
+      <p:pic>
+        <p:nvPicPr>
+          <p:cNvPr id="11" name="Picture 10">
+            <a:extLst>
+              <a:ext uri="{FF2B5EF4-FFF2-40B4-BE49-F238E27FC236}">
+                <a16:creationId xmlns:a16="http://schemas.microsoft.com/office/drawing/2014/main" id="{333D6AB9-12B6-D741-8EE5-EBDF70903260}"/>
+              </a:ext>
+            </a:extLst>
+          </p:cNvPr>
+          <p:cNvPicPr>
+            <a:picLocks noChangeAspect="1"/>
+          </p:cNvPicPr>
+          <p:nvPr/>
+        </p:nvPicPr>
+        <p:blipFill>
+          <a:blip r:embed="rId4"/>
+          <a:stretch>
+            <a:fillRect/>
+          </a:stretch>
+        </p:blipFill>
+        <p:spPr>
+          <a:xfrm>
+            <a:off x="7729283" y="5064599"/>
+            <a:ext cx="1404529" cy="1396594"/>
+          </a:xfrm>
+          <a:prstGeom prst="rect">
+            <a:avLst/>
+          </a:prstGeom>
+        </p:spPr>
+      </p:pic>
+      <p:pic>
+        <p:nvPicPr>
+          <p:cNvPr id="9" name="Picture 8">
+            <a:extLst>
+              <a:ext uri="{FF2B5EF4-FFF2-40B4-BE49-F238E27FC236}">
+                <a16:creationId xmlns:a16="http://schemas.microsoft.com/office/drawing/2014/main" id="{5661FDE3-CD9D-0947-A1AA-545E529D13AD}"/>
+              </a:ext>
+            </a:extLst>
+          </p:cNvPr>
+          <p:cNvPicPr>
+            <a:picLocks noChangeAspect="1"/>
+          </p:cNvPicPr>
+          <p:nvPr/>
+        </p:nvPicPr>
+        <p:blipFill>
+          <a:blip r:embed="rId5"/>
+          <a:stretch>
+            <a:fillRect/>
+          </a:stretch>
+        </p:blipFill>
+        <p:spPr>
+          <a:xfrm>
+            <a:off x="8155697" y="5345352"/>
+            <a:ext cx="1396594" cy="1396594"/>
+          </a:xfrm>
+          <a:prstGeom prst="rect">
+            <a:avLst/>
+          </a:prstGeom>
+        </p:spPr>
+      </p:pic>
+      <p:sp>
+        <p:nvSpPr>
+          <p:cNvPr id="14" name="TextBox 13">
+            <a:extLst>
+              <a:ext uri="{FF2B5EF4-FFF2-40B4-BE49-F238E27FC236}">
+                <a16:creationId xmlns:a16="http://schemas.microsoft.com/office/drawing/2014/main" id="{45266643-8397-7E42-AB0B-D3EAB76C1E1D}"/>
+              </a:ext>
+            </a:extLst>
+          </p:cNvPr>
+          <p:cNvSpPr txBox="1"/>
+          <p:nvPr/>
+        </p:nvSpPr>
+        <p:spPr>
+          <a:xfrm>
+            <a:off x="6302316" y="4340855"/>
+            <a:ext cx="3649204" cy="369332"/>
+          </a:xfrm>
+          <a:prstGeom prst="rect">
+            <a:avLst/>
+          </a:prstGeom>
+          <a:noFill/>
+        </p:spPr>
+        <p:txBody>
+          <a:bodyPr wrap="none" rtlCol="0">
+            <a:spAutoFit/>
+          </a:bodyPr>
+          <a:lstStyle/>
+          <a:p>
+            <a:r>
+              <a:rPr lang="en-US" dirty="0"/>
+              <a:t>Admissible solutions from PDE solver</a:t>
+            </a:r>
+          </a:p>
+        </p:txBody>
+      </p:sp>
+      <p:pic>
+        <p:nvPicPr>
+          <p:cNvPr id="16" name="Picture 15">
+            <a:extLst>
+              <a:ext uri="{FF2B5EF4-FFF2-40B4-BE49-F238E27FC236}">
+                <a16:creationId xmlns:a16="http://schemas.microsoft.com/office/drawing/2014/main" id="{5F907F55-60B9-7641-A68C-49A8654DBBA9}"/>
+              </a:ext>
+            </a:extLst>
+          </p:cNvPr>
+          <p:cNvPicPr>
+            <a:picLocks noChangeAspect="1"/>
+          </p:cNvPicPr>
+          <p:nvPr/>
+        </p:nvPicPr>
+        <p:blipFill>
+          <a:blip r:embed="rId6"/>
+          <a:stretch>
+            <a:fillRect/>
+          </a:stretch>
+        </p:blipFill>
+        <p:spPr>
+          <a:xfrm>
+            <a:off x="3232031" y="4910648"/>
+            <a:ext cx="1405783" cy="1396595"/>
+          </a:xfrm>
+          <a:prstGeom prst="rect">
+            <a:avLst/>
+          </a:prstGeom>
+        </p:spPr>
+      </p:pic>
+      <p:sp>
+        <p:nvSpPr>
+          <p:cNvPr id="18" name="TextBox 17">
+            <a:extLst>
+              <a:ext uri="{FF2B5EF4-FFF2-40B4-BE49-F238E27FC236}">
+                <a16:creationId xmlns:a16="http://schemas.microsoft.com/office/drawing/2014/main" id="{4FBF4CF8-4EC3-6A49-B7E5-15811C86F9B4}"/>
+              </a:ext>
+            </a:extLst>
+          </p:cNvPr>
+          <p:cNvSpPr txBox="1"/>
+          <p:nvPr/>
+        </p:nvSpPr>
+        <p:spPr>
+          <a:xfrm>
+            <a:off x="3802671" y="5424279"/>
+            <a:ext cx="292068" cy="369332"/>
+          </a:xfrm>
+          <a:prstGeom prst="rect">
+            <a:avLst/>
+          </a:prstGeom>
+          <a:noFill/>
+        </p:spPr>
+        <p:txBody>
+          <a:bodyPr wrap="none" rtlCol="0">
+            <a:spAutoFit/>
+          </a:bodyPr>
+          <a:lstStyle/>
+          <a:p>
+            <a:r>
+              <a:rPr lang="en-US" dirty="0"/>
+              <a:t>?</a:t>
+            </a:r>
+          </a:p>
+        </p:txBody>
+      </p:sp>
+      <p:sp>
+        <p:nvSpPr>
+          <p:cNvPr id="19" name="TextBox 18">
+            <a:extLst>
+              <a:ext uri="{FF2B5EF4-FFF2-40B4-BE49-F238E27FC236}">
+                <a16:creationId xmlns:a16="http://schemas.microsoft.com/office/drawing/2014/main" id="{1F787B5C-0B6E-514B-959C-D83F150B27E7}"/>
+              </a:ext>
+            </a:extLst>
+          </p:cNvPr>
+          <p:cNvSpPr txBox="1"/>
+          <p:nvPr/>
+        </p:nvSpPr>
+        <p:spPr>
+          <a:xfrm>
+            <a:off x="3077156" y="4395472"/>
+            <a:ext cx="1715534" cy="369332"/>
+          </a:xfrm>
+          <a:prstGeom prst="rect">
+            <a:avLst/>
+          </a:prstGeom>
+          <a:noFill/>
+        </p:spPr>
+        <p:txBody>
+          <a:bodyPr wrap="none" rtlCol="0">
+            <a:spAutoFit/>
+          </a:bodyPr>
+          <a:lstStyle/>
+          <a:p>
+            <a:r>
+              <a:rPr lang="en-US" dirty="0"/>
+              <a:t>Real experiment</a:t>
+            </a:r>
+          </a:p>
+        </p:txBody>
+      </p:sp>
+      <p:sp>
+        <p:nvSpPr>
+          <p:cNvPr id="20" name="Left Arrow 19">
+            <a:extLst>
+              <a:ext uri="{FF2B5EF4-FFF2-40B4-BE49-F238E27FC236}">
+                <a16:creationId xmlns:a16="http://schemas.microsoft.com/office/drawing/2014/main" id="{1037D2E5-8E22-BB40-AB5D-C78CD0088909}"/>
+              </a:ext>
+            </a:extLst>
+          </p:cNvPr>
+          <p:cNvSpPr/>
+          <p:nvPr/>
+        </p:nvSpPr>
+        <p:spPr>
+          <a:xfrm>
+            <a:off x="5208454" y="5256319"/>
+            <a:ext cx="1429966" cy="705252"/>
+          </a:xfrm>
+          <a:prstGeom prst="leftArrow">
+            <a:avLst/>
+          </a:prstGeom>
+        </p:spPr>
+        <p:style>
+          <a:lnRef idx="2">
+            <a:schemeClr val="accent1">
+              <a:shade val="50000"/>
+            </a:schemeClr>
+          </a:lnRef>
+          <a:fillRef idx="1">
+            <a:schemeClr val="accent1"/>
+          </a:fillRef>
+          <a:effectRef idx="0">
+            <a:schemeClr val="accent1"/>
+          </a:effectRef>
+          <a:fontRef idx="minor">
+            <a:schemeClr val="lt1"/>
+          </a:fontRef>
+        </p:style>
+        <p:txBody>
+          <a:bodyPr rtlCol="0" anchor="ctr"/>
+          <a:lstStyle/>
+          <a:p>
+            <a:pPr algn="ctr"/>
+            <a:endParaRPr lang="en-US"/>
+          </a:p>
+        </p:txBody>
+      </p:sp>
+    </p:spTree>
+    <p:extLst>
+      <p:ext uri="{BB962C8B-B14F-4D97-AF65-F5344CB8AC3E}">
+        <p14:creationId xmlns:p14="http://schemas.microsoft.com/office/powerpoint/2010/main" val="359705205"/>
+      </p:ext>
+    </p:extLst>
+  </p:cSld>
+  <p:clrMapOvr>
+    <a:masterClrMapping/>
+  </p:clrMapOvr>
+</p:sld>
+</file>
+
+<file path=ppt/slides/slide3.xml><?xml version="1.0" encoding="utf-8"?>
+<p:sld xmlns:a="http://schemas.openxmlformats.org/drawingml/2006/main" xmlns:r="http://schemas.openxmlformats.org/officeDocument/2006/relationships" xmlns:p="http://schemas.openxmlformats.org/presentationml/2006/main">
+  <p:cSld>
+    <p:spTree>
+      <p:nvGrpSpPr>
+        <p:cNvPr id="1" name=""/>
+        <p:cNvGrpSpPr/>
+        <p:nvPr/>
+      </p:nvGrpSpPr>
+      <p:grpSpPr>
+        <a:xfrm>
+          <a:off x="0" y="0"/>
+          <a:ext cx="0" cy="0"/>
+          <a:chOff x="0" y="0"/>
+          <a:chExt cx="0" cy="0"/>
+        </a:xfrm>
+      </p:grpSpPr>
+      <p:sp>
+        <p:nvSpPr>
+          <p:cNvPr id="3" name="TextBox 2">
+            <a:extLst>
+              <a:ext uri="{FF2B5EF4-FFF2-40B4-BE49-F238E27FC236}">
+                <a16:creationId xmlns:a16="http://schemas.microsoft.com/office/drawing/2014/main" id="{D76E1424-2D00-574F-91B4-19C050F9B844}"/>
+              </a:ext>
+            </a:extLst>
+          </p:cNvPr>
+          <p:cNvSpPr txBox="1"/>
+          <p:nvPr/>
+        </p:nvSpPr>
+        <p:spPr>
+          <a:xfrm>
+            <a:off x="184825" y="97276"/>
+            <a:ext cx="2258952" cy="400110"/>
+          </a:xfrm>
+          <a:prstGeom prst="rect">
+            <a:avLst/>
+          </a:prstGeom>
+          <a:noFill/>
+        </p:spPr>
+        <p:txBody>
+          <a:bodyPr wrap="none" rtlCol="0">
+            <a:spAutoFit/>
+          </a:bodyPr>
+          <a:lstStyle/>
+          <a:p>
+            <a:r>
+              <a:rPr lang="en-US" sz="2000" dirty="0"/>
+              <a:t>Problem statement:</a:t>
+            </a:r>
+          </a:p>
+        </p:txBody>
+      </p:sp>
+      <p:pic>
+        <p:nvPicPr>
+          <p:cNvPr id="11" name="Picture 10">
+            <a:extLst>
+              <a:ext uri="{FF2B5EF4-FFF2-40B4-BE49-F238E27FC236}">
+                <a16:creationId xmlns:a16="http://schemas.microsoft.com/office/drawing/2014/main" id="{CD0F050F-6D54-4740-964E-210BDA50FDC9}"/>
+              </a:ext>
+            </a:extLst>
+          </p:cNvPr>
+          <p:cNvPicPr>
+            <a:picLocks noChangeAspect="1"/>
+          </p:cNvPicPr>
+          <p:nvPr/>
+        </p:nvPicPr>
+        <p:blipFill>
+          <a:blip r:embed="rId2"/>
+          <a:stretch>
+            <a:fillRect/>
+          </a:stretch>
+        </p:blipFill>
+        <p:spPr>
+          <a:xfrm>
+            <a:off x="2701046" y="731335"/>
+            <a:ext cx="1162498" cy="266406"/>
+          </a:xfrm>
+          <a:prstGeom prst="rect">
+            <a:avLst/>
+          </a:prstGeom>
+        </p:spPr>
+      </p:pic>
+      <p:sp>
+        <p:nvSpPr>
+          <p:cNvPr id="12" name="TextBox 11">
+            <a:extLst>
+              <a:ext uri="{FF2B5EF4-FFF2-40B4-BE49-F238E27FC236}">
+                <a16:creationId xmlns:a16="http://schemas.microsoft.com/office/drawing/2014/main" id="{777DC979-E9A6-FE42-AFD5-64B5DA2DC5E4}"/>
+              </a:ext>
+            </a:extLst>
+          </p:cNvPr>
+          <p:cNvSpPr txBox="1"/>
+          <p:nvPr/>
+        </p:nvSpPr>
+        <p:spPr>
+          <a:xfrm>
+            <a:off x="733052" y="732060"/>
+            <a:ext cx="1162498" cy="338554"/>
+          </a:xfrm>
+          <a:prstGeom prst="rect">
+            <a:avLst/>
+          </a:prstGeom>
+          <a:noFill/>
+        </p:spPr>
+        <p:txBody>
+          <a:bodyPr wrap="none" rtlCol="0">
+            <a:spAutoFit/>
+          </a:bodyPr>
+          <a:lstStyle/>
+          <a:p>
+            <a:r>
+              <a:rPr lang="en-US" sz="1600" dirty="0"/>
+              <a:t>Hypothesis:</a:t>
+            </a:r>
+          </a:p>
+        </p:txBody>
+      </p:sp>
+      <p:sp>
+        <p:nvSpPr>
+          <p:cNvPr id="20" name="TextBox 19">
+            <a:extLst>
+              <a:ext uri="{FF2B5EF4-FFF2-40B4-BE49-F238E27FC236}">
+                <a16:creationId xmlns:a16="http://schemas.microsoft.com/office/drawing/2014/main" id="{362746AB-A6F7-ED40-97F7-8CBC6E429633}"/>
+              </a:ext>
+            </a:extLst>
+          </p:cNvPr>
+          <p:cNvSpPr txBox="1"/>
+          <p:nvPr/>
+        </p:nvSpPr>
+        <p:spPr>
+          <a:xfrm>
+            <a:off x="4729220" y="732060"/>
+            <a:ext cx="4404604" cy="338554"/>
+          </a:xfrm>
+          <a:prstGeom prst="rect">
+            <a:avLst/>
+          </a:prstGeom>
+          <a:noFill/>
+        </p:spPr>
+        <p:txBody>
+          <a:bodyPr wrap="none" rtlCol="0">
+            <a:spAutoFit/>
+          </a:bodyPr>
+          <a:lstStyle/>
+          <a:p>
+            <a:r>
+              <a:rPr lang="en-US" sz="1600" dirty="0"/>
+              <a:t>Additional structure: unknown coefficient is sparse</a:t>
+            </a:r>
+          </a:p>
+        </p:txBody>
+      </p:sp>
+      <p:pic>
+        <p:nvPicPr>
+          <p:cNvPr id="17" name="Picture 16">
+            <a:extLst>
+              <a:ext uri="{FF2B5EF4-FFF2-40B4-BE49-F238E27FC236}">
+                <a16:creationId xmlns:a16="http://schemas.microsoft.com/office/drawing/2014/main" id="{4551C491-F53E-A645-90DB-AC5C666D0CFE}"/>
+              </a:ext>
+            </a:extLst>
+          </p:cNvPr>
+          <p:cNvPicPr>
+            <a:picLocks noChangeAspect="1"/>
+          </p:cNvPicPr>
+          <p:nvPr/>
+        </p:nvPicPr>
+        <p:blipFill>
+          <a:blip r:embed="rId3"/>
+          <a:stretch>
+            <a:fillRect/>
+          </a:stretch>
+        </p:blipFill>
+        <p:spPr>
+          <a:xfrm>
+            <a:off x="2253595" y="1282994"/>
+            <a:ext cx="2057400" cy="782241"/>
+          </a:xfrm>
+          <a:prstGeom prst="rect">
+            <a:avLst/>
+          </a:prstGeom>
+        </p:spPr>
+      </p:pic>
+      <p:sp>
+        <p:nvSpPr>
+          <p:cNvPr id="23" name="TextBox 22">
+            <a:extLst>
+              <a:ext uri="{FF2B5EF4-FFF2-40B4-BE49-F238E27FC236}">
+                <a16:creationId xmlns:a16="http://schemas.microsoft.com/office/drawing/2014/main" id="{DE9E254A-66E2-694A-B125-0D746C637295}"/>
+              </a:ext>
+            </a:extLst>
+          </p:cNvPr>
+          <p:cNvSpPr txBox="1"/>
+          <p:nvPr/>
+        </p:nvSpPr>
+        <p:spPr>
+          <a:xfrm>
+            <a:off x="4520119" y="1504837"/>
+            <a:ext cx="7512995" cy="338554"/>
+          </a:xfrm>
+          <a:prstGeom prst="rect">
+            <a:avLst/>
+          </a:prstGeom>
+          <a:noFill/>
+        </p:spPr>
+        <p:txBody>
+          <a:bodyPr wrap="square" rtlCol="0">
+            <a:spAutoFit/>
+          </a:bodyPr>
+          <a:lstStyle/>
+          <a:p>
+            <a:r>
+              <a:rPr lang="en-US" sz="1600" dirty="0"/>
+              <a:t>Dictionary of solutions (or an appropriate transformation of admissible solutions)</a:t>
+            </a:r>
+          </a:p>
+        </p:txBody>
+      </p:sp>
+      <p:cxnSp>
+        <p:nvCxnSpPr>
+          <p:cNvPr id="25" name="Straight Connector 24">
+            <a:extLst>
+              <a:ext uri="{FF2B5EF4-FFF2-40B4-BE49-F238E27FC236}">
+                <a16:creationId xmlns:a16="http://schemas.microsoft.com/office/drawing/2014/main" id="{F1B2CF4C-1623-F24D-B17B-D50F18979E91}"/>
+              </a:ext>
+            </a:extLst>
+          </p:cNvPr>
+          <p:cNvCxnSpPr>
+            <a:cxnSpLocks/>
+          </p:cNvCxnSpPr>
+          <p:nvPr/>
+        </p:nvCxnSpPr>
+        <p:spPr>
+          <a:xfrm>
+            <a:off x="619328" y="3423480"/>
+            <a:ext cx="10953344" cy="0"/>
+          </a:xfrm>
+          <a:prstGeom prst="line">
+            <a:avLst/>
+          </a:prstGeom>
+          <a:ln w="25400">
+            <a:solidFill>
+              <a:schemeClr val="tx1"/>
+            </a:solidFill>
+          </a:ln>
+        </p:spPr>
+        <p:style>
+          <a:lnRef idx="1">
+            <a:schemeClr val="accent1"/>
+          </a:lnRef>
+          <a:fillRef idx="0">
+            <a:schemeClr val="accent1"/>
+          </a:fillRef>
+          <a:effectRef idx="0">
+            <a:schemeClr val="accent1"/>
+          </a:effectRef>
+          <a:fontRef idx="minor">
+            <a:schemeClr val="tx1"/>
+          </a:fontRef>
+        </p:style>
+      </p:cxnSp>
+      <p:pic>
+        <p:nvPicPr>
+          <p:cNvPr id="28" name="Picture 27">
+            <a:extLst>
+              <a:ext uri="{FF2B5EF4-FFF2-40B4-BE49-F238E27FC236}">
+                <a16:creationId xmlns:a16="http://schemas.microsoft.com/office/drawing/2014/main" id="{0DF640F3-A479-844E-ACF8-10ADA2595B76}"/>
+              </a:ext>
+            </a:extLst>
+          </p:cNvPr>
+          <p:cNvPicPr>
+            <a:picLocks noChangeAspect="1"/>
+          </p:cNvPicPr>
+          <p:nvPr/>
+        </p:nvPicPr>
+        <p:blipFill>
+          <a:blip r:embed="rId4"/>
+          <a:stretch>
+            <a:fillRect/>
+          </a:stretch>
+        </p:blipFill>
+        <p:spPr>
+          <a:xfrm>
+            <a:off x="849986" y="2485746"/>
+            <a:ext cx="3013558" cy="283326"/>
+          </a:xfrm>
+          <a:prstGeom prst="rect">
+            <a:avLst/>
+          </a:prstGeom>
+        </p:spPr>
+      </p:pic>
+      <p:pic>
+        <p:nvPicPr>
+          <p:cNvPr id="29" name="Picture 28">
+            <a:extLst>
+              <a:ext uri="{FF2B5EF4-FFF2-40B4-BE49-F238E27FC236}">
+                <a16:creationId xmlns:a16="http://schemas.microsoft.com/office/drawing/2014/main" id="{059F362D-244A-244C-8D34-F628826A148D}"/>
+              </a:ext>
+            </a:extLst>
+          </p:cNvPr>
+          <p:cNvPicPr>
+            <a:picLocks noChangeAspect="1"/>
+          </p:cNvPicPr>
+          <p:nvPr/>
+        </p:nvPicPr>
+        <p:blipFill>
+          <a:blip r:embed="rId5"/>
+          <a:stretch>
+            <a:fillRect/>
+          </a:stretch>
+        </p:blipFill>
+        <p:spPr>
+          <a:xfrm>
+            <a:off x="5814594" y="2224692"/>
+            <a:ext cx="956902" cy="950648"/>
+          </a:xfrm>
+          <a:prstGeom prst="rect">
+            <a:avLst/>
+          </a:prstGeom>
+        </p:spPr>
+      </p:pic>
+      <p:cxnSp>
+        <p:nvCxnSpPr>
+          <p:cNvPr id="31" name="Straight Connector 30">
+            <a:extLst>
+              <a:ext uri="{FF2B5EF4-FFF2-40B4-BE49-F238E27FC236}">
+                <a16:creationId xmlns:a16="http://schemas.microsoft.com/office/drawing/2014/main" id="{1E059D94-6FAB-F44A-82DB-35289632D969}"/>
+              </a:ext>
+            </a:extLst>
+          </p:cNvPr>
+          <p:cNvCxnSpPr>
+            <a:cxnSpLocks/>
+          </p:cNvCxnSpPr>
+          <p:nvPr/>
+        </p:nvCxnSpPr>
+        <p:spPr>
+          <a:xfrm>
+            <a:off x="5997146" y="2233715"/>
+            <a:ext cx="0" cy="932602"/>
+          </a:xfrm>
+          <a:prstGeom prst="line">
+            <a:avLst/>
+          </a:prstGeom>
+          <a:ln w="19050">
+            <a:solidFill>
+              <a:schemeClr val="tx1"/>
+            </a:solidFill>
+          </a:ln>
+        </p:spPr>
+        <p:style>
+          <a:lnRef idx="1">
+            <a:schemeClr val="accent1"/>
+          </a:lnRef>
+          <a:fillRef idx="0">
+            <a:schemeClr val="accent1"/>
+          </a:fillRef>
+          <a:effectRef idx="0">
+            <a:schemeClr val="accent1"/>
+          </a:effectRef>
+          <a:fontRef idx="minor">
+            <a:schemeClr val="tx1"/>
+          </a:fontRef>
+        </p:style>
+      </p:cxnSp>
+      <p:cxnSp>
+        <p:nvCxnSpPr>
+          <p:cNvPr id="33" name="Straight Connector 32">
+            <a:extLst>
+              <a:ext uri="{FF2B5EF4-FFF2-40B4-BE49-F238E27FC236}">
+                <a16:creationId xmlns:a16="http://schemas.microsoft.com/office/drawing/2014/main" id="{74AAC462-5F42-9145-8367-14FDC1AE72B0}"/>
+              </a:ext>
+            </a:extLst>
+          </p:cNvPr>
+          <p:cNvCxnSpPr>
+            <a:cxnSpLocks/>
+          </p:cNvCxnSpPr>
+          <p:nvPr/>
+        </p:nvCxnSpPr>
+        <p:spPr>
+          <a:xfrm>
+            <a:off x="6242513" y="2233715"/>
+            <a:ext cx="0" cy="932602"/>
+          </a:xfrm>
+          <a:prstGeom prst="line">
+            <a:avLst/>
+          </a:prstGeom>
+          <a:ln w="19050">
+            <a:solidFill>
+              <a:schemeClr val="tx1"/>
+            </a:solidFill>
+          </a:ln>
+        </p:spPr>
+        <p:style>
+          <a:lnRef idx="1">
+            <a:schemeClr val="accent1"/>
+          </a:lnRef>
+          <a:fillRef idx="0">
+            <a:schemeClr val="accent1"/>
+          </a:fillRef>
+          <a:effectRef idx="0">
+            <a:schemeClr val="accent1"/>
+          </a:effectRef>
+          <a:fontRef idx="minor">
+            <a:schemeClr val="tx1"/>
+          </a:fontRef>
+        </p:style>
+      </p:cxnSp>
+      <p:cxnSp>
+        <p:nvCxnSpPr>
+          <p:cNvPr id="34" name="Straight Connector 33">
+            <a:extLst>
+              <a:ext uri="{FF2B5EF4-FFF2-40B4-BE49-F238E27FC236}">
+                <a16:creationId xmlns:a16="http://schemas.microsoft.com/office/drawing/2014/main" id="{55CE2C95-11EF-2B4F-AA42-FFF9292CBA5B}"/>
+              </a:ext>
+            </a:extLst>
+          </p:cNvPr>
+          <p:cNvCxnSpPr>
+            <a:cxnSpLocks/>
+          </p:cNvCxnSpPr>
+          <p:nvPr/>
+        </p:nvCxnSpPr>
+        <p:spPr>
+          <a:xfrm>
+            <a:off x="6484122" y="2233715"/>
+            <a:ext cx="0" cy="932602"/>
+          </a:xfrm>
+          <a:prstGeom prst="line">
+            <a:avLst/>
+          </a:prstGeom>
+          <a:ln w="19050">
+            <a:solidFill>
+              <a:schemeClr val="tx1"/>
+            </a:solidFill>
+          </a:ln>
+        </p:spPr>
+        <p:style>
+          <a:lnRef idx="1">
+            <a:schemeClr val="accent1"/>
+          </a:lnRef>
+          <a:fillRef idx="0">
+            <a:schemeClr val="accent1"/>
+          </a:fillRef>
+          <a:effectRef idx="0">
+            <a:schemeClr val="accent1"/>
+          </a:effectRef>
+          <a:fontRef idx="minor">
+            <a:schemeClr val="tx1"/>
+          </a:fontRef>
+        </p:style>
+      </p:cxnSp>
+      <p:cxnSp>
+        <p:nvCxnSpPr>
+          <p:cNvPr id="35" name="Straight Connector 34">
+            <a:extLst>
+              <a:ext uri="{FF2B5EF4-FFF2-40B4-BE49-F238E27FC236}">
+                <a16:creationId xmlns:a16="http://schemas.microsoft.com/office/drawing/2014/main" id="{FD6F02FA-3188-3345-82CD-45F2520AE302}"/>
+              </a:ext>
+            </a:extLst>
+          </p:cNvPr>
+          <p:cNvCxnSpPr>
+            <a:cxnSpLocks/>
+          </p:cNvCxnSpPr>
+          <p:nvPr/>
+        </p:nvCxnSpPr>
+        <p:spPr>
+          <a:xfrm>
+            <a:off x="5846263" y="2428208"/>
+            <a:ext cx="893564" cy="0"/>
+          </a:xfrm>
+          <a:prstGeom prst="line">
+            <a:avLst/>
+          </a:prstGeom>
+          <a:ln w="19050">
+            <a:solidFill>
+              <a:schemeClr val="tx1"/>
+            </a:solidFill>
+          </a:ln>
+        </p:spPr>
+        <p:style>
+          <a:lnRef idx="1">
+            <a:schemeClr val="accent1"/>
+          </a:lnRef>
+          <a:fillRef idx="0">
+            <a:schemeClr val="accent1"/>
+          </a:fillRef>
+          <a:effectRef idx="0">
+            <a:schemeClr val="accent1"/>
+          </a:effectRef>
+          <a:fontRef idx="minor">
+            <a:schemeClr val="tx1"/>
+          </a:fontRef>
+        </p:style>
+      </p:cxnSp>
+      <p:cxnSp>
+        <p:nvCxnSpPr>
+          <p:cNvPr id="38" name="Straight Connector 37">
+            <a:extLst>
+              <a:ext uri="{FF2B5EF4-FFF2-40B4-BE49-F238E27FC236}">
+                <a16:creationId xmlns:a16="http://schemas.microsoft.com/office/drawing/2014/main" id="{5D574EF9-E2B3-CF42-824E-AC3CAC485BE9}"/>
+              </a:ext>
+            </a:extLst>
+          </p:cNvPr>
+          <p:cNvCxnSpPr>
+            <a:cxnSpLocks/>
+          </p:cNvCxnSpPr>
+          <p:nvPr/>
+        </p:nvCxnSpPr>
+        <p:spPr>
+          <a:xfrm>
+            <a:off x="5846263" y="2693541"/>
+            <a:ext cx="893564" cy="0"/>
+          </a:xfrm>
+          <a:prstGeom prst="line">
+            <a:avLst/>
+          </a:prstGeom>
+          <a:ln w="19050">
+            <a:solidFill>
+              <a:schemeClr val="tx1"/>
+            </a:solidFill>
+          </a:ln>
+        </p:spPr>
+        <p:style>
+          <a:lnRef idx="1">
+            <a:schemeClr val="accent1"/>
+          </a:lnRef>
+          <a:fillRef idx="0">
+            <a:schemeClr val="accent1"/>
+          </a:fillRef>
+          <a:effectRef idx="0">
+            <a:schemeClr val="accent1"/>
+          </a:effectRef>
+          <a:fontRef idx="minor">
+            <a:schemeClr val="tx1"/>
+          </a:fontRef>
+        </p:style>
+      </p:cxnSp>
+      <p:cxnSp>
+        <p:nvCxnSpPr>
+          <p:cNvPr id="39" name="Straight Connector 38">
+            <a:extLst>
+              <a:ext uri="{FF2B5EF4-FFF2-40B4-BE49-F238E27FC236}">
+                <a16:creationId xmlns:a16="http://schemas.microsoft.com/office/drawing/2014/main" id="{1BC8C828-7240-784B-AAC3-90538CDF4765}"/>
+              </a:ext>
+            </a:extLst>
+          </p:cNvPr>
+          <p:cNvCxnSpPr>
+            <a:cxnSpLocks/>
+          </p:cNvCxnSpPr>
+          <p:nvPr/>
+        </p:nvCxnSpPr>
+        <p:spPr>
+          <a:xfrm>
+            <a:off x="5846263" y="2929575"/>
+            <a:ext cx="893564" cy="0"/>
+          </a:xfrm>
+          <a:prstGeom prst="line">
+            <a:avLst/>
+          </a:prstGeom>
+          <a:ln w="19050">
+            <a:solidFill>
+              <a:schemeClr val="tx1"/>
+            </a:solidFill>
+          </a:ln>
+        </p:spPr>
+        <p:style>
+          <a:lnRef idx="1">
+            <a:schemeClr val="accent1"/>
+          </a:lnRef>
+          <a:fillRef idx="0">
+            <a:schemeClr val="accent1"/>
+          </a:fillRef>
+          <a:effectRef idx="0">
+            <a:schemeClr val="accent1"/>
+          </a:effectRef>
+          <a:fontRef idx="minor">
+            <a:schemeClr val="tx1"/>
+          </a:fontRef>
+        </p:style>
+      </p:cxnSp>
+      <p:sp>
+        <p:nvSpPr>
+          <p:cNvPr id="41" name="Rectangle 40">
+            <a:extLst>
+              <a:ext uri="{FF2B5EF4-FFF2-40B4-BE49-F238E27FC236}">
+                <a16:creationId xmlns:a16="http://schemas.microsoft.com/office/drawing/2014/main" id="{9B5B3F52-58BF-4F41-B157-61D644E0CC50}"/>
+              </a:ext>
+            </a:extLst>
+          </p:cNvPr>
+          <p:cNvSpPr/>
+          <p:nvPr/>
+        </p:nvSpPr>
+        <p:spPr>
+          <a:xfrm>
+            <a:off x="6014305" y="2442201"/>
+            <a:ext cx="214113" cy="241603"/>
+          </a:xfrm>
+          <a:prstGeom prst="rect">
+            <a:avLst/>
+          </a:prstGeom>
+          <a:solidFill>
+            <a:srgbClr val="00B0F0"/>
+          </a:solidFill>
+          <a:ln>
+            <a:noFill/>
+          </a:ln>
+        </p:spPr>
+        <p:style>
+          <a:lnRef idx="2">
+            <a:schemeClr val="accent1">
+              <a:shade val="50000"/>
+            </a:schemeClr>
+          </a:lnRef>
+          <a:fillRef idx="1">
+            <a:schemeClr val="accent1"/>
+          </a:fillRef>
+          <a:effectRef idx="0">
+            <a:schemeClr val="accent1"/>
+          </a:effectRef>
+          <a:fontRef idx="minor">
+            <a:schemeClr val="lt1"/>
+          </a:fontRef>
+        </p:style>
+        <p:txBody>
+          <a:bodyPr rtlCol="0" anchor="ctr"/>
+          <a:lstStyle/>
+          <a:p>
+            <a:pPr algn="ctr"/>
+            <a:endParaRPr lang="en-US"/>
+          </a:p>
+        </p:txBody>
+      </p:sp>
+      <p:sp>
+        <p:nvSpPr>
+          <p:cNvPr id="42" name="Rectangle 41">
+            <a:extLst>
+              <a:ext uri="{FF2B5EF4-FFF2-40B4-BE49-F238E27FC236}">
+                <a16:creationId xmlns:a16="http://schemas.microsoft.com/office/drawing/2014/main" id="{71E341E0-65EF-C246-9566-CCDD5A52BBD2}"/>
+              </a:ext>
+            </a:extLst>
+          </p:cNvPr>
+          <p:cNvSpPr/>
+          <p:nvPr/>
+        </p:nvSpPr>
+        <p:spPr>
+          <a:xfrm>
+            <a:off x="6515792" y="2703279"/>
+            <a:ext cx="209939" cy="226296"/>
+          </a:xfrm>
+          <a:prstGeom prst="rect">
+            <a:avLst/>
+          </a:prstGeom>
+          <a:solidFill>
+            <a:srgbClr val="00B0F0"/>
+          </a:solidFill>
+          <a:ln>
+            <a:noFill/>
+          </a:ln>
+        </p:spPr>
+        <p:style>
+          <a:lnRef idx="2">
+            <a:schemeClr val="accent1">
+              <a:shade val="50000"/>
+            </a:schemeClr>
+          </a:lnRef>
+          <a:fillRef idx="1">
+            <a:schemeClr val="accent1"/>
+          </a:fillRef>
+          <a:effectRef idx="0">
+            <a:schemeClr val="accent1"/>
+          </a:effectRef>
+          <a:fontRef idx="minor">
+            <a:schemeClr val="lt1"/>
+          </a:fontRef>
+        </p:style>
+        <p:txBody>
+          <a:bodyPr rtlCol="0" anchor="ctr"/>
+          <a:lstStyle/>
+          <a:p>
+            <a:pPr algn="ctr"/>
+            <a:endParaRPr lang="en-US"/>
+          </a:p>
+        </p:txBody>
+      </p:sp>
+      <p:sp>
+        <p:nvSpPr>
+          <p:cNvPr id="43" name="Rectangle 42">
+            <a:extLst>
+              <a:ext uri="{FF2B5EF4-FFF2-40B4-BE49-F238E27FC236}">
+                <a16:creationId xmlns:a16="http://schemas.microsoft.com/office/drawing/2014/main" id="{6CE6F9C1-8EBA-854F-A16B-7C54609AB5A8}"/>
+              </a:ext>
+            </a:extLst>
+          </p:cNvPr>
+          <p:cNvSpPr/>
+          <p:nvPr/>
+        </p:nvSpPr>
+        <p:spPr>
+          <a:xfrm>
+            <a:off x="5814594" y="2929575"/>
+            <a:ext cx="182553" cy="234661"/>
+          </a:xfrm>
+          <a:prstGeom prst="rect">
+            <a:avLst/>
+          </a:prstGeom>
+          <a:solidFill>
+            <a:srgbClr val="00B0F0"/>
+          </a:solidFill>
+          <a:ln>
+            <a:noFill/>
+          </a:ln>
+        </p:spPr>
+        <p:style>
+          <a:lnRef idx="2">
+            <a:schemeClr val="accent1">
+              <a:shade val="50000"/>
+            </a:schemeClr>
+          </a:lnRef>
+          <a:fillRef idx="1">
+            <a:schemeClr val="accent1"/>
+          </a:fillRef>
+          <a:effectRef idx="0">
+            <a:schemeClr val="accent1"/>
+          </a:effectRef>
+          <a:fontRef idx="minor">
+            <a:schemeClr val="lt1"/>
+          </a:fontRef>
+        </p:style>
+        <p:txBody>
+          <a:bodyPr rtlCol="0" anchor="ctr"/>
+          <a:lstStyle/>
+          <a:p>
+            <a:pPr algn="ctr"/>
+            <a:endParaRPr lang="en-US"/>
+          </a:p>
+        </p:txBody>
+      </p:sp>
+      <p:pic>
+        <p:nvPicPr>
+          <p:cNvPr id="44" name="Picture 43">
+            <a:extLst>
+              <a:ext uri="{FF2B5EF4-FFF2-40B4-BE49-F238E27FC236}">
+                <a16:creationId xmlns:a16="http://schemas.microsoft.com/office/drawing/2014/main" id="{A963258E-DFD2-D345-9D9E-A91B6DB8BA95}"/>
+              </a:ext>
+            </a:extLst>
+          </p:cNvPr>
+          <p:cNvPicPr>
+            <a:picLocks noChangeAspect="1"/>
+          </p:cNvPicPr>
+          <p:nvPr/>
+        </p:nvPicPr>
+        <p:blipFill>
+          <a:blip r:embed="rId6"/>
+          <a:stretch>
+            <a:fillRect/>
+          </a:stretch>
+        </p:blipFill>
+        <p:spPr>
+          <a:xfrm>
+            <a:off x="6172808" y="1944213"/>
+            <a:ext cx="342984" cy="231746"/>
+          </a:xfrm>
+          <a:prstGeom prst="rect">
+            <a:avLst/>
+          </a:prstGeom>
+        </p:spPr>
+      </p:pic>
+      <p:sp>
+        <p:nvSpPr>
+          <p:cNvPr id="45" name="TextBox 44">
+            <a:extLst>
+              <a:ext uri="{FF2B5EF4-FFF2-40B4-BE49-F238E27FC236}">
+                <a16:creationId xmlns:a16="http://schemas.microsoft.com/office/drawing/2014/main" id="{BDB267A4-5805-CF49-807A-80F08C7CAAEB}"/>
+              </a:ext>
+            </a:extLst>
+          </p:cNvPr>
+          <p:cNvSpPr txBox="1"/>
+          <p:nvPr/>
+        </p:nvSpPr>
+        <p:spPr>
+          <a:xfrm>
+            <a:off x="6931522" y="2497799"/>
+            <a:ext cx="1941429" cy="338554"/>
+          </a:xfrm>
+          <a:prstGeom prst="rect">
+            <a:avLst/>
+          </a:prstGeom>
+          <a:noFill/>
+        </p:spPr>
+        <p:txBody>
+          <a:bodyPr wrap="none" rtlCol="0">
+            <a:spAutoFit/>
+          </a:bodyPr>
+          <a:lstStyle/>
+          <a:p>
+            <a:r>
+              <a:rPr lang="en-US" sz="1600" dirty="0"/>
+              <a:t>Measurement matrix</a:t>
+            </a:r>
+          </a:p>
+        </p:txBody>
+      </p:sp>
+      <p:sp>
+        <p:nvSpPr>
+          <p:cNvPr id="46" name="TextBox 45">
+            <a:extLst>
+              <a:ext uri="{FF2B5EF4-FFF2-40B4-BE49-F238E27FC236}">
+                <a16:creationId xmlns:a16="http://schemas.microsoft.com/office/drawing/2014/main" id="{EE52F795-8A96-3242-9DEC-87736D9AB613}"/>
+              </a:ext>
+            </a:extLst>
+          </p:cNvPr>
+          <p:cNvSpPr txBox="1"/>
+          <p:nvPr/>
+        </p:nvSpPr>
+        <p:spPr>
+          <a:xfrm>
+            <a:off x="584348" y="3589255"/>
+            <a:ext cx="2209579" cy="369332"/>
+          </a:xfrm>
+          <a:prstGeom prst="rect">
+            <a:avLst/>
+          </a:prstGeom>
+          <a:noFill/>
+        </p:spPr>
+        <p:txBody>
+          <a:bodyPr wrap="none" rtlCol="0">
+            <a:spAutoFit/>
+          </a:bodyPr>
+          <a:lstStyle/>
+          <a:p>
+            <a:r>
+              <a:rPr lang="en-US" dirty="0"/>
+              <a:t>Least square problem</a:t>
+            </a:r>
+          </a:p>
+        </p:txBody>
+      </p:sp>
+      <p:sp>
+        <p:nvSpPr>
+          <p:cNvPr id="47" name="TextBox 46">
+            <a:extLst>
+              <a:ext uri="{FF2B5EF4-FFF2-40B4-BE49-F238E27FC236}">
+                <a16:creationId xmlns:a16="http://schemas.microsoft.com/office/drawing/2014/main" id="{B8502569-83D0-5A45-94C7-3F2F0A041104}"/>
+              </a:ext>
+            </a:extLst>
+          </p:cNvPr>
+          <p:cNvSpPr txBox="1"/>
+          <p:nvPr/>
+        </p:nvSpPr>
+        <p:spPr>
+          <a:xfrm>
+            <a:off x="4663505" y="3583984"/>
+            <a:ext cx="1669240" cy="369332"/>
+          </a:xfrm>
+          <a:prstGeom prst="rect">
+            <a:avLst/>
+          </a:prstGeom>
+          <a:noFill/>
+        </p:spPr>
+        <p:txBody>
+          <a:bodyPr wrap="none" rtlCol="0">
+            <a:spAutoFit/>
+          </a:bodyPr>
+          <a:lstStyle/>
+          <a:p>
+            <a:r>
+              <a:rPr lang="en-US" dirty="0"/>
+              <a:t>Sparse recovery</a:t>
+            </a:r>
+          </a:p>
+        </p:txBody>
+      </p:sp>
+      <p:sp>
+        <p:nvSpPr>
+          <p:cNvPr id="48" name="TextBox 47">
+            <a:extLst>
+              <a:ext uri="{FF2B5EF4-FFF2-40B4-BE49-F238E27FC236}">
+                <a16:creationId xmlns:a16="http://schemas.microsoft.com/office/drawing/2014/main" id="{613BF000-EC80-DD4C-8166-092BDE9D5E1B}"/>
+              </a:ext>
+            </a:extLst>
+          </p:cNvPr>
+          <p:cNvSpPr txBox="1"/>
+          <p:nvPr/>
+        </p:nvSpPr>
+        <p:spPr>
+          <a:xfrm>
+            <a:off x="9414871" y="3583984"/>
+            <a:ext cx="779381" cy="369332"/>
+          </a:xfrm>
+          <a:prstGeom prst="rect">
+            <a:avLst/>
+          </a:prstGeom>
+          <a:noFill/>
+        </p:spPr>
+        <p:txBody>
+          <a:bodyPr wrap="none" rtlCol="0">
+            <a:spAutoFit/>
+          </a:bodyPr>
+          <a:lstStyle/>
+          <a:p>
+            <a:r>
+              <a:rPr lang="en-US" dirty="0"/>
+              <a:t>LASSO</a:t>
+            </a:r>
+          </a:p>
+        </p:txBody>
+      </p:sp>
+      <p:cxnSp>
+        <p:nvCxnSpPr>
+          <p:cNvPr id="49" name="Straight Connector 48">
+            <a:extLst>
+              <a:ext uri="{FF2B5EF4-FFF2-40B4-BE49-F238E27FC236}">
+                <a16:creationId xmlns:a16="http://schemas.microsoft.com/office/drawing/2014/main" id="{FCD27E8C-36B6-E240-9220-9B591C701DE4}"/>
+              </a:ext>
+            </a:extLst>
+          </p:cNvPr>
+          <p:cNvCxnSpPr>
+            <a:cxnSpLocks/>
+          </p:cNvCxnSpPr>
+          <p:nvPr/>
+        </p:nvCxnSpPr>
+        <p:spPr>
+          <a:xfrm flipH="1">
+            <a:off x="3282295" y="3589255"/>
+            <a:ext cx="5397" cy="3162419"/>
+          </a:xfrm>
+          <a:prstGeom prst="line">
+            <a:avLst/>
+          </a:prstGeom>
+          <a:ln w="25400">
+            <a:solidFill>
+              <a:schemeClr val="tx1"/>
+            </a:solidFill>
+          </a:ln>
+        </p:spPr>
+        <p:style>
+          <a:lnRef idx="1">
+            <a:schemeClr val="accent1"/>
+          </a:lnRef>
+          <a:fillRef idx="0">
+            <a:schemeClr val="accent1"/>
+          </a:fillRef>
+          <a:effectRef idx="0">
+            <a:schemeClr val="accent1"/>
+          </a:effectRef>
+          <a:fontRef idx="minor">
+            <a:schemeClr val="tx1"/>
+          </a:fontRef>
+        </p:style>
+      </p:cxnSp>
+      <p:cxnSp>
+        <p:nvCxnSpPr>
+          <p:cNvPr id="53" name="Straight Connector 52">
+            <a:extLst>
+              <a:ext uri="{FF2B5EF4-FFF2-40B4-BE49-F238E27FC236}">
+                <a16:creationId xmlns:a16="http://schemas.microsoft.com/office/drawing/2014/main" id="{E8C40220-2AD6-5E47-BAC4-450A8A4ADCAF}"/>
+              </a:ext>
+            </a:extLst>
+          </p:cNvPr>
+          <p:cNvCxnSpPr>
+            <a:cxnSpLocks/>
+          </p:cNvCxnSpPr>
+          <p:nvPr/>
+        </p:nvCxnSpPr>
+        <p:spPr>
+          <a:xfrm flipH="1">
+            <a:off x="7403074" y="3589254"/>
+            <a:ext cx="5397" cy="3162419"/>
+          </a:xfrm>
+          <a:prstGeom prst="line">
+            <a:avLst/>
+          </a:prstGeom>
+          <a:ln w="25400">
+            <a:solidFill>
+              <a:schemeClr val="tx1"/>
+            </a:solidFill>
+          </a:ln>
+        </p:spPr>
+        <p:style>
+          <a:lnRef idx="1">
+            <a:schemeClr val="accent1"/>
+          </a:lnRef>
+          <a:fillRef idx="0">
+            <a:schemeClr val="accent1"/>
+          </a:fillRef>
+          <a:effectRef idx="0">
+            <a:schemeClr val="accent1"/>
+          </a:effectRef>
+          <a:fontRef idx="minor">
+            <a:schemeClr val="tx1"/>
+          </a:fontRef>
+        </p:style>
+      </p:cxnSp>
+      <p:pic>
+        <p:nvPicPr>
+          <p:cNvPr id="55" name="Picture 54">
+            <a:extLst>
+              <a:ext uri="{FF2B5EF4-FFF2-40B4-BE49-F238E27FC236}">
+                <a16:creationId xmlns:a16="http://schemas.microsoft.com/office/drawing/2014/main" id="{1D0793BA-A599-2A41-A239-9B34D935109C}"/>
+              </a:ext>
+            </a:extLst>
+          </p:cNvPr>
+          <p:cNvPicPr>
+            <a:picLocks noChangeAspect="1"/>
+          </p:cNvPicPr>
+          <p:nvPr/>
+        </p:nvPicPr>
+        <p:blipFill>
+          <a:blip r:embed="rId7"/>
+          <a:stretch>
+            <a:fillRect/>
+          </a:stretch>
+        </p:blipFill>
+        <p:spPr>
+          <a:xfrm>
+            <a:off x="394743" y="4937272"/>
+            <a:ext cx="2597433" cy="369332"/>
+          </a:xfrm>
+          <a:prstGeom prst="rect">
+            <a:avLst/>
+          </a:prstGeom>
+        </p:spPr>
+      </p:pic>
+      <p:pic>
+        <p:nvPicPr>
+          <p:cNvPr id="57" name="Picture 56">
+            <a:extLst>
+              <a:ext uri="{FF2B5EF4-FFF2-40B4-BE49-F238E27FC236}">
+                <a16:creationId xmlns:a16="http://schemas.microsoft.com/office/drawing/2014/main" id="{9F630B87-DEC6-574E-86F5-CC524CF60374}"/>
+              </a:ext>
+            </a:extLst>
+          </p:cNvPr>
+          <p:cNvPicPr>
+            <a:picLocks noChangeAspect="1"/>
+          </p:cNvPicPr>
+          <p:nvPr/>
+        </p:nvPicPr>
+        <p:blipFill>
+          <a:blip r:embed="rId8"/>
+          <a:stretch>
+            <a:fillRect/>
+          </a:stretch>
+        </p:blipFill>
+        <p:spPr>
+          <a:xfrm>
+            <a:off x="3782192" y="4227030"/>
+            <a:ext cx="3160346" cy="351150"/>
+          </a:xfrm>
+          <a:prstGeom prst="rect">
+            <a:avLst/>
+          </a:prstGeom>
+        </p:spPr>
+      </p:pic>
+      <p:pic>
+        <p:nvPicPr>
+          <p:cNvPr id="58" name="Picture 57">
+            <a:extLst>
+              <a:ext uri="{FF2B5EF4-FFF2-40B4-BE49-F238E27FC236}">
+                <a16:creationId xmlns:a16="http://schemas.microsoft.com/office/drawing/2014/main" id="{EC86DA24-DA09-CB47-BE34-3189250EB351}"/>
+              </a:ext>
+            </a:extLst>
+          </p:cNvPr>
+          <p:cNvPicPr>
+            <a:picLocks noChangeAspect="1"/>
+          </p:cNvPicPr>
+          <p:nvPr/>
+        </p:nvPicPr>
+        <p:blipFill>
+          <a:blip r:embed="rId9"/>
+          <a:stretch>
+            <a:fillRect/>
+          </a:stretch>
+        </p:blipFill>
+        <p:spPr>
+          <a:xfrm>
+            <a:off x="3660913" y="5732879"/>
+            <a:ext cx="3518135" cy="319830"/>
+          </a:xfrm>
+          <a:prstGeom prst="rect">
+            <a:avLst/>
+          </a:prstGeom>
+        </p:spPr>
+      </p:pic>
+      <p:pic>
+        <p:nvPicPr>
+          <p:cNvPr id="60" name="Picture 59">
+            <a:extLst>
+              <a:ext uri="{FF2B5EF4-FFF2-40B4-BE49-F238E27FC236}">
+                <a16:creationId xmlns:a16="http://schemas.microsoft.com/office/drawing/2014/main" id="{886ED726-3D8B-144A-9092-98CCE003C3A9}"/>
+              </a:ext>
+            </a:extLst>
+          </p:cNvPr>
+          <p:cNvPicPr>
+            <a:picLocks noChangeAspect="1"/>
+          </p:cNvPicPr>
+          <p:nvPr/>
+        </p:nvPicPr>
+        <p:blipFill>
+          <a:blip r:embed="rId10"/>
+          <a:stretch>
+            <a:fillRect/>
+          </a:stretch>
+        </p:blipFill>
+        <p:spPr>
+          <a:xfrm>
+            <a:off x="8150761" y="4833635"/>
+            <a:ext cx="3581400" cy="361950"/>
+          </a:xfrm>
+          <a:prstGeom prst="rect">
+            <a:avLst/>
+          </a:prstGeom>
+        </p:spPr>
+      </p:pic>
+    </p:spTree>
+    <p:extLst>
+      <p:ext uri="{BB962C8B-B14F-4D97-AF65-F5344CB8AC3E}">
+        <p14:creationId xmlns:p14="http://schemas.microsoft.com/office/powerpoint/2010/main" val="234453572"/>
+      </p:ext>
+    </p:extLst>
+  </p:cSld>
+  <p:clrMapOvr>
+    <a:masterClrMapping/>
+  </p:clrMapOvr>
+</p:sld>
+</file>
+
+<file path=ppt/slides/slide4.xml><?xml version="1.0" encoding="utf-8"?>
+<p:sld xmlns:a="http://schemas.openxmlformats.org/drawingml/2006/main" xmlns:r="http://schemas.openxmlformats.org/officeDocument/2006/relationships" xmlns:p="http://schemas.openxmlformats.org/presentationml/2006/main">
+  <p:cSld>
+    <p:spTree>
+      <p:nvGrpSpPr>
+        <p:cNvPr id="1" name=""/>
+        <p:cNvGrpSpPr/>
+        <p:nvPr/>
+      </p:nvGrpSpPr>
+      <p:grpSpPr>
+        <a:xfrm>
+          <a:off x="0" y="0"/>
+          <a:ext cx="0" cy="0"/>
+          <a:chOff x="0" y="0"/>
+          <a:chExt cx="0" cy="0"/>
+        </a:xfrm>
+      </p:grpSpPr>
       <p:pic>
         <p:nvPicPr>
           <p:cNvPr id="4" name="1d_test" descr="1d_test">
@@ -3356,8 +6174,8 @@
         </p:blipFill>
         <p:spPr>
           <a:xfrm>
-            <a:off x="544838" y="719225"/>
-            <a:ext cx="3456473" cy="2592354"/>
+            <a:off x="1308660" y="856847"/>
+            <a:ext cx="4592410" cy="3444306"/>
           </a:xfrm>
           <a:prstGeom prst="rect">
             <a:avLst/>
@@ -3386,7 +6204,7 @@
         </p:blipFill>
         <p:spPr>
           <a:xfrm>
-            <a:off x="4001311" y="1316786"/>
+            <a:off x="6588024" y="1656055"/>
             <a:ext cx="4081965" cy="1397232"/>
           </a:xfrm>
           <a:prstGeom prst="rect">
@@ -3408,8 +6226,8 @@
         </p:nvSpPr>
         <p:spPr>
           <a:xfrm>
-            <a:off x="874814" y="456737"/>
-            <a:ext cx="3048014" cy="369332"/>
+            <a:off x="1601623" y="4503846"/>
+            <a:ext cx="4299447" cy="369332"/>
           </a:xfrm>
           <a:prstGeom prst="rect">
             <a:avLst/>
@@ -3424,47 +6242,17 @@
           <a:p>
             <a:r>
               <a:rPr lang="en-US" dirty="0"/>
-              <a:t>1000 snapshots for one period</a:t>
-            </a:r>
-          </a:p>
-        </p:txBody>
-      </p:sp>
-      <p:pic>
-        <p:nvPicPr>
-          <p:cNvPr id="8" name="Picture 7">
-            <a:extLst>
-              <a:ext uri="{FF2B5EF4-FFF2-40B4-BE49-F238E27FC236}">
-                <a16:creationId xmlns:a16="http://schemas.microsoft.com/office/drawing/2014/main" id="{50363B44-D409-084C-9296-B869546CD785}"/>
-              </a:ext>
-            </a:extLst>
-          </p:cNvPr>
-          <p:cNvPicPr>
-            <a:picLocks noChangeAspect="1"/>
-          </p:cNvPicPr>
-          <p:nvPr/>
-        </p:nvPicPr>
-        <p:blipFill>
-          <a:blip r:embed="rId6"/>
-          <a:stretch>
-            <a:fillRect/>
-          </a:stretch>
-        </p:blipFill>
-        <p:spPr>
-          <a:xfrm>
-            <a:off x="104484" y="4208337"/>
-            <a:ext cx="2996030" cy="2204943"/>
-          </a:xfrm>
-          <a:prstGeom prst="rect">
-            <a:avLst/>
-          </a:prstGeom>
-        </p:spPr>
-      </p:pic>
-      <p:sp>
-        <p:nvSpPr>
-          <p:cNvPr id="9" name="TextBox 8">
-            <a:extLst>
-              <a:ext uri="{FF2B5EF4-FFF2-40B4-BE49-F238E27FC236}">
-                <a16:creationId xmlns:a16="http://schemas.microsoft.com/office/drawing/2014/main" id="{C121144D-6731-ED48-B54D-B6212FAE9B4A}"/>
+              <a:t>We generate 1000 snapshots for one period</a:t>
+            </a:r>
+          </a:p>
+        </p:txBody>
+      </p:sp>
+      <p:sp>
+        <p:nvSpPr>
+          <p:cNvPr id="2" name="TextBox 1">
+            <a:extLst>
+              <a:ext uri="{FF2B5EF4-FFF2-40B4-BE49-F238E27FC236}">
+                <a16:creationId xmlns:a16="http://schemas.microsoft.com/office/drawing/2014/main" id="{2856BE86-94F3-7F48-A4B5-33F128D4270B}"/>
               </a:ext>
             </a:extLst>
           </p:cNvPr>
@@ -3473,8 +6261,8 @@
         </p:nvSpPr>
         <p:spPr>
           <a:xfrm>
-            <a:off x="695972" y="3820978"/>
-            <a:ext cx="1967270" cy="369332"/>
+            <a:off x="21425" y="69378"/>
+            <a:ext cx="3440173" cy="400110"/>
           </a:xfrm>
           <a:prstGeom prst="rect">
             <a:avLst/>
@@ -3488,272 +6276,8 @@
           <a:lstStyle/>
           <a:p>
             <a:r>
-              <a:rPr lang="en-US" dirty="0"/>
-              <a:t>Training data = 500</a:t>
-            </a:r>
-          </a:p>
-        </p:txBody>
-      </p:sp>
-      <p:sp>
-        <p:nvSpPr>
-          <p:cNvPr id="10" name="TextBox 9">
-            <a:extLst>
-              <a:ext uri="{FF2B5EF4-FFF2-40B4-BE49-F238E27FC236}">
-                <a16:creationId xmlns:a16="http://schemas.microsoft.com/office/drawing/2014/main" id="{2AE4F2B0-AB59-B646-BC51-C35DEC783C38}"/>
-              </a:ext>
-            </a:extLst>
-          </p:cNvPr>
-          <p:cNvSpPr txBox="1"/>
-          <p:nvPr/>
-        </p:nvSpPr>
-        <p:spPr>
-          <a:xfrm>
-            <a:off x="1537477" y="4218833"/>
-            <a:ext cx="1212191" cy="369332"/>
-          </a:xfrm>
-          <a:prstGeom prst="rect">
-            <a:avLst/>
-          </a:prstGeom>
-          <a:noFill/>
-        </p:spPr>
-        <p:txBody>
-          <a:bodyPr wrap="none" rtlCol="0">
-            <a:spAutoFit/>
-          </a:bodyPr>
-          <a:lstStyle/>
-          <a:p>
-            <a:r>
-              <a:rPr lang="en-US" dirty="0"/>
-              <a:t>L2 solution</a:t>
-            </a:r>
-          </a:p>
-        </p:txBody>
-      </p:sp>
-      <p:pic>
-        <p:nvPicPr>
-          <p:cNvPr id="14" name="Picture 13">
-            <a:extLst>
-              <a:ext uri="{FF2B5EF4-FFF2-40B4-BE49-F238E27FC236}">
-                <a16:creationId xmlns:a16="http://schemas.microsoft.com/office/drawing/2014/main" id="{DAE5A2A6-529D-4F45-8F18-49BE9A38E8F3}"/>
-              </a:ext>
-            </a:extLst>
-          </p:cNvPr>
-          <p:cNvPicPr>
-            <a:picLocks noChangeAspect="1"/>
-          </p:cNvPicPr>
-          <p:nvPr/>
-        </p:nvPicPr>
-        <p:blipFill>
-          <a:blip r:embed="rId7"/>
-          <a:stretch>
-            <a:fillRect/>
-          </a:stretch>
-        </p:blipFill>
-        <p:spPr>
-          <a:xfrm>
-            <a:off x="3188171" y="4332637"/>
-            <a:ext cx="2907829" cy="2204943"/>
-          </a:xfrm>
-          <a:prstGeom prst="rect">
-            <a:avLst/>
-          </a:prstGeom>
-        </p:spPr>
-      </p:pic>
-      <p:sp>
-        <p:nvSpPr>
-          <p:cNvPr id="15" name="TextBox 14">
-            <a:extLst>
-              <a:ext uri="{FF2B5EF4-FFF2-40B4-BE49-F238E27FC236}">
-                <a16:creationId xmlns:a16="http://schemas.microsoft.com/office/drawing/2014/main" id="{D0B412E0-27A1-3844-ADF4-7644BADB429B}"/>
-              </a:ext>
-            </a:extLst>
-          </p:cNvPr>
-          <p:cNvSpPr txBox="1"/>
-          <p:nvPr/>
-        </p:nvSpPr>
-        <p:spPr>
-          <a:xfrm>
-            <a:off x="3561332" y="3849501"/>
-            <a:ext cx="2534668" cy="369332"/>
-          </a:xfrm>
-          <a:prstGeom prst="rect">
-            <a:avLst/>
-          </a:prstGeom>
-          <a:noFill/>
-        </p:spPr>
-        <p:txBody>
-          <a:bodyPr wrap="none" rtlCol="0">
-            <a:spAutoFit/>
-          </a:bodyPr>
-          <a:lstStyle/>
-          <a:p>
-            <a:r>
-              <a:rPr lang="en-US" dirty="0"/>
-              <a:t>5.605518633572185e-15</a:t>
-            </a:r>
-          </a:p>
-        </p:txBody>
-      </p:sp>
-      <p:sp>
-        <p:nvSpPr>
-          <p:cNvPr id="16" name="TextBox 15">
-            <a:extLst>
-              <a:ext uri="{FF2B5EF4-FFF2-40B4-BE49-F238E27FC236}">
-                <a16:creationId xmlns:a16="http://schemas.microsoft.com/office/drawing/2014/main" id="{82875E64-6162-8248-A337-2A029AB80F0F}"/>
-              </a:ext>
-            </a:extLst>
-          </p:cNvPr>
-          <p:cNvSpPr txBox="1"/>
-          <p:nvPr/>
-        </p:nvSpPr>
-        <p:spPr>
-          <a:xfrm>
-            <a:off x="4990289" y="2728241"/>
-            <a:ext cx="4562018" cy="369332"/>
-          </a:xfrm>
-          <a:prstGeom prst="rect">
-            <a:avLst/>
-          </a:prstGeom>
-          <a:noFill/>
-        </p:spPr>
-        <p:txBody>
-          <a:bodyPr wrap="none" rtlCol="0">
-            <a:spAutoFit/>
-          </a:bodyPr>
-          <a:lstStyle/>
-          <a:p>
-            <a:r>
-              <a:rPr lang="en-US" dirty="0"/>
-              <a:t>Temporal normalization: zero mean unitary std</a:t>
-            </a:r>
-          </a:p>
-        </p:txBody>
-      </p:sp>
-      <p:pic>
-        <p:nvPicPr>
-          <p:cNvPr id="18" name="Picture 17">
-            <a:extLst>
-              <a:ext uri="{FF2B5EF4-FFF2-40B4-BE49-F238E27FC236}">
-                <a16:creationId xmlns:a16="http://schemas.microsoft.com/office/drawing/2014/main" id="{4B16BDB0-6E6B-F34F-B2AB-FDF273454DB3}"/>
-              </a:ext>
-            </a:extLst>
-          </p:cNvPr>
-          <p:cNvPicPr>
-            <a:picLocks noChangeAspect="1"/>
-          </p:cNvPicPr>
-          <p:nvPr/>
-        </p:nvPicPr>
-        <p:blipFill>
-          <a:blip r:embed="rId8"/>
-          <a:stretch>
-            <a:fillRect/>
-          </a:stretch>
-        </p:blipFill>
-        <p:spPr>
-          <a:xfrm>
-            <a:off x="6284787" y="4406718"/>
-            <a:ext cx="2650385" cy="1961476"/>
-          </a:xfrm>
-          <a:prstGeom prst="rect">
-            <a:avLst/>
-          </a:prstGeom>
-        </p:spPr>
-      </p:pic>
-      <p:sp>
-        <p:nvSpPr>
-          <p:cNvPr id="19" name="TextBox 18">
-            <a:extLst>
-              <a:ext uri="{FF2B5EF4-FFF2-40B4-BE49-F238E27FC236}">
-                <a16:creationId xmlns:a16="http://schemas.microsoft.com/office/drawing/2014/main" id="{976B8F34-6B53-394E-BFDD-BA9778E7DD05}"/>
-              </a:ext>
-            </a:extLst>
-          </p:cNvPr>
-          <p:cNvSpPr txBox="1"/>
-          <p:nvPr/>
-        </p:nvSpPr>
-        <p:spPr>
-          <a:xfrm>
-            <a:off x="7609979" y="4403499"/>
-            <a:ext cx="399468" cy="369332"/>
-          </a:xfrm>
-          <a:prstGeom prst="rect">
-            <a:avLst/>
-          </a:prstGeom>
-          <a:noFill/>
-        </p:spPr>
-        <p:txBody>
-          <a:bodyPr wrap="none" rtlCol="0">
-            <a:spAutoFit/>
-          </a:bodyPr>
-          <a:lstStyle/>
-          <a:p>
-            <a:r>
-              <a:rPr lang="en-US" dirty="0"/>
-              <a:t>L1</a:t>
-            </a:r>
-          </a:p>
-        </p:txBody>
-      </p:sp>
-      <p:pic>
-        <p:nvPicPr>
-          <p:cNvPr id="21" name="Picture 20">
-            <a:extLst>
-              <a:ext uri="{FF2B5EF4-FFF2-40B4-BE49-F238E27FC236}">
-                <a16:creationId xmlns:a16="http://schemas.microsoft.com/office/drawing/2014/main" id="{51B9358B-1FC4-6C4F-A423-BCBE7EDF58D0}"/>
-              </a:ext>
-            </a:extLst>
-          </p:cNvPr>
-          <p:cNvPicPr>
-            <a:picLocks noChangeAspect="1"/>
-          </p:cNvPicPr>
-          <p:nvPr/>
-        </p:nvPicPr>
-        <p:blipFill>
-          <a:blip r:embed="rId9"/>
-          <a:stretch>
-            <a:fillRect/>
-          </a:stretch>
-        </p:blipFill>
-        <p:spPr>
-          <a:xfrm>
-            <a:off x="9123959" y="4445366"/>
-            <a:ext cx="2683519" cy="1967914"/>
-          </a:xfrm>
-          <a:prstGeom prst="rect">
-            <a:avLst/>
-          </a:prstGeom>
-        </p:spPr>
-      </p:pic>
-      <p:sp>
-        <p:nvSpPr>
-          <p:cNvPr id="22" name="Rectangle 21">
-            <a:extLst>
-              <a:ext uri="{FF2B5EF4-FFF2-40B4-BE49-F238E27FC236}">
-                <a16:creationId xmlns:a16="http://schemas.microsoft.com/office/drawing/2014/main" id="{DEF6F3C6-9B38-8E46-823D-6417E354593E}"/>
-              </a:ext>
-            </a:extLst>
-          </p:cNvPr>
-          <p:cNvSpPr/>
-          <p:nvPr/>
-        </p:nvSpPr>
-        <p:spPr>
-          <a:xfrm>
-            <a:off x="9328679" y="4022948"/>
-            <a:ext cx="2651688" cy="369332"/>
-          </a:xfrm>
-          <a:prstGeom prst="rect">
-            <a:avLst/>
-          </a:prstGeom>
-        </p:spPr>
-        <p:txBody>
-          <a:bodyPr wrap="none">
-            <a:spAutoFit/>
-          </a:bodyPr>
-          <a:lstStyle/>
-          <a:p>
-            <a:r>
-              <a:rPr lang="en-US" dirty="0"/>
-              <a:t>1.0673072250676275e-06</a:t>
+              <a:rPr lang="en-US" sz="2000" dirty="0"/>
+              <a:t>Toy problem 1: data generation</a:t>
             </a:r>
           </a:p>
         </p:txBody>
@@ -3761,7 +6285,7 @@
     </p:spTree>
     <p:extLst>
       <p:ext uri="{BB962C8B-B14F-4D97-AF65-F5344CB8AC3E}">
-        <p14:creationId xmlns:p14="http://schemas.microsoft.com/office/powerpoint/2010/main" val="3425089107"/>
+        <p14:creationId xmlns:p14="http://schemas.microsoft.com/office/powerpoint/2010/main" val="2490561973"/>
       </p:ext>
     </p:extLst>
   </p:cSld>
@@ -3780,6 +6304,9 @@
                     <p:cTn id="3" fill="hold">
                       <p:stCondLst>
                         <p:cond delay="indefinite"/>
+                        <p:cond evt="onBegin" delay="0">
+                          <p:tn val="2"/>
+                        </p:cond>
                       </p:stCondLst>
                       <p:childTnLst>
                         <p:par>
@@ -3789,7 +6316,7 @@
                             </p:stCondLst>
                             <p:childTnLst>
                               <p:par>
-                                <p:cTn id="5" presetID="1" presetClass="mediacall" presetSubtype="0" fill="hold" nodeType="clickEffect">
+                                <p:cTn id="5" presetID="1" presetClass="mediacall" presetSubtype="0" fill="hold" nodeType="afterEffect">
                                   <p:stCondLst>
                                     <p:cond delay="0"/>
                                   </p:stCondLst>
@@ -3830,7 +6357,7 @@
             </p:seq>
             <p:video>
               <p:cMediaNode vol="80000">
-                <p:cTn id="7" fill="hold" display="0">
+                <p:cTn id="7" repeatCount="indefinite" fill="hold" display="0">
                   <p:stCondLst>
                     <p:cond delay="indefinite"/>
                   </p:stCondLst>
@@ -3840,968 +6367,11 @@
                 </p:tgtEl>
               </p:cMediaNode>
             </p:video>
-            <p:seq concurrent="1" nextAc="seek">
-              <p:cTn id="8" restart="whenNotActive" fill="hold" evtFilter="cancelBubble" nodeType="interactiveSeq">
-                <p:stCondLst>
-                  <p:cond evt="onClick" delay="0">
-                    <p:tgtEl>
-                      <p:spTgt spid="4"/>
-                    </p:tgtEl>
-                  </p:cond>
-                </p:stCondLst>
-                <p:endSync evt="end" delay="0">
-                  <p:rtn val="all"/>
-                </p:endSync>
-                <p:childTnLst>
-                  <p:par>
-                    <p:cTn id="9" fill="hold">
-                      <p:stCondLst>
-                        <p:cond delay="0"/>
-                      </p:stCondLst>
-                      <p:childTnLst>
-                        <p:par>
-                          <p:cTn id="10" fill="hold">
-                            <p:stCondLst>
-                              <p:cond delay="0"/>
-                            </p:stCondLst>
-                            <p:childTnLst>
-                              <p:par>
-                                <p:cTn id="11" presetID="2" presetClass="mediacall" presetSubtype="0" fill="hold" nodeType="clickEffect">
-                                  <p:stCondLst>
-                                    <p:cond delay="0"/>
-                                  </p:stCondLst>
-                                  <p:childTnLst>
-                                    <p:cmd type="call" cmd="togglePause">
-                                      <p:cBhvr>
-                                        <p:cTn id="12" dur="1" fill="hold"/>
-                                        <p:tgtEl>
-                                          <p:spTgt spid="4"/>
-                                        </p:tgtEl>
-                                      </p:cBhvr>
-                                    </p:cmd>
-                                  </p:childTnLst>
-                                </p:cTn>
-                              </p:par>
-                            </p:childTnLst>
-                          </p:cTn>
-                        </p:par>
-                      </p:childTnLst>
-                    </p:cTn>
-                  </p:par>
-                </p:childTnLst>
-              </p:cTn>
-              <p:nextCondLst>
-                <p:cond evt="onClick" delay="0">
-                  <p:tgtEl>
-                    <p:spTgt spid="4"/>
-                  </p:tgtEl>
-                </p:cond>
-              </p:nextCondLst>
-            </p:seq>
           </p:childTnLst>
         </p:cTn>
       </p:par>
     </p:tnLst>
   </p:timing>
-</p:sld>
-</file>
-
-<file path=ppt/slides/slide2.xml><?xml version="1.0" encoding="utf-8"?>
-<p:sld xmlns:a="http://schemas.openxmlformats.org/drawingml/2006/main" xmlns:r="http://schemas.openxmlformats.org/officeDocument/2006/relationships" xmlns:p="http://schemas.openxmlformats.org/presentationml/2006/main">
-  <p:cSld>
-    <p:spTree>
-      <p:nvGrpSpPr>
-        <p:cNvPr id="1" name=""/>
-        <p:cNvGrpSpPr/>
-        <p:nvPr/>
-      </p:nvGrpSpPr>
-      <p:grpSpPr>
-        <a:xfrm>
-          <a:off x="0" y="0"/>
-          <a:ext cx="0" cy="0"/>
-          <a:chOff x="0" y="0"/>
-          <a:chExt cx="0" cy="0"/>
-        </a:xfrm>
-      </p:grpSpPr>
-      <p:pic>
-        <p:nvPicPr>
-          <p:cNvPr id="3" name="Picture 2">
-            <a:extLst>
-              <a:ext uri="{FF2B5EF4-FFF2-40B4-BE49-F238E27FC236}">
-                <a16:creationId xmlns:a16="http://schemas.microsoft.com/office/drawing/2014/main" id="{5757173F-9581-C842-B61A-7AFB348373C8}"/>
-              </a:ext>
-            </a:extLst>
-          </p:cNvPr>
-          <p:cNvPicPr>
-            <a:picLocks noChangeAspect="1"/>
-          </p:cNvPicPr>
-          <p:nvPr/>
-        </p:nvPicPr>
-        <p:blipFill>
-          <a:blip r:embed="rId2"/>
-          <a:stretch>
-            <a:fillRect/>
-          </a:stretch>
-        </p:blipFill>
-        <p:spPr>
-          <a:xfrm>
-            <a:off x="779548" y="559292"/>
-            <a:ext cx="2712682" cy="2003073"/>
-          </a:xfrm>
-          <a:prstGeom prst="rect">
-            <a:avLst/>
-          </a:prstGeom>
-        </p:spPr>
-      </p:pic>
-      <p:pic>
-        <p:nvPicPr>
-          <p:cNvPr id="11" name="Picture 10">
-            <a:extLst>
-              <a:ext uri="{FF2B5EF4-FFF2-40B4-BE49-F238E27FC236}">
-                <a16:creationId xmlns:a16="http://schemas.microsoft.com/office/drawing/2014/main" id="{F719A4FB-AAB3-1448-9BF1-01C03E3DAC5A}"/>
-              </a:ext>
-            </a:extLst>
-          </p:cNvPr>
-          <p:cNvPicPr>
-            <a:picLocks noChangeAspect="1"/>
-          </p:cNvPicPr>
-          <p:nvPr/>
-        </p:nvPicPr>
-        <p:blipFill>
-          <a:blip r:embed="rId3"/>
-          <a:stretch>
-            <a:fillRect/>
-          </a:stretch>
-        </p:blipFill>
-        <p:spPr>
-          <a:xfrm>
-            <a:off x="4046705" y="559292"/>
-            <a:ext cx="2548648" cy="1809279"/>
-          </a:xfrm>
-          <a:prstGeom prst="rect">
-            <a:avLst/>
-          </a:prstGeom>
-        </p:spPr>
-      </p:pic>
-      <p:sp>
-        <p:nvSpPr>
-          <p:cNvPr id="12" name="Rectangle 11">
-            <a:extLst>
-              <a:ext uri="{FF2B5EF4-FFF2-40B4-BE49-F238E27FC236}">
-                <a16:creationId xmlns:a16="http://schemas.microsoft.com/office/drawing/2014/main" id="{85F79A9A-EF02-2947-8B4E-75B23C1E93AD}"/>
-              </a:ext>
-            </a:extLst>
-          </p:cNvPr>
-          <p:cNvSpPr/>
-          <p:nvPr/>
-        </p:nvSpPr>
-        <p:spPr>
-          <a:xfrm>
-            <a:off x="1388263" y="223882"/>
-            <a:ext cx="1874231" cy="307777"/>
-          </a:xfrm>
-          <a:prstGeom prst="rect">
-            <a:avLst/>
-          </a:prstGeom>
-        </p:spPr>
-        <p:txBody>
-          <a:bodyPr wrap="none">
-            <a:spAutoFit/>
-          </a:bodyPr>
-          <a:lstStyle/>
-          <a:p>
-            <a:r>
-              <a:rPr lang="en-US" sz="1400" dirty="0"/>
-              <a:t>0.09860999176138388</a:t>
-            </a:r>
-          </a:p>
-        </p:txBody>
-      </p:sp>
-      <p:pic>
-        <p:nvPicPr>
-          <p:cNvPr id="17" name="Picture 16">
-            <a:extLst>
-              <a:ext uri="{FF2B5EF4-FFF2-40B4-BE49-F238E27FC236}">
-                <a16:creationId xmlns:a16="http://schemas.microsoft.com/office/drawing/2014/main" id="{DEB88461-00B4-CF4E-8CB2-3EFB618270C9}"/>
-              </a:ext>
-            </a:extLst>
-          </p:cNvPr>
-          <p:cNvPicPr>
-            <a:picLocks noChangeAspect="1"/>
-          </p:cNvPicPr>
-          <p:nvPr/>
-        </p:nvPicPr>
-        <p:blipFill>
-          <a:blip r:embed="rId4"/>
-          <a:stretch>
-            <a:fillRect/>
-          </a:stretch>
-        </p:blipFill>
-        <p:spPr>
-          <a:xfrm>
-            <a:off x="4221805" y="2883861"/>
-            <a:ext cx="2495559" cy="1809280"/>
-          </a:xfrm>
-          <a:prstGeom prst="rect">
-            <a:avLst/>
-          </a:prstGeom>
-        </p:spPr>
-      </p:pic>
-      <p:pic>
-        <p:nvPicPr>
-          <p:cNvPr id="23" name="Picture 22">
-            <a:extLst>
-              <a:ext uri="{FF2B5EF4-FFF2-40B4-BE49-F238E27FC236}">
-                <a16:creationId xmlns:a16="http://schemas.microsoft.com/office/drawing/2014/main" id="{FD984DA3-CB5A-C54E-8FF9-438941019FF9}"/>
-              </a:ext>
-            </a:extLst>
-          </p:cNvPr>
-          <p:cNvPicPr>
-            <a:picLocks noChangeAspect="1"/>
-          </p:cNvPicPr>
-          <p:nvPr/>
-        </p:nvPicPr>
-        <p:blipFill>
-          <a:blip r:embed="rId5"/>
-          <a:stretch>
-            <a:fillRect/>
-          </a:stretch>
-        </p:blipFill>
-        <p:spPr>
-          <a:xfrm>
-            <a:off x="870577" y="2883860"/>
-            <a:ext cx="2621653" cy="1911440"/>
-          </a:xfrm>
-          <a:prstGeom prst="rect">
-            <a:avLst/>
-          </a:prstGeom>
-        </p:spPr>
-      </p:pic>
-      <p:sp>
-        <p:nvSpPr>
-          <p:cNvPr id="24" name="Rectangle 23">
-            <a:extLst>
-              <a:ext uri="{FF2B5EF4-FFF2-40B4-BE49-F238E27FC236}">
-                <a16:creationId xmlns:a16="http://schemas.microsoft.com/office/drawing/2014/main" id="{6C3ED802-F015-7843-95CE-3AAE5359D691}"/>
-              </a:ext>
-            </a:extLst>
-          </p:cNvPr>
-          <p:cNvSpPr/>
-          <p:nvPr/>
-        </p:nvSpPr>
-        <p:spPr>
-          <a:xfrm>
-            <a:off x="1409321" y="2576083"/>
-            <a:ext cx="1874231" cy="307777"/>
-          </a:xfrm>
-          <a:prstGeom prst="rect">
-            <a:avLst/>
-          </a:prstGeom>
-        </p:spPr>
-        <p:txBody>
-          <a:bodyPr wrap="none">
-            <a:spAutoFit/>
-          </a:bodyPr>
-          <a:lstStyle/>
-          <a:p>
-            <a:r>
-              <a:rPr lang="en-US" sz="1400" dirty="0"/>
-              <a:t>0.16966901383199118</a:t>
-            </a:r>
-          </a:p>
-        </p:txBody>
-      </p:sp>
-      <p:sp>
-        <p:nvSpPr>
-          <p:cNvPr id="25" name="TextBox 24">
-            <a:extLst>
-              <a:ext uri="{FF2B5EF4-FFF2-40B4-BE49-F238E27FC236}">
-                <a16:creationId xmlns:a16="http://schemas.microsoft.com/office/drawing/2014/main" id="{FC12410A-5A53-5440-AEA5-5B82EE33C35C}"/>
-              </a:ext>
-            </a:extLst>
-          </p:cNvPr>
-          <p:cNvSpPr txBox="1"/>
-          <p:nvPr/>
-        </p:nvSpPr>
-        <p:spPr>
-          <a:xfrm>
-            <a:off x="6813811" y="2957210"/>
-            <a:ext cx="2361544" cy="646331"/>
-          </a:xfrm>
-          <a:prstGeom prst="rect">
-            <a:avLst/>
-          </a:prstGeom>
-          <a:noFill/>
-        </p:spPr>
-        <p:txBody>
-          <a:bodyPr wrap="none" rtlCol="0">
-            <a:spAutoFit/>
-          </a:bodyPr>
-          <a:lstStyle/>
-          <a:p>
-            <a:r>
-              <a:rPr lang="en-US" dirty="0"/>
-              <a:t>The minimum possible </a:t>
-            </a:r>
-          </a:p>
-          <a:p>
-            <a:r>
-              <a:rPr lang="en-US" dirty="0"/>
-              <a:t>Epsilon 0.7</a:t>
-            </a:r>
-          </a:p>
-        </p:txBody>
-      </p:sp>
-      <p:sp>
-        <p:nvSpPr>
-          <p:cNvPr id="26" name="TextBox 25">
-            <a:extLst>
-              <a:ext uri="{FF2B5EF4-FFF2-40B4-BE49-F238E27FC236}">
-                <a16:creationId xmlns:a16="http://schemas.microsoft.com/office/drawing/2014/main" id="{BD548D13-E139-1E43-AB38-4594428A6C54}"/>
-              </a:ext>
-            </a:extLst>
-          </p:cNvPr>
-          <p:cNvSpPr txBox="1"/>
-          <p:nvPr/>
-        </p:nvSpPr>
-        <p:spPr>
-          <a:xfrm>
-            <a:off x="321013" y="1410511"/>
-            <a:ext cx="399468" cy="369332"/>
-          </a:xfrm>
-          <a:prstGeom prst="rect">
-            <a:avLst/>
-          </a:prstGeom>
-          <a:noFill/>
-        </p:spPr>
-        <p:txBody>
-          <a:bodyPr wrap="none" rtlCol="0">
-            <a:spAutoFit/>
-          </a:bodyPr>
-          <a:lstStyle/>
-          <a:p>
-            <a:r>
-              <a:rPr lang="en-US" dirty="0"/>
-              <a:t>L2</a:t>
-            </a:r>
-          </a:p>
-        </p:txBody>
-      </p:sp>
-      <p:sp>
-        <p:nvSpPr>
-          <p:cNvPr id="27" name="TextBox 26">
-            <a:extLst>
-              <a:ext uri="{FF2B5EF4-FFF2-40B4-BE49-F238E27FC236}">
-                <a16:creationId xmlns:a16="http://schemas.microsoft.com/office/drawing/2014/main" id="{4687AC32-F173-0A48-96C3-91944EBB45FB}"/>
-              </a:ext>
-            </a:extLst>
-          </p:cNvPr>
-          <p:cNvSpPr txBox="1"/>
-          <p:nvPr/>
-        </p:nvSpPr>
-        <p:spPr>
-          <a:xfrm>
-            <a:off x="321013" y="3552057"/>
-            <a:ext cx="399468" cy="369332"/>
-          </a:xfrm>
-          <a:prstGeom prst="rect">
-            <a:avLst/>
-          </a:prstGeom>
-          <a:noFill/>
-        </p:spPr>
-        <p:txBody>
-          <a:bodyPr wrap="none" rtlCol="0">
-            <a:spAutoFit/>
-          </a:bodyPr>
-          <a:lstStyle/>
-          <a:p>
-            <a:r>
-              <a:rPr lang="en-US" dirty="0"/>
-              <a:t>L1</a:t>
-            </a:r>
-          </a:p>
-        </p:txBody>
-      </p:sp>
-      <p:pic>
-        <p:nvPicPr>
-          <p:cNvPr id="29" name="Picture 28">
-            <a:extLst>
-              <a:ext uri="{FF2B5EF4-FFF2-40B4-BE49-F238E27FC236}">
-                <a16:creationId xmlns:a16="http://schemas.microsoft.com/office/drawing/2014/main" id="{303ABE75-E4F6-F940-9481-FFDE94AA8CDA}"/>
-              </a:ext>
-            </a:extLst>
-          </p:cNvPr>
-          <p:cNvPicPr>
-            <a:picLocks noChangeAspect="1"/>
-          </p:cNvPicPr>
-          <p:nvPr/>
-        </p:nvPicPr>
-        <p:blipFill>
-          <a:blip r:embed="rId6"/>
-          <a:stretch>
-            <a:fillRect/>
-          </a:stretch>
-        </p:blipFill>
-        <p:spPr>
-          <a:xfrm>
-            <a:off x="4296279" y="5123692"/>
-            <a:ext cx="2346609" cy="1695237"/>
-          </a:xfrm>
-          <a:prstGeom prst="rect">
-            <a:avLst/>
-          </a:prstGeom>
-        </p:spPr>
-      </p:pic>
-      <p:pic>
-        <p:nvPicPr>
-          <p:cNvPr id="31" name="Picture 30">
-            <a:extLst>
-              <a:ext uri="{FF2B5EF4-FFF2-40B4-BE49-F238E27FC236}">
-                <a16:creationId xmlns:a16="http://schemas.microsoft.com/office/drawing/2014/main" id="{A2B283D8-B451-DE4F-91C6-79B296C33CFB}"/>
-              </a:ext>
-            </a:extLst>
-          </p:cNvPr>
-          <p:cNvPicPr>
-            <a:picLocks noChangeAspect="1"/>
-          </p:cNvPicPr>
-          <p:nvPr/>
-        </p:nvPicPr>
-        <p:blipFill>
-          <a:blip r:embed="rId7"/>
-          <a:stretch>
-            <a:fillRect/>
-          </a:stretch>
-        </p:blipFill>
-        <p:spPr>
-          <a:xfrm>
-            <a:off x="923688" y="5022992"/>
-            <a:ext cx="2568542" cy="1896638"/>
-          </a:xfrm>
-          <a:prstGeom prst="rect">
-            <a:avLst/>
-          </a:prstGeom>
-        </p:spPr>
-      </p:pic>
-      <p:sp>
-        <p:nvSpPr>
-          <p:cNvPr id="32" name="TextBox 31">
-            <a:extLst>
-              <a:ext uri="{FF2B5EF4-FFF2-40B4-BE49-F238E27FC236}">
-                <a16:creationId xmlns:a16="http://schemas.microsoft.com/office/drawing/2014/main" id="{1F983E7C-A9C1-D942-8A98-6428BF8FFC61}"/>
-              </a:ext>
-            </a:extLst>
-          </p:cNvPr>
-          <p:cNvSpPr txBox="1"/>
-          <p:nvPr/>
-        </p:nvSpPr>
-        <p:spPr>
-          <a:xfrm>
-            <a:off x="144307" y="5601979"/>
-            <a:ext cx="779381" cy="369332"/>
-          </a:xfrm>
-          <a:prstGeom prst="rect">
-            <a:avLst/>
-          </a:prstGeom>
-          <a:noFill/>
-        </p:spPr>
-        <p:txBody>
-          <a:bodyPr wrap="none" rtlCol="0">
-            <a:spAutoFit/>
-          </a:bodyPr>
-          <a:lstStyle/>
-          <a:p>
-            <a:r>
-              <a:rPr lang="en-US" dirty="0"/>
-              <a:t>LASSO</a:t>
-            </a:r>
-          </a:p>
-        </p:txBody>
-      </p:sp>
-      <p:sp>
-        <p:nvSpPr>
-          <p:cNvPr id="33" name="Rectangle 32">
-            <a:extLst>
-              <a:ext uri="{FF2B5EF4-FFF2-40B4-BE49-F238E27FC236}">
-                <a16:creationId xmlns:a16="http://schemas.microsoft.com/office/drawing/2014/main" id="{0EF82C53-2CCC-3740-91DF-91BF308F4506}"/>
-              </a:ext>
-            </a:extLst>
-          </p:cNvPr>
-          <p:cNvSpPr/>
-          <p:nvPr/>
-        </p:nvSpPr>
-        <p:spPr>
-          <a:xfrm>
-            <a:off x="6995751" y="5601979"/>
-            <a:ext cx="1997663" cy="369332"/>
-          </a:xfrm>
-          <a:prstGeom prst="rect">
-            <a:avLst/>
-          </a:prstGeom>
-        </p:spPr>
-        <p:txBody>
-          <a:bodyPr wrap="none">
-            <a:spAutoFit/>
-          </a:bodyPr>
-          <a:lstStyle/>
-          <a:p>
-            <a:r>
-              <a:rPr lang="en-US" b="0" dirty="0" err="1">
-                <a:solidFill>
-                  <a:srgbClr val="D4D4D4"/>
-                </a:solidFill>
-                <a:effectLst/>
-                <a:latin typeface="Menlo" panose="020B0609030804020204" pitchFamily="49" charset="0"/>
-              </a:rPr>
-              <a:t>lamda</a:t>
-            </a:r>
-            <a:r>
-              <a:rPr lang="en-US" b="0" dirty="0">
-                <a:solidFill>
-                  <a:srgbClr val="D4D4D4"/>
-                </a:solidFill>
-                <a:effectLst/>
-                <a:latin typeface="Menlo" panose="020B0609030804020204" pitchFamily="49" charset="0"/>
-              </a:rPr>
-              <a:t> = </a:t>
-            </a:r>
-            <a:r>
-              <a:rPr lang="en-US" b="0" dirty="0">
-                <a:solidFill>
-                  <a:srgbClr val="B5CEA8"/>
-                </a:solidFill>
-                <a:effectLst/>
-                <a:latin typeface="Menlo" panose="020B0609030804020204" pitchFamily="49" charset="0"/>
-              </a:rPr>
-              <a:t>0.005</a:t>
-            </a:r>
-            <a:endParaRPr lang="en-US" b="0" dirty="0">
-              <a:solidFill>
-                <a:srgbClr val="D4D4D4"/>
-              </a:solidFill>
-              <a:effectLst/>
-              <a:latin typeface="Menlo" panose="020B0609030804020204" pitchFamily="49" charset="0"/>
-            </a:endParaRPr>
-          </a:p>
-        </p:txBody>
-      </p:sp>
-      <p:sp>
-        <p:nvSpPr>
-          <p:cNvPr id="34" name="Rectangle 33">
-            <a:extLst>
-              <a:ext uri="{FF2B5EF4-FFF2-40B4-BE49-F238E27FC236}">
-                <a16:creationId xmlns:a16="http://schemas.microsoft.com/office/drawing/2014/main" id="{5D8EB579-C4B0-A641-869C-D7C1ED6CCEE7}"/>
-              </a:ext>
-            </a:extLst>
-          </p:cNvPr>
-          <p:cNvSpPr/>
-          <p:nvPr/>
-        </p:nvSpPr>
-        <p:spPr>
-          <a:xfrm>
-            <a:off x="1503434" y="4809018"/>
-            <a:ext cx="1874231" cy="307777"/>
-          </a:xfrm>
-          <a:prstGeom prst="rect">
-            <a:avLst/>
-          </a:prstGeom>
-        </p:spPr>
-        <p:txBody>
-          <a:bodyPr wrap="none">
-            <a:spAutoFit/>
-          </a:bodyPr>
-          <a:lstStyle/>
-          <a:p>
-            <a:r>
-              <a:rPr lang="en-US" sz="1400" dirty="0"/>
-              <a:t>0.10372515231840763</a:t>
-            </a:r>
-          </a:p>
-        </p:txBody>
-      </p:sp>
-    </p:spTree>
-    <p:extLst>
-      <p:ext uri="{BB962C8B-B14F-4D97-AF65-F5344CB8AC3E}">
-        <p14:creationId xmlns:p14="http://schemas.microsoft.com/office/powerpoint/2010/main" val="545929587"/>
-      </p:ext>
-    </p:extLst>
-  </p:cSld>
-  <p:clrMapOvr>
-    <a:masterClrMapping/>
-  </p:clrMapOvr>
-</p:sld>
-</file>
-
-<file path=ppt/slides/slide3.xml><?xml version="1.0" encoding="utf-8"?>
-<p:sld xmlns:a="http://schemas.openxmlformats.org/drawingml/2006/main" xmlns:r="http://schemas.openxmlformats.org/officeDocument/2006/relationships" xmlns:p="http://schemas.openxmlformats.org/presentationml/2006/main">
-  <p:cSld>
-    <p:spTree>
-      <p:nvGrpSpPr>
-        <p:cNvPr id="1" name=""/>
-        <p:cNvGrpSpPr/>
-        <p:nvPr/>
-      </p:nvGrpSpPr>
-      <p:grpSpPr>
-        <a:xfrm>
-          <a:off x="0" y="0"/>
-          <a:ext cx="0" cy="0"/>
-          <a:chOff x="0" y="0"/>
-          <a:chExt cx="0" cy="0"/>
-        </a:xfrm>
-      </p:grpSpPr>
-      <p:pic>
-        <p:nvPicPr>
-          <p:cNvPr id="4" name="Picture 3">
-            <a:extLst>
-              <a:ext uri="{FF2B5EF4-FFF2-40B4-BE49-F238E27FC236}">
-                <a16:creationId xmlns:a16="http://schemas.microsoft.com/office/drawing/2014/main" id="{2E519EC8-71CA-D840-9C30-63E2D2BFF5E8}"/>
-              </a:ext>
-            </a:extLst>
-          </p:cNvPr>
-          <p:cNvPicPr>
-            <a:picLocks noChangeAspect="1"/>
-          </p:cNvPicPr>
-          <p:nvPr/>
-        </p:nvPicPr>
-        <p:blipFill>
-          <a:blip r:embed="rId2"/>
-          <a:stretch>
-            <a:fillRect/>
-          </a:stretch>
-        </p:blipFill>
-        <p:spPr>
-          <a:xfrm>
-            <a:off x="3626187" y="469371"/>
-            <a:ext cx="3480476" cy="3425880"/>
-          </a:xfrm>
-          <a:prstGeom prst="rect">
-            <a:avLst/>
-          </a:prstGeom>
-        </p:spPr>
-      </p:pic>
-      <p:pic>
-        <p:nvPicPr>
-          <p:cNvPr id="6" name="Picture 5">
-            <a:extLst>
-              <a:ext uri="{FF2B5EF4-FFF2-40B4-BE49-F238E27FC236}">
-                <a16:creationId xmlns:a16="http://schemas.microsoft.com/office/drawing/2014/main" id="{D9617095-DF6A-4F41-95B9-4D08FB0B98D7}"/>
-              </a:ext>
-            </a:extLst>
-          </p:cNvPr>
-          <p:cNvPicPr>
-            <a:picLocks noChangeAspect="1"/>
-          </p:cNvPicPr>
-          <p:nvPr/>
-        </p:nvPicPr>
-        <p:blipFill>
-          <a:blip r:embed="rId3"/>
-          <a:stretch>
-            <a:fillRect/>
-          </a:stretch>
-        </p:blipFill>
-        <p:spPr>
-          <a:xfrm>
-            <a:off x="423693" y="4102629"/>
-            <a:ext cx="2336800" cy="2286000"/>
-          </a:xfrm>
-          <a:prstGeom prst="rect">
-            <a:avLst/>
-          </a:prstGeom>
-        </p:spPr>
-      </p:pic>
-      <p:pic>
-        <p:nvPicPr>
-          <p:cNvPr id="8" name="Picture 7">
-            <a:extLst>
-              <a:ext uri="{FF2B5EF4-FFF2-40B4-BE49-F238E27FC236}">
-                <a16:creationId xmlns:a16="http://schemas.microsoft.com/office/drawing/2014/main" id="{7B83E342-28D1-5041-9FFB-DB28E5DEDC63}"/>
-              </a:ext>
-            </a:extLst>
-          </p:cNvPr>
-          <p:cNvPicPr>
-            <a:picLocks noChangeAspect="1"/>
-          </p:cNvPicPr>
-          <p:nvPr/>
-        </p:nvPicPr>
-        <p:blipFill>
-          <a:blip r:embed="rId4"/>
-          <a:stretch>
-            <a:fillRect/>
-          </a:stretch>
-        </p:blipFill>
-        <p:spPr>
-          <a:xfrm>
-            <a:off x="2994363" y="4140729"/>
-            <a:ext cx="2273300" cy="2247900"/>
-          </a:xfrm>
-          <a:prstGeom prst="rect">
-            <a:avLst/>
-          </a:prstGeom>
-        </p:spPr>
-      </p:pic>
-      <p:pic>
-        <p:nvPicPr>
-          <p:cNvPr id="10" name="Picture 9">
-            <a:extLst>
-              <a:ext uri="{FF2B5EF4-FFF2-40B4-BE49-F238E27FC236}">
-                <a16:creationId xmlns:a16="http://schemas.microsoft.com/office/drawing/2014/main" id="{3ABDFB73-9D98-2C49-AF28-E43A27455F48}"/>
-              </a:ext>
-            </a:extLst>
-          </p:cNvPr>
-          <p:cNvPicPr>
-            <a:picLocks noChangeAspect="1"/>
-          </p:cNvPicPr>
-          <p:nvPr/>
-        </p:nvPicPr>
-        <p:blipFill>
-          <a:blip r:embed="rId5"/>
-          <a:stretch>
-            <a:fillRect/>
-          </a:stretch>
-        </p:blipFill>
-        <p:spPr>
-          <a:xfrm>
-            <a:off x="5501533" y="4140729"/>
-            <a:ext cx="2273300" cy="2247900"/>
-          </a:xfrm>
-          <a:prstGeom prst="rect">
-            <a:avLst/>
-          </a:prstGeom>
-        </p:spPr>
-      </p:pic>
-      <p:pic>
-        <p:nvPicPr>
-          <p:cNvPr id="12" name="Picture 11">
-            <a:extLst>
-              <a:ext uri="{FF2B5EF4-FFF2-40B4-BE49-F238E27FC236}">
-                <a16:creationId xmlns:a16="http://schemas.microsoft.com/office/drawing/2014/main" id="{C8371C20-AA68-3C4A-9D4C-8FFC158C50C7}"/>
-              </a:ext>
-            </a:extLst>
-          </p:cNvPr>
-          <p:cNvPicPr>
-            <a:picLocks noChangeAspect="1"/>
-          </p:cNvPicPr>
-          <p:nvPr/>
-        </p:nvPicPr>
-        <p:blipFill>
-          <a:blip r:embed="rId6"/>
-          <a:stretch>
-            <a:fillRect/>
-          </a:stretch>
-        </p:blipFill>
-        <p:spPr>
-          <a:xfrm>
-            <a:off x="8008703" y="4140729"/>
-            <a:ext cx="2247900" cy="2247900"/>
-          </a:xfrm>
-          <a:prstGeom prst="rect">
-            <a:avLst/>
-          </a:prstGeom>
-        </p:spPr>
-      </p:pic>
-    </p:spTree>
-    <p:extLst>
-      <p:ext uri="{BB962C8B-B14F-4D97-AF65-F5344CB8AC3E}">
-        <p14:creationId xmlns:p14="http://schemas.microsoft.com/office/powerpoint/2010/main" val="1358721396"/>
-      </p:ext>
-    </p:extLst>
-  </p:cSld>
-  <p:clrMapOvr>
-    <a:masterClrMapping/>
-  </p:clrMapOvr>
-</p:sld>
-</file>
-
-<file path=ppt/slides/slide4.xml><?xml version="1.0" encoding="utf-8"?>
-<p:sld xmlns:a="http://schemas.openxmlformats.org/drawingml/2006/main" xmlns:r="http://schemas.openxmlformats.org/officeDocument/2006/relationships" xmlns:p="http://schemas.openxmlformats.org/presentationml/2006/main">
-  <p:cSld>
-    <p:spTree>
-      <p:nvGrpSpPr>
-        <p:cNvPr id="1" name=""/>
-        <p:cNvGrpSpPr/>
-        <p:nvPr/>
-      </p:nvGrpSpPr>
-      <p:grpSpPr>
-        <a:xfrm>
-          <a:off x="0" y="0"/>
-          <a:ext cx="0" cy="0"/>
-          <a:chOff x="0" y="0"/>
-          <a:chExt cx="0" cy="0"/>
-        </a:xfrm>
-      </p:grpSpPr>
-      <p:pic>
-        <p:nvPicPr>
-          <p:cNvPr id="3" name="Picture 2">
-            <a:extLst>
-              <a:ext uri="{FF2B5EF4-FFF2-40B4-BE49-F238E27FC236}">
-                <a16:creationId xmlns:a16="http://schemas.microsoft.com/office/drawing/2014/main" id="{041C70E5-B258-C540-8E1C-1357F56956E4}"/>
-              </a:ext>
-            </a:extLst>
-          </p:cNvPr>
-          <p:cNvPicPr>
-            <a:picLocks noChangeAspect="1"/>
-          </p:cNvPicPr>
-          <p:nvPr/>
-        </p:nvPicPr>
-        <p:blipFill>
-          <a:blip r:embed="rId2"/>
-          <a:stretch>
-            <a:fillRect/>
-          </a:stretch>
-        </p:blipFill>
-        <p:spPr>
-          <a:xfrm>
-            <a:off x="1358630" y="598251"/>
-            <a:ext cx="2743200" cy="2743200"/>
-          </a:xfrm>
-          <a:prstGeom prst="rect">
-            <a:avLst/>
-          </a:prstGeom>
-        </p:spPr>
-      </p:pic>
-      <p:pic>
-        <p:nvPicPr>
-          <p:cNvPr id="7" name="Picture 6">
-            <a:extLst>
-              <a:ext uri="{FF2B5EF4-FFF2-40B4-BE49-F238E27FC236}">
-                <a16:creationId xmlns:a16="http://schemas.microsoft.com/office/drawing/2014/main" id="{B1185DED-08BA-FE4D-88F8-3B98084DA5A3}"/>
-              </a:ext>
-            </a:extLst>
-          </p:cNvPr>
-          <p:cNvPicPr>
-            <a:picLocks noChangeAspect="1"/>
-          </p:cNvPicPr>
-          <p:nvPr/>
-        </p:nvPicPr>
-        <p:blipFill>
-          <a:blip r:embed="rId3"/>
-          <a:stretch>
-            <a:fillRect/>
-          </a:stretch>
-        </p:blipFill>
-        <p:spPr>
-          <a:xfrm>
-            <a:off x="6874212" y="598251"/>
-            <a:ext cx="2743200" cy="2743200"/>
-          </a:xfrm>
-          <a:prstGeom prst="rect">
-            <a:avLst/>
-          </a:prstGeom>
-        </p:spPr>
-      </p:pic>
-      <p:pic>
-        <p:nvPicPr>
-          <p:cNvPr id="11" name="Picture 10">
-            <a:extLst>
-              <a:ext uri="{FF2B5EF4-FFF2-40B4-BE49-F238E27FC236}">
-                <a16:creationId xmlns:a16="http://schemas.microsoft.com/office/drawing/2014/main" id="{C327F4C0-73E3-C14C-9B0D-EBB396FC02EE}"/>
-              </a:ext>
-            </a:extLst>
-          </p:cNvPr>
-          <p:cNvPicPr>
-            <a:picLocks noChangeAspect="1"/>
-          </p:cNvPicPr>
-          <p:nvPr/>
-        </p:nvPicPr>
-        <p:blipFill>
-          <a:blip r:embed="rId4"/>
-          <a:stretch>
-            <a:fillRect/>
-          </a:stretch>
-        </p:blipFill>
-        <p:spPr>
-          <a:xfrm>
-            <a:off x="3615448" y="3769468"/>
-            <a:ext cx="2743200" cy="2767370"/>
-          </a:xfrm>
-          <a:prstGeom prst="rect">
-            <a:avLst/>
-          </a:prstGeom>
-        </p:spPr>
-      </p:pic>
-      <p:sp>
-        <p:nvSpPr>
-          <p:cNvPr id="2" name="TextBox 1">
-            <a:extLst>
-              <a:ext uri="{FF2B5EF4-FFF2-40B4-BE49-F238E27FC236}">
-                <a16:creationId xmlns:a16="http://schemas.microsoft.com/office/drawing/2014/main" id="{42629754-2095-1248-B5E3-9333334D0C08}"/>
-              </a:ext>
-            </a:extLst>
-          </p:cNvPr>
-          <p:cNvSpPr txBox="1"/>
-          <p:nvPr/>
-        </p:nvSpPr>
-        <p:spPr>
-          <a:xfrm>
-            <a:off x="496111" y="301558"/>
-            <a:ext cx="1101199" cy="369332"/>
-          </a:xfrm>
-          <a:prstGeom prst="rect">
-            <a:avLst/>
-          </a:prstGeom>
-          <a:noFill/>
-        </p:spPr>
-        <p:txBody>
-          <a:bodyPr wrap="none" rtlCol="0">
-            <a:spAutoFit/>
-          </a:bodyPr>
-          <a:lstStyle/>
-          <a:p>
-            <a:r>
-              <a:rPr lang="en-US" dirty="0"/>
-              <a:t>Binarized </a:t>
-            </a:r>
-          </a:p>
-        </p:txBody>
-      </p:sp>
-      <p:sp>
-        <p:nvSpPr>
-          <p:cNvPr id="4" name="TextBox 3">
-            <a:extLst>
-              <a:ext uri="{FF2B5EF4-FFF2-40B4-BE49-F238E27FC236}">
-                <a16:creationId xmlns:a16="http://schemas.microsoft.com/office/drawing/2014/main" id="{62CC6AB0-6FC9-C742-BCEA-0FF8A995BAE9}"/>
-              </a:ext>
-            </a:extLst>
-          </p:cNvPr>
-          <p:cNvSpPr txBox="1"/>
-          <p:nvPr/>
-        </p:nvSpPr>
-        <p:spPr>
-          <a:xfrm>
-            <a:off x="1046710" y="4163438"/>
-            <a:ext cx="2462725" cy="369332"/>
-          </a:xfrm>
-          <a:prstGeom prst="rect">
-            <a:avLst/>
-          </a:prstGeom>
-          <a:noFill/>
-        </p:spPr>
-        <p:txBody>
-          <a:bodyPr wrap="none" rtlCol="0">
-            <a:spAutoFit/>
-          </a:bodyPr>
-          <a:lstStyle/>
-          <a:p>
-            <a:r>
-              <a:rPr lang="en-US" dirty="0" err="1"/>
-              <a:t>Downsampled</a:t>
-            </a:r>
-            <a:r>
-              <a:rPr lang="en-US" dirty="0"/>
-              <a:t> and crop </a:t>
-            </a:r>
-          </a:p>
-        </p:txBody>
-      </p:sp>
-    </p:spTree>
-    <p:extLst>
-      <p:ext uri="{BB962C8B-B14F-4D97-AF65-F5344CB8AC3E}">
-        <p14:creationId xmlns:p14="http://schemas.microsoft.com/office/powerpoint/2010/main" val="968249077"/>
-      </p:ext>
-    </p:extLst>
-  </p:cSld>
-  <p:clrMapOvr>
-    <a:masterClrMapping/>
-  </p:clrMapOvr>
 </p:sld>
 </file>
 
@@ -4824,10 +6394,10 @@
       </p:grpSpPr>
       <p:pic>
         <p:nvPicPr>
-          <p:cNvPr id="14" name="Picture 13">
-            <a:extLst>
-              <a:ext uri="{FF2B5EF4-FFF2-40B4-BE49-F238E27FC236}">
-                <a16:creationId xmlns:a16="http://schemas.microsoft.com/office/drawing/2014/main" id="{7A2230B4-E188-9848-B9F7-A740F72B3BBD}"/>
+          <p:cNvPr id="8" name="Picture 7">
+            <a:extLst>
+              <a:ext uri="{FF2B5EF4-FFF2-40B4-BE49-F238E27FC236}">
+                <a16:creationId xmlns:a16="http://schemas.microsoft.com/office/drawing/2014/main" id="{50363B44-D409-084C-9296-B869546CD785}"/>
               </a:ext>
             </a:extLst>
           </p:cNvPr>
@@ -4844,8 +6414,8 @@
         </p:blipFill>
         <p:spPr>
           <a:xfrm>
-            <a:off x="529414" y="897444"/>
-            <a:ext cx="3410289" cy="3410289"/>
+            <a:off x="5944706" y="1736562"/>
+            <a:ext cx="2038241" cy="1500054"/>
           </a:xfrm>
           <a:prstGeom prst="rect">
             <a:avLst/>
@@ -4854,10 +6424,10 @@
       </p:pic>
       <p:sp>
         <p:nvSpPr>
-          <p:cNvPr id="15" name="TextBox 14">
-            <a:extLst>
-              <a:ext uri="{FF2B5EF4-FFF2-40B4-BE49-F238E27FC236}">
-                <a16:creationId xmlns:a16="http://schemas.microsoft.com/office/drawing/2014/main" id="{8D96CD51-B8F5-2B4B-8A52-059502B79555}"/>
+          <p:cNvPr id="10" name="TextBox 9">
+            <a:extLst>
+              <a:ext uri="{FF2B5EF4-FFF2-40B4-BE49-F238E27FC236}">
+                <a16:creationId xmlns:a16="http://schemas.microsoft.com/office/drawing/2014/main" id="{2AE4F2B0-AB59-B646-BC51-C35DEC783C38}"/>
               </a:ext>
             </a:extLst>
           </p:cNvPr>
@@ -4866,8 +6436,8 @@
         </p:nvSpPr>
         <p:spPr>
           <a:xfrm>
-            <a:off x="945423" y="528112"/>
-            <a:ext cx="2578270" cy="369332"/>
+            <a:off x="468604" y="2218003"/>
+            <a:ext cx="1212191" cy="369332"/>
           </a:xfrm>
           <a:prstGeom prst="rect">
             <a:avLst/>
@@ -4882,17 +6452,17 @@
           <a:p>
             <a:r>
               <a:rPr lang="en-US" dirty="0"/>
-              <a:t>Just 2% of measurements</a:t>
+              <a:t>L2 solution</a:t>
             </a:r>
           </a:p>
         </p:txBody>
       </p:sp>
       <p:pic>
         <p:nvPicPr>
-          <p:cNvPr id="17" name="Picture 16">
-            <a:extLst>
-              <a:ext uri="{FF2B5EF4-FFF2-40B4-BE49-F238E27FC236}">
-                <a16:creationId xmlns:a16="http://schemas.microsoft.com/office/drawing/2014/main" id="{E8604359-E03D-844C-8D8C-EE9CAB2CE2F6}"/>
+          <p:cNvPr id="14" name="Picture 13">
+            <a:extLst>
+              <a:ext uri="{FF2B5EF4-FFF2-40B4-BE49-F238E27FC236}">
+                <a16:creationId xmlns:a16="http://schemas.microsoft.com/office/drawing/2014/main" id="{DAE5A2A6-529D-4F45-8F18-49BE9A38E8F3}"/>
               </a:ext>
             </a:extLst>
           </p:cNvPr>
@@ -4909,20 +6479,55 @@
         </p:blipFill>
         <p:spPr>
           <a:xfrm>
-            <a:off x="4289763" y="1212343"/>
-            <a:ext cx="3771110" cy="2780490"/>
+            <a:off x="3608250" y="1728222"/>
+            <a:ext cx="2121563" cy="1608735"/>
           </a:xfrm>
           <a:prstGeom prst="rect">
             <a:avLst/>
           </a:prstGeom>
         </p:spPr>
       </p:pic>
+      <p:sp>
+        <p:nvSpPr>
+          <p:cNvPr id="15" name="TextBox 14">
+            <a:extLst>
+              <a:ext uri="{FF2B5EF4-FFF2-40B4-BE49-F238E27FC236}">
+                <a16:creationId xmlns:a16="http://schemas.microsoft.com/office/drawing/2014/main" id="{D0B412E0-27A1-3844-ADF4-7644BADB429B}"/>
+              </a:ext>
+            </a:extLst>
+          </p:cNvPr>
+          <p:cNvSpPr txBox="1"/>
+          <p:nvPr/>
+        </p:nvSpPr>
+        <p:spPr>
+          <a:xfrm>
+            <a:off x="8139856" y="2056361"/>
+            <a:ext cx="3667621" cy="307777"/>
+          </a:xfrm>
+          <a:prstGeom prst="rect">
+            <a:avLst/>
+          </a:prstGeom>
+          <a:noFill/>
+        </p:spPr>
+        <p:txBody>
+          <a:bodyPr wrap="square" rtlCol="0">
+            <a:spAutoFit/>
+          </a:bodyPr>
+          <a:lstStyle/>
+          <a:p>
+            <a:r>
+              <a:rPr lang="en-US" sz="1400" dirty="0"/>
+              <a:t>Reconstruction error: 5.605518633572185e-15</a:t>
+            </a:r>
+          </a:p>
+        </p:txBody>
+      </p:sp>
       <p:pic>
         <p:nvPicPr>
-          <p:cNvPr id="19" name="Picture 18">
-            <a:extLst>
-              <a:ext uri="{FF2B5EF4-FFF2-40B4-BE49-F238E27FC236}">
-                <a16:creationId xmlns:a16="http://schemas.microsoft.com/office/drawing/2014/main" id="{B0A53854-E8D3-5A41-B018-945D4DEEFE0E}"/>
+          <p:cNvPr id="18" name="Picture 17">
+            <a:extLst>
+              <a:ext uri="{FF2B5EF4-FFF2-40B4-BE49-F238E27FC236}">
+                <a16:creationId xmlns:a16="http://schemas.microsoft.com/office/drawing/2014/main" id="{4B16BDB0-6E6B-F34F-B2AB-FDF273454DB3}"/>
               </a:ext>
             </a:extLst>
           </p:cNvPr>
@@ -4939,20 +6544,55 @@
         </p:blipFill>
         <p:spPr>
           <a:xfrm>
-            <a:off x="8596732" y="1077102"/>
-            <a:ext cx="3065854" cy="3050971"/>
+            <a:off x="6096000" y="3621384"/>
+            <a:ext cx="2038241" cy="1508445"/>
           </a:xfrm>
           <a:prstGeom prst="rect">
             <a:avLst/>
           </a:prstGeom>
         </p:spPr>
       </p:pic>
+      <p:sp>
+        <p:nvSpPr>
+          <p:cNvPr id="19" name="TextBox 18">
+            <a:extLst>
+              <a:ext uri="{FF2B5EF4-FFF2-40B4-BE49-F238E27FC236}">
+                <a16:creationId xmlns:a16="http://schemas.microsoft.com/office/drawing/2014/main" id="{976B8F34-6B53-394E-BFDD-BA9778E7DD05}"/>
+              </a:ext>
+            </a:extLst>
+          </p:cNvPr>
+          <p:cNvSpPr txBox="1"/>
+          <p:nvPr/>
+        </p:nvSpPr>
+        <p:spPr>
+          <a:xfrm>
+            <a:off x="468604" y="4029959"/>
+            <a:ext cx="1212191" cy="369332"/>
+          </a:xfrm>
+          <a:prstGeom prst="rect">
+            <a:avLst/>
+          </a:prstGeom>
+          <a:noFill/>
+        </p:spPr>
+        <p:txBody>
+          <a:bodyPr wrap="none" rtlCol="0">
+            <a:spAutoFit/>
+          </a:bodyPr>
+          <a:lstStyle/>
+          <a:p>
+            <a:r>
+              <a:rPr lang="en-US" dirty="0"/>
+              <a:t>L1 solution</a:t>
+            </a:r>
+          </a:p>
+        </p:txBody>
+      </p:sp>
       <p:pic>
         <p:nvPicPr>
           <p:cNvPr id="21" name="Picture 20">
             <a:extLst>
               <a:ext uri="{FF2B5EF4-FFF2-40B4-BE49-F238E27FC236}">
-                <a16:creationId xmlns:a16="http://schemas.microsoft.com/office/drawing/2014/main" id="{A7D47EF5-F662-074D-9F95-CE960D466848}"/>
+                <a16:creationId xmlns:a16="http://schemas.microsoft.com/office/drawing/2014/main" id="{51B9358B-1FC4-6C4F-A423-BCBE7EDF58D0}"/>
               </a:ext>
             </a:extLst>
           </p:cNvPr>
@@ -4969,18 +6609,187 @@
         </p:blipFill>
         <p:spPr>
           <a:xfrm>
-            <a:off x="4705040" y="4240179"/>
-            <a:ext cx="3119869" cy="2617821"/>
+            <a:off x="3608251" y="3621385"/>
+            <a:ext cx="2121563" cy="1555813"/>
           </a:xfrm>
           <a:prstGeom prst="rect">
             <a:avLst/>
           </a:prstGeom>
         </p:spPr>
       </p:pic>
+      <p:sp>
+        <p:nvSpPr>
+          <p:cNvPr id="22" name="Rectangle 21">
+            <a:extLst>
+              <a:ext uri="{FF2B5EF4-FFF2-40B4-BE49-F238E27FC236}">
+                <a16:creationId xmlns:a16="http://schemas.microsoft.com/office/drawing/2014/main" id="{DEF6F3C6-9B38-8E46-823D-6417E354593E}"/>
+              </a:ext>
+            </a:extLst>
+          </p:cNvPr>
+          <p:cNvSpPr/>
+          <p:nvPr/>
+        </p:nvSpPr>
+        <p:spPr>
+          <a:xfrm>
+            <a:off x="8139607" y="3991463"/>
+            <a:ext cx="3668120" cy="307777"/>
+          </a:xfrm>
+          <a:prstGeom prst="rect">
+            <a:avLst/>
+          </a:prstGeom>
+        </p:spPr>
+        <p:txBody>
+          <a:bodyPr wrap="none">
+            <a:spAutoFit/>
+          </a:bodyPr>
+          <a:lstStyle/>
+          <a:p>
+            <a:r>
+              <a:rPr lang="en-US" sz="1400" dirty="0"/>
+              <a:t>Reconstruction error:1.0673072250676275e-06</a:t>
+            </a:r>
+          </a:p>
+        </p:txBody>
+      </p:sp>
+      <p:sp>
+        <p:nvSpPr>
+          <p:cNvPr id="2" name="TextBox 1">
+            <a:extLst>
+              <a:ext uri="{FF2B5EF4-FFF2-40B4-BE49-F238E27FC236}">
+                <a16:creationId xmlns:a16="http://schemas.microsoft.com/office/drawing/2014/main" id="{2856BE86-94F3-7F48-A4B5-33F128D4270B}"/>
+              </a:ext>
+            </a:extLst>
+          </p:cNvPr>
+          <p:cNvSpPr txBox="1"/>
+          <p:nvPr/>
+        </p:nvSpPr>
+        <p:spPr>
+          <a:xfrm>
+            <a:off x="21425" y="69378"/>
+            <a:ext cx="1732205" cy="400110"/>
+          </a:xfrm>
+          <a:prstGeom prst="rect">
+            <a:avLst/>
+          </a:prstGeom>
+          <a:noFill/>
+        </p:spPr>
+        <p:txBody>
+          <a:bodyPr wrap="none" rtlCol="0">
+            <a:spAutoFit/>
+          </a:bodyPr>
+          <a:lstStyle/>
+          <a:p>
+            <a:r>
+              <a:rPr lang="en-US" sz="2000" dirty="0"/>
+              <a:t>Toy problem 1:</a:t>
+            </a:r>
+          </a:p>
+        </p:txBody>
+      </p:sp>
+      <p:sp>
+        <p:nvSpPr>
+          <p:cNvPr id="3" name="TextBox 2">
+            <a:extLst>
+              <a:ext uri="{FF2B5EF4-FFF2-40B4-BE49-F238E27FC236}">
+                <a16:creationId xmlns:a16="http://schemas.microsoft.com/office/drawing/2014/main" id="{007DAEE1-8C7A-AE45-A492-9C308D90A895}"/>
+              </a:ext>
+            </a:extLst>
+          </p:cNvPr>
+          <p:cNvSpPr txBox="1"/>
+          <p:nvPr/>
+        </p:nvSpPr>
+        <p:spPr>
+          <a:xfrm>
+            <a:off x="468605" y="469488"/>
+            <a:ext cx="6453562" cy="1107996"/>
+          </a:xfrm>
+          <a:prstGeom prst="rect">
+            <a:avLst/>
+          </a:prstGeom>
+          <a:noFill/>
+        </p:spPr>
+        <p:txBody>
+          <a:bodyPr wrap="none" rtlCol="0">
+            <a:spAutoFit/>
+          </a:bodyPr>
+          <a:lstStyle/>
+          <a:p>
+            <a:r>
+              <a:rPr lang="en-US" sz="1600" dirty="0"/>
+              <a:t>Constructing data:</a:t>
+            </a:r>
+          </a:p>
+          <a:p>
+            <a:pPr marL="285750" indent="-285750">
+              <a:buFont typeface="Arial" panose="020B0604020202020204" pitchFamily="34" charset="0"/>
+              <a:buChar char="•"/>
+            </a:pPr>
+            <a:r>
+              <a:rPr lang="en-US" sz="1600" dirty="0"/>
+              <a:t>50% of data is randomly chosen as library</a:t>
+            </a:r>
+          </a:p>
+          <a:p>
+            <a:pPr marL="285750" indent="-285750">
+              <a:buFont typeface="Arial" panose="020B0604020202020204" pitchFamily="34" charset="0"/>
+              <a:buChar char="•"/>
+            </a:pPr>
+            <a:r>
+              <a:rPr lang="en-US" sz="1600" dirty="0"/>
+              <a:t>library  is temporally normalized: zero mean unitary standard variation</a:t>
+            </a:r>
+          </a:p>
+          <a:p>
+            <a:pPr marL="285750" indent="-285750">
+              <a:buFont typeface="Arial" panose="020B0604020202020204" pitchFamily="34" charset="0"/>
+              <a:buChar char="•"/>
+            </a:pPr>
+            <a:r>
+              <a:rPr lang="en-US" sz="1600" dirty="0"/>
+              <a:t>We choose test measurements from data not included in library</a:t>
+            </a:r>
+          </a:p>
+        </p:txBody>
+      </p:sp>
+      <p:sp>
+        <p:nvSpPr>
+          <p:cNvPr id="20" name="TextBox 19">
+            <a:extLst>
+              <a:ext uri="{FF2B5EF4-FFF2-40B4-BE49-F238E27FC236}">
+                <a16:creationId xmlns:a16="http://schemas.microsoft.com/office/drawing/2014/main" id="{498A513A-9F70-AB4E-BBD0-42ACAE9E8ADD}"/>
+              </a:ext>
+            </a:extLst>
+          </p:cNvPr>
+          <p:cNvSpPr txBox="1"/>
+          <p:nvPr/>
+        </p:nvSpPr>
+        <p:spPr>
+          <a:xfrm>
+            <a:off x="278647" y="5841915"/>
+            <a:ext cx="1592103" cy="369332"/>
+          </a:xfrm>
+          <a:prstGeom prst="rect">
+            <a:avLst/>
+          </a:prstGeom>
+          <a:noFill/>
+        </p:spPr>
+        <p:txBody>
+          <a:bodyPr wrap="none" rtlCol="0">
+            <a:spAutoFit/>
+          </a:bodyPr>
+          <a:lstStyle/>
+          <a:p>
+            <a:r>
+              <a:rPr lang="en-US" dirty="0"/>
+              <a:t>LASSO solution</a:t>
+            </a:r>
+          </a:p>
+        </p:txBody>
+      </p:sp>
     </p:spTree>
     <p:extLst>
       <p:ext uri="{BB962C8B-B14F-4D97-AF65-F5344CB8AC3E}">
-        <p14:creationId xmlns:p14="http://schemas.microsoft.com/office/powerpoint/2010/main" val="4168040403"/>
+        <p14:creationId xmlns:p14="http://schemas.microsoft.com/office/powerpoint/2010/main" val="1257181648"/>
       </p:ext>
     </p:extLst>
   </p:cSld>
@@ -5012,7 +6821,7 @@
           <p:cNvPr id="3" name="Picture 2">
             <a:extLst>
               <a:ext uri="{FF2B5EF4-FFF2-40B4-BE49-F238E27FC236}">
-                <a16:creationId xmlns:a16="http://schemas.microsoft.com/office/drawing/2014/main" id="{1AA6D635-8DE2-5F4C-8E79-00314D2F0B54}"/>
+                <a16:creationId xmlns:a16="http://schemas.microsoft.com/office/drawing/2014/main" id="{5757173F-9581-C842-B61A-7AFB348373C8}"/>
               </a:ext>
             </a:extLst>
           </p:cNvPr>
@@ -5029,8 +6838,8 @@
         </p:blipFill>
         <p:spPr>
           <a:xfrm>
-            <a:off x="156589" y="1028565"/>
-            <a:ext cx="3746500" cy="3263900"/>
+            <a:off x="779548" y="559292"/>
+            <a:ext cx="2712682" cy="2003073"/>
           </a:xfrm>
           <a:prstGeom prst="rect">
             <a:avLst/>
@@ -5039,10 +6848,10 @@
       </p:pic>
       <p:pic>
         <p:nvPicPr>
-          <p:cNvPr id="5" name="Picture 4">
-            <a:extLst>
-              <a:ext uri="{FF2B5EF4-FFF2-40B4-BE49-F238E27FC236}">
-                <a16:creationId xmlns:a16="http://schemas.microsoft.com/office/drawing/2014/main" id="{0D1A159D-40CC-A445-8542-55BA2049A431}"/>
+          <p:cNvPr id="11" name="Picture 10">
+            <a:extLst>
+              <a:ext uri="{FF2B5EF4-FFF2-40B4-BE49-F238E27FC236}">
+                <a16:creationId xmlns:a16="http://schemas.microsoft.com/office/drawing/2014/main" id="{F719A4FB-AAB3-1448-9BF1-01C03E3DAC5A}"/>
               </a:ext>
             </a:extLst>
           </p:cNvPr>
@@ -5059,20 +6868,54 @@
         </p:blipFill>
         <p:spPr>
           <a:xfrm>
-            <a:off x="3903089" y="1239078"/>
-            <a:ext cx="3746500" cy="2842873"/>
+            <a:off x="4046705" y="559292"/>
+            <a:ext cx="2548648" cy="1809279"/>
           </a:xfrm>
           <a:prstGeom prst="rect">
             <a:avLst/>
           </a:prstGeom>
         </p:spPr>
       </p:pic>
+      <p:sp>
+        <p:nvSpPr>
+          <p:cNvPr id="12" name="Rectangle 11">
+            <a:extLst>
+              <a:ext uri="{FF2B5EF4-FFF2-40B4-BE49-F238E27FC236}">
+                <a16:creationId xmlns:a16="http://schemas.microsoft.com/office/drawing/2014/main" id="{85F79A9A-EF02-2947-8B4E-75B23C1E93AD}"/>
+              </a:ext>
+            </a:extLst>
+          </p:cNvPr>
+          <p:cNvSpPr/>
+          <p:nvPr/>
+        </p:nvSpPr>
+        <p:spPr>
+          <a:xfrm>
+            <a:off x="7023836" y="1125377"/>
+            <a:ext cx="3939155" cy="338554"/>
+          </a:xfrm>
+          <a:prstGeom prst="rect">
+            <a:avLst/>
+          </a:prstGeom>
+        </p:spPr>
+        <p:txBody>
+          <a:bodyPr wrap="none">
+            <a:spAutoFit/>
+          </a:bodyPr>
+          <a:lstStyle/>
+          <a:p>
+            <a:r>
+              <a:rPr lang="en-US" sz="1600" dirty="0"/>
+              <a:t>Reconstruction Error: 0.09860999176138388</a:t>
+            </a:r>
+          </a:p>
+        </p:txBody>
+      </p:sp>
       <p:pic>
         <p:nvPicPr>
-          <p:cNvPr id="7" name="Picture 6">
-            <a:extLst>
-              <a:ext uri="{FF2B5EF4-FFF2-40B4-BE49-F238E27FC236}">
-                <a16:creationId xmlns:a16="http://schemas.microsoft.com/office/drawing/2014/main" id="{59D74B4D-43D6-5548-A28E-8B0293E2016B}"/>
+          <p:cNvPr id="17" name="Picture 16">
+            <a:extLst>
+              <a:ext uri="{FF2B5EF4-FFF2-40B4-BE49-F238E27FC236}">
+                <a16:creationId xmlns:a16="http://schemas.microsoft.com/office/drawing/2014/main" id="{DEB88461-00B4-CF4E-8CB2-3EFB618270C9}"/>
               </a:ext>
             </a:extLst>
           </p:cNvPr>
@@ -5089,8 +6932,8 @@
         </p:blipFill>
         <p:spPr>
           <a:xfrm>
-            <a:off x="7799557" y="914264"/>
-            <a:ext cx="3771900" cy="3492500"/>
+            <a:off x="4221805" y="2883861"/>
+            <a:ext cx="2495559" cy="1809280"/>
           </a:xfrm>
           <a:prstGeom prst="rect">
             <a:avLst/>
@@ -5099,10 +6942,10 @@
       </p:pic>
       <p:pic>
         <p:nvPicPr>
-          <p:cNvPr id="11" name="Picture 10">
-            <a:extLst>
-              <a:ext uri="{FF2B5EF4-FFF2-40B4-BE49-F238E27FC236}">
-                <a16:creationId xmlns:a16="http://schemas.microsoft.com/office/drawing/2014/main" id="{E38B9648-7C2E-144B-92F6-432037F38BF9}"/>
+          <p:cNvPr id="23" name="Picture 22">
+            <a:extLst>
+              <a:ext uri="{FF2B5EF4-FFF2-40B4-BE49-F238E27FC236}">
+                <a16:creationId xmlns:a16="http://schemas.microsoft.com/office/drawing/2014/main" id="{FD984DA3-CB5A-C54E-8FF9-438941019FF9}"/>
               </a:ext>
             </a:extLst>
           </p:cNvPr>
@@ -5119,8 +6962,820 @@
         </p:blipFill>
         <p:spPr>
           <a:xfrm>
-            <a:off x="4392444" y="4292464"/>
-            <a:ext cx="2976933" cy="2464289"/>
+            <a:off x="870577" y="2883860"/>
+            <a:ext cx="2621653" cy="1911440"/>
+          </a:xfrm>
+          <a:prstGeom prst="rect">
+            <a:avLst/>
+          </a:prstGeom>
+        </p:spPr>
+      </p:pic>
+      <p:sp>
+        <p:nvSpPr>
+          <p:cNvPr id="24" name="Rectangle 23">
+            <a:extLst>
+              <a:ext uri="{FF2B5EF4-FFF2-40B4-BE49-F238E27FC236}">
+                <a16:creationId xmlns:a16="http://schemas.microsoft.com/office/drawing/2014/main" id="{6C3ED802-F015-7843-95CE-3AAE5359D691}"/>
+              </a:ext>
+            </a:extLst>
+          </p:cNvPr>
+          <p:cNvSpPr/>
+          <p:nvPr/>
+        </p:nvSpPr>
+        <p:spPr>
+          <a:xfrm>
+            <a:off x="7023835" y="3788501"/>
+            <a:ext cx="3939155" cy="338554"/>
+          </a:xfrm>
+          <a:prstGeom prst="rect">
+            <a:avLst/>
+          </a:prstGeom>
+        </p:spPr>
+        <p:txBody>
+          <a:bodyPr wrap="none">
+            <a:spAutoFit/>
+          </a:bodyPr>
+          <a:lstStyle/>
+          <a:p>
+            <a:r>
+              <a:rPr lang="en-US" sz="1600" dirty="0"/>
+              <a:t>Reconstruction Error: 0.16966901383199118</a:t>
+            </a:r>
+          </a:p>
+        </p:txBody>
+      </p:sp>
+      <p:sp>
+        <p:nvSpPr>
+          <p:cNvPr id="25" name="TextBox 24">
+            <a:extLst>
+              <a:ext uri="{FF2B5EF4-FFF2-40B4-BE49-F238E27FC236}">
+                <a16:creationId xmlns:a16="http://schemas.microsoft.com/office/drawing/2014/main" id="{FC12410A-5A53-5440-AEA5-5B82EE33C35C}"/>
+              </a:ext>
+            </a:extLst>
+          </p:cNvPr>
+          <p:cNvSpPr txBox="1"/>
+          <p:nvPr/>
+        </p:nvSpPr>
+        <p:spPr>
+          <a:xfrm>
+            <a:off x="6995751" y="3222414"/>
+            <a:ext cx="3939155" cy="338554"/>
+          </a:xfrm>
+          <a:prstGeom prst="rect">
+            <a:avLst/>
+          </a:prstGeom>
+          <a:noFill/>
+        </p:spPr>
+        <p:txBody>
+          <a:bodyPr wrap="square" rtlCol="0">
+            <a:spAutoFit/>
+          </a:bodyPr>
+          <a:lstStyle/>
+          <a:p>
+            <a:r>
+              <a:rPr lang="en-US" sz="1600" dirty="0"/>
+              <a:t>The minimum possible of Epsilon was 0.7</a:t>
+            </a:r>
+          </a:p>
+        </p:txBody>
+      </p:sp>
+      <p:sp>
+        <p:nvSpPr>
+          <p:cNvPr id="26" name="TextBox 25">
+            <a:extLst>
+              <a:ext uri="{FF2B5EF4-FFF2-40B4-BE49-F238E27FC236}">
+                <a16:creationId xmlns:a16="http://schemas.microsoft.com/office/drawing/2014/main" id="{BD548D13-E139-1E43-AB38-4594428A6C54}"/>
+              </a:ext>
+            </a:extLst>
+          </p:cNvPr>
+          <p:cNvSpPr txBox="1"/>
+          <p:nvPr/>
+        </p:nvSpPr>
+        <p:spPr>
+          <a:xfrm>
+            <a:off x="321013" y="1410511"/>
+            <a:ext cx="399468" cy="369332"/>
+          </a:xfrm>
+          <a:prstGeom prst="rect">
+            <a:avLst/>
+          </a:prstGeom>
+          <a:noFill/>
+        </p:spPr>
+        <p:txBody>
+          <a:bodyPr wrap="none" rtlCol="0">
+            <a:spAutoFit/>
+          </a:bodyPr>
+          <a:lstStyle/>
+          <a:p>
+            <a:r>
+              <a:rPr lang="en-US" dirty="0"/>
+              <a:t>L2</a:t>
+            </a:r>
+          </a:p>
+        </p:txBody>
+      </p:sp>
+      <p:sp>
+        <p:nvSpPr>
+          <p:cNvPr id="27" name="TextBox 26">
+            <a:extLst>
+              <a:ext uri="{FF2B5EF4-FFF2-40B4-BE49-F238E27FC236}">
+                <a16:creationId xmlns:a16="http://schemas.microsoft.com/office/drawing/2014/main" id="{4687AC32-F173-0A48-96C3-91944EBB45FB}"/>
+              </a:ext>
+            </a:extLst>
+          </p:cNvPr>
+          <p:cNvSpPr txBox="1"/>
+          <p:nvPr/>
+        </p:nvSpPr>
+        <p:spPr>
+          <a:xfrm>
+            <a:off x="321013" y="3552057"/>
+            <a:ext cx="399468" cy="369332"/>
+          </a:xfrm>
+          <a:prstGeom prst="rect">
+            <a:avLst/>
+          </a:prstGeom>
+          <a:noFill/>
+        </p:spPr>
+        <p:txBody>
+          <a:bodyPr wrap="none" rtlCol="0">
+            <a:spAutoFit/>
+          </a:bodyPr>
+          <a:lstStyle/>
+          <a:p>
+            <a:r>
+              <a:rPr lang="en-US" dirty="0"/>
+              <a:t>L1</a:t>
+            </a:r>
+          </a:p>
+        </p:txBody>
+      </p:sp>
+      <p:pic>
+        <p:nvPicPr>
+          <p:cNvPr id="29" name="Picture 28">
+            <a:extLst>
+              <a:ext uri="{FF2B5EF4-FFF2-40B4-BE49-F238E27FC236}">
+                <a16:creationId xmlns:a16="http://schemas.microsoft.com/office/drawing/2014/main" id="{303ABE75-E4F6-F940-9481-FFDE94AA8CDA}"/>
+              </a:ext>
+            </a:extLst>
+          </p:cNvPr>
+          <p:cNvPicPr>
+            <a:picLocks noChangeAspect="1"/>
+          </p:cNvPicPr>
+          <p:nvPr/>
+        </p:nvPicPr>
+        <p:blipFill>
+          <a:blip r:embed="rId6"/>
+          <a:stretch>
+            <a:fillRect/>
+          </a:stretch>
+        </p:blipFill>
+        <p:spPr>
+          <a:xfrm>
+            <a:off x="4296279" y="5123692"/>
+            <a:ext cx="2346609" cy="1695237"/>
+          </a:xfrm>
+          <a:prstGeom prst="rect">
+            <a:avLst/>
+          </a:prstGeom>
+        </p:spPr>
+      </p:pic>
+      <p:pic>
+        <p:nvPicPr>
+          <p:cNvPr id="31" name="Picture 30">
+            <a:extLst>
+              <a:ext uri="{FF2B5EF4-FFF2-40B4-BE49-F238E27FC236}">
+                <a16:creationId xmlns:a16="http://schemas.microsoft.com/office/drawing/2014/main" id="{A2B283D8-B451-DE4F-91C6-79B296C33CFB}"/>
+              </a:ext>
+            </a:extLst>
+          </p:cNvPr>
+          <p:cNvPicPr>
+            <a:picLocks noChangeAspect="1"/>
+          </p:cNvPicPr>
+          <p:nvPr/>
+        </p:nvPicPr>
+        <p:blipFill>
+          <a:blip r:embed="rId7"/>
+          <a:stretch>
+            <a:fillRect/>
+          </a:stretch>
+        </p:blipFill>
+        <p:spPr>
+          <a:xfrm>
+            <a:off x="923688" y="5022992"/>
+            <a:ext cx="2568542" cy="1896638"/>
+          </a:xfrm>
+          <a:prstGeom prst="rect">
+            <a:avLst/>
+          </a:prstGeom>
+        </p:spPr>
+      </p:pic>
+      <p:sp>
+        <p:nvSpPr>
+          <p:cNvPr id="32" name="TextBox 31">
+            <a:extLst>
+              <a:ext uri="{FF2B5EF4-FFF2-40B4-BE49-F238E27FC236}">
+                <a16:creationId xmlns:a16="http://schemas.microsoft.com/office/drawing/2014/main" id="{1F983E7C-A9C1-D942-8A98-6428BF8FFC61}"/>
+              </a:ext>
+            </a:extLst>
+          </p:cNvPr>
+          <p:cNvSpPr txBox="1"/>
+          <p:nvPr/>
+        </p:nvSpPr>
+        <p:spPr>
+          <a:xfrm>
+            <a:off x="144307" y="5601979"/>
+            <a:ext cx="779381" cy="369332"/>
+          </a:xfrm>
+          <a:prstGeom prst="rect">
+            <a:avLst/>
+          </a:prstGeom>
+          <a:noFill/>
+        </p:spPr>
+        <p:txBody>
+          <a:bodyPr wrap="none" rtlCol="0">
+            <a:spAutoFit/>
+          </a:bodyPr>
+          <a:lstStyle/>
+          <a:p>
+            <a:r>
+              <a:rPr lang="en-US" dirty="0"/>
+              <a:t>LASSO</a:t>
+            </a:r>
+          </a:p>
+        </p:txBody>
+      </p:sp>
+      <p:sp>
+        <p:nvSpPr>
+          <p:cNvPr id="33" name="Rectangle 32">
+            <a:extLst>
+              <a:ext uri="{FF2B5EF4-FFF2-40B4-BE49-F238E27FC236}">
+                <a16:creationId xmlns:a16="http://schemas.microsoft.com/office/drawing/2014/main" id="{0EF82C53-2CCC-3740-91DF-91BF308F4506}"/>
+              </a:ext>
+            </a:extLst>
+          </p:cNvPr>
+          <p:cNvSpPr/>
+          <p:nvPr/>
+        </p:nvSpPr>
+        <p:spPr>
+          <a:xfrm>
+            <a:off x="5174216" y="5123692"/>
+            <a:ext cx="1468672" cy="338554"/>
+          </a:xfrm>
+          <a:prstGeom prst="rect">
+            <a:avLst/>
+          </a:prstGeom>
+        </p:spPr>
+        <p:txBody>
+          <a:bodyPr wrap="none">
+            <a:spAutoFit/>
+          </a:bodyPr>
+          <a:lstStyle/>
+          <a:p>
+            <a:r>
+              <a:rPr lang="en-US" sz="1600" b="0" dirty="0">
+                <a:effectLst/>
+              </a:rPr>
+              <a:t>lambda = 0.005</a:t>
+            </a:r>
+          </a:p>
+        </p:txBody>
+      </p:sp>
+      <p:sp>
+        <p:nvSpPr>
+          <p:cNvPr id="34" name="Rectangle 33">
+            <a:extLst>
+              <a:ext uri="{FF2B5EF4-FFF2-40B4-BE49-F238E27FC236}">
+                <a16:creationId xmlns:a16="http://schemas.microsoft.com/office/drawing/2014/main" id="{5D8EB579-C4B0-A641-869C-D7C1ED6CCEE7}"/>
+              </a:ext>
+            </a:extLst>
+          </p:cNvPr>
+          <p:cNvSpPr/>
+          <p:nvPr/>
+        </p:nvSpPr>
+        <p:spPr>
+          <a:xfrm>
+            <a:off x="7023835" y="5682753"/>
+            <a:ext cx="3470950" cy="307777"/>
+          </a:xfrm>
+          <a:prstGeom prst="rect">
+            <a:avLst/>
+          </a:prstGeom>
+        </p:spPr>
+        <p:txBody>
+          <a:bodyPr wrap="none">
+            <a:spAutoFit/>
+          </a:bodyPr>
+          <a:lstStyle/>
+          <a:p>
+            <a:r>
+              <a:rPr lang="en-US" sz="1400" dirty="0"/>
+              <a:t>Reconstruction Error: 0.10372515231840763</a:t>
+            </a:r>
+          </a:p>
+        </p:txBody>
+      </p:sp>
+      <p:sp>
+        <p:nvSpPr>
+          <p:cNvPr id="16" name="TextBox 15">
+            <a:extLst>
+              <a:ext uri="{FF2B5EF4-FFF2-40B4-BE49-F238E27FC236}">
+                <a16:creationId xmlns:a16="http://schemas.microsoft.com/office/drawing/2014/main" id="{29175E68-E4EB-D249-867C-A98D0099FB1E}"/>
+              </a:ext>
+            </a:extLst>
+          </p:cNvPr>
+          <p:cNvSpPr txBox="1"/>
+          <p:nvPr/>
+        </p:nvSpPr>
+        <p:spPr>
+          <a:xfrm>
+            <a:off x="21425" y="69378"/>
+            <a:ext cx="3948389" cy="400110"/>
+          </a:xfrm>
+          <a:prstGeom prst="rect">
+            <a:avLst/>
+          </a:prstGeom>
+          <a:noFill/>
+        </p:spPr>
+        <p:txBody>
+          <a:bodyPr wrap="none" rtlCol="0">
+            <a:spAutoFit/>
+          </a:bodyPr>
+          <a:lstStyle/>
+          <a:p>
+            <a:r>
+              <a:rPr lang="en-US" sz="2000" dirty="0"/>
+              <a:t>Toy problem 1: noisy measurements</a:t>
+            </a:r>
+          </a:p>
+        </p:txBody>
+      </p:sp>
+    </p:spTree>
+    <p:extLst>
+      <p:ext uri="{BB962C8B-B14F-4D97-AF65-F5344CB8AC3E}">
+        <p14:creationId xmlns:p14="http://schemas.microsoft.com/office/powerpoint/2010/main" val="545929587"/>
+      </p:ext>
+    </p:extLst>
+  </p:cSld>
+  <p:clrMapOvr>
+    <a:masterClrMapping/>
+  </p:clrMapOvr>
+</p:sld>
+</file>
+
+<file path=ppt/slides/slide7.xml><?xml version="1.0" encoding="utf-8"?>
+<p:sld xmlns:a="http://schemas.openxmlformats.org/drawingml/2006/main" xmlns:r="http://schemas.openxmlformats.org/officeDocument/2006/relationships" xmlns:p="http://schemas.openxmlformats.org/presentationml/2006/main">
+  <p:cSld>
+    <p:spTree>
+      <p:nvGrpSpPr>
+        <p:cNvPr id="1" name=""/>
+        <p:cNvGrpSpPr/>
+        <p:nvPr/>
+      </p:nvGrpSpPr>
+      <p:grpSpPr>
+        <a:xfrm>
+          <a:off x="0" y="0"/>
+          <a:ext cx="0" cy="0"/>
+          <a:chOff x="0" y="0"/>
+          <a:chExt cx="0" cy="0"/>
+        </a:xfrm>
+      </p:grpSpPr>
+      <p:pic>
+        <p:nvPicPr>
+          <p:cNvPr id="4" name="Picture 3">
+            <a:extLst>
+              <a:ext uri="{FF2B5EF4-FFF2-40B4-BE49-F238E27FC236}">
+                <a16:creationId xmlns:a16="http://schemas.microsoft.com/office/drawing/2014/main" id="{2E519EC8-71CA-D840-9C30-63E2D2BFF5E8}"/>
+              </a:ext>
+            </a:extLst>
+          </p:cNvPr>
+          <p:cNvPicPr>
+            <a:picLocks noChangeAspect="1"/>
+          </p:cNvPicPr>
+          <p:nvPr/>
+        </p:nvPicPr>
+        <p:blipFill>
+          <a:blip r:embed="rId2"/>
+          <a:stretch>
+            <a:fillRect/>
+          </a:stretch>
+        </p:blipFill>
+        <p:spPr>
+          <a:xfrm>
+            <a:off x="8711501" y="714037"/>
+            <a:ext cx="2214411" cy="2179675"/>
+          </a:xfrm>
+          <a:prstGeom prst="rect">
+            <a:avLst/>
+          </a:prstGeom>
+        </p:spPr>
+      </p:pic>
+      <p:sp>
+        <p:nvSpPr>
+          <p:cNvPr id="7" name="TextBox 6">
+            <a:extLst>
+              <a:ext uri="{FF2B5EF4-FFF2-40B4-BE49-F238E27FC236}">
+                <a16:creationId xmlns:a16="http://schemas.microsoft.com/office/drawing/2014/main" id="{DF922F77-F3B7-5D46-B1F0-1F1C91AE1E64}"/>
+              </a:ext>
+            </a:extLst>
+          </p:cNvPr>
+          <p:cNvSpPr txBox="1"/>
+          <p:nvPr/>
+        </p:nvSpPr>
+        <p:spPr>
+          <a:xfrm>
+            <a:off x="21425" y="69378"/>
+            <a:ext cx="5818452" cy="400110"/>
+          </a:xfrm>
+          <a:prstGeom prst="rect">
+            <a:avLst/>
+          </a:prstGeom>
+          <a:noFill/>
+        </p:spPr>
+        <p:txBody>
+          <a:bodyPr wrap="none" rtlCol="0">
+            <a:spAutoFit/>
+          </a:bodyPr>
+          <a:lstStyle/>
+          <a:p>
+            <a:r>
+              <a:rPr lang="en-US" sz="2000" dirty="0"/>
+              <a:t>Toy problem 2: heat transfer in heterogenous material</a:t>
+            </a:r>
+          </a:p>
+        </p:txBody>
+      </p:sp>
+      <p:pic>
+        <p:nvPicPr>
+          <p:cNvPr id="2" name="Picture 1">
+            <a:extLst>
+              <a:ext uri="{FF2B5EF4-FFF2-40B4-BE49-F238E27FC236}">
+                <a16:creationId xmlns:a16="http://schemas.microsoft.com/office/drawing/2014/main" id="{C07CB02C-0611-B440-9092-3A860993F645}"/>
+              </a:ext>
+            </a:extLst>
+          </p:cNvPr>
+          <p:cNvPicPr>
+            <a:picLocks noChangeAspect="1"/>
+          </p:cNvPicPr>
+          <p:nvPr/>
+        </p:nvPicPr>
+        <p:blipFill>
+          <a:blip r:embed="rId3"/>
+          <a:stretch>
+            <a:fillRect/>
+          </a:stretch>
+        </p:blipFill>
+        <p:spPr>
+          <a:xfrm>
+            <a:off x="1266088" y="1439517"/>
+            <a:ext cx="4429061" cy="728713"/>
+          </a:xfrm>
+          <a:prstGeom prst="rect">
+            <a:avLst/>
+          </a:prstGeom>
+        </p:spPr>
+      </p:pic>
+      <p:cxnSp>
+        <p:nvCxnSpPr>
+          <p:cNvPr id="5" name="Straight Arrow Connector 4">
+            <a:extLst>
+              <a:ext uri="{FF2B5EF4-FFF2-40B4-BE49-F238E27FC236}">
+                <a16:creationId xmlns:a16="http://schemas.microsoft.com/office/drawing/2014/main" id="{3A7C893C-37A5-6444-8120-0DE7E677E340}"/>
+              </a:ext>
+            </a:extLst>
+          </p:cNvPr>
+          <p:cNvCxnSpPr>
+            <a:cxnSpLocks/>
+          </p:cNvCxnSpPr>
+          <p:nvPr/>
+        </p:nvCxnSpPr>
+        <p:spPr>
+          <a:xfrm flipH="1" flipV="1">
+            <a:off x="8133907" y="1318437"/>
+            <a:ext cx="850605" cy="340243"/>
+          </a:xfrm>
+          <a:prstGeom prst="straightConnector1">
+            <a:avLst/>
+          </a:prstGeom>
+          <a:ln w="25400">
+            <a:solidFill>
+              <a:schemeClr val="tx1"/>
+            </a:solidFill>
+            <a:tailEnd type="triangle"/>
+          </a:ln>
+        </p:spPr>
+        <p:style>
+          <a:lnRef idx="1">
+            <a:schemeClr val="accent1"/>
+          </a:lnRef>
+          <a:fillRef idx="0">
+            <a:schemeClr val="accent1"/>
+          </a:fillRef>
+          <a:effectRef idx="0">
+            <a:schemeClr val="accent1"/>
+          </a:effectRef>
+          <a:fontRef idx="minor">
+            <a:schemeClr val="tx1"/>
+          </a:fontRef>
+        </p:style>
+      </p:cxnSp>
+      <p:sp>
+        <p:nvSpPr>
+          <p:cNvPr id="13" name="TextBox 12">
+            <a:extLst>
+              <a:ext uri="{FF2B5EF4-FFF2-40B4-BE49-F238E27FC236}">
+                <a16:creationId xmlns:a16="http://schemas.microsoft.com/office/drawing/2014/main" id="{5B58523F-2788-9F4B-90AA-CF73D095E134}"/>
+              </a:ext>
+            </a:extLst>
+          </p:cNvPr>
+          <p:cNvSpPr txBox="1"/>
+          <p:nvPr/>
+        </p:nvSpPr>
+        <p:spPr>
+          <a:xfrm>
+            <a:off x="6944023" y="1016741"/>
+            <a:ext cx="1615186" cy="276999"/>
+          </a:xfrm>
+          <a:prstGeom prst="rect">
+            <a:avLst/>
+          </a:prstGeom>
+          <a:noFill/>
+        </p:spPr>
+        <p:txBody>
+          <a:bodyPr wrap="none" rtlCol="0">
+            <a:spAutoFit/>
+          </a:bodyPr>
+          <a:lstStyle/>
+          <a:p>
+            <a:r>
+              <a:rPr lang="en-US" sz="1200" dirty="0"/>
+              <a:t>Fixed temperature to 1</a:t>
+            </a:r>
+          </a:p>
+        </p:txBody>
+      </p:sp>
+      <p:cxnSp>
+        <p:nvCxnSpPr>
+          <p:cNvPr id="14" name="Straight Arrow Connector 13">
+            <a:extLst>
+              <a:ext uri="{FF2B5EF4-FFF2-40B4-BE49-F238E27FC236}">
+                <a16:creationId xmlns:a16="http://schemas.microsoft.com/office/drawing/2014/main" id="{7E56E4D0-DC68-DE4C-96DC-BAD3583584C2}"/>
+              </a:ext>
+            </a:extLst>
+          </p:cNvPr>
+          <p:cNvCxnSpPr>
+            <a:cxnSpLocks/>
+          </p:cNvCxnSpPr>
+          <p:nvPr/>
+        </p:nvCxnSpPr>
+        <p:spPr>
+          <a:xfrm flipV="1">
+            <a:off x="10822173" y="710605"/>
+            <a:ext cx="404958" cy="478744"/>
+          </a:xfrm>
+          <a:prstGeom prst="straightConnector1">
+            <a:avLst/>
+          </a:prstGeom>
+          <a:ln w="25400">
+            <a:solidFill>
+              <a:schemeClr val="tx1"/>
+            </a:solidFill>
+            <a:tailEnd type="triangle"/>
+          </a:ln>
+        </p:spPr>
+        <p:style>
+          <a:lnRef idx="1">
+            <a:schemeClr val="accent1"/>
+          </a:lnRef>
+          <a:fillRef idx="0">
+            <a:schemeClr val="accent1"/>
+          </a:fillRef>
+          <a:effectRef idx="0">
+            <a:schemeClr val="accent1"/>
+          </a:effectRef>
+          <a:fontRef idx="minor">
+            <a:schemeClr val="tx1"/>
+          </a:fontRef>
+        </p:style>
+      </p:cxnSp>
+      <p:sp>
+        <p:nvSpPr>
+          <p:cNvPr id="16" name="TextBox 15">
+            <a:extLst>
+              <a:ext uri="{FF2B5EF4-FFF2-40B4-BE49-F238E27FC236}">
+                <a16:creationId xmlns:a16="http://schemas.microsoft.com/office/drawing/2014/main" id="{8280B503-8DBB-594D-82C8-F44E9F288FF6}"/>
+              </a:ext>
+            </a:extLst>
+          </p:cNvPr>
+          <p:cNvSpPr txBox="1"/>
+          <p:nvPr/>
+        </p:nvSpPr>
+        <p:spPr>
+          <a:xfrm>
+            <a:off x="10576814" y="330988"/>
+            <a:ext cx="1615186" cy="276999"/>
+          </a:xfrm>
+          <a:prstGeom prst="rect">
+            <a:avLst/>
+          </a:prstGeom>
+          <a:noFill/>
+        </p:spPr>
+        <p:txBody>
+          <a:bodyPr wrap="none" rtlCol="0">
+            <a:spAutoFit/>
+          </a:bodyPr>
+          <a:lstStyle/>
+          <a:p>
+            <a:r>
+              <a:rPr lang="en-US" sz="1200" dirty="0"/>
+              <a:t>Fixed temperature to 0</a:t>
+            </a:r>
+          </a:p>
+        </p:txBody>
+      </p:sp>
+      <p:sp>
+        <p:nvSpPr>
+          <p:cNvPr id="17" name="TextBox 16">
+            <a:extLst>
+              <a:ext uri="{FF2B5EF4-FFF2-40B4-BE49-F238E27FC236}">
+                <a16:creationId xmlns:a16="http://schemas.microsoft.com/office/drawing/2014/main" id="{109B8C76-2F74-BA40-8C2F-35F4160DD056}"/>
+              </a:ext>
+            </a:extLst>
+          </p:cNvPr>
+          <p:cNvSpPr txBox="1"/>
+          <p:nvPr/>
+        </p:nvSpPr>
+        <p:spPr>
+          <a:xfrm>
+            <a:off x="340241" y="832075"/>
+            <a:ext cx="3455882" cy="369332"/>
+          </a:xfrm>
+          <a:prstGeom prst="rect">
+            <a:avLst/>
+          </a:prstGeom>
+          <a:noFill/>
+        </p:spPr>
+        <p:txBody>
+          <a:bodyPr wrap="none" rtlCol="0">
+            <a:spAutoFit/>
+          </a:bodyPr>
+          <a:lstStyle/>
+          <a:p>
+            <a:r>
+              <a:rPr lang="en-US" dirty="0"/>
+              <a:t>Governing equation: parabolic PDE</a:t>
+            </a:r>
+          </a:p>
+        </p:txBody>
+      </p:sp>
+      <p:sp>
+        <p:nvSpPr>
+          <p:cNvPr id="18" name="TextBox 17">
+            <a:extLst>
+              <a:ext uri="{FF2B5EF4-FFF2-40B4-BE49-F238E27FC236}">
+                <a16:creationId xmlns:a16="http://schemas.microsoft.com/office/drawing/2014/main" id="{3D1F5D53-B649-5A49-B954-8E4F85F43372}"/>
+              </a:ext>
+            </a:extLst>
+          </p:cNvPr>
+          <p:cNvSpPr txBox="1"/>
+          <p:nvPr/>
+        </p:nvSpPr>
+        <p:spPr>
+          <a:xfrm>
+            <a:off x="366959" y="3429000"/>
+            <a:ext cx="5328190" cy="369332"/>
+          </a:xfrm>
+          <a:prstGeom prst="rect">
+            <a:avLst/>
+          </a:prstGeom>
+          <a:noFill/>
+        </p:spPr>
+        <p:txBody>
+          <a:bodyPr wrap="none" rtlCol="0">
+            <a:spAutoFit/>
+          </a:bodyPr>
+          <a:lstStyle/>
+          <a:p>
+            <a:r>
+              <a:rPr lang="en-US" dirty="0"/>
+              <a:t>We solve the above problem with finite element solver</a:t>
+            </a:r>
+          </a:p>
+        </p:txBody>
+      </p:sp>
+      <p:pic>
+        <p:nvPicPr>
+          <p:cNvPr id="19" name="Picture 18">
+            <a:extLst>
+              <a:ext uri="{FF2B5EF4-FFF2-40B4-BE49-F238E27FC236}">
+                <a16:creationId xmlns:a16="http://schemas.microsoft.com/office/drawing/2014/main" id="{970D3264-4919-D246-9D15-C7EDADB7E523}"/>
+              </a:ext>
+            </a:extLst>
+          </p:cNvPr>
+          <p:cNvPicPr>
+            <a:picLocks noChangeAspect="1"/>
+          </p:cNvPicPr>
+          <p:nvPr/>
+        </p:nvPicPr>
+        <p:blipFill>
+          <a:blip r:embed="rId4"/>
+          <a:stretch>
+            <a:fillRect/>
+          </a:stretch>
+        </p:blipFill>
+        <p:spPr>
+          <a:xfrm>
+            <a:off x="1093002" y="4395823"/>
+            <a:ext cx="2336800" cy="2286000"/>
+          </a:xfrm>
+          <a:prstGeom prst="rect">
+            <a:avLst/>
+          </a:prstGeom>
+        </p:spPr>
+      </p:pic>
+      <p:pic>
+        <p:nvPicPr>
+          <p:cNvPr id="20" name="Picture 19">
+            <a:extLst>
+              <a:ext uri="{FF2B5EF4-FFF2-40B4-BE49-F238E27FC236}">
+                <a16:creationId xmlns:a16="http://schemas.microsoft.com/office/drawing/2014/main" id="{FCB0D9AF-08EB-2C4D-AC3C-EDE9BB3185E1}"/>
+              </a:ext>
+            </a:extLst>
+          </p:cNvPr>
+          <p:cNvPicPr>
+            <a:picLocks noChangeAspect="1"/>
+          </p:cNvPicPr>
+          <p:nvPr/>
+        </p:nvPicPr>
+        <p:blipFill>
+          <a:blip r:embed="rId5"/>
+          <a:stretch>
+            <a:fillRect/>
+          </a:stretch>
+        </p:blipFill>
+        <p:spPr>
+          <a:xfrm>
+            <a:off x="3663672" y="4395823"/>
+            <a:ext cx="2273300" cy="2247900"/>
+          </a:xfrm>
+          <a:prstGeom prst="rect">
+            <a:avLst/>
+          </a:prstGeom>
+        </p:spPr>
+      </p:pic>
+      <p:pic>
+        <p:nvPicPr>
+          <p:cNvPr id="21" name="Picture 20">
+            <a:extLst>
+              <a:ext uri="{FF2B5EF4-FFF2-40B4-BE49-F238E27FC236}">
+                <a16:creationId xmlns:a16="http://schemas.microsoft.com/office/drawing/2014/main" id="{43C834D5-CDB2-AF49-9912-A2A8DF3D87CD}"/>
+              </a:ext>
+            </a:extLst>
+          </p:cNvPr>
+          <p:cNvPicPr>
+            <a:picLocks noChangeAspect="1"/>
+          </p:cNvPicPr>
+          <p:nvPr/>
+        </p:nvPicPr>
+        <p:blipFill>
+          <a:blip r:embed="rId6"/>
+          <a:stretch>
+            <a:fillRect/>
+          </a:stretch>
+        </p:blipFill>
+        <p:spPr>
+          <a:xfrm>
+            <a:off x="6170842" y="4395823"/>
+            <a:ext cx="2273300" cy="2247900"/>
+          </a:xfrm>
+          <a:prstGeom prst="rect">
+            <a:avLst/>
+          </a:prstGeom>
+        </p:spPr>
+      </p:pic>
+      <p:pic>
+        <p:nvPicPr>
+          <p:cNvPr id="22" name="Picture 21">
+            <a:extLst>
+              <a:ext uri="{FF2B5EF4-FFF2-40B4-BE49-F238E27FC236}">
+                <a16:creationId xmlns:a16="http://schemas.microsoft.com/office/drawing/2014/main" id="{E575751C-F612-D949-B883-F08094434BB1}"/>
+              </a:ext>
+            </a:extLst>
+          </p:cNvPr>
+          <p:cNvPicPr>
+            <a:picLocks noChangeAspect="1"/>
+          </p:cNvPicPr>
+          <p:nvPr/>
+        </p:nvPicPr>
+        <p:blipFill>
+          <a:blip r:embed="rId7"/>
+          <a:stretch>
+            <a:fillRect/>
+          </a:stretch>
+        </p:blipFill>
+        <p:spPr>
+          <a:xfrm>
+            <a:off x="8678012" y="4395823"/>
+            <a:ext cx="2247900" cy="2247900"/>
           </a:xfrm>
           <a:prstGeom prst="rect">
             <a:avLst/>
@@ -5130,7 +7785,564 @@
     </p:spTree>
     <p:extLst>
       <p:ext uri="{BB962C8B-B14F-4D97-AF65-F5344CB8AC3E}">
-        <p14:creationId xmlns:p14="http://schemas.microsoft.com/office/powerpoint/2010/main" val="1923623714"/>
+        <p14:creationId xmlns:p14="http://schemas.microsoft.com/office/powerpoint/2010/main" val="998925543"/>
+      </p:ext>
+    </p:extLst>
+  </p:cSld>
+  <p:clrMapOvr>
+    <a:masterClrMapping/>
+  </p:clrMapOvr>
+</p:sld>
+</file>
+
+<file path=ppt/slides/slide8.xml><?xml version="1.0" encoding="utf-8"?>
+<p:sld xmlns:a="http://schemas.openxmlformats.org/drawingml/2006/main" xmlns:r="http://schemas.openxmlformats.org/officeDocument/2006/relationships" xmlns:p="http://schemas.openxmlformats.org/presentationml/2006/main">
+  <p:cSld>
+    <p:spTree>
+      <p:nvGrpSpPr>
+        <p:cNvPr id="1" name=""/>
+        <p:cNvGrpSpPr/>
+        <p:nvPr/>
+      </p:nvGrpSpPr>
+      <p:grpSpPr>
+        <a:xfrm>
+          <a:off x="0" y="0"/>
+          <a:ext cx="0" cy="0"/>
+          <a:chOff x="0" y="0"/>
+          <a:chExt cx="0" cy="0"/>
+        </a:xfrm>
+      </p:grpSpPr>
+      <p:pic>
+        <p:nvPicPr>
+          <p:cNvPr id="3" name="Picture 2">
+            <a:extLst>
+              <a:ext uri="{FF2B5EF4-FFF2-40B4-BE49-F238E27FC236}">
+                <a16:creationId xmlns:a16="http://schemas.microsoft.com/office/drawing/2014/main" id="{041C70E5-B258-C540-8E1C-1357F56956E4}"/>
+              </a:ext>
+            </a:extLst>
+          </p:cNvPr>
+          <p:cNvPicPr>
+            <a:picLocks noChangeAspect="1"/>
+          </p:cNvPicPr>
+          <p:nvPr/>
+        </p:nvPicPr>
+        <p:blipFill>
+          <a:blip r:embed="rId2"/>
+          <a:stretch>
+            <a:fillRect/>
+          </a:stretch>
+        </p:blipFill>
+        <p:spPr>
+          <a:xfrm>
+            <a:off x="3915947" y="2598255"/>
+            <a:ext cx="1869533" cy="1869533"/>
+          </a:xfrm>
+          <a:prstGeom prst="rect">
+            <a:avLst/>
+          </a:prstGeom>
+        </p:spPr>
+      </p:pic>
+      <p:pic>
+        <p:nvPicPr>
+          <p:cNvPr id="11" name="Picture 10">
+            <a:extLst>
+              <a:ext uri="{FF2B5EF4-FFF2-40B4-BE49-F238E27FC236}">
+                <a16:creationId xmlns:a16="http://schemas.microsoft.com/office/drawing/2014/main" id="{C327F4C0-73E3-C14C-9B0D-EBB396FC02EE}"/>
+              </a:ext>
+            </a:extLst>
+          </p:cNvPr>
+          <p:cNvPicPr>
+            <a:picLocks noChangeAspect="1"/>
+          </p:cNvPicPr>
+          <p:nvPr/>
+        </p:nvPicPr>
+        <p:blipFill>
+          <a:blip r:embed="rId3"/>
+          <a:stretch>
+            <a:fillRect/>
+          </a:stretch>
+        </p:blipFill>
+        <p:spPr>
+          <a:xfrm>
+            <a:off x="3824175" y="4678325"/>
+            <a:ext cx="1869533" cy="1886005"/>
+          </a:xfrm>
+          <a:prstGeom prst="rect">
+            <a:avLst/>
+          </a:prstGeom>
+        </p:spPr>
+      </p:pic>
+      <p:sp>
+        <p:nvSpPr>
+          <p:cNvPr id="4" name="TextBox 3">
+            <a:extLst>
+              <a:ext uri="{FF2B5EF4-FFF2-40B4-BE49-F238E27FC236}">
+                <a16:creationId xmlns:a16="http://schemas.microsoft.com/office/drawing/2014/main" id="{62CC6AB0-6FC9-C742-BCEA-0FF8A995BAE9}"/>
+              </a:ext>
+            </a:extLst>
+          </p:cNvPr>
+          <p:cNvSpPr txBox="1"/>
+          <p:nvPr/>
+        </p:nvSpPr>
+        <p:spPr>
+          <a:xfrm>
+            <a:off x="203504" y="5430819"/>
+            <a:ext cx="2756076" cy="369332"/>
+          </a:xfrm>
+          <a:prstGeom prst="rect">
+            <a:avLst/>
+          </a:prstGeom>
+          <a:noFill/>
+        </p:spPr>
+        <p:txBody>
+          <a:bodyPr wrap="none" rtlCol="0">
+            <a:spAutoFit/>
+          </a:bodyPr>
+          <a:lstStyle/>
+          <a:p>
+            <a:r>
+              <a:rPr lang="en-US" dirty="0"/>
+              <a:t>2- Down sampled and crop </a:t>
+            </a:r>
+          </a:p>
+        </p:txBody>
+      </p:sp>
+      <p:sp>
+        <p:nvSpPr>
+          <p:cNvPr id="8" name="TextBox 7">
+            <a:extLst>
+              <a:ext uri="{FF2B5EF4-FFF2-40B4-BE49-F238E27FC236}">
+                <a16:creationId xmlns:a16="http://schemas.microsoft.com/office/drawing/2014/main" id="{C74BE216-385C-9146-B656-C67128BA1F10}"/>
+              </a:ext>
+            </a:extLst>
+          </p:cNvPr>
+          <p:cNvSpPr txBox="1"/>
+          <p:nvPr/>
+        </p:nvSpPr>
+        <p:spPr>
+          <a:xfrm>
+            <a:off x="21425" y="69378"/>
+            <a:ext cx="3565528" cy="400110"/>
+          </a:xfrm>
+          <a:prstGeom prst="rect">
+            <a:avLst/>
+          </a:prstGeom>
+          <a:noFill/>
+        </p:spPr>
+        <p:txBody>
+          <a:bodyPr wrap="none" rtlCol="0">
+            <a:spAutoFit/>
+          </a:bodyPr>
+          <a:lstStyle/>
+          <a:p>
+            <a:r>
+              <a:rPr lang="en-US" sz="2000" dirty="0"/>
+              <a:t>Toy problem 2: Data preparation</a:t>
+            </a:r>
+          </a:p>
+        </p:txBody>
+      </p:sp>
+      <p:sp>
+        <p:nvSpPr>
+          <p:cNvPr id="5" name="TextBox 4">
+            <a:extLst>
+              <a:ext uri="{FF2B5EF4-FFF2-40B4-BE49-F238E27FC236}">
+                <a16:creationId xmlns:a16="http://schemas.microsoft.com/office/drawing/2014/main" id="{A8E2949C-DFFA-C640-AF27-AD36FD633E8E}"/>
+              </a:ext>
+            </a:extLst>
+          </p:cNvPr>
+          <p:cNvSpPr txBox="1"/>
+          <p:nvPr/>
+        </p:nvSpPr>
+        <p:spPr>
+          <a:xfrm>
+            <a:off x="157628" y="3163690"/>
+            <a:ext cx="2852832" cy="369332"/>
+          </a:xfrm>
+          <a:prstGeom prst="rect">
+            <a:avLst/>
+          </a:prstGeom>
+          <a:noFill/>
+        </p:spPr>
+        <p:txBody>
+          <a:bodyPr wrap="none" rtlCol="0">
+            <a:spAutoFit/>
+          </a:bodyPr>
+          <a:lstStyle/>
+          <a:p>
+            <a:r>
+              <a:rPr lang="en-US" dirty="0"/>
+              <a:t>1- we binarized the solution </a:t>
+            </a:r>
+          </a:p>
+        </p:txBody>
+      </p:sp>
+      <p:sp>
+        <p:nvSpPr>
+          <p:cNvPr id="10" name="TextBox 9">
+            <a:extLst>
+              <a:ext uri="{FF2B5EF4-FFF2-40B4-BE49-F238E27FC236}">
+                <a16:creationId xmlns:a16="http://schemas.microsoft.com/office/drawing/2014/main" id="{EDD8CB23-6CD0-A143-8279-4727EB4169ED}"/>
+              </a:ext>
+            </a:extLst>
+          </p:cNvPr>
+          <p:cNvSpPr txBox="1"/>
+          <p:nvPr/>
+        </p:nvSpPr>
+        <p:spPr>
+          <a:xfrm>
+            <a:off x="9130223" y="950127"/>
+            <a:ext cx="2381293" cy="584775"/>
+          </a:xfrm>
+          <a:prstGeom prst="rect">
+            <a:avLst/>
+          </a:prstGeom>
+          <a:noFill/>
+        </p:spPr>
+        <p:txBody>
+          <a:bodyPr wrap="square" rtlCol="0">
+            <a:spAutoFit/>
+          </a:bodyPr>
+          <a:lstStyle/>
+          <a:p>
+            <a:r>
+              <a:rPr lang="en-US" sz="1600" dirty="0"/>
+              <a:t>Computational domain has a graph structure</a:t>
+            </a:r>
+          </a:p>
+        </p:txBody>
+      </p:sp>
+      <p:sp>
+        <p:nvSpPr>
+          <p:cNvPr id="13" name="TextBox 12">
+            <a:extLst>
+              <a:ext uri="{FF2B5EF4-FFF2-40B4-BE49-F238E27FC236}">
+                <a16:creationId xmlns:a16="http://schemas.microsoft.com/office/drawing/2014/main" id="{5F33CCCB-7E90-164B-891C-1D41168D9A13}"/>
+              </a:ext>
+            </a:extLst>
+          </p:cNvPr>
+          <p:cNvSpPr txBox="1"/>
+          <p:nvPr/>
+        </p:nvSpPr>
+        <p:spPr>
+          <a:xfrm>
+            <a:off x="203504" y="1057849"/>
+            <a:ext cx="2570575" cy="369332"/>
+          </a:xfrm>
+          <a:prstGeom prst="rect">
+            <a:avLst/>
+          </a:prstGeom>
+          <a:noFill/>
+        </p:spPr>
+        <p:txBody>
+          <a:bodyPr wrap="none" rtlCol="0">
+            <a:spAutoFit/>
+          </a:bodyPr>
+          <a:lstStyle/>
+          <a:p>
+            <a:r>
+              <a:rPr lang="en-US" dirty="0"/>
+              <a:t>0-field solution from FEM</a:t>
+            </a:r>
+          </a:p>
+        </p:txBody>
+      </p:sp>
+      <p:pic>
+        <p:nvPicPr>
+          <p:cNvPr id="14" name="Picture 13">
+            <a:extLst>
+              <a:ext uri="{FF2B5EF4-FFF2-40B4-BE49-F238E27FC236}">
+                <a16:creationId xmlns:a16="http://schemas.microsoft.com/office/drawing/2014/main" id="{936D074F-FCBD-F146-B045-C7D78E96CB97}"/>
+              </a:ext>
+            </a:extLst>
+          </p:cNvPr>
+          <p:cNvPicPr>
+            <a:picLocks noChangeAspect="1"/>
+          </p:cNvPicPr>
+          <p:nvPr/>
+        </p:nvPicPr>
+        <p:blipFill>
+          <a:blip r:embed="rId4"/>
+          <a:stretch>
+            <a:fillRect/>
+          </a:stretch>
+        </p:blipFill>
+        <p:spPr>
+          <a:xfrm>
+            <a:off x="4054548" y="591442"/>
+            <a:ext cx="1477147" cy="1460642"/>
+          </a:xfrm>
+          <a:prstGeom prst="rect">
+            <a:avLst/>
+          </a:prstGeom>
+        </p:spPr>
+      </p:pic>
+      <p:sp>
+        <p:nvSpPr>
+          <p:cNvPr id="15" name="TextBox 14">
+            <a:extLst>
+              <a:ext uri="{FF2B5EF4-FFF2-40B4-BE49-F238E27FC236}">
+                <a16:creationId xmlns:a16="http://schemas.microsoft.com/office/drawing/2014/main" id="{F1C1B91F-C21C-4E41-832D-23EC7E2A8450}"/>
+              </a:ext>
+            </a:extLst>
+          </p:cNvPr>
+          <p:cNvSpPr txBox="1"/>
+          <p:nvPr/>
+        </p:nvSpPr>
+        <p:spPr>
+          <a:xfrm>
+            <a:off x="8150055" y="4078160"/>
+            <a:ext cx="3618614" cy="1200329"/>
+          </a:xfrm>
+          <a:prstGeom prst="rect">
+            <a:avLst/>
+          </a:prstGeom>
+          <a:noFill/>
+        </p:spPr>
+        <p:txBody>
+          <a:bodyPr wrap="square" rtlCol="0">
+            <a:spAutoFit/>
+          </a:bodyPr>
+          <a:lstStyle/>
+          <a:p>
+            <a:pPr algn="ctr"/>
+            <a:r>
+              <a:rPr lang="en-US" sz="2400" dirty="0">
+                <a:solidFill>
+                  <a:srgbClr val="00B0F0"/>
+                </a:solidFill>
+              </a:rPr>
+              <a:t>To be as close as possible to experimental </a:t>
+            </a:r>
+          </a:p>
+          <a:p>
+            <a:pPr algn="ctr"/>
+            <a:r>
+              <a:rPr lang="en-US" sz="2400" dirty="0">
+                <a:solidFill>
+                  <a:srgbClr val="00B0F0"/>
+                </a:solidFill>
+              </a:rPr>
+              <a:t>conditions!</a:t>
+            </a:r>
+          </a:p>
+        </p:txBody>
+      </p:sp>
+      <p:pic>
+        <p:nvPicPr>
+          <p:cNvPr id="17" name="Picture 16">
+            <a:extLst>
+              <a:ext uri="{FF2B5EF4-FFF2-40B4-BE49-F238E27FC236}">
+                <a16:creationId xmlns:a16="http://schemas.microsoft.com/office/drawing/2014/main" id="{3F05394D-B945-8C41-90CC-268D696D2433}"/>
+              </a:ext>
+            </a:extLst>
+          </p:cNvPr>
+          <p:cNvPicPr>
+            <a:picLocks noChangeAspect="1"/>
+          </p:cNvPicPr>
+          <p:nvPr/>
+        </p:nvPicPr>
+        <p:blipFill>
+          <a:blip r:embed="rId5"/>
+          <a:stretch>
+            <a:fillRect/>
+          </a:stretch>
+        </p:blipFill>
+        <p:spPr>
+          <a:xfrm>
+            <a:off x="6438405" y="373191"/>
+            <a:ext cx="2691818" cy="1859647"/>
+          </a:xfrm>
+          <a:prstGeom prst="rect">
+            <a:avLst/>
+          </a:prstGeom>
+        </p:spPr>
+      </p:pic>
+    </p:spTree>
+    <p:extLst>
+      <p:ext uri="{BB962C8B-B14F-4D97-AF65-F5344CB8AC3E}">
+        <p14:creationId xmlns:p14="http://schemas.microsoft.com/office/powerpoint/2010/main" val="968249077"/>
+      </p:ext>
+    </p:extLst>
+  </p:cSld>
+  <p:clrMapOvr>
+    <a:masterClrMapping/>
+  </p:clrMapOvr>
+</p:sld>
+</file>
+
+<file path=ppt/slides/slide9.xml><?xml version="1.0" encoding="utf-8"?>
+<p:sld xmlns:a="http://schemas.openxmlformats.org/drawingml/2006/main" xmlns:r="http://schemas.openxmlformats.org/officeDocument/2006/relationships" xmlns:p="http://schemas.openxmlformats.org/presentationml/2006/main">
+  <p:cSld>
+    <p:spTree>
+      <p:nvGrpSpPr>
+        <p:cNvPr id="1" name=""/>
+        <p:cNvGrpSpPr/>
+        <p:nvPr/>
+      </p:nvGrpSpPr>
+      <p:grpSpPr>
+        <a:xfrm>
+          <a:off x="0" y="0"/>
+          <a:ext cx="0" cy="0"/>
+          <a:chOff x="0" y="0"/>
+          <a:chExt cx="0" cy="0"/>
+        </a:xfrm>
+      </p:grpSpPr>
+      <p:grpSp>
+        <p:nvGrpSpPr>
+          <p:cNvPr id="9" name="Group 8">
+            <a:extLst>
+              <a:ext uri="{FF2B5EF4-FFF2-40B4-BE49-F238E27FC236}">
+                <a16:creationId xmlns:a16="http://schemas.microsoft.com/office/drawing/2014/main" id="{3F1EC9CF-4A60-0946-92F8-8701F839464A}"/>
+              </a:ext>
+            </a:extLst>
+          </p:cNvPr>
+          <p:cNvGrpSpPr/>
+          <p:nvPr/>
+        </p:nvGrpSpPr>
+        <p:grpSpPr>
+          <a:xfrm>
+            <a:off x="1055162" y="1446028"/>
+            <a:ext cx="7004365" cy="3748973"/>
+            <a:chOff x="1055162" y="1446028"/>
+            <a:chExt cx="7004365" cy="3748973"/>
+          </a:xfrm>
+        </p:grpSpPr>
+        <p:pic>
+          <p:nvPicPr>
+            <p:cNvPr id="5" name="Picture 4">
+              <a:extLst>
+                <a:ext uri="{FF2B5EF4-FFF2-40B4-BE49-F238E27FC236}">
+                  <a16:creationId xmlns:a16="http://schemas.microsoft.com/office/drawing/2014/main" id="{B2F659E0-37DC-9542-A4B4-50F9D97B8D5E}"/>
+                </a:ext>
+              </a:extLst>
+            </p:cNvPr>
+            <p:cNvPicPr>
+              <a:picLocks noChangeAspect="1"/>
+            </p:cNvPicPr>
+            <p:nvPr/>
+          </p:nvPicPr>
+          <p:blipFill>
+            <a:blip r:embed="rId2"/>
+            <a:stretch>
+              <a:fillRect/>
+            </a:stretch>
+          </p:blipFill>
+          <p:spPr>
+            <a:xfrm>
+              <a:off x="4709402" y="1446028"/>
+              <a:ext cx="3350125" cy="3379641"/>
+            </a:xfrm>
+            <a:prstGeom prst="rect">
+              <a:avLst/>
+            </a:prstGeom>
+          </p:spPr>
+        </p:pic>
+        <p:pic>
+          <p:nvPicPr>
+            <p:cNvPr id="6" name="Picture 5">
+              <a:extLst>
+                <a:ext uri="{FF2B5EF4-FFF2-40B4-BE49-F238E27FC236}">
+                  <a16:creationId xmlns:a16="http://schemas.microsoft.com/office/drawing/2014/main" id="{27A92E49-04FA-CD44-9FDE-8866746090B3}"/>
+                </a:ext>
+              </a:extLst>
+            </p:cNvPr>
+            <p:cNvPicPr>
+              <a:picLocks noChangeAspect="1"/>
+            </p:cNvPicPr>
+            <p:nvPr/>
+          </p:nvPicPr>
+          <p:blipFill>
+            <a:blip r:embed="rId3"/>
+            <a:stretch>
+              <a:fillRect/>
+            </a:stretch>
+          </p:blipFill>
+          <p:spPr>
+            <a:xfrm>
+              <a:off x="1055162" y="1605516"/>
+              <a:ext cx="3256540" cy="3220153"/>
+            </a:xfrm>
+            <a:prstGeom prst="rect">
+              <a:avLst/>
+            </a:prstGeom>
+          </p:spPr>
+        </p:pic>
+        <p:sp>
+          <p:nvSpPr>
+            <p:cNvPr id="7" name="TextBox 6">
+              <a:extLst>
+                <a:ext uri="{FF2B5EF4-FFF2-40B4-BE49-F238E27FC236}">
+                  <a16:creationId xmlns:a16="http://schemas.microsoft.com/office/drawing/2014/main" id="{B3A703C3-C5B2-7F42-8942-D3C69759E1E0}"/>
+                </a:ext>
+              </a:extLst>
+            </p:cNvPr>
+            <p:cNvSpPr txBox="1"/>
+            <p:nvPr/>
+          </p:nvSpPr>
+          <p:spPr>
+            <a:xfrm>
+              <a:off x="2358938" y="4825669"/>
+              <a:ext cx="436338" cy="369332"/>
+            </a:xfrm>
+            <a:prstGeom prst="rect">
+              <a:avLst/>
+            </a:prstGeom>
+            <a:noFill/>
+          </p:spPr>
+          <p:txBody>
+            <a:bodyPr wrap="none" rtlCol="0">
+              <a:spAutoFit/>
+            </a:bodyPr>
+            <a:lstStyle/>
+            <a:p>
+              <a:r>
+                <a:rPr lang="en-US" dirty="0"/>
+                <a:t>(a)</a:t>
+              </a:r>
+            </a:p>
+          </p:txBody>
+        </p:sp>
+        <p:sp>
+          <p:nvSpPr>
+            <p:cNvPr id="8" name="TextBox 7">
+              <a:extLst>
+                <a:ext uri="{FF2B5EF4-FFF2-40B4-BE49-F238E27FC236}">
+                  <a16:creationId xmlns:a16="http://schemas.microsoft.com/office/drawing/2014/main" id="{F3BF3CE6-DC46-C64A-A432-3514D6480284}"/>
+                </a:ext>
+              </a:extLst>
+            </p:cNvPr>
+            <p:cNvSpPr txBox="1"/>
+            <p:nvPr/>
+          </p:nvSpPr>
+          <p:spPr>
+            <a:xfrm>
+              <a:off x="6384464" y="4825669"/>
+              <a:ext cx="447558" cy="369332"/>
+            </a:xfrm>
+            <a:prstGeom prst="rect">
+              <a:avLst/>
+            </a:prstGeom>
+            <a:noFill/>
+          </p:spPr>
+          <p:txBody>
+            <a:bodyPr wrap="none" rtlCol="0">
+              <a:spAutoFit/>
+            </a:bodyPr>
+            <a:lstStyle/>
+            <a:p>
+              <a:r>
+                <a:rPr lang="en-US" dirty="0"/>
+                <a:t>(b)</a:t>
+              </a:r>
+            </a:p>
+          </p:txBody>
+        </p:sp>
+      </p:grpSp>
+    </p:spTree>
+    <p:extLst>
+      <p:ext uri="{BB962C8B-B14F-4D97-AF65-F5344CB8AC3E}">
+        <p14:creationId xmlns:p14="http://schemas.microsoft.com/office/powerpoint/2010/main" val="3454847941"/>
       </p:ext>
     </p:extLst>
   </p:cSld>

--- a/preject.pptx
+++ b/preject.pptx
@@ -10,14 +10,16 @@
     <p:sldId id="263" r:id="rId4"/>
     <p:sldId id="265" r:id="rId5"/>
     <p:sldId id="266" r:id="rId6"/>
-    <p:sldId id="257" r:id="rId7"/>
-    <p:sldId id="267" r:id="rId8"/>
-    <p:sldId id="260" r:id="rId9"/>
-    <p:sldId id="270" r:id="rId10"/>
-    <p:sldId id="268" r:id="rId11"/>
-    <p:sldId id="259" r:id="rId12"/>
-    <p:sldId id="261" r:id="rId13"/>
-    <p:sldId id="269" r:id="rId14"/>
+    <p:sldId id="271" r:id="rId7"/>
+    <p:sldId id="257" r:id="rId8"/>
+    <p:sldId id="267" r:id="rId9"/>
+    <p:sldId id="272" r:id="rId10"/>
+    <p:sldId id="260" r:id="rId11"/>
+    <p:sldId id="268" r:id="rId12"/>
+    <p:sldId id="273" r:id="rId13"/>
+    <p:sldId id="259" r:id="rId14"/>
+    <p:sldId id="261" r:id="rId15"/>
+    <p:sldId id="269" r:id="rId16"/>
   </p:sldIdLst>
   <p:sldSz cx="12192000" cy="6858000"/>
   <p:notesSz cx="6858000" cy="9144000"/>
@@ -3420,106 +3422,12 @@
           <a:chExt cx="0" cy="0"/>
         </a:xfrm>
       </p:grpSpPr>
-      <p:sp>
-        <p:nvSpPr>
-          <p:cNvPr id="8" name="TextBox 7">
-            <a:extLst>
-              <a:ext uri="{FF2B5EF4-FFF2-40B4-BE49-F238E27FC236}">
-                <a16:creationId xmlns:a16="http://schemas.microsoft.com/office/drawing/2014/main" id="{C74BE216-385C-9146-B656-C67128BA1F10}"/>
-              </a:ext>
-            </a:extLst>
-          </p:cNvPr>
-          <p:cNvSpPr txBox="1"/>
-          <p:nvPr/>
-        </p:nvSpPr>
-        <p:spPr>
-          <a:xfrm>
-            <a:off x="21425" y="69378"/>
-            <a:ext cx="3565528" cy="400110"/>
-          </a:xfrm>
-          <a:prstGeom prst="rect">
-            <a:avLst/>
-          </a:prstGeom>
-          <a:noFill/>
-        </p:spPr>
-        <p:txBody>
-          <a:bodyPr wrap="none" rtlCol="0">
-            <a:spAutoFit/>
-          </a:bodyPr>
-          <a:lstStyle/>
-          <a:p>
-            <a:r>
-              <a:rPr lang="en-US" sz="2000" dirty="0"/>
-              <a:t>Toy problem 2: Data preparation</a:t>
-            </a:r>
-          </a:p>
-        </p:txBody>
-      </p:sp>
-      <p:sp>
-        <p:nvSpPr>
-          <p:cNvPr id="2" name="TextBox 1">
-            <a:extLst>
-              <a:ext uri="{FF2B5EF4-FFF2-40B4-BE49-F238E27FC236}">
-                <a16:creationId xmlns:a16="http://schemas.microsoft.com/office/drawing/2014/main" id="{4625E87B-44B7-AA4E-91AF-177B570A647A}"/>
-              </a:ext>
-            </a:extLst>
-          </p:cNvPr>
-          <p:cNvSpPr txBox="1"/>
-          <p:nvPr/>
-        </p:nvSpPr>
-        <p:spPr>
-          <a:xfrm>
-            <a:off x="446567" y="667582"/>
-            <a:ext cx="7309502" cy="923330"/>
-          </a:xfrm>
-          <a:prstGeom prst="rect">
-            <a:avLst/>
-          </a:prstGeom>
-          <a:noFill/>
-        </p:spPr>
-        <p:txBody>
-          <a:bodyPr wrap="none" rtlCol="0">
-            <a:spAutoFit/>
-          </a:bodyPr>
-          <a:lstStyle/>
-          <a:p>
-            <a:pPr marL="285750" indent="-285750">
-              <a:buFont typeface="Arial" panose="020B0604020202020204" pitchFamily="34" charset="0"/>
-              <a:buChar char="•"/>
-            </a:pPr>
-            <a:r>
-              <a:rPr lang="en-US" dirty="0"/>
-              <a:t>we record 300 snapshots from beginning to the steady state condition</a:t>
-            </a:r>
-          </a:p>
-          <a:p>
-            <a:pPr marL="285750" indent="-285750">
-              <a:buFont typeface="Arial" panose="020B0604020202020204" pitchFamily="34" charset="0"/>
-              <a:buChar char="•"/>
-            </a:pPr>
-            <a:r>
-              <a:rPr lang="en-US" dirty="0"/>
-              <a:t>250 random snapshots are used to construct the library</a:t>
-            </a:r>
-          </a:p>
-          <a:p>
-            <a:pPr marL="285750" indent="-285750">
-              <a:buFont typeface="Arial" panose="020B0604020202020204" pitchFamily="34" charset="0"/>
-              <a:buChar char="•"/>
-            </a:pPr>
-            <a:r>
-              <a:rPr lang="en-US" dirty="0"/>
-              <a:t>For reconstruction we select from those data not presented in the library</a:t>
-            </a:r>
-          </a:p>
-        </p:txBody>
-      </p:sp>
       <p:pic>
         <p:nvPicPr>
-          <p:cNvPr id="16" name="Picture 15">
-            <a:extLst>
-              <a:ext uri="{FF2B5EF4-FFF2-40B4-BE49-F238E27FC236}">
-                <a16:creationId xmlns:a16="http://schemas.microsoft.com/office/drawing/2014/main" id="{65409BF2-3A98-304C-B0C0-C2C07DB9111F}"/>
+          <p:cNvPr id="3" name="Picture 2">
+            <a:extLst>
+              <a:ext uri="{FF2B5EF4-FFF2-40B4-BE49-F238E27FC236}">
+                <a16:creationId xmlns:a16="http://schemas.microsoft.com/office/drawing/2014/main" id="{041C70E5-B258-C540-8E1C-1357F56956E4}"/>
               </a:ext>
             </a:extLst>
           </p:cNvPr>
@@ -3536,20 +3444,50 @@
         </p:blipFill>
         <p:spPr>
           <a:xfrm>
-            <a:off x="3933594" y="2663554"/>
-            <a:ext cx="3822306" cy="3822306"/>
+            <a:off x="3915947" y="2598255"/>
+            <a:ext cx="1869533" cy="1869533"/>
           </a:xfrm>
           <a:prstGeom prst="rect">
             <a:avLst/>
           </a:prstGeom>
         </p:spPr>
       </p:pic>
-      <p:sp>
-        <p:nvSpPr>
-          <p:cNvPr id="17" name="TextBox 16">
-            <a:extLst>
-              <a:ext uri="{FF2B5EF4-FFF2-40B4-BE49-F238E27FC236}">
-                <a16:creationId xmlns:a16="http://schemas.microsoft.com/office/drawing/2014/main" id="{E1110C96-CEE7-4F4C-BE0E-0A9226903BB0}"/>
+      <p:pic>
+        <p:nvPicPr>
+          <p:cNvPr id="11" name="Picture 10">
+            <a:extLst>
+              <a:ext uri="{FF2B5EF4-FFF2-40B4-BE49-F238E27FC236}">
+                <a16:creationId xmlns:a16="http://schemas.microsoft.com/office/drawing/2014/main" id="{C327F4C0-73E3-C14C-9B0D-EBB396FC02EE}"/>
+              </a:ext>
+            </a:extLst>
+          </p:cNvPr>
+          <p:cNvPicPr>
+            <a:picLocks noChangeAspect="1"/>
+          </p:cNvPicPr>
+          <p:nvPr/>
+        </p:nvPicPr>
+        <p:blipFill>
+          <a:blip r:embed="rId3"/>
+          <a:stretch>
+            <a:fillRect/>
+          </a:stretch>
+        </p:blipFill>
+        <p:spPr>
+          <a:xfrm>
+            <a:off x="3824175" y="4678325"/>
+            <a:ext cx="1869533" cy="1886005"/>
+          </a:xfrm>
+          <a:prstGeom prst="rect">
+            <a:avLst/>
+          </a:prstGeom>
+        </p:spPr>
+      </p:pic>
+      <p:sp>
+        <p:nvSpPr>
+          <p:cNvPr id="4" name="TextBox 3">
+            <a:extLst>
+              <a:ext uri="{FF2B5EF4-FFF2-40B4-BE49-F238E27FC236}">
+                <a16:creationId xmlns:a16="http://schemas.microsoft.com/office/drawing/2014/main" id="{62CC6AB0-6FC9-C742-BCEA-0FF8A995BAE9}"/>
               </a:ext>
             </a:extLst>
           </p:cNvPr>
@@ -3558,8 +3496,8 @@
         </p:nvSpPr>
         <p:spPr>
           <a:xfrm>
-            <a:off x="4700540" y="2294222"/>
-            <a:ext cx="2578270" cy="369332"/>
+            <a:off x="203504" y="5430819"/>
+            <a:ext cx="2756076" cy="369332"/>
           </a:xfrm>
           <a:prstGeom prst="rect">
             <a:avLst/>
@@ -3574,15 +3512,266 @@
           <a:p>
             <a:r>
               <a:rPr lang="en-US" dirty="0"/>
-              <a:t>Just 2% of measurements</a:t>
-            </a:r>
-          </a:p>
-        </p:txBody>
-      </p:sp>
+              <a:t>2- Down sampled and crop </a:t>
+            </a:r>
+          </a:p>
+        </p:txBody>
+      </p:sp>
+      <p:sp>
+        <p:nvSpPr>
+          <p:cNvPr id="8" name="TextBox 7">
+            <a:extLst>
+              <a:ext uri="{FF2B5EF4-FFF2-40B4-BE49-F238E27FC236}">
+                <a16:creationId xmlns:a16="http://schemas.microsoft.com/office/drawing/2014/main" id="{C74BE216-385C-9146-B656-C67128BA1F10}"/>
+              </a:ext>
+            </a:extLst>
+          </p:cNvPr>
+          <p:cNvSpPr txBox="1"/>
+          <p:nvPr/>
+        </p:nvSpPr>
+        <p:spPr>
+          <a:xfrm>
+            <a:off x="21425" y="69378"/>
+            <a:ext cx="3565528" cy="400110"/>
+          </a:xfrm>
+          <a:prstGeom prst="rect">
+            <a:avLst/>
+          </a:prstGeom>
+          <a:noFill/>
+        </p:spPr>
+        <p:txBody>
+          <a:bodyPr wrap="none" rtlCol="0">
+            <a:spAutoFit/>
+          </a:bodyPr>
+          <a:lstStyle/>
+          <a:p>
+            <a:r>
+              <a:rPr lang="en-US" sz="2000" dirty="0"/>
+              <a:t>Toy problem 2: Data preparation</a:t>
+            </a:r>
+          </a:p>
+        </p:txBody>
+      </p:sp>
+      <p:sp>
+        <p:nvSpPr>
+          <p:cNvPr id="5" name="TextBox 4">
+            <a:extLst>
+              <a:ext uri="{FF2B5EF4-FFF2-40B4-BE49-F238E27FC236}">
+                <a16:creationId xmlns:a16="http://schemas.microsoft.com/office/drawing/2014/main" id="{A8E2949C-DFFA-C640-AF27-AD36FD633E8E}"/>
+              </a:ext>
+            </a:extLst>
+          </p:cNvPr>
+          <p:cNvSpPr txBox="1"/>
+          <p:nvPr/>
+        </p:nvSpPr>
+        <p:spPr>
+          <a:xfrm>
+            <a:off x="157628" y="3163690"/>
+            <a:ext cx="2852832" cy="369332"/>
+          </a:xfrm>
+          <a:prstGeom prst="rect">
+            <a:avLst/>
+          </a:prstGeom>
+          <a:noFill/>
+        </p:spPr>
+        <p:txBody>
+          <a:bodyPr wrap="none" rtlCol="0">
+            <a:spAutoFit/>
+          </a:bodyPr>
+          <a:lstStyle/>
+          <a:p>
+            <a:r>
+              <a:rPr lang="en-US" dirty="0"/>
+              <a:t>1- we binarized the solution </a:t>
+            </a:r>
+          </a:p>
+        </p:txBody>
+      </p:sp>
+      <p:sp>
+        <p:nvSpPr>
+          <p:cNvPr id="10" name="TextBox 9">
+            <a:extLst>
+              <a:ext uri="{FF2B5EF4-FFF2-40B4-BE49-F238E27FC236}">
+                <a16:creationId xmlns:a16="http://schemas.microsoft.com/office/drawing/2014/main" id="{EDD8CB23-6CD0-A143-8279-4727EB4169ED}"/>
+              </a:ext>
+            </a:extLst>
+          </p:cNvPr>
+          <p:cNvSpPr txBox="1"/>
+          <p:nvPr/>
+        </p:nvSpPr>
+        <p:spPr>
+          <a:xfrm>
+            <a:off x="9130223" y="950127"/>
+            <a:ext cx="2381293" cy="584775"/>
+          </a:xfrm>
+          <a:prstGeom prst="rect">
+            <a:avLst/>
+          </a:prstGeom>
+          <a:noFill/>
+        </p:spPr>
+        <p:txBody>
+          <a:bodyPr wrap="square" rtlCol="0">
+            <a:spAutoFit/>
+          </a:bodyPr>
+          <a:lstStyle/>
+          <a:p>
+            <a:r>
+              <a:rPr lang="en-US" sz="1600" dirty="0"/>
+              <a:t>Computational domain has a graph structure</a:t>
+            </a:r>
+          </a:p>
+        </p:txBody>
+      </p:sp>
+      <p:sp>
+        <p:nvSpPr>
+          <p:cNvPr id="13" name="TextBox 12">
+            <a:extLst>
+              <a:ext uri="{FF2B5EF4-FFF2-40B4-BE49-F238E27FC236}">
+                <a16:creationId xmlns:a16="http://schemas.microsoft.com/office/drawing/2014/main" id="{5F33CCCB-7E90-164B-891C-1D41168D9A13}"/>
+              </a:ext>
+            </a:extLst>
+          </p:cNvPr>
+          <p:cNvSpPr txBox="1"/>
+          <p:nvPr/>
+        </p:nvSpPr>
+        <p:spPr>
+          <a:xfrm>
+            <a:off x="203504" y="1057849"/>
+            <a:ext cx="2570575" cy="369332"/>
+          </a:xfrm>
+          <a:prstGeom prst="rect">
+            <a:avLst/>
+          </a:prstGeom>
+          <a:noFill/>
+        </p:spPr>
+        <p:txBody>
+          <a:bodyPr wrap="none" rtlCol="0">
+            <a:spAutoFit/>
+          </a:bodyPr>
+          <a:lstStyle/>
+          <a:p>
+            <a:r>
+              <a:rPr lang="en-US" dirty="0"/>
+              <a:t>0-field solution from FEM</a:t>
+            </a:r>
+          </a:p>
+        </p:txBody>
+      </p:sp>
+      <p:pic>
+        <p:nvPicPr>
+          <p:cNvPr id="14" name="Picture 13">
+            <a:extLst>
+              <a:ext uri="{FF2B5EF4-FFF2-40B4-BE49-F238E27FC236}">
+                <a16:creationId xmlns:a16="http://schemas.microsoft.com/office/drawing/2014/main" id="{936D074F-FCBD-F146-B045-C7D78E96CB97}"/>
+              </a:ext>
+            </a:extLst>
+          </p:cNvPr>
+          <p:cNvPicPr>
+            <a:picLocks noChangeAspect="1"/>
+          </p:cNvPicPr>
+          <p:nvPr/>
+        </p:nvPicPr>
+        <p:blipFill>
+          <a:blip r:embed="rId4"/>
+          <a:stretch>
+            <a:fillRect/>
+          </a:stretch>
+        </p:blipFill>
+        <p:spPr>
+          <a:xfrm>
+            <a:off x="4054548" y="591442"/>
+            <a:ext cx="1477147" cy="1460642"/>
+          </a:xfrm>
+          <a:prstGeom prst="rect">
+            <a:avLst/>
+          </a:prstGeom>
+        </p:spPr>
+      </p:pic>
+      <p:sp>
+        <p:nvSpPr>
+          <p:cNvPr id="15" name="TextBox 14">
+            <a:extLst>
+              <a:ext uri="{FF2B5EF4-FFF2-40B4-BE49-F238E27FC236}">
+                <a16:creationId xmlns:a16="http://schemas.microsoft.com/office/drawing/2014/main" id="{F1C1B91F-C21C-4E41-832D-23EC7E2A8450}"/>
+              </a:ext>
+            </a:extLst>
+          </p:cNvPr>
+          <p:cNvSpPr txBox="1"/>
+          <p:nvPr/>
+        </p:nvSpPr>
+        <p:spPr>
+          <a:xfrm>
+            <a:off x="8150055" y="4078160"/>
+            <a:ext cx="3618614" cy="1200329"/>
+          </a:xfrm>
+          <a:prstGeom prst="rect">
+            <a:avLst/>
+          </a:prstGeom>
+          <a:noFill/>
+        </p:spPr>
+        <p:txBody>
+          <a:bodyPr wrap="square" rtlCol="0">
+            <a:spAutoFit/>
+          </a:bodyPr>
+          <a:lstStyle/>
+          <a:p>
+            <a:pPr algn="ctr"/>
+            <a:r>
+              <a:rPr lang="en-US" sz="2400" dirty="0">
+                <a:solidFill>
+                  <a:srgbClr val="00B0F0"/>
+                </a:solidFill>
+              </a:rPr>
+              <a:t>To be as close as possible to experimental </a:t>
+            </a:r>
+          </a:p>
+          <a:p>
+            <a:pPr algn="ctr"/>
+            <a:r>
+              <a:rPr lang="en-US" sz="2400" dirty="0">
+                <a:solidFill>
+                  <a:srgbClr val="00B0F0"/>
+                </a:solidFill>
+              </a:rPr>
+              <a:t>conditions!</a:t>
+            </a:r>
+          </a:p>
+        </p:txBody>
+      </p:sp>
+      <p:pic>
+        <p:nvPicPr>
+          <p:cNvPr id="17" name="Picture 16">
+            <a:extLst>
+              <a:ext uri="{FF2B5EF4-FFF2-40B4-BE49-F238E27FC236}">
+                <a16:creationId xmlns:a16="http://schemas.microsoft.com/office/drawing/2014/main" id="{3F05394D-B945-8C41-90CC-268D696D2433}"/>
+              </a:ext>
+            </a:extLst>
+          </p:cNvPr>
+          <p:cNvPicPr>
+            <a:picLocks noChangeAspect="1"/>
+          </p:cNvPicPr>
+          <p:nvPr/>
+        </p:nvPicPr>
+        <p:blipFill>
+          <a:blip r:embed="rId5"/>
+          <a:stretch>
+            <a:fillRect/>
+          </a:stretch>
+        </p:blipFill>
+        <p:spPr>
+          <a:xfrm>
+            <a:off x="6438405" y="373191"/>
+            <a:ext cx="2691818" cy="1859647"/>
+          </a:xfrm>
+          <a:prstGeom prst="rect">
+            <a:avLst/>
+          </a:prstGeom>
+        </p:spPr>
+      </p:pic>
     </p:spTree>
     <p:extLst>
       <p:ext uri="{BB962C8B-B14F-4D97-AF65-F5344CB8AC3E}">
-        <p14:creationId xmlns:p14="http://schemas.microsoft.com/office/powerpoint/2010/main" val="3599638248"/>
+        <p14:creationId xmlns:p14="http://schemas.microsoft.com/office/powerpoint/2010/main" val="968249077"/>
       </p:ext>
     </p:extLst>
   </p:cSld>
@@ -3609,12 +3798,106 @@
           <a:chExt cx="0" cy="0"/>
         </a:xfrm>
       </p:grpSpPr>
+      <p:sp>
+        <p:nvSpPr>
+          <p:cNvPr id="8" name="TextBox 7">
+            <a:extLst>
+              <a:ext uri="{FF2B5EF4-FFF2-40B4-BE49-F238E27FC236}">
+                <a16:creationId xmlns:a16="http://schemas.microsoft.com/office/drawing/2014/main" id="{C74BE216-385C-9146-B656-C67128BA1F10}"/>
+              </a:ext>
+            </a:extLst>
+          </p:cNvPr>
+          <p:cNvSpPr txBox="1"/>
+          <p:nvPr/>
+        </p:nvSpPr>
+        <p:spPr>
+          <a:xfrm>
+            <a:off x="21425" y="69378"/>
+            <a:ext cx="3565528" cy="400110"/>
+          </a:xfrm>
+          <a:prstGeom prst="rect">
+            <a:avLst/>
+          </a:prstGeom>
+          <a:noFill/>
+        </p:spPr>
+        <p:txBody>
+          <a:bodyPr wrap="none" rtlCol="0">
+            <a:spAutoFit/>
+          </a:bodyPr>
+          <a:lstStyle/>
+          <a:p>
+            <a:r>
+              <a:rPr lang="en-US" sz="2000" dirty="0"/>
+              <a:t>Toy problem 2: Data preparation</a:t>
+            </a:r>
+          </a:p>
+        </p:txBody>
+      </p:sp>
+      <p:sp>
+        <p:nvSpPr>
+          <p:cNvPr id="2" name="TextBox 1">
+            <a:extLst>
+              <a:ext uri="{FF2B5EF4-FFF2-40B4-BE49-F238E27FC236}">
+                <a16:creationId xmlns:a16="http://schemas.microsoft.com/office/drawing/2014/main" id="{4625E87B-44B7-AA4E-91AF-177B570A647A}"/>
+              </a:ext>
+            </a:extLst>
+          </p:cNvPr>
+          <p:cNvSpPr txBox="1"/>
+          <p:nvPr/>
+        </p:nvSpPr>
+        <p:spPr>
+          <a:xfrm>
+            <a:off x="446567" y="667582"/>
+            <a:ext cx="7309502" cy="923330"/>
+          </a:xfrm>
+          <a:prstGeom prst="rect">
+            <a:avLst/>
+          </a:prstGeom>
+          <a:noFill/>
+        </p:spPr>
+        <p:txBody>
+          <a:bodyPr wrap="none" rtlCol="0">
+            <a:spAutoFit/>
+          </a:bodyPr>
+          <a:lstStyle/>
+          <a:p>
+            <a:pPr marL="285750" indent="-285750">
+              <a:buFont typeface="Arial" panose="020B0604020202020204" pitchFamily="34" charset="0"/>
+              <a:buChar char="•"/>
+            </a:pPr>
+            <a:r>
+              <a:rPr lang="en-US" dirty="0"/>
+              <a:t>we record 300 snapshots from beginning to the steady state condition</a:t>
+            </a:r>
+          </a:p>
+          <a:p>
+            <a:pPr marL="285750" indent="-285750">
+              <a:buFont typeface="Arial" panose="020B0604020202020204" pitchFamily="34" charset="0"/>
+              <a:buChar char="•"/>
+            </a:pPr>
+            <a:r>
+              <a:rPr lang="en-US" dirty="0"/>
+              <a:t>250 random snapshots are used to construct the library</a:t>
+            </a:r>
+          </a:p>
+          <a:p>
+            <a:pPr marL="285750" indent="-285750">
+              <a:buFont typeface="Arial" panose="020B0604020202020204" pitchFamily="34" charset="0"/>
+              <a:buChar char="•"/>
+            </a:pPr>
+            <a:r>
+              <a:rPr lang="en-US" dirty="0"/>
+              <a:t>For reconstruction we select from those data not presented in the library</a:t>
+            </a:r>
+          </a:p>
+        </p:txBody>
+      </p:sp>
       <p:pic>
         <p:nvPicPr>
-          <p:cNvPr id="17" name="Picture 16">
-            <a:extLst>
-              <a:ext uri="{FF2B5EF4-FFF2-40B4-BE49-F238E27FC236}">
-                <a16:creationId xmlns:a16="http://schemas.microsoft.com/office/drawing/2014/main" id="{E8604359-E03D-844C-8D8C-EE9CAB2CE2F6}"/>
+          <p:cNvPr id="16" name="Picture 15">
+            <a:extLst>
+              <a:ext uri="{FF2B5EF4-FFF2-40B4-BE49-F238E27FC236}">
+                <a16:creationId xmlns:a16="http://schemas.microsoft.com/office/drawing/2014/main" id="{65409BF2-3A98-304C-B0C0-C2C07DB9111F}"/>
               </a:ext>
             </a:extLst>
           </p:cNvPr>
@@ -3631,80 +3914,20 @@
         </p:blipFill>
         <p:spPr>
           <a:xfrm>
-            <a:off x="472471" y="4299685"/>
-            <a:ext cx="3161860" cy="2331282"/>
+            <a:off x="3933594" y="2663554"/>
+            <a:ext cx="3822306" cy="3822306"/>
           </a:xfrm>
           <a:prstGeom prst="rect">
             <a:avLst/>
           </a:prstGeom>
         </p:spPr>
       </p:pic>
-      <p:pic>
-        <p:nvPicPr>
-          <p:cNvPr id="19" name="Picture 18">
-            <a:extLst>
-              <a:ext uri="{FF2B5EF4-FFF2-40B4-BE49-F238E27FC236}">
-                <a16:creationId xmlns:a16="http://schemas.microsoft.com/office/drawing/2014/main" id="{B0A53854-E8D3-5A41-B018-945D4DEEFE0E}"/>
-              </a:ext>
-            </a:extLst>
-          </p:cNvPr>
-          <p:cNvPicPr>
-            <a:picLocks noChangeAspect="1"/>
-          </p:cNvPicPr>
-          <p:nvPr/>
-        </p:nvPicPr>
-        <p:blipFill>
-          <a:blip r:embed="rId3"/>
-          <a:stretch>
-            <a:fillRect/>
-          </a:stretch>
-        </p:blipFill>
-        <p:spPr>
-          <a:xfrm>
-            <a:off x="5018960" y="4061637"/>
-            <a:ext cx="2647114" cy="2634264"/>
-          </a:xfrm>
-          <a:prstGeom prst="rect">
-            <a:avLst/>
-          </a:prstGeom>
-        </p:spPr>
-      </p:pic>
-      <p:pic>
-        <p:nvPicPr>
-          <p:cNvPr id="21" name="Picture 20">
-            <a:extLst>
-              <a:ext uri="{FF2B5EF4-FFF2-40B4-BE49-F238E27FC236}">
-                <a16:creationId xmlns:a16="http://schemas.microsoft.com/office/drawing/2014/main" id="{A7D47EF5-F662-074D-9F95-CE960D466848}"/>
-              </a:ext>
-            </a:extLst>
-          </p:cNvPr>
-          <p:cNvPicPr>
-            <a:picLocks noChangeAspect="1"/>
-          </p:cNvPicPr>
-          <p:nvPr/>
-        </p:nvPicPr>
-        <p:blipFill>
-          <a:blip r:embed="rId4"/>
-          <a:stretch>
-            <a:fillRect/>
-          </a:stretch>
-        </p:blipFill>
-        <p:spPr>
-          <a:xfrm>
-            <a:off x="8701661" y="4061636"/>
-            <a:ext cx="3139465" cy="2634264"/>
-          </a:xfrm>
-          <a:prstGeom prst="rect">
-            <a:avLst/>
-          </a:prstGeom>
-        </p:spPr>
-      </p:pic>
-      <p:sp>
-        <p:nvSpPr>
-          <p:cNvPr id="7" name="TextBox 6">
-            <a:extLst>
-              <a:ext uri="{FF2B5EF4-FFF2-40B4-BE49-F238E27FC236}">
-                <a16:creationId xmlns:a16="http://schemas.microsoft.com/office/drawing/2014/main" id="{5DF48528-55E9-EB49-A7D2-C6452EDF4ACB}"/>
+      <p:sp>
+        <p:nvSpPr>
+          <p:cNvPr id="17" name="TextBox 16">
+            <a:extLst>
+              <a:ext uri="{FF2B5EF4-FFF2-40B4-BE49-F238E27FC236}">
+                <a16:creationId xmlns:a16="http://schemas.microsoft.com/office/drawing/2014/main" id="{E1110C96-CEE7-4F4C-BE0E-0A9226903BB0}"/>
               </a:ext>
             </a:extLst>
           </p:cNvPr>
@@ -3713,8 +3936,8 @@
         </p:nvSpPr>
         <p:spPr>
           <a:xfrm>
-            <a:off x="0" y="60279"/>
-            <a:ext cx="5527732" cy="400110"/>
+            <a:off x="4700540" y="2294222"/>
+            <a:ext cx="2578270" cy="369332"/>
           </a:xfrm>
           <a:prstGeom prst="rect">
             <a:avLst/>
@@ -3728,178 +3951,8 @@
           <a:lstStyle/>
           <a:p>
             <a:r>
-              <a:rPr lang="en-US" sz="2000" dirty="0"/>
-              <a:t>Toy problem 2: LASSO reconstruction without noise</a:t>
-            </a:r>
-          </a:p>
-        </p:txBody>
-      </p:sp>
-      <p:pic>
-        <p:nvPicPr>
-          <p:cNvPr id="8" name="Picture 7">
-            <a:extLst>
-              <a:ext uri="{FF2B5EF4-FFF2-40B4-BE49-F238E27FC236}">
-                <a16:creationId xmlns:a16="http://schemas.microsoft.com/office/drawing/2014/main" id="{954484BE-D60E-C24F-ADB0-36204C44E1D9}"/>
-              </a:ext>
-            </a:extLst>
-          </p:cNvPr>
-          <p:cNvPicPr>
-            <a:picLocks noChangeAspect="1"/>
-          </p:cNvPicPr>
-          <p:nvPr/>
-        </p:nvPicPr>
-        <p:blipFill>
-          <a:blip r:embed="rId5"/>
-          <a:stretch>
-            <a:fillRect/>
-          </a:stretch>
-        </p:blipFill>
-        <p:spPr>
-          <a:xfrm>
-            <a:off x="2281527" y="433504"/>
-            <a:ext cx="2462659" cy="2462659"/>
-          </a:xfrm>
-          <a:prstGeom prst="rect">
-            <a:avLst/>
-          </a:prstGeom>
-        </p:spPr>
-      </p:pic>
-      <p:sp>
-        <p:nvSpPr>
-          <p:cNvPr id="2" name="TextBox 1">
-            <a:extLst>
-              <a:ext uri="{FF2B5EF4-FFF2-40B4-BE49-F238E27FC236}">
-                <a16:creationId xmlns:a16="http://schemas.microsoft.com/office/drawing/2014/main" id="{7D17BEAF-0739-934C-8337-2DAFA102468A}"/>
-              </a:ext>
-            </a:extLst>
-          </p:cNvPr>
-          <p:cNvSpPr txBox="1"/>
-          <p:nvPr/>
-        </p:nvSpPr>
-        <p:spPr>
-          <a:xfrm>
-            <a:off x="472471" y="1639432"/>
-            <a:ext cx="1477777" cy="369332"/>
-          </a:xfrm>
-          <a:prstGeom prst="rect">
-            <a:avLst/>
-          </a:prstGeom>
-          <a:noFill/>
-        </p:spPr>
-        <p:txBody>
-          <a:bodyPr wrap="none" rtlCol="0">
-            <a:spAutoFit/>
-          </a:bodyPr>
-          <a:lstStyle/>
-          <a:p>
-            <a:r>
               <a:rPr lang="en-US" dirty="0"/>
-              <a:t>Ground truth</a:t>
-            </a:r>
-          </a:p>
-        </p:txBody>
-      </p:sp>
-      <p:sp>
-        <p:nvSpPr>
-          <p:cNvPr id="3" name="TextBox 2">
-            <a:extLst>
-              <a:ext uri="{FF2B5EF4-FFF2-40B4-BE49-F238E27FC236}">
-                <a16:creationId xmlns:a16="http://schemas.microsoft.com/office/drawing/2014/main" id="{9F55C512-125E-5149-9898-D621B6BC6D09}"/>
-              </a:ext>
-            </a:extLst>
-          </p:cNvPr>
-          <p:cNvSpPr txBox="1"/>
-          <p:nvPr/>
-        </p:nvSpPr>
-        <p:spPr>
-          <a:xfrm>
-            <a:off x="1353343" y="3961837"/>
-            <a:ext cx="1801519" cy="369332"/>
-          </a:xfrm>
-          <a:prstGeom prst="rect">
-            <a:avLst/>
-          </a:prstGeom>
-          <a:noFill/>
-        </p:spPr>
-        <p:txBody>
-          <a:bodyPr wrap="none" rtlCol="0">
-            <a:spAutoFit/>
-          </a:bodyPr>
-          <a:lstStyle/>
-          <a:p>
-            <a:r>
-              <a:rPr lang="en-US" dirty="0"/>
-              <a:t>Recovered atoms</a:t>
-            </a:r>
-          </a:p>
-        </p:txBody>
-      </p:sp>
-      <p:sp>
-        <p:nvSpPr>
-          <p:cNvPr id="4" name="TextBox 3">
-            <a:extLst>
-              <a:ext uri="{FF2B5EF4-FFF2-40B4-BE49-F238E27FC236}">
-                <a16:creationId xmlns:a16="http://schemas.microsoft.com/office/drawing/2014/main" id="{55FBC8FF-4C3F-D942-A167-F1727C88432B}"/>
-              </a:ext>
-            </a:extLst>
-          </p:cNvPr>
-          <p:cNvSpPr txBox="1"/>
-          <p:nvPr/>
-        </p:nvSpPr>
-        <p:spPr>
-          <a:xfrm>
-            <a:off x="5547972" y="3745467"/>
-            <a:ext cx="1589089" cy="369332"/>
-          </a:xfrm>
-          <a:prstGeom prst="rect">
-            <a:avLst/>
-          </a:prstGeom>
-          <a:noFill/>
-        </p:spPr>
-        <p:txBody>
-          <a:bodyPr wrap="none" rtlCol="0">
-            <a:spAutoFit/>
-          </a:bodyPr>
-          <a:lstStyle/>
-          <a:p>
-            <a:r>
-              <a:rPr lang="en-US" dirty="0"/>
-              <a:t>Reconstructed</a:t>
-            </a:r>
-          </a:p>
-        </p:txBody>
-      </p:sp>
-      <p:sp>
-        <p:nvSpPr>
-          <p:cNvPr id="12" name="TextBox 11">
-            <a:extLst>
-              <a:ext uri="{FF2B5EF4-FFF2-40B4-BE49-F238E27FC236}">
-                <a16:creationId xmlns:a16="http://schemas.microsoft.com/office/drawing/2014/main" id="{2540C02B-BA79-FC4E-9328-BAC05A7F3CD1}"/>
-              </a:ext>
-            </a:extLst>
-          </p:cNvPr>
-          <p:cNvSpPr txBox="1"/>
-          <p:nvPr/>
-        </p:nvSpPr>
-        <p:spPr>
-          <a:xfrm>
-            <a:off x="9848988" y="3745467"/>
-            <a:ext cx="655436" cy="369332"/>
-          </a:xfrm>
-          <a:prstGeom prst="rect">
-            <a:avLst/>
-          </a:prstGeom>
-          <a:noFill/>
-        </p:spPr>
-        <p:txBody>
-          <a:bodyPr wrap="none" rtlCol="0">
-            <a:spAutoFit/>
-          </a:bodyPr>
-          <a:lstStyle/>
-          <a:p>
-            <a:r>
-              <a:rPr lang="en-US" dirty="0"/>
-              <a:t>Error</a:t>
+              <a:t>Just 2% of measurements</a:t>
             </a:r>
           </a:p>
         </p:txBody>
@@ -3907,7 +3960,7 @@
     </p:spTree>
     <p:extLst>
       <p:ext uri="{BB962C8B-B14F-4D97-AF65-F5344CB8AC3E}">
-        <p14:creationId xmlns:p14="http://schemas.microsoft.com/office/powerpoint/2010/main" val="4168040403"/>
+        <p14:creationId xmlns:p14="http://schemas.microsoft.com/office/powerpoint/2010/main" val="3599638248"/>
       </p:ext>
     </p:extLst>
   </p:cSld>
@@ -3936,6 +3989,391 @@
       </p:grpSpPr>
       <p:pic>
         <p:nvPicPr>
+          <p:cNvPr id="4" name="Picture 3">
+            <a:extLst>
+              <a:ext uri="{FF2B5EF4-FFF2-40B4-BE49-F238E27FC236}">
+                <a16:creationId xmlns:a16="http://schemas.microsoft.com/office/drawing/2014/main" id="{92D942E8-216A-EA4E-86AD-2D2F6029A41A}"/>
+              </a:ext>
+            </a:extLst>
+          </p:cNvPr>
+          <p:cNvPicPr>
+            <a:picLocks noChangeAspect="1"/>
+          </p:cNvPicPr>
+          <p:nvPr/>
+        </p:nvPicPr>
+        <p:blipFill>
+          <a:blip r:embed="rId2"/>
+          <a:stretch>
+            <a:fillRect/>
+          </a:stretch>
+        </p:blipFill>
+        <p:spPr>
+          <a:xfrm>
+            <a:off x="3546317" y="1168240"/>
+            <a:ext cx="4274491" cy="4274491"/>
+          </a:xfrm>
+          <a:prstGeom prst="rect">
+            <a:avLst/>
+          </a:prstGeom>
+        </p:spPr>
+      </p:pic>
+    </p:spTree>
+    <p:extLst>
+      <p:ext uri="{BB962C8B-B14F-4D97-AF65-F5344CB8AC3E}">
+        <p14:creationId xmlns:p14="http://schemas.microsoft.com/office/powerpoint/2010/main" val="2078637325"/>
+      </p:ext>
+    </p:extLst>
+  </p:cSld>
+  <p:clrMapOvr>
+    <a:masterClrMapping/>
+  </p:clrMapOvr>
+</p:sld>
+</file>
+
+<file path=ppt/slides/slide13.xml><?xml version="1.0" encoding="utf-8"?>
+<p:sld xmlns:a="http://schemas.openxmlformats.org/drawingml/2006/main" xmlns:r="http://schemas.openxmlformats.org/officeDocument/2006/relationships" xmlns:p="http://schemas.openxmlformats.org/presentationml/2006/main">
+  <p:cSld>
+    <p:spTree>
+      <p:nvGrpSpPr>
+        <p:cNvPr id="1" name=""/>
+        <p:cNvGrpSpPr/>
+        <p:nvPr/>
+      </p:nvGrpSpPr>
+      <p:grpSpPr>
+        <a:xfrm>
+          <a:off x="0" y="0"/>
+          <a:ext cx="0" cy="0"/>
+          <a:chOff x="0" y="0"/>
+          <a:chExt cx="0" cy="0"/>
+        </a:xfrm>
+      </p:grpSpPr>
+      <p:pic>
+        <p:nvPicPr>
+          <p:cNvPr id="17" name="Picture 16">
+            <a:extLst>
+              <a:ext uri="{FF2B5EF4-FFF2-40B4-BE49-F238E27FC236}">
+                <a16:creationId xmlns:a16="http://schemas.microsoft.com/office/drawing/2014/main" id="{E8604359-E03D-844C-8D8C-EE9CAB2CE2F6}"/>
+              </a:ext>
+            </a:extLst>
+          </p:cNvPr>
+          <p:cNvPicPr>
+            <a:picLocks noChangeAspect="1"/>
+          </p:cNvPicPr>
+          <p:nvPr/>
+        </p:nvPicPr>
+        <p:blipFill>
+          <a:blip r:embed="rId2"/>
+          <a:stretch>
+            <a:fillRect/>
+          </a:stretch>
+        </p:blipFill>
+        <p:spPr>
+          <a:xfrm>
+            <a:off x="472471" y="4299685"/>
+            <a:ext cx="3161860" cy="2331282"/>
+          </a:xfrm>
+          <a:prstGeom prst="rect">
+            <a:avLst/>
+          </a:prstGeom>
+        </p:spPr>
+      </p:pic>
+      <p:pic>
+        <p:nvPicPr>
+          <p:cNvPr id="19" name="Picture 18">
+            <a:extLst>
+              <a:ext uri="{FF2B5EF4-FFF2-40B4-BE49-F238E27FC236}">
+                <a16:creationId xmlns:a16="http://schemas.microsoft.com/office/drawing/2014/main" id="{B0A53854-E8D3-5A41-B018-945D4DEEFE0E}"/>
+              </a:ext>
+            </a:extLst>
+          </p:cNvPr>
+          <p:cNvPicPr>
+            <a:picLocks noChangeAspect="1"/>
+          </p:cNvPicPr>
+          <p:nvPr/>
+        </p:nvPicPr>
+        <p:blipFill>
+          <a:blip r:embed="rId3"/>
+          <a:stretch>
+            <a:fillRect/>
+          </a:stretch>
+        </p:blipFill>
+        <p:spPr>
+          <a:xfrm>
+            <a:off x="5018960" y="4061637"/>
+            <a:ext cx="2647114" cy="2634264"/>
+          </a:xfrm>
+          <a:prstGeom prst="rect">
+            <a:avLst/>
+          </a:prstGeom>
+        </p:spPr>
+      </p:pic>
+      <p:pic>
+        <p:nvPicPr>
+          <p:cNvPr id="21" name="Picture 20">
+            <a:extLst>
+              <a:ext uri="{FF2B5EF4-FFF2-40B4-BE49-F238E27FC236}">
+                <a16:creationId xmlns:a16="http://schemas.microsoft.com/office/drawing/2014/main" id="{A7D47EF5-F662-074D-9F95-CE960D466848}"/>
+              </a:ext>
+            </a:extLst>
+          </p:cNvPr>
+          <p:cNvPicPr>
+            <a:picLocks noChangeAspect="1"/>
+          </p:cNvPicPr>
+          <p:nvPr/>
+        </p:nvPicPr>
+        <p:blipFill>
+          <a:blip r:embed="rId4"/>
+          <a:stretch>
+            <a:fillRect/>
+          </a:stretch>
+        </p:blipFill>
+        <p:spPr>
+          <a:xfrm>
+            <a:off x="8701661" y="4061636"/>
+            <a:ext cx="3139465" cy="2634264"/>
+          </a:xfrm>
+          <a:prstGeom prst="rect">
+            <a:avLst/>
+          </a:prstGeom>
+        </p:spPr>
+      </p:pic>
+      <p:sp>
+        <p:nvSpPr>
+          <p:cNvPr id="7" name="TextBox 6">
+            <a:extLst>
+              <a:ext uri="{FF2B5EF4-FFF2-40B4-BE49-F238E27FC236}">
+                <a16:creationId xmlns:a16="http://schemas.microsoft.com/office/drawing/2014/main" id="{5DF48528-55E9-EB49-A7D2-C6452EDF4ACB}"/>
+              </a:ext>
+            </a:extLst>
+          </p:cNvPr>
+          <p:cNvSpPr txBox="1"/>
+          <p:nvPr/>
+        </p:nvSpPr>
+        <p:spPr>
+          <a:xfrm>
+            <a:off x="0" y="60279"/>
+            <a:ext cx="5527732" cy="400110"/>
+          </a:xfrm>
+          <a:prstGeom prst="rect">
+            <a:avLst/>
+          </a:prstGeom>
+          <a:noFill/>
+        </p:spPr>
+        <p:txBody>
+          <a:bodyPr wrap="none" rtlCol="0">
+            <a:spAutoFit/>
+          </a:bodyPr>
+          <a:lstStyle/>
+          <a:p>
+            <a:r>
+              <a:rPr lang="en-US" sz="2000" dirty="0"/>
+              <a:t>Toy problem 2: LASSO reconstruction without noise</a:t>
+            </a:r>
+          </a:p>
+        </p:txBody>
+      </p:sp>
+      <p:pic>
+        <p:nvPicPr>
+          <p:cNvPr id="8" name="Picture 7">
+            <a:extLst>
+              <a:ext uri="{FF2B5EF4-FFF2-40B4-BE49-F238E27FC236}">
+                <a16:creationId xmlns:a16="http://schemas.microsoft.com/office/drawing/2014/main" id="{954484BE-D60E-C24F-ADB0-36204C44E1D9}"/>
+              </a:ext>
+            </a:extLst>
+          </p:cNvPr>
+          <p:cNvPicPr>
+            <a:picLocks noChangeAspect="1"/>
+          </p:cNvPicPr>
+          <p:nvPr/>
+        </p:nvPicPr>
+        <p:blipFill>
+          <a:blip r:embed="rId5"/>
+          <a:stretch>
+            <a:fillRect/>
+          </a:stretch>
+        </p:blipFill>
+        <p:spPr>
+          <a:xfrm>
+            <a:off x="2281527" y="433504"/>
+            <a:ext cx="2462659" cy="2462659"/>
+          </a:xfrm>
+          <a:prstGeom prst="rect">
+            <a:avLst/>
+          </a:prstGeom>
+        </p:spPr>
+      </p:pic>
+      <p:sp>
+        <p:nvSpPr>
+          <p:cNvPr id="2" name="TextBox 1">
+            <a:extLst>
+              <a:ext uri="{FF2B5EF4-FFF2-40B4-BE49-F238E27FC236}">
+                <a16:creationId xmlns:a16="http://schemas.microsoft.com/office/drawing/2014/main" id="{7D17BEAF-0739-934C-8337-2DAFA102468A}"/>
+              </a:ext>
+            </a:extLst>
+          </p:cNvPr>
+          <p:cNvSpPr txBox="1"/>
+          <p:nvPr/>
+        </p:nvSpPr>
+        <p:spPr>
+          <a:xfrm>
+            <a:off x="472471" y="1639432"/>
+            <a:ext cx="1477777" cy="369332"/>
+          </a:xfrm>
+          <a:prstGeom prst="rect">
+            <a:avLst/>
+          </a:prstGeom>
+          <a:noFill/>
+        </p:spPr>
+        <p:txBody>
+          <a:bodyPr wrap="none" rtlCol="0">
+            <a:spAutoFit/>
+          </a:bodyPr>
+          <a:lstStyle/>
+          <a:p>
+            <a:r>
+              <a:rPr lang="en-US" dirty="0"/>
+              <a:t>Ground truth</a:t>
+            </a:r>
+          </a:p>
+        </p:txBody>
+      </p:sp>
+      <p:sp>
+        <p:nvSpPr>
+          <p:cNvPr id="3" name="TextBox 2">
+            <a:extLst>
+              <a:ext uri="{FF2B5EF4-FFF2-40B4-BE49-F238E27FC236}">
+                <a16:creationId xmlns:a16="http://schemas.microsoft.com/office/drawing/2014/main" id="{9F55C512-125E-5149-9898-D621B6BC6D09}"/>
+              </a:ext>
+            </a:extLst>
+          </p:cNvPr>
+          <p:cNvSpPr txBox="1"/>
+          <p:nvPr/>
+        </p:nvSpPr>
+        <p:spPr>
+          <a:xfrm>
+            <a:off x="1353343" y="3961837"/>
+            <a:ext cx="1801519" cy="369332"/>
+          </a:xfrm>
+          <a:prstGeom prst="rect">
+            <a:avLst/>
+          </a:prstGeom>
+          <a:noFill/>
+        </p:spPr>
+        <p:txBody>
+          <a:bodyPr wrap="none" rtlCol="0">
+            <a:spAutoFit/>
+          </a:bodyPr>
+          <a:lstStyle/>
+          <a:p>
+            <a:r>
+              <a:rPr lang="en-US" dirty="0"/>
+              <a:t>Recovered atoms</a:t>
+            </a:r>
+          </a:p>
+        </p:txBody>
+      </p:sp>
+      <p:sp>
+        <p:nvSpPr>
+          <p:cNvPr id="4" name="TextBox 3">
+            <a:extLst>
+              <a:ext uri="{FF2B5EF4-FFF2-40B4-BE49-F238E27FC236}">
+                <a16:creationId xmlns:a16="http://schemas.microsoft.com/office/drawing/2014/main" id="{55FBC8FF-4C3F-D942-A167-F1727C88432B}"/>
+              </a:ext>
+            </a:extLst>
+          </p:cNvPr>
+          <p:cNvSpPr txBox="1"/>
+          <p:nvPr/>
+        </p:nvSpPr>
+        <p:spPr>
+          <a:xfrm>
+            <a:off x="5547972" y="3745467"/>
+            <a:ext cx="1589089" cy="369332"/>
+          </a:xfrm>
+          <a:prstGeom prst="rect">
+            <a:avLst/>
+          </a:prstGeom>
+          <a:noFill/>
+        </p:spPr>
+        <p:txBody>
+          <a:bodyPr wrap="none" rtlCol="0">
+            <a:spAutoFit/>
+          </a:bodyPr>
+          <a:lstStyle/>
+          <a:p>
+            <a:r>
+              <a:rPr lang="en-US" dirty="0"/>
+              <a:t>Reconstructed</a:t>
+            </a:r>
+          </a:p>
+        </p:txBody>
+      </p:sp>
+      <p:sp>
+        <p:nvSpPr>
+          <p:cNvPr id="12" name="TextBox 11">
+            <a:extLst>
+              <a:ext uri="{FF2B5EF4-FFF2-40B4-BE49-F238E27FC236}">
+                <a16:creationId xmlns:a16="http://schemas.microsoft.com/office/drawing/2014/main" id="{2540C02B-BA79-FC4E-9328-BAC05A7F3CD1}"/>
+              </a:ext>
+            </a:extLst>
+          </p:cNvPr>
+          <p:cNvSpPr txBox="1"/>
+          <p:nvPr/>
+        </p:nvSpPr>
+        <p:spPr>
+          <a:xfrm>
+            <a:off x="9848988" y="3745467"/>
+            <a:ext cx="655436" cy="369332"/>
+          </a:xfrm>
+          <a:prstGeom prst="rect">
+            <a:avLst/>
+          </a:prstGeom>
+          <a:noFill/>
+        </p:spPr>
+        <p:txBody>
+          <a:bodyPr wrap="none" rtlCol="0">
+            <a:spAutoFit/>
+          </a:bodyPr>
+          <a:lstStyle/>
+          <a:p>
+            <a:r>
+              <a:rPr lang="en-US" dirty="0"/>
+              <a:t>Error</a:t>
+            </a:r>
+          </a:p>
+        </p:txBody>
+      </p:sp>
+    </p:spTree>
+    <p:extLst>
+      <p:ext uri="{BB962C8B-B14F-4D97-AF65-F5344CB8AC3E}">
+        <p14:creationId xmlns:p14="http://schemas.microsoft.com/office/powerpoint/2010/main" val="4168040403"/>
+      </p:ext>
+    </p:extLst>
+  </p:cSld>
+  <p:clrMapOvr>
+    <a:masterClrMapping/>
+  </p:clrMapOvr>
+</p:sld>
+</file>
+
+<file path=ppt/slides/slide14.xml><?xml version="1.0" encoding="utf-8"?>
+<p:sld xmlns:a="http://schemas.openxmlformats.org/drawingml/2006/main" xmlns:r="http://schemas.openxmlformats.org/officeDocument/2006/relationships" xmlns:p="http://schemas.openxmlformats.org/presentationml/2006/main">
+  <p:cSld>
+    <p:spTree>
+      <p:nvGrpSpPr>
+        <p:cNvPr id="1" name=""/>
+        <p:cNvGrpSpPr/>
+        <p:nvPr/>
+      </p:nvGrpSpPr>
+      <p:grpSpPr>
+        <a:xfrm>
+          <a:off x="0" y="0"/>
+          <a:ext cx="0" cy="0"/>
+          <a:chOff x="0" y="0"/>
+          <a:chExt cx="0" cy="0"/>
+        </a:xfrm>
+      </p:grpSpPr>
+      <p:pic>
+        <p:nvPicPr>
           <p:cNvPr id="3" name="Picture 2">
             <a:extLst>
               <a:ext uri="{FF2B5EF4-FFF2-40B4-BE49-F238E27FC236}">
@@ -4307,7 +4745,7 @@
 </p:sld>
 </file>
 
-<file path=ppt/slides/slide13.xml><?xml version="1.0" encoding="utf-8"?>
+<file path=ppt/slides/slide15.xml><?xml version="1.0" encoding="utf-8"?>
 <p:sld xmlns:a="http://schemas.openxmlformats.org/drawingml/2006/main" xmlns:r="http://schemas.openxmlformats.org/officeDocument/2006/relationships" xmlns:p="http://schemas.openxmlformats.org/presentationml/2006/main">
   <p:cSld>
     <p:spTree>
@@ -6786,6 +7224,141 @@
           </a:p>
         </p:txBody>
       </p:sp>
+      <p:pic>
+        <p:nvPicPr>
+          <p:cNvPr id="5" name="Picture 4">
+            <a:extLst>
+              <a:ext uri="{FF2B5EF4-FFF2-40B4-BE49-F238E27FC236}">
+                <a16:creationId xmlns:a16="http://schemas.microsoft.com/office/drawing/2014/main" id="{29560555-7FBF-8F47-8B7F-CBDE3746B3D0}"/>
+              </a:ext>
+            </a:extLst>
+          </p:cNvPr>
+          <p:cNvPicPr>
+            <a:picLocks noChangeAspect="1"/>
+          </p:cNvPicPr>
+          <p:nvPr/>
+        </p:nvPicPr>
+        <p:blipFill>
+          <a:blip r:embed="rId6"/>
+          <a:stretch>
+            <a:fillRect/>
+          </a:stretch>
+        </p:blipFill>
+        <p:spPr>
+          <a:xfrm>
+            <a:off x="6196405" y="5177198"/>
+            <a:ext cx="1937836" cy="1602550"/>
+          </a:xfrm>
+          <a:prstGeom prst="rect">
+            <a:avLst/>
+          </a:prstGeom>
+        </p:spPr>
+      </p:pic>
+      <p:pic>
+        <p:nvPicPr>
+          <p:cNvPr id="7" name="Picture 6">
+            <a:extLst>
+              <a:ext uri="{FF2B5EF4-FFF2-40B4-BE49-F238E27FC236}">
+                <a16:creationId xmlns:a16="http://schemas.microsoft.com/office/drawing/2014/main" id="{CADADA41-388C-A34D-A840-1CF90DCABEF7}"/>
+              </a:ext>
+            </a:extLst>
+          </p:cNvPr>
+          <p:cNvPicPr>
+            <a:picLocks noChangeAspect="1"/>
+          </p:cNvPicPr>
+          <p:nvPr/>
+        </p:nvPicPr>
+        <p:blipFill>
+          <a:blip r:embed="rId7"/>
+          <a:stretch>
+            <a:fillRect/>
+          </a:stretch>
+        </p:blipFill>
+        <p:spPr>
+          <a:xfrm>
+            <a:off x="3628569" y="5271302"/>
+            <a:ext cx="2116015" cy="1508446"/>
+          </a:xfrm>
+          <a:prstGeom prst="rect">
+            <a:avLst/>
+          </a:prstGeom>
+        </p:spPr>
+      </p:pic>
+      <p:sp>
+        <p:nvSpPr>
+          <p:cNvPr id="23" name="Rectangle 22">
+            <a:extLst>
+              <a:ext uri="{FF2B5EF4-FFF2-40B4-BE49-F238E27FC236}">
+                <a16:creationId xmlns:a16="http://schemas.microsoft.com/office/drawing/2014/main" id="{E079B3F9-F667-BB49-9F8D-A12FD33E2A4C}"/>
+              </a:ext>
+            </a:extLst>
+          </p:cNvPr>
+          <p:cNvSpPr/>
+          <p:nvPr/>
+        </p:nvSpPr>
+        <p:spPr>
+          <a:xfrm>
+            <a:off x="8139606" y="5729018"/>
+            <a:ext cx="3523850" cy="307777"/>
+          </a:xfrm>
+          <a:prstGeom prst="rect">
+            <a:avLst/>
+          </a:prstGeom>
+        </p:spPr>
+        <p:txBody>
+          <a:bodyPr wrap="none">
+            <a:spAutoFit/>
+          </a:bodyPr>
+          <a:lstStyle/>
+          <a:p>
+            <a:r>
+              <a:rPr lang="en-US" sz="1400" dirty="0"/>
+              <a:t>Reconstruction error:0.002015971351983264</a:t>
+            </a:r>
+          </a:p>
+        </p:txBody>
+      </p:sp>
+      <p:sp>
+        <p:nvSpPr>
+          <p:cNvPr id="11" name="Rectangle 10">
+            <a:extLst>
+              <a:ext uri="{FF2B5EF4-FFF2-40B4-BE49-F238E27FC236}">
+                <a16:creationId xmlns:a16="http://schemas.microsoft.com/office/drawing/2014/main" id="{8F86D258-C0B6-3B4D-8950-063DAA4CA49A}"/>
+              </a:ext>
+            </a:extLst>
+          </p:cNvPr>
+          <p:cNvSpPr/>
+          <p:nvPr/>
+        </p:nvSpPr>
+        <p:spPr>
+          <a:xfrm>
+            <a:off x="6826481" y="5345320"/>
+            <a:ext cx="1152880" cy="338554"/>
+          </a:xfrm>
+          <a:prstGeom prst="rect">
+            <a:avLst/>
+          </a:prstGeom>
+        </p:spPr>
+        <p:txBody>
+          <a:bodyPr wrap="none">
+            <a:spAutoFit/>
+          </a:bodyPr>
+          <a:lstStyle/>
+          <a:p>
+            <a:r>
+              <a:rPr lang="en-US" sz="1600" dirty="0" err="1"/>
+              <a:t>lamda</a:t>
+            </a:r>
+            <a:r>
+              <a:rPr lang="en-US" sz="1600" dirty="0"/>
+              <a:t> = .01</a:t>
+            </a:r>
+            <a:endParaRPr lang="en-US" sz="1600" b="0" dirty="0">
+              <a:effectLst/>
+            </a:endParaRPr>
+          </a:p>
+        </p:txBody>
+      </p:sp>
     </p:spTree>
     <p:extLst>
       <p:ext uri="{BB962C8B-B14F-4D97-AF65-F5344CB8AC3E}">
@@ -6818,10 +7391,10 @@
       </p:grpSpPr>
       <p:pic>
         <p:nvPicPr>
-          <p:cNvPr id="3" name="Picture 2">
-            <a:extLst>
-              <a:ext uri="{FF2B5EF4-FFF2-40B4-BE49-F238E27FC236}">
-                <a16:creationId xmlns:a16="http://schemas.microsoft.com/office/drawing/2014/main" id="{5757173F-9581-C842-B61A-7AFB348373C8}"/>
+          <p:cNvPr id="10" name="Picture 9">
+            <a:extLst>
+              <a:ext uri="{FF2B5EF4-FFF2-40B4-BE49-F238E27FC236}">
+                <a16:creationId xmlns:a16="http://schemas.microsoft.com/office/drawing/2014/main" id="{91F29965-EB51-4647-ABEC-CF582E2E3FD3}"/>
               </a:ext>
             </a:extLst>
           </p:cNvPr>
@@ -6838,8 +7411,8 @@
         </p:blipFill>
         <p:spPr>
           <a:xfrm>
-            <a:off x="779548" y="559292"/>
-            <a:ext cx="2712682" cy="2003073"/>
+            <a:off x="6860215" y="1190022"/>
+            <a:ext cx="4454950" cy="3218344"/>
           </a:xfrm>
           <a:prstGeom prst="rect">
             <a:avLst/>
@@ -6851,7 +7424,7 @@
           <p:cNvPr id="11" name="Picture 10">
             <a:extLst>
               <a:ext uri="{FF2B5EF4-FFF2-40B4-BE49-F238E27FC236}">
-                <a16:creationId xmlns:a16="http://schemas.microsoft.com/office/drawing/2014/main" id="{F719A4FB-AAB3-1448-9BF1-01C03E3DAC5A}"/>
+                <a16:creationId xmlns:a16="http://schemas.microsoft.com/office/drawing/2014/main" id="{28D4A074-320E-3949-BE0B-1E5A44768291}"/>
               </a:ext>
             </a:extLst>
           </p:cNvPr>
@@ -6868,451 +7441,18 @@
         </p:blipFill>
         <p:spPr>
           <a:xfrm>
-            <a:off x="4046705" y="559292"/>
-            <a:ext cx="2548648" cy="1809279"/>
+            <a:off x="552324" y="1190022"/>
+            <a:ext cx="4876282" cy="3600697"/>
           </a:xfrm>
           <a:prstGeom prst="rect">
             <a:avLst/>
           </a:prstGeom>
         </p:spPr>
       </p:pic>
-      <p:sp>
-        <p:nvSpPr>
-          <p:cNvPr id="12" name="Rectangle 11">
-            <a:extLst>
-              <a:ext uri="{FF2B5EF4-FFF2-40B4-BE49-F238E27FC236}">
-                <a16:creationId xmlns:a16="http://schemas.microsoft.com/office/drawing/2014/main" id="{85F79A9A-EF02-2947-8B4E-75B23C1E93AD}"/>
-              </a:ext>
-            </a:extLst>
-          </p:cNvPr>
-          <p:cNvSpPr/>
-          <p:nvPr/>
-        </p:nvSpPr>
-        <p:spPr>
-          <a:xfrm>
-            <a:off x="7023836" y="1125377"/>
-            <a:ext cx="3939155" cy="338554"/>
-          </a:xfrm>
-          <a:prstGeom prst="rect">
-            <a:avLst/>
-          </a:prstGeom>
-        </p:spPr>
-        <p:txBody>
-          <a:bodyPr wrap="none">
-            <a:spAutoFit/>
-          </a:bodyPr>
-          <a:lstStyle/>
-          <a:p>
-            <a:r>
-              <a:rPr lang="en-US" sz="1600" dirty="0"/>
-              <a:t>Reconstruction Error: 0.09860999176138388</a:t>
-            </a:r>
-          </a:p>
-        </p:txBody>
-      </p:sp>
-      <p:pic>
-        <p:nvPicPr>
-          <p:cNvPr id="17" name="Picture 16">
-            <a:extLst>
-              <a:ext uri="{FF2B5EF4-FFF2-40B4-BE49-F238E27FC236}">
-                <a16:creationId xmlns:a16="http://schemas.microsoft.com/office/drawing/2014/main" id="{DEB88461-00B4-CF4E-8CB2-3EFB618270C9}"/>
-              </a:ext>
-            </a:extLst>
-          </p:cNvPr>
-          <p:cNvPicPr>
-            <a:picLocks noChangeAspect="1"/>
-          </p:cNvPicPr>
-          <p:nvPr/>
-        </p:nvPicPr>
-        <p:blipFill>
-          <a:blip r:embed="rId4"/>
-          <a:stretch>
-            <a:fillRect/>
-          </a:stretch>
-        </p:blipFill>
-        <p:spPr>
-          <a:xfrm>
-            <a:off x="4221805" y="2883861"/>
-            <a:ext cx="2495559" cy="1809280"/>
-          </a:xfrm>
-          <a:prstGeom prst="rect">
-            <a:avLst/>
-          </a:prstGeom>
-        </p:spPr>
-      </p:pic>
-      <p:pic>
-        <p:nvPicPr>
-          <p:cNvPr id="23" name="Picture 22">
-            <a:extLst>
-              <a:ext uri="{FF2B5EF4-FFF2-40B4-BE49-F238E27FC236}">
-                <a16:creationId xmlns:a16="http://schemas.microsoft.com/office/drawing/2014/main" id="{FD984DA3-CB5A-C54E-8FF9-438941019FF9}"/>
-              </a:ext>
-            </a:extLst>
-          </p:cNvPr>
-          <p:cNvPicPr>
-            <a:picLocks noChangeAspect="1"/>
-          </p:cNvPicPr>
-          <p:nvPr/>
-        </p:nvPicPr>
-        <p:blipFill>
-          <a:blip r:embed="rId5"/>
-          <a:stretch>
-            <a:fillRect/>
-          </a:stretch>
-        </p:blipFill>
-        <p:spPr>
-          <a:xfrm>
-            <a:off x="870577" y="2883860"/>
-            <a:ext cx="2621653" cy="1911440"/>
-          </a:xfrm>
-          <a:prstGeom prst="rect">
-            <a:avLst/>
-          </a:prstGeom>
-        </p:spPr>
-      </p:pic>
-      <p:sp>
-        <p:nvSpPr>
-          <p:cNvPr id="24" name="Rectangle 23">
-            <a:extLst>
-              <a:ext uri="{FF2B5EF4-FFF2-40B4-BE49-F238E27FC236}">
-                <a16:creationId xmlns:a16="http://schemas.microsoft.com/office/drawing/2014/main" id="{6C3ED802-F015-7843-95CE-3AAE5359D691}"/>
-              </a:ext>
-            </a:extLst>
-          </p:cNvPr>
-          <p:cNvSpPr/>
-          <p:nvPr/>
-        </p:nvSpPr>
-        <p:spPr>
-          <a:xfrm>
-            <a:off x="7023835" y="3788501"/>
-            <a:ext cx="3939155" cy="338554"/>
-          </a:xfrm>
-          <a:prstGeom prst="rect">
-            <a:avLst/>
-          </a:prstGeom>
-        </p:spPr>
-        <p:txBody>
-          <a:bodyPr wrap="none">
-            <a:spAutoFit/>
-          </a:bodyPr>
-          <a:lstStyle/>
-          <a:p>
-            <a:r>
-              <a:rPr lang="en-US" sz="1600" dirty="0"/>
-              <a:t>Reconstruction Error: 0.16966901383199118</a:t>
-            </a:r>
-          </a:p>
-        </p:txBody>
-      </p:sp>
-      <p:sp>
-        <p:nvSpPr>
-          <p:cNvPr id="25" name="TextBox 24">
-            <a:extLst>
-              <a:ext uri="{FF2B5EF4-FFF2-40B4-BE49-F238E27FC236}">
-                <a16:creationId xmlns:a16="http://schemas.microsoft.com/office/drawing/2014/main" id="{FC12410A-5A53-5440-AEA5-5B82EE33C35C}"/>
-              </a:ext>
-            </a:extLst>
-          </p:cNvPr>
-          <p:cNvSpPr txBox="1"/>
-          <p:nvPr/>
-        </p:nvSpPr>
-        <p:spPr>
-          <a:xfrm>
-            <a:off x="6995751" y="3222414"/>
-            <a:ext cx="3939155" cy="338554"/>
-          </a:xfrm>
-          <a:prstGeom prst="rect">
-            <a:avLst/>
-          </a:prstGeom>
-          <a:noFill/>
-        </p:spPr>
-        <p:txBody>
-          <a:bodyPr wrap="square" rtlCol="0">
-            <a:spAutoFit/>
-          </a:bodyPr>
-          <a:lstStyle/>
-          <a:p>
-            <a:r>
-              <a:rPr lang="en-US" sz="1600" dirty="0"/>
-              <a:t>The minimum possible of Epsilon was 0.7</a:t>
-            </a:r>
-          </a:p>
-        </p:txBody>
-      </p:sp>
-      <p:sp>
-        <p:nvSpPr>
-          <p:cNvPr id="26" name="TextBox 25">
-            <a:extLst>
-              <a:ext uri="{FF2B5EF4-FFF2-40B4-BE49-F238E27FC236}">
-                <a16:creationId xmlns:a16="http://schemas.microsoft.com/office/drawing/2014/main" id="{BD548D13-E139-1E43-AB38-4594428A6C54}"/>
-              </a:ext>
-            </a:extLst>
-          </p:cNvPr>
-          <p:cNvSpPr txBox="1"/>
-          <p:nvPr/>
-        </p:nvSpPr>
-        <p:spPr>
-          <a:xfrm>
-            <a:off x="321013" y="1410511"/>
-            <a:ext cx="399468" cy="369332"/>
-          </a:xfrm>
-          <a:prstGeom prst="rect">
-            <a:avLst/>
-          </a:prstGeom>
-          <a:noFill/>
-        </p:spPr>
-        <p:txBody>
-          <a:bodyPr wrap="none" rtlCol="0">
-            <a:spAutoFit/>
-          </a:bodyPr>
-          <a:lstStyle/>
-          <a:p>
-            <a:r>
-              <a:rPr lang="en-US" dirty="0"/>
-              <a:t>L2</a:t>
-            </a:r>
-          </a:p>
-        </p:txBody>
-      </p:sp>
-      <p:sp>
-        <p:nvSpPr>
-          <p:cNvPr id="27" name="TextBox 26">
-            <a:extLst>
-              <a:ext uri="{FF2B5EF4-FFF2-40B4-BE49-F238E27FC236}">
-                <a16:creationId xmlns:a16="http://schemas.microsoft.com/office/drawing/2014/main" id="{4687AC32-F173-0A48-96C3-91944EBB45FB}"/>
-              </a:ext>
-            </a:extLst>
-          </p:cNvPr>
-          <p:cNvSpPr txBox="1"/>
-          <p:nvPr/>
-        </p:nvSpPr>
-        <p:spPr>
-          <a:xfrm>
-            <a:off x="321013" y="3552057"/>
-            <a:ext cx="399468" cy="369332"/>
-          </a:xfrm>
-          <a:prstGeom prst="rect">
-            <a:avLst/>
-          </a:prstGeom>
-          <a:noFill/>
-        </p:spPr>
-        <p:txBody>
-          <a:bodyPr wrap="none" rtlCol="0">
-            <a:spAutoFit/>
-          </a:bodyPr>
-          <a:lstStyle/>
-          <a:p>
-            <a:r>
-              <a:rPr lang="en-US" dirty="0"/>
-              <a:t>L1</a:t>
-            </a:r>
-          </a:p>
-        </p:txBody>
-      </p:sp>
-      <p:pic>
-        <p:nvPicPr>
-          <p:cNvPr id="29" name="Picture 28">
-            <a:extLst>
-              <a:ext uri="{FF2B5EF4-FFF2-40B4-BE49-F238E27FC236}">
-                <a16:creationId xmlns:a16="http://schemas.microsoft.com/office/drawing/2014/main" id="{303ABE75-E4F6-F940-9481-FFDE94AA8CDA}"/>
-              </a:ext>
-            </a:extLst>
-          </p:cNvPr>
-          <p:cNvPicPr>
-            <a:picLocks noChangeAspect="1"/>
-          </p:cNvPicPr>
-          <p:nvPr/>
-        </p:nvPicPr>
-        <p:blipFill>
-          <a:blip r:embed="rId6"/>
-          <a:stretch>
-            <a:fillRect/>
-          </a:stretch>
-        </p:blipFill>
-        <p:spPr>
-          <a:xfrm>
-            <a:off x="4296279" y="5123692"/>
-            <a:ext cx="2346609" cy="1695237"/>
-          </a:xfrm>
-          <a:prstGeom prst="rect">
-            <a:avLst/>
-          </a:prstGeom>
-        </p:spPr>
-      </p:pic>
-      <p:pic>
-        <p:nvPicPr>
-          <p:cNvPr id="31" name="Picture 30">
-            <a:extLst>
-              <a:ext uri="{FF2B5EF4-FFF2-40B4-BE49-F238E27FC236}">
-                <a16:creationId xmlns:a16="http://schemas.microsoft.com/office/drawing/2014/main" id="{A2B283D8-B451-DE4F-91C6-79B296C33CFB}"/>
-              </a:ext>
-            </a:extLst>
-          </p:cNvPr>
-          <p:cNvPicPr>
-            <a:picLocks noChangeAspect="1"/>
-          </p:cNvPicPr>
-          <p:nvPr/>
-        </p:nvPicPr>
-        <p:blipFill>
-          <a:blip r:embed="rId7"/>
-          <a:stretch>
-            <a:fillRect/>
-          </a:stretch>
-        </p:blipFill>
-        <p:spPr>
-          <a:xfrm>
-            <a:off x="923688" y="5022992"/>
-            <a:ext cx="2568542" cy="1896638"/>
-          </a:xfrm>
-          <a:prstGeom prst="rect">
-            <a:avLst/>
-          </a:prstGeom>
-        </p:spPr>
-      </p:pic>
-      <p:sp>
-        <p:nvSpPr>
-          <p:cNvPr id="32" name="TextBox 31">
-            <a:extLst>
-              <a:ext uri="{FF2B5EF4-FFF2-40B4-BE49-F238E27FC236}">
-                <a16:creationId xmlns:a16="http://schemas.microsoft.com/office/drawing/2014/main" id="{1F983E7C-A9C1-D942-8A98-6428BF8FFC61}"/>
-              </a:ext>
-            </a:extLst>
-          </p:cNvPr>
-          <p:cNvSpPr txBox="1"/>
-          <p:nvPr/>
-        </p:nvSpPr>
-        <p:spPr>
-          <a:xfrm>
-            <a:off x="144307" y="5601979"/>
-            <a:ext cx="779381" cy="369332"/>
-          </a:xfrm>
-          <a:prstGeom prst="rect">
-            <a:avLst/>
-          </a:prstGeom>
-          <a:noFill/>
-        </p:spPr>
-        <p:txBody>
-          <a:bodyPr wrap="none" rtlCol="0">
-            <a:spAutoFit/>
-          </a:bodyPr>
-          <a:lstStyle/>
-          <a:p>
-            <a:r>
-              <a:rPr lang="en-US" dirty="0"/>
-              <a:t>LASSO</a:t>
-            </a:r>
-          </a:p>
-        </p:txBody>
-      </p:sp>
-      <p:sp>
-        <p:nvSpPr>
-          <p:cNvPr id="33" name="Rectangle 32">
-            <a:extLst>
-              <a:ext uri="{FF2B5EF4-FFF2-40B4-BE49-F238E27FC236}">
-                <a16:creationId xmlns:a16="http://schemas.microsoft.com/office/drawing/2014/main" id="{0EF82C53-2CCC-3740-91DF-91BF308F4506}"/>
-              </a:ext>
-            </a:extLst>
-          </p:cNvPr>
-          <p:cNvSpPr/>
-          <p:nvPr/>
-        </p:nvSpPr>
-        <p:spPr>
-          <a:xfrm>
-            <a:off x="5174216" y="5123692"/>
-            <a:ext cx="1468672" cy="338554"/>
-          </a:xfrm>
-          <a:prstGeom prst="rect">
-            <a:avLst/>
-          </a:prstGeom>
-        </p:spPr>
-        <p:txBody>
-          <a:bodyPr wrap="none">
-            <a:spAutoFit/>
-          </a:bodyPr>
-          <a:lstStyle/>
-          <a:p>
-            <a:r>
-              <a:rPr lang="en-US" sz="1600" b="0" dirty="0">
-                <a:effectLst/>
-              </a:rPr>
-              <a:t>lambda = 0.005</a:t>
-            </a:r>
-          </a:p>
-        </p:txBody>
-      </p:sp>
-      <p:sp>
-        <p:nvSpPr>
-          <p:cNvPr id="34" name="Rectangle 33">
-            <a:extLst>
-              <a:ext uri="{FF2B5EF4-FFF2-40B4-BE49-F238E27FC236}">
-                <a16:creationId xmlns:a16="http://schemas.microsoft.com/office/drawing/2014/main" id="{5D8EB579-C4B0-A641-869C-D7C1ED6CCEE7}"/>
-              </a:ext>
-            </a:extLst>
-          </p:cNvPr>
-          <p:cNvSpPr/>
-          <p:nvPr/>
-        </p:nvSpPr>
-        <p:spPr>
-          <a:xfrm>
-            <a:off x="7023835" y="5682753"/>
-            <a:ext cx="3470950" cy="307777"/>
-          </a:xfrm>
-          <a:prstGeom prst="rect">
-            <a:avLst/>
-          </a:prstGeom>
-        </p:spPr>
-        <p:txBody>
-          <a:bodyPr wrap="none">
-            <a:spAutoFit/>
-          </a:bodyPr>
-          <a:lstStyle/>
-          <a:p>
-            <a:r>
-              <a:rPr lang="en-US" sz="1400" dirty="0"/>
-              <a:t>Reconstruction Error: 0.10372515231840763</a:t>
-            </a:r>
-          </a:p>
-        </p:txBody>
-      </p:sp>
-      <p:sp>
-        <p:nvSpPr>
-          <p:cNvPr id="16" name="TextBox 15">
-            <a:extLst>
-              <a:ext uri="{FF2B5EF4-FFF2-40B4-BE49-F238E27FC236}">
-                <a16:creationId xmlns:a16="http://schemas.microsoft.com/office/drawing/2014/main" id="{29175E68-E4EB-D249-867C-A98D0099FB1E}"/>
-              </a:ext>
-            </a:extLst>
-          </p:cNvPr>
-          <p:cNvSpPr txBox="1"/>
-          <p:nvPr/>
-        </p:nvSpPr>
-        <p:spPr>
-          <a:xfrm>
-            <a:off x="21425" y="69378"/>
-            <a:ext cx="3948389" cy="400110"/>
-          </a:xfrm>
-          <a:prstGeom prst="rect">
-            <a:avLst/>
-          </a:prstGeom>
-          <a:noFill/>
-        </p:spPr>
-        <p:txBody>
-          <a:bodyPr wrap="none" rtlCol="0">
-            <a:spAutoFit/>
-          </a:bodyPr>
-          <a:lstStyle/>
-          <a:p>
-            <a:r>
-              <a:rPr lang="en-US" sz="2000" dirty="0"/>
-              <a:t>Toy problem 1: noisy measurements</a:t>
-            </a:r>
-          </a:p>
-        </p:txBody>
-      </p:sp>
     </p:spTree>
     <p:extLst>
       <p:ext uri="{BB962C8B-B14F-4D97-AF65-F5344CB8AC3E}">
-        <p14:creationId xmlns:p14="http://schemas.microsoft.com/office/powerpoint/2010/main" val="545929587"/>
+        <p14:creationId xmlns:p14="http://schemas.microsoft.com/office/powerpoint/2010/main" val="3837333539"/>
       </p:ext>
     </p:extLst>
   </p:cSld>
@@ -7341,10 +7481,10 @@
       </p:grpSpPr>
       <p:pic>
         <p:nvPicPr>
-          <p:cNvPr id="4" name="Picture 3">
-            <a:extLst>
-              <a:ext uri="{FF2B5EF4-FFF2-40B4-BE49-F238E27FC236}">
-                <a16:creationId xmlns:a16="http://schemas.microsoft.com/office/drawing/2014/main" id="{2E519EC8-71CA-D840-9C30-63E2D2BFF5E8}"/>
+          <p:cNvPr id="3" name="Picture 2">
+            <a:extLst>
+              <a:ext uri="{FF2B5EF4-FFF2-40B4-BE49-F238E27FC236}">
+                <a16:creationId xmlns:a16="http://schemas.microsoft.com/office/drawing/2014/main" id="{5757173F-9581-C842-B61A-7AFB348373C8}"/>
               </a:ext>
             </a:extLst>
           </p:cNvPr>
@@ -7361,55 +7501,20 @@
         </p:blipFill>
         <p:spPr>
           <a:xfrm>
-            <a:off x="8711501" y="714037"/>
-            <a:ext cx="2214411" cy="2179675"/>
+            <a:off x="779548" y="559292"/>
+            <a:ext cx="2712682" cy="2003073"/>
           </a:xfrm>
           <a:prstGeom prst="rect">
             <a:avLst/>
           </a:prstGeom>
         </p:spPr>
       </p:pic>
-      <p:sp>
-        <p:nvSpPr>
-          <p:cNvPr id="7" name="TextBox 6">
-            <a:extLst>
-              <a:ext uri="{FF2B5EF4-FFF2-40B4-BE49-F238E27FC236}">
-                <a16:creationId xmlns:a16="http://schemas.microsoft.com/office/drawing/2014/main" id="{DF922F77-F3B7-5D46-B1F0-1F1C91AE1E64}"/>
-              </a:ext>
-            </a:extLst>
-          </p:cNvPr>
-          <p:cNvSpPr txBox="1"/>
-          <p:nvPr/>
-        </p:nvSpPr>
-        <p:spPr>
-          <a:xfrm>
-            <a:off x="21425" y="69378"/>
-            <a:ext cx="5818452" cy="400110"/>
-          </a:xfrm>
-          <a:prstGeom prst="rect">
-            <a:avLst/>
-          </a:prstGeom>
-          <a:noFill/>
-        </p:spPr>
-        <p:txBody>
-          <a:bodyPr wrap="none" rtlCol="0">
-            <a:spAutoFit/>
-          </a:bodyPr>
-          <a:lstStyle/>
-          <a:p>
-            <a:r>
-              <a:rPr lang="en-US" sz="2000" dirty="0"/>
-              <a:t>Toy problem 2: heat transfer in heterogenous material</a:t>
-            </a:r>
-          </a:p>
-        </p:txBody>
-      </p:sp>
       <p:pic>
         <p:nvPicPr>
-          <p:cNvPr id="2" name="Picture 1">
-            <a:extLst>
-              <a:ext uri="{FF2B5EF4-FFF2-40B4-BE49-F238E27FC236}">
-                <a16:creationId xmlns:a16="http://schemas.microsoft.com/office/drawing/2014/main" id="{C07CB02C-0611-B440-9092-3A860993F645}"/>
+          <p:cNvPr id="11" name="Picture 10">
+            <a:extLst>
+              <a:ext uri="{FF2B5EF4-FFF2-40B4-BE49-F238E27FC236}">
+                <a16:creationId xmlns:a16="http://schemas.microsoft.com/office/drawing/2014/main" id="{F719A4FB-AAB3-1448-9BF1-01C03E3DAC5A}"/>
               </a:ext>
             </a:extLst>
           </p:cNvPr>
@@ -7426,248 +7531,54 @@
         </p:blipFill>
         <p:spPr>
           <a:xfrm>
-            <a:off x="1266088" y="1439517"/>
-            <a:ext cx="4429061" cy="728713"/>
+            <a:off x="4046705" y="559292"/>
+            <a:ext cx="2548648" cy="1809279"/>
           </a:xfrm>
           <a:prstGeom prst="rect">
             <a:avLst/>
           </a:prstGeom>
         </p:spPr>
       </p:pic>
-      <p:cxnSp>
-        <p:nvCxnSpPr>
-          <p:cNvPr id="5" name="Straight Arrow Connector 4">
-            <a:extLst>
-              <a:ext uri="{FF2B5EF4-FFF2-40B4-BE49-F238E27FC236}">
-                <a16:creationId xmlns:a16="http://schemas.microsoft.com/office/drawing/2014/main" id="{3A7C893C-37A5-6444-8120-0DE7E677E340}"/>
-              </a:ext>
-            </a:extLst>
-          </p:cNvPr>
-          <p:cNvCxnSpPr>
-            <a:cxnSpLocks/>
-          </p:cNvCxnSpPr>
-          <p:nvPr/>
-        </p:nvCxnSpPr>
-        <p:spPr>
-          <a:xfrm flipH="1" flipV="1">
-            <a:off x="8133907" y="1318437"/>
-            <a:ext cx="850605" cy="340243"/>
-          </a:xfrm>
-          <a:prstGeom prst="straightConnector1">
-            <a:avLst/>
-          </a:prstGeom>
-          <a:ln w="25400">
-            <a:solidFill>
-              <a:schemeClr val="tx1"/>
-            </a:solidFill>
-            <a:tailEnd type="triangle"/>
-          </a:ln>
-        </p:spPr>
-        <p:style>
-          <a:lnRef idx="1">
-            <a:schemeClr val="accent1"/>
-          </a:lnRef>
-          <a:fillRef idx="0">
-            <a:schemeClr val="accent1"/>
-          </a:fillRef>
-          <a:effectRef idx="0">
-            <a:schemeClr val="accent1"/>
-          </a:effectRef>
-          <a:fontRef idx="minor">
-            <a:schemeClr val="tx1"/>
-          </a:fontRef>
-        </p:style>
-      </p:cxnSp>
-      <p:sp>
-        <p:nvSpPr>
-          <p:cNvPr id="13" name="TextBox 12">
-            <a:extLst>
-              <a:ext uri="{FF2B5EF4-FFF2-40B4-BE49-F238E27FC236}">
-                <a16:creationId xmlns:a16="http://schemas.microsoft.com/office/drawing/2014/main" id="{5B58523F-2788-9F4B-90AA-CF73D095E134}"/>
-              </a:ext>
-            </a:extLst>
-          </p:cNvPr>
-          <p:cNvSpPr txBox="1"/>
-          <p:nvPr/>
-        </p:nvSpPr>
-        <p:spPr>
-          <a:xfrm>
-            <a:off x="6944023" y="1016741"/>
-            <a:ext cx="1615186" cy="276999"/>
-          </a:xfrm>
-          <a:prstGeom prst="rect">
-            <a:avLst/>
-          </a:prstGeom>
-          <a:noFill/>
-        </p:spPr>
-        <p:txBody>
-          <a:bodyPr wrap="none" rtlCol="0">
+      <p:sp>
+        <p:nvSpPr>
+          <p:cNvPr id="12" name="Rectangle 11">
+            <a:extLst>
+              <a:ext uri="{FF2B5EF4-FFF2-40B4-BE49-F238E27FC236}">
+                <a16:creationId xmlns:a16="http://schemas.microsoft.com/office/drawing/2014/main" id="{85F79A9A-EF02-2947-8B4E-75B23C1E93AD}"/>
+              </a:ext>
+            </a:extLst>
+          </p:cNvPr>
+          <p:cNvSpPr/>
+          <p:nvPr/>
+        </p:nvSpPr>
+        <p:spPr>
+          <a:xfrm>
+            <a:off x="7023836" y="1125377"/>
+            <a:ext cx="3939155" cy="338554"/>
+          </a:xfrm>
+          <a:prstGeom prst="rect">
+            <a:avLst/>
+          </a:prstGeom>
+        </p:spPr>
+        <p:txBody>
+          <a:bodyPr wrap="none">
             <a:spAutoFit/>
           </a:bodyPr>
           <a:lstStyle/>
           <a:p>
             <a:r>
-              <a:rPr lang="en-US" sz="1200" dirty="0"/>
-              <a:t>Fixed temperature to 1</a:t>
-            </a:r>
-          </a:p>
-        </p:txBody>
-      </p:sp>
-      <p:cxnSp>
-        <p:nvCxnSpPr>
-          <p:cNvPr id="14" name="Straight Arrow Connector 13">
-            <a:extLst>
-              <a:ext uri="{FF2B5EF4-FFF2-40B4-BE49-F238E27FC236}">
-                <a16:creationId xmlns:a16="http://schemas.microsoft.com/office/drawing/2014/main" id="{7E56E4D0-DC68-DE4C-96DC-BAD3583584C2}"/>
-              </a:ext>
-            </a:extLst>
-          </p:cNvPr>
-          <p:cNvCxnSpPr>
-            <a:cxnSpLocks/>
-          </p:cNvCxnSpPr>
-          <p:nvPr/>
-        </p:nvCxnSpPr>
-        <p:spPr>
-          <a:xfrm flipV="1">
-            <a:off x="10822173" y="710605"/>
-            <a:ext cx="404958" cy="478744"/>
-          </a:xfrm>
-          <a:prstGeom prst="straightConnector1">
-            <a:avLst/>
-          </a:prstGeom>
-          <a:ln w="25400">
-            <a:solidFill>
-              <a:schemeClr val="tx1"/>
-            </a:solidFill>
-            <a:tailEnd type="triangle"/>
-          </a:ln>
-        </p:spPr>
-        <p:style>
-          <a:lnRef idx="1">
-            <a:schemeClr val="accent1"/>
-          </a:lnRef>
-          <a:fillRef idx="0">
-            <a:schemeClr val="accent1"/>
-          </a:fillRef>
-          <a:effectRef idx="0">
-            <a:schemeClr val="accent1"/>
-          </a:effectRef>
-          <a:fontRef idx="minor">
-            <a:schemeClr val="tx1"/>
-          </a:fontRef>
-        </p:style>
-      </p:cxnSp>
-      <p:sp>
-        <p:nvSpPr>
-          <p:cNvPr id="16" name="TextBox 15">
-            <a:extLst>
-              <a:ext uri="{FF2B5EF4-FFF2-40B4-BE49-F238E27FC236}">
-                <a16:creationId xmlns:a16="http://schemas.microsoft.com/office/drawing/2014/main" id="{8280B503-8DBB-594D-82C8-F44E9F288FF6}"/>
-              </a:ext>
-            </a:extLst>
-          </p:cNvPr>
-          <p:cNvSpPr txBox="1"/>
-          <p:nvPr/>
-        </p:nvSpPr>
-        <p:spPr>
-          <a:xfrm>
-            <a:off x="10576814" y="330988"/>
-            <a:ext cx="1615186" cy="276999"/>
-          </a:xfrm>
-          <a:prstGeom prst="rect">
-            <a:avLst/>
-          </a:prstGeom>
-          <a:noFill/>
-        </p:spPr>
-        <p:txBody>
-          <a:bodyPr wrap="none" rtlCol="0">
-            <a:spAutoFit/>
-          </a:bodyPr>
-          <a:lstStyle/>
-          <a:p>
-            <a:r>
-              <a:rPr lang="en-US" sz="1200" dirty="0"/>
-              <a:t>Fixed temperature to 0</a:t>
-            </a:r>
-          </a:p>
-        </p:txBody>
-      </p:sp>
-      <p:sp>
-        <p:nvSpPr>
-          <p:cNvPr id="17" name="TextBox 16">
-            <a:extLst>
-              <a:ext uri="{FF2B5EF4-FFF2-40B4-BE49-F238E27FC236}">
-                <a16:creationId xmlns:a16="http://schemas.microsoft.com/office/drawing/2014/main" id="{109B8C76-2F74-BA40-8C2F-35F4160DD056}"/>
-              </a:ext>
-            </a:extLst>
-          </p:cNvPr>
-          <p:cNvSpPr txBox="1"/>
-          <p:nvPr/>
-        </p:nvSpPr>
-        <p:spPr>
-          <a:xfrm>
-            <a:off x="340241" y="832075"/>
-            <a:ext cx="3455882" cy="369332"/>
-          </a:xfrm>
-          <a:prstGeom prst="rect">
-            <a:avLst/>
-          </a:prstGeom>
-          <a:noFill/>
-        </p:spPr>
-        <p:txBody>
-          <a:bodyPr wrap="none" rtlCol="0">
-            <a:spAutoFit/>
-          </a:bodyPr>
-          <a:lstStyle/>
-          <a:p>
-            <a:r>
-              <a:rPr lang="en-US" dirty="0"/>
-              <a:t>Governing equation: parabolic PDE</a:t>
-            </a:r>
-          </a:p>
-        </p:txBody>
-      </p:sp>
-      <p:sp>
-        <p:nvSpPr>
-          <p:cNvPr id="18" name="TextBox 17">
-            <a:extLst>
-              <a:ext uri="{FF2B5EF4-FFF2-40B4-BE49-F238E27FC236}">
-                <a16:creationId xmlns:a16="http://schemas.microsoft.com/office/drawing/2014/main" id="{3D1F5D53-B649-5A49-B954-8E4F85F43372}"/>
-              </a:ext>
-            </a:extLst>
-          </p:cNvPr>
-          <p:cNvSpPr txBox="1"/>
-          <p:nvPr/>
-        </p:nvSpPr>
-        <p:spPr>
-          <a:xfrm>
-            <a:off x="366959" y="3429000"/>
-            <a:ext cx="5328190" cy="369332"/>
-          </a:xfrm>
-          <a:prstGeom prst="rect">
-            <a:avLst/>
-          </a:prstGeom>
-          <a:noFill/>
-        </p:spPr>
-        <p:txBody>
-          <a:bodyPr wrap="none" rtlCol="0">
-            <a:spAutoFit/>
-          </a:bodyPr>
-          <a:lstStyle/>
-          <a:p>
-            <a:r>
-              <a:rPr lang="en-US" dirty="0"/>
-              <a:t>We solve the above problem with finite element solver</a:t>
+              <a:rPr lang="en-US" sz="1600" dirty="0"/>
+              <a:t>Reconstruction Error: 0.09860999176138388</a:t>
             </a:r>
           </a:p>
         </p:txBody>
       </p:sp>
       <p:pic>
         <p:nvPicPr>
-          <p:cNvPr id="19" name="Picture 18">
-            <a:extLst>
-              <a:ext uri="{FF2B5EF4-FFF2-40B4-BE49-F238E27FC236}">
-                <a16:creationId xmlns:a16="http://schemas.microsoft.com/office/drawing/2014/main" id="{970D3264-4919-D246-9D15-C7EDADB7E523}"/>
+          <p:cNvPr id="17" name="Picture 16">
+            <a:extLst>
+              <a:ext uri="{FF2B5EF4-FFF2-40B4-BE49-F238E27FC236}">
+                <a16:creationId xmlns:a16="http://schemas.microsoft.com/office/drawing/2014/main" id="{DEB88461-00B4-CF4E-8CB2-3EFB618270C9}"/>
               </a:ext>
             </a:extLst>
           </p:cNvPr>
@@ -7684,8 +7595,8 @@
         </p:blipFill>
         <p:spPr>
           <a:xfrm>
-            <a:off x="1093002" y="4395823"/>
-            <a:ext cx="2336800" cy="2286000"/>
+            <a:off x="4221805" y="2883861"/>
+            <a:ext cx="2495559" cy="1809280"/>
           </a:xfrm>
           <a:prstGeom prst="rect">
             <a:avLst/>
@@ -7694,10 +7605,10 @@
       </p:pic>
       <p:pic>
         <p:nvPicPr>
-          <p:cNvPr id="20" name="Picture 19">
-            <a:extLst>
-              <a:ext uri="{FF2B5EF4-FFF2-40B4-BE49-F238E27FC236}">
-                <a16:creationId xmlns:a16="http://schemas.microsoft.com/office/drawing/2014/main" id="{FCB0D9AF-08EB-2C4D-AC3C-EDE9BB3185E1}"/>
+          <p:cNvPr id="23" name="Picture 22">
+            <a:extLst>
+              <a:ext uri="{FF2B5EF4-FFF2-40B4-BE49-F238E27FC236}">
+                <a16:creationId xmlns:a16="http://schemas.microsoft.com/office/drawing/2014/main" id="{FD984DA3-CB5A-C54E-8FF9-438941019FF9}"/>
               </a:ext>
             </a:extLst>
           </p:cNvPr>
@@ -7714,20 +7625,159 @@
         </p:blipFill>
         <p:spPr>
           <a:xfrm>
-            <a:off x="3663672" y="4395823"/>
-            <a:ext cx="2273300" cy="2247900"/>
+            <a:off x="870577" y="2883860"/>
+            <a:ext cx="2621653" cy="1911440"/>
           </a:xfrm>
           <a:prstGeom prst="rect">
             <a:avLst/>
           </a:prstGeom>
         </p:spPr>
       </p:pic>
+      <p:sp>
+        <p:nvSpPr>
+          <p:cNvPr id="24" name="Rectangle 23">
+            <a:extLst>
+              <a:ext uri="{FF2B5EF4-FFF2-40B4-BE49-F238E27FC236}">
+                <a16:creationId xmlns:a16="http://schemas.microsoft.com/office/drawing/2014/main" id="{6C3ED802-F015-7843-95CE-3AAE5359D691}"/>
+              </a:ext>
+            </a:extLst>
+          </p:cNvPr>
+          <p:cNvSpPr/>
+          <p:nvPr/>
+        </p:nvSpPr>
+        <p:spPr>
+          <a:xfrm>
+            <a:off x="7023835" y="3788501"/>
+            <a:ext cx="3939155" cy="338554"/>
+          </a:xfrm>
+          <a:prstGeom prst="rect">
+            <a:avLst/>
+          </a:prstGeom>
+        </p:spPr>
+        <p:txBody>
+          <a:bodyPr wrap="none">
+            <a:spAutoFit/>
+          </a:bodyPr>
+          <a:lstStyle/>
+          <a:p>
+            <a:r>
+              <a:rPr lang="en-US" sz="1600" dirty="0"/>
+              <a:t>Reconstruction Error: 0.16966901383199118</a:t>
+            </a:r>
+          </a:p>
+        </p:txBody>
+      </p:sp>
+      <p:sp>
+        <p:nvSpPr>
+          <p:cNvPr id="25" name="TextBox 24">
+            <a:extLst>
+              <a:ext uri="{FF2B5EF4-FFF2-40B4-BE49-F238E27FC236}">
+                <a16:creationId xmlns:a16="http://schemas.microsoft.com/office/drawing/2014/main" id="{FC12410A-5A53-5440-AEA5-5B82EE33C35C}"/>
+              </a:ext>
+            </a:extLst>
+          </p:cNvPr>
+          <p:cNvSpPr txBox="1"/>
+          <p:nvPr/>
+        </p:nvSpPr>
+        <p:spPr>
+          <a:xfrm>
+            <a:off x="6995751" y="3222414"/>
+            <a:ext cx="3939155" cy="338554"/>
+          </a:xfrm>
+          <a:prstGeom prst="rect">
+            <a:avLst/>
+          </a:prstGeom>
+          <a:noFill/>
+        </p:spPr>
+        <p:txBody>
+          <a:bodyPr wrap="square" rtlCol="0">
+            <a:spAutoFit/>
+          </a:bodyPr>
+          <a:lstStyle/>
+          <a:p>
+            <a:r>
+              <a:rPr lang="en-US" sz="1600" dirty="0"/>
+              <a:t>The minimum possible of Epsilon was 0.7</a:t>
+            </a:r>
+          </a:p>
+        </p:txBody>
+      </p:sp>
+      <p:sp>
+        <p:nvSpPr>
+          <p:cNvPr id="26" name="TextBox 25">
+            <a:extLst>
+              <a:ext uri="{FF2B5EF4-FFF2-40B4-BE49-F238E27FC236}">
+                <a16:creationId xmlns:a16="http://schemas.microsoft.com/office/drawing/2014/main" id="{BD548D13-E139-1E43-AB38-4594428A6C54}"/>
+              </a:ext>
+            </a:extLst>
+          </p:cNvPr>
+          <p:cNvSpPr txBox="1"/>
+          <p:nvPr/>
+        </p:nvSpPr>
+        <p:spPr>
+          <a:xfrm>
+            <a:off x="321013" y="1410511"/>
+            <a:ext cx="399468" cy="369332"/>
+          </a:xfrm>
+          <a:prstGeom prst="rect">
+            <a:avLst/>
+          </a:prstGeom>
+          <a:noFill/>
+        </p:spPr>
+        <p:txBody>
+          <a:bodyPr wrap="none" rtlCol="0">
+            <a:spAutoFit/>
+          </a:bodyPr>
+          <a:lstStyle/>
+          <a:p>
+            <a:r>
+              <a:rPr lang="en-US" dirty="0"/>
+              <a:t>L2</a:t>
+            </a:r>
+          </a:p>
+        </p:txBody>
+      </p:sp>
+      <p:sp>
+        <p:nvSpPr>
+          <p:cNvPr id="27" name="TextBox 26">
+            <a:extLst>
+              <a:ext uri="{FF2B5EF4-FFF2-40B4-BE49-F238E27FC236}">
+                <a16:creationId xmlns:a16="http://schemas.microsoft.com/office/drawing/2014/main" id="{4687AC32-F173-0A48-96C3-91944EBB45FB}"/>
+              </a:ext>
+            </a:extLst>
+          </p:cNvPr>
+          <p:cNvSpPr txBox="1"/>
+          <p:nvPr/>
+        </p:nvSpPr>
+        <p:spPr>
+          <a:xfrm>
+            <a:off x="321013" y="3552057"/>
+            <a:ext cx="399468" cy="369332"/>
+          </a:xfrm>
+          <a:prstGeom prst="rect">
+            <a:avLst/>
+          </a:prstGeom>
+          <a:noFill/>
+        </p:spPr>
+        <p:txBody>
+          <a:bodyPr wrap="none" rtlCol="0">
+            <a:spAutoFit/>
+          </a:bodyPr>
+          <a:lstStyle/>
+          <a:p>
+            <a:r>
+              <a:rPr lang="en-US" dirty="0"/>
+              <a:t>L1</a:t>
+            </a:r>
+          </a:p>
+        </p:txBody>
+      </p:sp>
       <p:pic>
         <p:nvPicPr>
-          <p:cNvPr id="21" name="Picture 20">
-            <a:extLst>
-              <a:ext uri="{FF2B5EF4-FFF2-40B4-BE49-F238E27FC236}">
-                <a16:creationId xmlns:a16="http://schemas.microsoft.com/office/drawing/2014/main" id="{43C834D5-CDB2-AF49-9912-A2A8DF3D87CD}"/>
+          <p:cNvPr id="29" name="Picture 28">
+            <a:extLst>
+              <a:ext uri="{FF2B5EF4-FFF2-40B4-BE49-F238E27FC236}">
+                <a16:creationId xmlns:a16="http://schemas.microsoft.com/office/drawing/2014/main" id="{303ABE75-E4F6-F940-9481-FFDE94AA8CDA}"/>
               </a:ext>
             </a:extLst>
           </p:cNvPr>
@@ -7744,8 +7794,8 @@
         </p:blipFill>
         <p:spPr>
           <a:xfrm>
-            <a:off x="6170842" y="4395823"/>
-            <a:ext cx="2273300" cy="2247900"/>
+            <a:off x="4296279" y="5123692"/>
+            <a:ext cx="2346609" cy="1695237"/>
           </a:xfrm>
           <a:prstGeom prst="rect">
             <a:avLst/>
@@ -7754,10 +7804,10 @@
       </p:pic>
       <p:pic>
         <p:nvPicPr>
-          <p:cNvPr id="22" name="Picture 21">
-            <a:extLst>
-              <a:ext uri="{FF2B5EF4-FFF2-40B4-BE49-F238E27FC236}">
-                <a16:creationId xmlns:a16="http://schemas.microsoft.com/office/drawing/2014/main" id="{E575751C-F612-D949-B883-F08094434BB1}"/>
+          <p:cNvPr id="31" name="Picture 30">
+            <a:extLst>
+              <a:ext uri="{FF2B5EF4-FFF2-40B4-BE49-F238E27FC236}">
+                <a16:creationId xmlns:a16="http://schemas.microsoft.com/office/drawing/2014/main" id="{A2B283D8-B451-DE4F-91C6-79B296C33CFB}"/>
               </a:ext>
             </a:extLst>
           </p:cNvPr>
@@ -7774,18 +7824,158 @@
         </p:blipFill>
         <p:spPr>
           <a:xfrm>
-            <a:off x="8678012" y="4395823"/>
-            <a:ext cx="2247900" cy="2247900"/>
+            <a:off x="923688" y="5022992"/>
+            <a:ext cx="2568542" cy="1896638"/>
           </a:xfrm>
           <a:prstGeom prst="rect">
             <a:avLst/>
           </a:prstGeom>
         </p:spPr>
       </p:pic>
+      <p:sp>
+        <p:nvSpPr>
+          <p:cNvPr id="32" name="TextBox 31">
+            <a:extLst>
+              <a:ext uri="{FF2B5EF4-FFF2-40B4-BE49-F238E27FC236}">
+                <a16:creationId xmlns:a16="http://schemas.microsoft.com/office/drawing/2014/main" id="{1F983E7C-A9C1-D942-8A98-6428BF8FFC61}"/>
+              </a:ext>
+            </a:extLst>
+          </p:cNvPr>
+          <p:cNvSpPr txBox="1"/>
+          <p:nvPr/>
+        </p:nvSpPr>
+        <p:spPr>
+          <a:xfrm>
+            <a:off x="144307" y="5601979"/>
+            <a:ext cx="779381" cy="369332"/>
+          </a:xfrm>
+          <a:prstGeom prst="rect">
+            <a:avLst/>
+          </a:prstGeom>
+          <a:noFill/>
+        </p:spPr>
+        <p:txBody>
+          <a:bodyPr wrap="none" rtlCol="0">
+            <a:spAutoFit/>
+          </a:bodyPr>
+          <a:lstStyle/>
+          <a:p>
+            <a:r>
+              <a:rPr lang="en-US" dirty="0"/>
+              <a:t>LASSO</a:t>
+            </a:r>
+          </a:p>
+        </p:txBody>
+      </p:sp>
+      <p:sp>
+        <p:nvSpPr>
+          <p:cNvPr id="33" name="Rectangle 32">
+            <a:extLst>
+              <a:ext uri="{FF2B5EF4-FFF2-40B4-BE49-F238E27FC236}">
+                <a16:creationId xmlns:a16="http://schemas.microsoft.com/office/drawing/2014/main" id="{0EF82C53-2CCC-3740-91DF-91BF308F4506}"/>
+              </a:ext>
+            </a:extLst>
+          </p:cNvPr>
+          <p:cNvSpPr/>
+          <p:nvPr/>
+        </p:nvSpPr>
+        <p:spPr>
+          <a:xfrm>
+            <a:off x="5174216" y="5123692"/>
+            <a:ext cx="1468672" cy="338554"/>
+          </a:xfrm>
+          <a:prstGeom prst="rect">
+            <a:avLst/>
+          </a:prstGeom>
+        </p:spPr>
+        <p:txBody>
+          <a:bodyPr wrap="none">
+            <a:spAutoFit/>
+          </a:bodyPr>
+          <a:lstStyle/>
+          <a:p>
+            <a:r>
+              <a:rPr lang="en-US" sz="1600" b="0" dirty="0">
+                <a:effectLst/>
+              </a:rPr>
+              <a:t>lambda = 0.005</a:t>
+            </a:r>
+          </a:p>
+        </p:txBody>
+      </p:sp>
+      <p:sp>
+        <p:nvSpPr>
+          <p:cNvPr id="34" name="Rectangle 33">
+            <a:extLst>
+              <a:ext uri="{FF2B5EF4-FFF2-40B4-BE49-F238E27FC236}">
+                <a16:creationId xmlns:a16="http://schemas.microsoft.com/office/drawing/2014/main" id="{5D8EB579-C4B0-A641-869C-D7C1ED6CCEE7}"/>
+              </a:ext>
+            </a:extLst>
+          </p:cNvPr>
+          <p:cNvSpPr/>
+          <p:nvPr/>
+        </p:nvSpPr>
+        <p:spPr>
+          <a:xfrm>
+            <a:off x="7023835" y="5682753"/>
+            <a:ext cx="3470950" cy="307777"/>
+          </a:xfrm>
+          <a:prstGeom prst="rect">
+            <a:avLst/>
+          </a:prstGeom>
+        </p:spPr>
+        <p:txBody>
+          <a:bodyPr wrap="none">
+            <a:spAutoFit/>
+          </a:bodyPr>
+          <a:lstStyle/>
+          <a:p>
+            <a:r>
+              <a:rPr lang="en-US" sz="1400" dirty="0"/>
+              <a:t>Reconstruction Error: 0.10372515231840763</a:t>
+            </a:r>
+          </a:p>
+        </p:txBody>
+      </p:sp>
+      <p:sp>
+        <p:nvSpPr>
+          <p:cNvPr id="16" name="TextBox 15">
+            <a:extLst>
+              <a:ext uri="{FF2B5EF4-FFF2-40B4-BE49-F238E27FC236}">
+                <a16:creationId xmlns:a16="http://schemas.microsoft.com/office/drawing/2014/main" id="{29175E68-E4EB-D249-867C-A98D0099FB1E}"/>
+              </a:ext>
+            </a:extLst>
+          </p:cNvPr>
+          <p:cNvSpPr txBox="1"/>
+          <p:nvPr/>
+        </p:nvSpPr>
+        <p:spPr>
+          <a:xfrm>
+            <a:off x="21425" y="69378"/>
+            <a:ext cx="3948389" cy="400110"/>
+          </a:xfrm>
+          <a:prstGeom prst="rect">
+            <a:avLst/>
+          </a:prstGeom>
+          <a:noFill/>
+        </p:spPr>
+        <p:txBody>
+          <a:bodyPr wrap="none" rtlCol="0">
+            <a:spAutoFit/>
+          </a:bodyPr>
+          <a:lstStyle/>
+          <a:p>
+            <a:r>
+              <a:rPr lang="en-US" sz="2000" dirty="0"/>
+              <a:t>Toy problem 1: noisy measurements</a:t>
+            </a:r>
+          </a:p>
+        </p:txBody>
+      </p:sp>
     </p:spTree>
     <p:extLst>
       <p:ext uri="{BB962C8B-B14F-4D97-AF65-F5344CB8AC3E}">
-        <p14:creationId xmlns:p14="http://schemas.microsoft.com/office/powerpoint/2010/main" val="998925543"/>
+        <p14:creationId xmlns:p14="http://schemas.microsoft.com/office/powerpoint/2010/main" val="545929587"/>
       </p:ext>
     </p:extLst>
   </p:cSld>
@@ -7814,10 +8004,10 @@
       </p:grpSpPr>
       <p:pic>
         <p:nvPicPr>
-          <p:cNvPr id="3" name="Picture 2">
-            <a:extLst>
-              <a:ext uri="{FF2B5EF4-FFF2-40B4-BE49-F238E27FC236}">
-                <a16:creationId xmlns:a16="http://schemas.microsoft.com/office/drawing/2014/main" id="{041C70E5-B258-C540-8E1C-1357F56956E4}"/>
+          <p:cNvPr id="4" name="Picture 3">
+            <a:extLst>
+              <a:ext uri="{FF2B5EF4-FFF2-40B4-BE49-F238E27FC236}">
+                <a16:creationId xmlns:a16="http://schemas.microsoft.com/office/drawing/2014/main" id="{2E519EC8-71CA-D840-9C30-63E2D2BFF5E8}"/>
               </a:ext>
             </a:extLst>
           </p:cNvPr>
@@ -7834,20 +8024,55 @@
         </p:blipFill>
         <p:spPr>
           <a:xfrm>
-            <a:off x="3915947" y="2598255"/>
-            <a:ext cx="1869533" cy="1869533"/>
+            <a:off x="8711501" y="714037"/>
+            <a:ext cx="2214411" cy="2179675"/>
           </a:xfrm>
           <a:prstGeom prst="rect">
             <a:avLst/>
           </a:prstGeom>
         </p:spPr>
       </p:pic>
+      <p:sp>
+        <p:nvSpPr>
+          <p:cNvPr id="7" name="TextBox 6">
+            <a:extLst>
+              <a:ext uri="{FF2B5EF4-FFF2-40B4-BE49-F238E27FC236}">
+                <a16:creationId xmlns:a16="http://schemas.microsoft.com/office/drawing/2014/main" id="{DF922F77-F3B7-5D46-B1F0-1F1C91AE1E64}"/>
+              </a:ext>
+            </a:extLst>
+          </p:cNvPr>
+          <p:cNvSpPr txBox="1"/>
+          <p:nvPr/>
+        </p:nvSpPr>
+        <p:spPr>
+          <a:xfrm>
+            <a:off x="21425" y="69378"/>
+            <a:ext cx="5818452" cy="400110"/>
+          </a:xfrm>
+          <a:prstGeom prst="rect">
+            <a:avLst/>
+          </a:prstGeom>
+          <a:noFill/>
+        </p:spPr>
+        <p:txBody>
+          <a:bodyPr wrap="none" rtlCol="0">
+            <a:spAutoFit/>
+          </a:bodyPr>
+          <a:lstStyle/>
+          <a:p>
+            <a:r>
+              <a:rPr lang="en-US" sz="2000" dirty="0"/>
+              <a:t>Toy problem 2: heat transfer in heterogenous material</a:t>
+            </a:r>
+          </a:p>
+        </p:txBody>
+      </p:sp>
       <p:pic>
         <p:nvPicPr>
-          <p:cNvPr id="11" name="Picture 10">
-            <a:extLst>
-              <a:ext uri="{FF2B5EF4-FFF2-40B4-BE49-F238E27FC236}">
-                <a16:creationId xmlns:a16="http://schemas.microsoft.com/office/drawing/2014/main" id="{C327F4C0-73E3-C14C-9B0D-EBB396FC02EE}"/>
+          <p:cNvPr id="2" name="Picture 1">
+            <a:extLst>
+              <a:ext uri="{FF2B5EF4-FFF2-40B4-BE49-F238E27FC236}">
+                <a16:creationId xmlns:a16="http://schemas.microsoft.com/office/drawing/2014/main" id="{C07CB02C-0611-B440-9092-3A860993F645}"/>
               </a:ext>
             </a:extLst>
           </p:cNvPr>
@@ -7864,20 +8089,64 @@
         </p:blipFill>
         <p:spPr>
           <a:xfrm>
-            <a:off x="3824175" y="4678325"/>
-            <a:ext cx="1869533" cy="1886005"/>
+            <a:off x="1266088" y="1439517"/>
+            <a:ext cx="4429061" cy="728713"/>
           </a:xfrm>
           <a:prstGeom prst="rect">
             <a:avLst/>
           </a:prstGeom>
         </p:spPr>
       </p:pic>
-      <p:sp>
-        <p:nvSpPr>
-          <p:cNvPr id="4" name="TextBox 3">
-            <a:extLst>
-              <a:ext uri="{FF2B5EF4-FFF2-40B4-BE49-F238E27FC236}">
-                <a16:creationId xmlns:a16="http://schemas.microsoft.com/office/drawing/2014/main" id="{62CC6AB0-6FC9-C742-BCEA-0FF8A995BAE9}"/>
+      <p:cxnSp>
+        <p:nvCxnSpPr>
+          <p:cNvPr id="5" name="Straight Arrow Connector 4">
+            <a:extLst>
+              <a:ext uri="{FF2B5EF4-FFF2-40B4-BE49-F238E27FC236}">
+                <a16:creationId xmlns:a16="http://schemas.microsoft.com/office/drawing/2014/main" id="{3A7C893C-37A5-6444-8120-0DE7E677E340}"/>
+              </a:ext>
+            </a:extLst>
+          </p:cNvPr>
+          <p:cNvCxnSpPr>
+            <a:cxnSpLocks/>
+          </p:cNvCxnSpPr>
+          <p:nvPr/>
+        </p:nvCxnSpPr>
+        <p:spPr>
+          <a:xfrm flipH="1" flipV="1">
+            <a:off x="8133907" y="1318437"/>
+            <a:ext cx="850605" cy="340243"/>
+          </a:xfrm>
+          <a:prstGeom prst="straightConnector1">
+            <a:avLst/>
+          </a:prstGeom>
+          <a:ln w="25400">
+            <a:solidFill>
+              <a:schemeClr val="tx1"/>
+            </a:solidFill>
+            <a:tailEnd type="triangle"/>
+          </a:ln>
+        </p:spPr>
+        <p:style>
+          <a:lnRef idx="1">
+            <a:schemeClr val="accent1"/>
+          </a:lnRef>
+          <a:fillRef idx="0">
+            <a:schemeClr val="accent1"/>
+          </a:fillRef>
+          <a:effectRef idx="0">
+            <a:schemeClr val="accent1"/>
+          </a:effectRef>
+          <a:fontRef idx="minor">
+            <a:schemeClr val="tx1"/>
+          </a:fontRef>
+        </p:style>
+      </p:cxnSp>
+      <p:sp>
+        <p:nvSpPr>
+          <p:cNvPr id="13" name="TextBox 12">
+            <a:extLst>
+              <a:ext uri="{FF2B5EF4-FFF2-40B4-BE49-F238E27FC236}">
+                <a16:creationId xmlns:a16="http://schemas.microsoft.com/office/drawing/2014/main" id="{5B58523F-2788-9F4B-90AA-CF73D095E134}"/>
               </a:ext>
             </a:extLst>
           </p:cNvPr>
@@ -7886,8 +8155,8 @@
         </p:nvSpPr>
         <p:spPr>
           <a:xfrm>
-            <a:off x="203504" y="5430819"/>
-            <a:ext cx="2756076" cy="369332"/>
+            <a:off x="6944023" y="1016741"/>
+            <a:ext cx="1615186" cy="276999"/>
           </a:xfrm>
           <a:prstGeom prst="rect">
             <a:avLst/>
@@ -7901,18 +8170,62 @@
           <a:lstStyle/>
           <a:p>
             <a:r>
-              <a:rPr lang="en-US" dirty="0"/>
-              <a:t>2- Down sampled and crop </a:t>
-            </a:r>
-          </a:p>
-        </p:txBody>
-      </p:sp>
-      <p:sp>
-        <p:nvSpPr>
-          <p:cNvPr id="8" name="TextBox 7">
-            <a:extLst>
-              <a:ext uri="{FF2B5EF4-FFF2-40B4-BE49-F238E27FC236}">
-                <a16:creationId xmlns:a16="http://schemas.microsoft.com/office/drawing/2014/main" id="{C74BE216-385C-9146-B656-C67128BA1F10}"/>
+              <a:rPr lang="en-US" sz="1200" dirty="0"/>
+              <a:t>Fixed temperature to 1</a:t>
+            </a:r>
+          </a:p>
+        </p:txBody>
+      </p:sp>
+      <p:cxnSp>
+        <p:nvCxnSpPr>
+          <p:cNvPr id="14" name="Straight Arrow Connector 13">
+            <a:extLst>
+              <a:ext uri="{FF2B5EF4-FFF2-40B4-BE49-F238E27FC236}">
+                <a16:creationId xmlns:a16="http://schemas.microsoft.com/office/drawing/2014/main" id="{7E56E4D0-DC68-DE4C-96DC-BAD3583584C2}"/>
+              </a:ext>
+            </a:extLst>
+          </p:cNvPr>
+          <p:cNvCxnSpPr>
+            <a:cxnSpLocks/>
+          </p:cNvCxnSpPr>
+          <p:nvPr/>
+        </p:nvCxnSpPr>
+        <p:spPr>
+          <a:xfrm flipV="1">
+            <a:off x="10822173" y="710605"/>
+            <a:ext cx="404958" cy="478744"/>
+          </a:xfrm>
+          <a:prstGeom prst="straightConnector1">
+            <a:avLst/>
+          </a:prstGeom>
+          <a:ln w="25400">
+            <a:solidFill>
+              <a:schemeClr val="tx1"/>
+            </a:solidFill>
+            <a:tailEnd type="triangle"/>
+          </a:ln>
+        </p:spPr>
+        <p:style>
+          <a:lnRef idx="1">
+            <a:schemeClr val="accent1"/>
+          </a:lnRef>
+          <a:fillRef idx="0">
+            <a:schemeClr val="accent1"/>
+          </a:fillRef>
+          <a:effectRef idx="0">
+            <a:schemeClr val="accent1"/>
+          </a:effectRef>
+          <a:fontRef idx="minor">
+            <a:schemeClr val="tx1"/>
+          </a:fontRef>
+        </p:style>
+      </p:cxnSp>
+      <p:sp>
+        <p:nvSpPr>
+          <p:cNvPr id="16" name="TextBox 15">
+            <a:extLst>
+              <a:ext uri="{FF2B5EF4-FFF2-40B4-BE49-F238E27FC236}">
+                <a16:creationId xmlns:a16="http://schemas.microsoft.com/office/drawing/2014/main" id="{8280B503-8DBB-594D-82C8-F44E9F288FF6}"/>
               </a:ext>
             </a:extLst>
           </p:cNvPr>
@@ -7921,8 +8234,8 @@
         </p:nvSpPr>
         <p:spPr>
           <a:xfrm>
-            <a:off x="21425" y="69378"/>
-            <a:ext cx="3565528" cy="400110"/>
+            <a:off x="10576814" y="330988"/>
+            <a:ext cx="1615186" cy="276999"/>
           </a:xfrm>
           <a:prstGeom prst="rect">
             <a:avLst/>
@@ -7936,18 +8249,18 @@
           <a:lstStyle/>
           <a:p>
             <a:r>
-              <a:rPr lang="en-US" sz="2000" dirty="0"/>
-              <a:t>Toy problem 2: Data preparation</a:t>
-            </a:r>
-          </a:p>
-        </p:txBody>
-      </p:sp>
-      <p:sp>
-        <p:nvSpPr>
-          <p:cNvPr id="5" name="TextBox 4">
-            <a:extLst>
-              <a:ext uri="{FF2B5EF4-FFF2-40B4-BE49-F238E27FC236}">
-                <a16:creationId xmlns:a16="http://schemas.microsoft.com/office/drawing/2014/main" id="{A8E2949C-DFFA-C640-AF27-AD36FD633E8E}"/>
+              <a:rPr lang="en-US" sz="1200" dirty="0"/>
+              <a:t>Fixed temperature to 0</a:t>
+            </a:r>
+          </a:p>
+        </p:txBody>
+      </p:sp>
+      <p:sp>
+        <p:nvSpPr>
+          <p:cNvPr id="17" name="TextBox 16">
+            <a:extLst>
+              <a:ext uri="{FF2B5EF4-FFF2-40B4-BE49-F238E27FC236}">
+                <a16:creationId xmlns:a16="http://schemas.microsoft.com/office/drawing/2014/main" id="{109B8C76-2F74-BA40-8C2F-35F4160DD056}"/>
               </a:ext>
             </a:extLst>
           </p:cNvPr>
@@ -7956,8 +8269,8 @@
         </p:nvSpPr>
         <p:spPr>
           <a:xfrm>
-            <a:off x="157628" y="3163690"/>
-            <a:ext cx="2852832" cy="369332"/>
+            <a:off x="340241" y="832075"/>
+            <a:ext cx="3455882" cy="369332"/>
           </a:xfrm>
           <a:prstGeom prst="rect">
             <a:avLst/>
@@ -7972,17 +8285,17 @@
           <a:p>
             <a:r>
               <a:rPr lang="en-US" dirty="0"/>
-              <a:t>1- we binarized the solution </a:t>
-            </a:r>
-          </a:p>
-        </p:txBody>
-      </p:sp>
-      <p:sp>
-        <p:nvSpPr>
-          <p:cNvPr id="10" name="TextBox 9">
-            <a:extLst>
-              <a:ext uri="{FF2B5EF4-FFF2-40B4-BE49-F238E27FC236}">
-                <a16:creationId xmlns:a16="http://schemas.microsoft.com/office/drawing/2014/main" id="{EDD8CB23-6CD0-A143-8279-4727EB4169ED}"/>
+              <a:t>Governing equation: parabolic PDE</a:t>
+            </a:r>
+          </a:p>
+        </p:txBody>
+      </p:sp>
+      <p:sp>
+        <p:nvSpPr>
+          <p:cNvPr id="18" name="TextBox 17">
+            <a:extLst>
+              <a:ext uri="{FF2B5EF4-FFF2-40B4-BE49-F238E27FC236}">
+                <a16:creationId xmlns:a16="http://schemas.microsoft.com/office/drawing/2014/main" id="{3D1F5D53-B649-5A49-B954-8E4F85F43372}"/>
               </a:ext>
             </a:extLst>
           </p:cNvPr>
@@ -7991,43 +8304,8 @@
         </p:nvSpPr>
         <p:spPr>
           <a:xfrm>
-            <a:off x="9130223" y="950127"/>
-            <a:ext cx="2381293" cy="584775"/>
-          </a:xfrm>
-          <a:prstGeom prst="rect">
-            <a:avLst/>
-          </a:prstGeom>
-          <a:noFill/>
-        </p:spPr>
-        <p:txBody>
-          <a:bodyPr wrap="square" rtlCol="0">
-            <a:spAutoFit/>
-          </a:bodyPr>
-          <a:lstStyle/>
-          <a:p>
-            <a:r>
-              <a:rPr lang="en-US" sz="1600" dirty="0"/>
-              <a:t>Computational domain has a graph structure</a:t>
-            </a:r>
-          </a:p>
-        </p:txBody>
-      </p:sp>
-      <p:sp>
-        <p:nvSpPr>
-          <p:cNvPr id="13" name="TextBox 12">
-            <a:extLst>
-              <a:ext uri="{FF2B5EF4-FFF2-40B4-BE49-F238E27FC236}">
-                <a16:creationId xmlns:a16="http://schemas.microsoft.com/office/drawing/2014/main" id="{5F33CCCB-7E90-164B-891C-1D41168D9A13}"/>
-              </a:ext>
-            </a:extLst>
-          </p:cNvPr>
-          <p:cNvSpPr txBox="1"/>
-          <p:nvPr/>
-        </p:nvSpPr>
-        <p:spPr>
-          <a:xfrm>
-            <a:off x="203504" y="1057849"/>
-            <a:ext cx="2570575" cy="369332"/>
+            <a:off x="366959" y="3429000"/>
+            <a:ext cx="5328190" cy="369332"/>
           </a:xfrm>
           <a:prstGeom prst="rect">
             <a:avLst/>
@@ -8042,17 +8320,17 @@
           <a:p>
             <a:r>
               <a:rPr lang="en-US" dirty="0"/>
-              <a:t>0-field solution from FEM</a:t>
+              <a:t>We solve the above problem with finite element solver</a:t>
             </a:r>
           </a:p>
         </p:txBody>
       </p:sp>
       <p:pic>
         <p:nvPicPr>
-          <p:cNvPr id="14" name="Picture 13">
-            <a:extLst>
-              <a:ext uri="{FF2B5EF4-FFF2-40B4-BE49-F238E27FC236}">
-                <a16:creationId xmlns:a16="http://schemas.microsoft.com/office/drawing/2014/main" id="{936D074F-FCBD-F146-B045-C7D78E96CB97}"/>
+          <p:cNvPr id="19" name="Picture 18">
+            <a:extLst>
+              <a:ext uri="{FF2B5EF4-FFF2-40B4-BE49-F238E27FC236}">
+                <a16:creationId xmlns:a16="http://schemas.microsoft.com/office/drawing/2014/main" id="{970D3264-4919-D246-9D15-C7EDADB7E523}"/>
               </a:ext>
             </a:extLst>
           </p:cNvPr>
@@ -8069,71 +8347,20 @@
         </p:blipFill>
         <p:spPr>
           <a:xfrm>
-            <a:off x="4054548" y="591442"/>
-            <a:ext cx="1477147" cy="1460642"/>
+            <a:off x="1093002" y="4395823"/>
+            <a:ext cx="2336800" cy="2286000"/>
           </a:xfrm>
           <a:prstGeom prst="rect">
             <a:avLst/>
           </a:prstGeom>
         </p:spPr>
       </p:pic>
-      <p:sp>
-        <p:nvSpPr>
-          <p:cNvPr id="15" name="TextBox 14">
-            <a:extLst>
-              <a:ext uri="{FF2B5EF4-FFF2-40B4-BE49-F238E27FC236}">
-                <a16:creationId xmlns:a16="http://schemas.microsoft.com/office/drawing/2014/main" id="{F1C1B91F-C21C-4E41-832D-23EC7E2A8450}"/>
-              </a:ext>
-            </a:extLst>
-          </p:cNvPr>
-          <p:cNvSpPr txBox="1"/>
-          <p:nvPr/>
-        </p:nvSpPr>
-        <p:spPr>
-          <a:xfrm>
-            <a:off x="8150055" y="4078160"/>
-            <a:ext cx="3618614" cy="1200329"/>
-          </a:xfrm>
-          <a:prstGeom prst="rect">
-            <a:avLst/>
-          </a:prstGeom>
-          <a:noFill/>
-        </p:spPr>
-        <p:txBody>
-          <a:bodyPr wrap="square" rtlCol="0">
-            <a:spAutoFit/>
-          </a:bodyPr>
-          <a:lstStyle/>
-          <a:p>
-            <a:pPr algn="ctr"/>
-            <a:r>
-              <a:rPr lang="en-US" sz="2400" dirty="0">
-                <a:solidFill>
-                  <a:srgbClr val="00B0F0"/>
-                </a:solidFill>
-              </a:rPr>
-              <a:t>To be as close as possible to experimental </a:t>
-            </a:r>
-          </a:p>
-          <a:p>
-            <a:pPr algn="ctr"/>
-            <a:r>
-              <a:rPr lang="en-US" sz="2400" dirty="0">
-                <a:solidFill>
-                  <a:srgbClr val="00B0F0"/>
-                </a:solidFill>
-              </a:rPr>
-              <a:t>conditions!</a:t>
-            </a:r>
-          </a:p>
-        </p:txBody>
-      </p:sp>
       <p:pic>
         <p:nvPicPr>
-          <p:cNvPr id="17" name="Picture 16">
-            <a:extLst>
-              <a:ext uri="{FF2B5EF4-FFF2-40B4-BE49-F238E27FC236}">
-                <a16:creationId xmlns:a16="http://schemas.microsoft.com/office/drawing/2014/main" id="{3F05394D-B945-8C41-90CC-268D696D2433}"/>
+          <p:cNvPr id="20" name="Picture 19">
+            <a:extLst>
+              <a:ext uri="{FF2B5EF4-FFF2-40B4-BE49-F238E27FC236}">
+                <a16:creationId xmlns:a16="http://schemas.microsoft.com/office/drawing/2014/main" id="{FCB0D9AF-08EB-2C4D-AC3C-EDE9BB3185E1}"/>
               </a:ext>
             </a:extLst>
           </p:cNvPr>
@@ -8150,8 +8377,68 @@
         </p:blipFill>
         <p:spPr>
           <a:xfrm>
-            <a:off x="6438405" y="373191"/>
-            <a:ext cx="2691818" cy="1859647"/>
+            <a:off x="3663672" y="4395823"/>
+            <a:ext cx="2273300" cy="2247900"/>
+          </a:xfrm>
+          <a:prstGeom prst="rect">
+            <a:avLst/>
+          </a:prstGeom>
+        </p:spPr>
+      </p:pic>
+      <p:pic>
+        <p:nvPicPr>
+          <p:cNvPr id="21" name="Picture 20">
+            <a:extLst>
+              <a:ext uri="{FF2B5EF4-FFF2-40B4-BE49-F238E27FC236}">
+                <a16:creationId xmlns:a16="http://schemas.microsoft.com/office/drawing/2014/main" id="{43C834D5-CDB2-AF49-9912-A2A8DF3D87CD}"/>
+              </a:ext>
+            </a:extLst>
+          </p:cNvPr>
+          <p:cNvPicPr>
+            <a:picLocks noChangeAspect="1"/>
+          </p:cNvPicPr>
+          <p:nvPr/>
+        </p:nvPicPr>
+        <p:blipFill>
+          <a:blip r:embed="rId6"/>
+          <a:stretch>
+            <a:fillRect/>
+          </a:stretch>
+        </p:blipFill>
+        <p:spPr>
+          <a:xfrm>
+            <a:off x="6170842" y="4395823"/>
+            <a:ext cx="2273300" cy="2247900"/>
+          </a:xfrm>
+          <a:prstGeom prst="rect">
+            <a:avLst/>
+          </a:prstGeom>
+        </p:spPr>
+      </p:pic>
+      <p:pic>
+        <p:nvPicPr>
+          <p:cNvPr id="22" name="Picture 21">
+            <a:extLst>
+              <a:ext uri="{FF2B5EF4-FFF2-40B4-BE49-F238E27FC236}">
+                <a16:creationId xmlns:a16="http://schemas.microsoft.com/office/drawing/2014/main" id="{E575751C-F612-D949-B883-F08094434BB1}"/>
+              </a:ext>
+            </a:extLst>
+          </p:cNvPr>
+          <p:cNvPicPr>
+            <a:picLocks noChangeAspect="1"/>
+          </p:cNvPicPr>
+          <p:nvPr/>
+        </p:nvPicPr>
+        <p:blipFill>
+          <a:blip r:embed="rId7"/>
+          <a:stretch>
+            <a:fillRect/>
+          </a:stretch>
+        </p:blipFill>
+        <p:spPr>
+          <a:xfrm>
+            <a:off x="8678012" y="4395823"/>
+            <a:ext cx="2247900" cy="2247900"/>
           </a:xfrm>
           <a:prstGeom prst="rect">
             <a:avLst/>
@@ -8161,7 +8448,7 @@
     </p:spTree>
     <p:extLst>
       <p:ext uri="{BB962C8B-B14F-4D97-AF65-F5344CB8AC3E}">
-        <p14:creationId xmlns:p14="http://schemas.microsoft.com/office/powerpoint/2010/main" val="968249077"/>
+        <p14:creationId xmlns:p14="http://schemas.microsoft.com/office/powerpoint/2010/main" val="998925543"/>
       </p:ext>
     </p:extLst>
   </p:cSld>
@@ -8188,161 +8475,40 @@
           <a:chExt cx="0" cy="0"/>
         </a:xfrm>
       </p:grpSpPr>
-      <p:grpSp>
-        <p:nvGrpSpPr>
-          <p:cNvPr id="9" name="Group 8">
-            <a:extLst>
-              <a:ext uri="{FF2B5EF4-FFF2-40B4-BE49-F238E27FC236}">
-                <a16:creationId xmlns:a16="http://schemas.microsoft.com/office/drawing/2014/main" id="{3F1EC9CF-4A60-0946-92F8-8701F839464A}"/>
-              </a:ext>
-            </a:extLst>
-          </p:cNvPr>
-          <p:cNvGrpSpPr/>
-          <p:nvPr/>
-        </p:nvGrpSpPr>
-        <p:grpSpPr>
-          <a:xfrm>
-            <a:off x="1055162" y="1446028"/>
-            <a:ext cx="7004365" cy="3748973"/>
-            <a:chOff x="1055162" y="1446028"/>
-            <a:chExt cx="7004365" cy="3748973"/>
-          </a:xfrm>
-        </p:grpSpPr>
-        <p:pic>
-          <p:nvPicPr>
-            <p:cNvPr id="5" name="Picture 4">
-              <a:extLst>
-                <a:ext uri="{FF2B5EF4-FFF2-40B4-BE49-F238E27FC236}">
-                  <a16:creationId xmlns:a16="http://schemas.microsoft.com/office/drawing/2014/main" id="{B2F659E0-37DC-9542-A4B4-50F9D97B8D5E}"/>
-                </a:ext>
-              </a:extLst>
-            </p:cNvPr>
-            <p:cNvPicPr>
-              <a:picLocks noChangeAspect="1"/>
-            </p:cNvPicPr>
-            <p:nvPr/>
-          </p:nvPicPr>
-          <p:blipFill>
-            <a:blip r:embed="rId2"/>
-            <a:stretch>
-              <a:fillRect/>
-            </a:stretch>
-          </p:blipFill>
-          <p:spPr>
-            <a:xfrm>
-              <a:off x="4709402" y="1446028"/>
-              <a:ext cx="3350125" cy="3379641"/>
-            </a:xfrm>
-            <a:prstGeom prst="rect">
-              <a:avLst/>
-            </a:prstGeom>
-          </p:spPr>
-        </p:pic>
-        <p:pic>
-          <p:nvPicPr>
-            <p:cNvPr id="6" name="Picture 5">
-              <a:extLst>
-                <a:ext uri="{FF2B5EF4-FFF2-40B4-BE49-F238E27FC236}">
-                  <a16:creationId xmlns:a16="http://schemas.microsoft.com/office/drawing/2014/main" id="{27A92E49-04FA-CD44-9FDE-8866746090B3}"/>
-                </a:ext>
-              </a:extLst>
-            </p:cNvPr>
-            <p:cNvPicPr>
-              <a:picLocks noChangeAspect="1"/>
-            </p:cNvPicPr>
-            <p:nvPr/>
-          </p:nvPicPr>
-          <p:blipFill>
-            <a:blip r:embed="rId3"/>
-            <a:stretch>
-              <a:fillRect/>
-            </a:stretch>
-          </p:blipFill>
-          <p:spPr>
-            <a:xfrm>
-              <a:off x="1055162" y="1605516"/>
-              <a:ext cx="3256540" cy="3220153"/>
-            </a:xfrm>
-            <a:prstGeom prst="rect">
-              <a:avLst/>
-            </a:prstGeom>
-          </p:spPr>
-        </p:pic>
-        <p:sp>
-          <p:nvSpPr>
-            <p:cNvPr id="7" name="TextBox 6">
-              <a:extLst>
-                <a:ext uri="{FF2B5EF4-FFF2-40B4-BE49-F238E27FC236}">
-                  <a16:creationId xmlns:a16="http://schemas.microsoft.com/office/drawing/2014/main" id="{B3A703C3-C5B2-7F42-8942-D3C69759E1E0}"/>
-                </a:ext>
-              </a:extLst>
-            </p:cNvPr>
-            <p:cNvSpPr txBox="1"/>
-            <p:nvPr/>
-          </p:nvSpPr>
-          <p:spPr>
-            <a:xfrm>
-              <a:off x="2358938" y="4825669"/>
-              <a:ext cx="436338" cy="369332"/>
-            </a:xfrm>
-            <a:prstGeom prst="rect">
-              <a:avLst/>
-            </a:prstGeom>
-            <a:noFill/>
-          </p:spPr>
-          <p:txBody>
-            <a:bodyPr wrap="none" rtlCol="0">
-              <a:spAutoFit/>
-            </a:bodyPr>
-            <a:lstStyle/>
-            <a:p>
-              <a:r>
-                <a:rPr lang="en-US" dirty="0"/>
-                <a:t>(a)</a:t>
-              </a:r>
-            </a:p>
-          </p:txBody>
-        </p:sp>
-        <p:sp>
-          <p:nvSpPr>
-            <p:cNvPr id="8" name="TextBox 7">
-              <a:extLst>
-                <a:ext uri="{FF2B5EF4-FFF2-40B4-BE49-F238E27FC236}">
-                  <a16:creationId xmlns:a16="http://schemas.microsoft.com/office/drawing/2014/main" id="{F3BF3CE6-DC46-C64A-A432-3514D6480284}"/>
-                </a:ext>
-              </a:extLst>
-            </p:cNvPr>
-            <p:cNvSpPr txBox="1"/>
-            <p:nvPr/>
-          </p:nvSpPr>
-          <p:spPr>
-            <a:xfrm>
-              <a:off x="6384464" y="4825669"/>
-              <a:ext cx="447558" cy="369332"/>
-            </a:xfrm>
-            <a:prstGeom prst="rect">
-              <a:avLst/>
-            </a:prstGeom>
-            <a:noFill/>
-          </p:spPr>
-          <p:txBody>
-            <a:bodyPr wrap="none" rtlCol="0">
-              <a:spAutoFit/>
-            </a:bodyPr>
-            <a:lstStyle/>
-            <a:p>
-              <a:r>
-                <a:rPr lang="en-US" dirty="0"/>
-                <a:t>(b)</a:t>
-              </a:r>
-            </a:p>
-          </p:txBody>
-        </p:sp>
-      </p:grpSp>
+      <p:pic>
+        <p:nvPicPr>
+          <p:cNvPr id="4" name="Picture 3">
+            <a:extLst>
+              <a:ext uri="{FF2B5EF4-FFF2-40B4-BE49-F238E27FC236}">
+                <a16:creationId xmlns:a16="http://schemas.microsoft.com/office/drawing/2014/main" id="{6DD4221C-6A9D-1847-9B81-4877AD818F1D}"/>
+              </a:ext>
+            </a:extLst>
+          </p:cNvPr>
+          <p:cNvPicPr>
+            <a:picLocks noChangeAspect="1"/>
+          </p:cNvPicPr>
+          <p:nvPr/>
+        </p:nvPicPr>
+        <p:blipFill>
+          <a:blip r:embed="rId2"/>
+          <a:stretch>
+            <a:fillRect/>
+          </a:stretch>
+        </p:blipFill>
+        <p:spPr>
+          <a:xfrm>
+            <a:off x="3085251" y="1058283"/>
+            <a:ext cx="4105238" cy="4040842"/>
+          </a:xfrm>
+          <a:prstGeom prst="rect">
+            <a:avLst/>
+          </a:prstGeom>
+        </p:spPr>
+      </p:pic>
     </p:spTree>
     <p:extLst>
       <p:ext uri="{BB962C8B-B14F-4D97-AF65-F5344CB8AC3E}">
-        <p14:creationId xmlns:p14="http://schemas.microsoft.com/office/powerpoint/2010/main" val="3454847941"/>
+        <p14:creationId xmlns:p14="http://schemas.microsoft.com/office/powerpoint/2010/main" val="1467505426"/>
       </p:ext>
     </p:extLst>
   </p:cSld>

--- a/preject.pptx
+++ b/preject.pptx
@@ -10,16 +10,15 @@
     <p:sldId id="263" r:id="rId4"/>
     <p:sldId id="265" r:id="rId5"/>
     <p:sldId id="266" r:id="rId6"/>
-    <p:sldId id="271" r:id="rId7"/>
-    <p:sldId id="257" r:id="rId8"/>
-    <p:sldId id="267" r:id="rId9"/>
-    <p:sldId id="272" r:id="rId10"/>
-    <p:sldId id="260" r:id="rId11"/>
-    <p:sldId id="268" r:id="rId12"/>
-    <p:sldId id="273" r:id="rId13"/>
-    <p:sldId id="259" r:id="rId14"/>
-    <p:sldId id="261" r:id="rId15"/>
-    <p:sldId id="269" r:id="rId16"/>
+    <p:sldId id="257" r:id="rId7"/>
+    <p:sldId id="267" r:id="rId8"/>
+    <p:sldId id="260" r:id="rId9"/>
+    <p:sldId id="268" r:id="rId10"/>
+    <p:sldId id="259" r:id="rId11"/>
+    <p:sldId id="261" r:id="rId12"/>
+    <p:sldId id="269" r:id="rId13"/>
+    <p:sldId id="270" r:id="rId14"/>
+    <p:sldId id="271" r:id="rId15"/>
   </p:sldIdLst>
   <p:sldSz cx="12192000" cy="6858000"/>
   <p:notesSz cx="6858000" cy="9144000"/>
@@ -273,7 +272,7 @@
           <a:p>
             <a:fld id="{12AC0475-D1BF-6748-99D7-5F4ACE0198D3}" type="datetimeFigureOut">
               <a:rPr lang="en-US" smtClean="0"/>
-              <a:t>4/21/21</a:t>
+              <a:t>4/22/21</a:t>
             </a:fld>
             <a:endParaRPr lang="en-US"/>
           </a:p>
@@ -471,7 +470,7 @@
           <a:p>
             <a:fld id="{12AC0475-D1BF-6748-99D7-5F4ACE0198D3}" type="datetimeFigureOut">
               <a:rPr lang="en-US" smtClean="0"/>
-              <a:t>4/21/21</a:t>
+              <a:t>4/22/21</a:t>
             </a:fld>
             <a:endParaRPr lang="en-US"/>
           </a:p>
@@ -679,7 +678,7 @@
           <a:p>
             <a:fld id="{12AC0475-D1BF-6748-99D7-5F4ACE0198D3}" type="datetimeFigureOut">
               <a:rPr lang="en-US" smtClean="0"/>
-              <a:t>4/21/21</a:t>
+              <a:t>4/22/21</a:t>
             </a:fld>
             <a:endParaRPr lang="en-US"/>
           </a:p>
@@ -877,7 +876,7 @@
           <a:p>
             <a:fld id="{12AC0475-D1BF-6748-99D7-5F4ACE0198D3}" type="datetimeFigureOut">
               <a:rPr lang="en-US" smtClean="0"/>
-              <a:t>4/21/21</a:t>
+              <a:t>4/22/21</a:t>
             </a:fld>
             <a:endParaRPr lang="en-US"/>
           </a:p>
@@ -1152,7 +1151,7 @@
           <a:p>
             <a:fld id="{12AC0475-D1BF-6748-99D7-5F4ACE0198D3}" type="datetimeFigureOut">
               <a:rPr lang="en-US" smtClean="0"/>
-              <a:t>4/21/21</a:t>
+              <a:t>4/22/21</a:t>
             </a:fld>
             <a:endParaRPr lang="en-US"/>
           </a:p>
@@ -1417,7 +1416,7 @@
           <a:p>
             <a:fld id="{12AC0475-D1BF-6748-99D7-5F4ACE0198D3}" type="datetimeFigureOut">
               <a:rPr lang="en-US" smtClean="0"/>
-              <a:t>4/21/21</a:t>
+              <a:t>4/22/21</a:t>
             </a:fld>
             <a:endParaRPr lang="en-US"/>
           </a:p>
@@ -1829,7 +1828,7 @@
           <a:p>
             <a:fld id="{12AC0475-D1BF-6748-99D7-5F4ACE0198D3}" type="datetimeFigureOut">
               <a:rPr lang="en-US" smtClean="0"/>
-              <a:t>4/21/21</a:t>
+              <a:t>4/22/21</a:t>
             </a:fld>
             <a:endParaRPr lang="en-US"/>
           </a:p>
@@ -1970,7 +1969,7 @@
           <a:p>
             <a:fld id="{12AC0475-D1BF-6748-99D7-5F4ACE0198D3}" type="datetimeFigureOut">
               <a:rPr lang="en-US" smtClean="0"/>
-              <a:t>4/21/21</a:t>
+              <a:t>4/22/21</a:t>
             </a:fld>
             <a:endParaRPr lang="en-US"/>
           </a:p>
@@ -2083,7 +2082,7 @@
           <a:p>
             <a:fld id="{12AC0475-D1BF-6748-99D7-5F4ACE0198D3}" type="datetimeFigureOut">
               <a:rPr lang="en-US" smtClean="0"/>
-              <a:t>4/21/21</a:t>
+              <a:t>4/22/21</a:t>
             </a:fld>
             <a:endParaRPr lang="en-US"/>
           </a:p>
@@ -2394,7 +2393,7 @@
           <a:p>
             <a:fld id="{12AC0475-D1BF-6748-99D7-5F4ACE0198D3}" type="datetimeFigureOut">
               <a:rPr lang="en-US" smtClean="0"/>
-              <a:t>4/21/21</a:t>
+              <a:t>4/22/21</a:t>
             </a:fld>
             <a:endParaRPr lang="en-US"/>
           </a:p>
@@ -2682,7 +2681,7 @@
           <a:p>
             <a:fld id="{12AC0475-D1BF-6748-99D7-5F4ACE0198D3}" type="datetimeFigureOut">
               <a:rPr lang="en-US" smtClean="0"/>
-              <a:t>4/21/21</a:t>
+              <a:t>4/22/21</a:t>
             </a:fld>
             <a:endParaRPr lang="en-US"/>
           </a:p>
@@ -2923,7 +2922,7 @@
           <a:p>
             <a:fld id="{12AC0475-D1BF-6748-99D7-5F4ACE0198D3}" type="datetimeFigureOut">
               <a:rPr lang="en-US" smtClean="0"/>
-              <a:t>4/21/21</a:t>
+              <a:t>4/22/21</a:t>
             </a:fld>
             <a:endParaRPr lang="en-US"/>
           </a:p>
@@ -3424,10 +3423,10 @@
       </p:grpSpPr>
       <p:pic>
         <p:nvPicPr>
-          <p:cNvPr id="3" name="Picture 2">
-            <a:extLst>
-              <a:ext uri="{FF2B5EF4-FFF2-40B4-BE49-F238E27FC236}">
-                <a16:creationId xmlns:a16="http://schemas.microsoft.com/office/drawing/2014/main" id="{041C70E5-B258-C540-8E1C-1357F56956E4}"/>
+          <p:cNvPr id="17" name="Picture 16">
+            <a:extLst>
+              <a:ext uri="{FF2B5EF4-FFF2-40B4-BE49-F238E27FC236}">
+                <a16:creationId xmlns:a16="http://schemas.microsoft.com/office/drawing/2014/main" id="{E8604359-E03D-844C-8D8C-EE9CAB2CE2F6}"/>
               </a:ext>
             </a:extLst>
           </p:cNvPr>
@@ -3444,8 +3443,8 @@
         </p:blipFill>
         <p:spPr>
           <a:xfrm>
-            <a:off x="3915947" y="2598255"/>
-            <a:ext cx="1869533" cy="1869533"/>
+            <a:off x="472471" y="4299685"/>
+            <a:ext cx="3161860" cy="2331282"/>
           </a:xfrm>
           <a:prstGeom prst="rect">
             <a:avLst/>
@@ -3454,10 +3453,10 @@
       </p:pic>
       <p:pic>
         <p:nvPicPr>
-          <p:cNvPr id="11" name="Picture 10">
-            <a:extLst>
-              <a:ext uri="{FF2B5EF4-FFF2-40B4-BE49-F238E27FC236}">
-                <a16:creationId xmlns:a16="http://schemas.microsoft.com/office/drawing/2014/main" id="{C327F4C0-73E3-C14C-9B0D-EBB396FC02EE}"/>
+          <p:cNvPr id="19" name="Picture 18">
+            <a:extLst>
+              <a:ext uri="{FF2B5EF4-FFF2-40B4-BE49-F238E27FC236}">
+                <a16:creationId xmlns:a16="http://schemas.microsoft.com/office/drawing/2014/main" id="{B0A53854-E8D3-5A41-B018-945D4DEEFE0E}"/>
               </a:ext>
             </a:extLst>
           </p:cNvPr>
@@ -3474,195 +3473,20 @@
         </p:blipFill>
         <p:spPr>
           <a:xfrm>
-            <a:off x="3824175" y="4678325"/>
-            <a:ext cx="1869533" cy="1886005"/>
+            <a:off x="5018960" y="4061637"/>
+            <a:ext cx="2647114" cy="2634264"/>
           </a:xfrm>
           <a:prstGeom prst="rect">
             <a:avLst/>
           </a:prstGeom>
         </p:spPr>
       </p:pic>
-      <p:sp>
-        <p:nvSpPr>
-          <p:cNvPr id="4" name="TextBox 3">
-            <a:extLst>
-              <a:ext uri="{FF2B5EF4-FFF2-40B4-BE49-F238E27FC236}">
-                <a16:creationId xmlns:a16="http://schemas.microsoft.com/office/drawing/2014/main" id="{62CC6AB0-6FC9-C742-BCEA-0FF8A995BAE9}"/>
-              </a:ext>
-            </a:extLst>
-          </p:cNvPr>
-          <p:cNvSpPr txBox="1"/>
-          <p:nvPr/>
-        </p:nvSpPr>
-        <p:spPr>
-          <a:xfrm>
-            <a:off x="203504" y="5430819"/>
-            <a:ext cx="2756076" cy="369332"/>
-          </a:xfrm>
-          <a:prstGeom prst="rect">
-            <a:avLst/>
-          </a:prstGeom>
-          <a:noFill/>
-        </p:spPr>
-        <p:txBody>
-          <a:bodyPr wrap="none" rtlCol="0">
-            <a:spAutoFit/>
-          </a:bodyPr>
-          <a:lstStyle/>
-          <a:p>
-            <a:r>
-              <a:rPr lang="en-US" dirty="0"/>
-              <a:t>2- Down sampled and crop </a:t>
-            </a:r>
-          </a:p>
-        </p:txBody>
-      </p:sp>
-      <p:sp>
-        <p:nvSpPr>
-          <p:cNvPr id="8" name="TextBox 7">
-            <a:extLst>
-              <a:ext uri="{FF2B5EF4-FFF2-40B4-BE49-F238E27FC236}">
-                <a16:creationId xmlns:a16="http://schemas.microsoft.com/office/drawing/2014/main" id="{C74BE216-385C-9146-B656-C67128BA1F10}"/>
-              </a:ext>
-            </a:extLst>
-          </p:cNvPr>
-          <p:cNvSpPr txBox="1"/>
-          <p:nvPr/>
-        </p:nvSpPr>
-        <p:spPr>
-          <a:xfrm>
-            <a:off x="21425" y="69378"/>
-            <a:ext cx="3565528" cy="400110"/>
-          </a:xfrm>
-          <a:prstGeom prst="rect">
-            <a:avLst/>
-          </a:prstGeom>
-          <a:noFill/>
-        </p:spPr>
-        <p:txBody>
-          <a:bodyPr wrap="none" rtlCol="0">
-            <a:spAutoFit/>
-          </a:bodyPr>
-          <a:lstStyle/>
-          <a:p>
-            <a:r>
-              <a:rPr lang="en-US" sz="2000" dirty="0"/>
-              <a:t>Toy problem 2: Data preparation</a:t>
-            </a:r>
-          </a:p>
-        </p:txBody>
-      </p:sp>
-      <p:sp>
-        <p:nvSpPr>
-          <p:cNvPr id="5" name="TextBox 4">
-            <a:extLst>
-              <a:ext uri="{FF2B5EF4-FFF2-40B4-BE49-F238E27FC236}">
-                <a16:creationId xmlns:a16="http://schemas.microsoft.com/office/drawing/2014/main" id="{A8E2949C-DFFA-C640-AF27-AD36FD633E8E}"/>
-              </a:ext>
-            </a:extLst>
-          </p:cNvPr>
-          <p:cNvSpPr txBox="1"/>
-          <p:nvPr/>
-        </p:nvSpPr>
-        <p:spPr>
-          <a:xfrm>
-            <a:off x="157628" y="3163690"/>
-            <a:ext cx="2852832" cy="369332"/>
-          </a:xfrm>
-          <a:prstGeom prst="rect">
-            <a:avLst/>
-          </a:prstGeom>
-          <a:noFill/>
-        </p:spPr>
-        <p:txBody>
-          <a:bodyPr wrap="none" rtlCol="0">
-            <a:spAutoFit/>
-          </a:bodyPr>
-          <a:lstStyle/>
-          <a:p>
-            <a:r>
-              <a:rPr lang="en-US" dirty="0"/>
-              <a:t>1- we binarized the solution </a:t>
-            </a:r>
-          </a:p>
-        </p:txBody>
-      </p:sp>
-      <p:sp>
-        <p:nvSpPr>
-          <p:cNvPr id="10" name="TextBox 9">
-            <a:extLst>
-              <a:ext uri="{FF2B5EF4-FFF2-40B4-BE49-F238E27FC236}">
-                <a16:creationId xmlns:a16="http://schemas.microsoft.com/office/drawing/2014/main" id="{EDD8CB23-6CD0-A143-8279-4727EB4169ED}"/>
-              </a:ext>
-            </a:extLst>
-          </p:cNvPr>
-          <p:cNvSpPr txBox="1"/>
-          <p:nvPr/>
-        </p:nvSpPr>
-        <p:spPr>
-          <a:xfrm>
-            <a:off x="9130223" y="950127"/>
-            <a:ext cx="2381293" cy="584775"/>
-          </a:xfrm>
-          <a:prstGeom prst="rect">
-            <a:avLst/>
-          </a:prstGeom>
-          <a:noFill/>
-        </p:spPr>
-        <p:txBody>
-          <a:bodyPr wrap="square" rtlCol="0">
-            <a:spAutoFit/>
-          </a:bodyPr>
-          <a:lstStyle/>
-          <a:p>
-            <a:r>
-              <a:rPr lang="en-US" sz="1600" dirty="0"/>
-              <a:t>Computational domain has a graph structure</a:t>
-            </a:r>
-          </a:p>
-        </p:txBody>
-      </p:sp>
-      <p:sp>
-        <p:nvSpPr>
-          <p:cNvPr id="13" name="TextBox 12">
-            <a:extLst>
-              <a:ext uri="{FF2B5EF4-FFF2-40B4-BE49-F238E27FC236}">
-                <a16:creationId xmlns:a16="http://schemas.microsoft.com/office/drawing/2014/main" id="{5F33CCCB-7E90-164B-891C-1D41168D9A13}"/>
-              </a:ext>
-            </a:extLst>
-          </p:cNvPr>
-          <p:cNvSpPr txBox="1"/>
-          <p:nvPr/>
-        </p:nvSpPr>
-        <p:spPr>
-          <a:xfrm>
-            <a:off x="203504" y="1057849"/>
-            <a:ext cx="2570575" cy="369332"/>
-          </a:xfrm>
-          <a:prstGeom prst="rect">
-            <a:avLst/>
-          </a:prstGeom>
-          <a:noFill/>
-        </p:spPr>
-        <p:txBody>
-          <a:bodyPr wrap="none" rtlCol="0">
-            <a:spAutoFit/>
-          </a:bodyPr>
-          <a:lstStyle/>
-          <a:p>
-            <a:r>
-              <a:rPr lang="en-US" dirty="0"/>
-              <a:t>0-field solution from FEM</a:t>
-            </a:r>
-          </a:p>
-        </p:txBody>
-      </p:sp>
       <p:pic>
         <p:nvPicPr>
-          <p:cNvPr id="14" name="Picture 13">
-            <a:extLst>
-              <a:ext uri="{FF2B5EF4-FFF2-40B4-BE49-F238E27FC236}">
-                <a16:creationId xmlns:a16="http://schemas.microsoft.com/office/drawing/2014/main" id="{936D074F-FCBD-F146-B045-C7D78E96CB97}"/>
+          <p:cNvPr id="21" name="Picture 20">
+            <a:extLst>
+              <a:ext uri="{FF2B5EF4-FFF2-40B4-BE49-F238E27FC236}">
+                <a16:creationId xmlns:a16="http://schemas.microsoft.com/office/drawing/2014/main" id="{A7D47EF5-F662-074D-9F95-CE960D466848}"/>
               </a:ext>
             </a:extLst>
           </p:cNvPr>
@@ -3679,8 +3503,8 @@
         </p:blipFill>
         <p:spPr>
           <a:xfrm>
-            <a:off x="4054548" y="591442"/>
-            <a:ext cx="1477147" cy="1460642"/>
+            <a:off x="8701661" y="4061636"/>
+            <a:ext cx="3139465" cy="2634264"/>
           </a:xfrm>
           <a:prstGeom prst="rect">
             <a:avLst/>
@@ -3689,10 +3513,10 @@
       </p:pic>
       <p:sp>
         <p:nvSpPr>
-          <p:cNvPr id="15" name="TextBox 14">
-            <a:extLst>
-              <a:ext uri="{FF2B5EF4-FFF2-40B4-BE49-F238E27FC236}">
-                <a16:creationId xmlns:a16="http://schemas.microsoft.com/office/drawing/2014/main" id="{F1C1B91F-C21C-4E41-832D-23EC7E2A8450}"/>
+          <p:cNvPr id="7" name="TextBox 6">
+            <a:extLst>
+              <a:ext uri="{FF2B5EF4-FFF2-40B4-BE49-F238E27FC236}">
+                <a16:creationId xmlns:a16="http://schemas.microsoft.com/office/drawing/2014/main" id="{5DF48528-55E9-EB49-A7D2-C6452EDF4ACB}"/>
               </a:ext>
             </a:extLst>
           </p:cNvPr>
@@ -3701,8 +3525,8 @@
         </p:nvSpPr>
         <p:spPr>
           <a:xfrm>
-            <a:off x="8150055" y="4078160"/>
-            <a:ext cx="3618614" cy="1200329"/>
+            <a:off x="0" y="60279"/>
+            <a:ext cx="5527732" cy="400110"/>
           </a:xfrm>
           <a:prstGeom prst="rect">
             <a:avLst/>
@@ -3710,40 +3534,24 @@
           <a:noFill/>
         </p:spPr>
         <p:txBody>
-          <a:bodyPr wrap="square" rtlCol="0">
+          <a:bodyPr wrap="none" rtlCol="0">
             <a:spAutoFit/>
           </a:bodyPr>
           <a:lstStyle/>
           <a:p>
-            <a:pPr algn="ctr"/>
-            <a:r>
-              <a:rPr lang="en-US" sz="2400" dirty="0">
-                <a:solidFill>
-                  <a:srgbClr val="00B0F0"/>
-                </a:solidFill>
-              </a:rPr>
-              <a:t>To be as close as possible to experimental </a:t>
-            </a:r>
-          </a:p>
-          <a:p>
-            <a:pPr algn="ctr"/>
-            <a:r>
-              <a:rPr lang="en-US" sz="2400" dirty="0">
-                <a:solidFill>
-                  <a:srgbClr val="00B0F0"/>
-                </a:solidFill>
-              </a:rPr>
-              <a:t>conditions!</a:t>
+            <a:r>
+              <a:rPr lang="en-US" sz="2000" dirty="0"/>
+              <a:t>Toy problem 2: LASSO reconstruction without noise</a:t>
             </a:r>
           </a:p>
         </p:txBody>
       </p:sp>
       <p:pic>
         <p:nvPicPr>
-          <p:cNvPr id="17" name="Picture 16">
-            <a:extLst>
-              <a:ext uri="{FF2B5EF4-FFF2-40B4-BE49-F238E27FC236}">
-                <a16:creationId xmlns:a16="http://schemas.microsoft.com/office/drawing/2014/main" id="{3F05394D-B945-8C41-90CC-268D696D2433}"/>
+          <p:cNvPr id="8" name="Picture 7">
+            <a:extLst>
+              <a:ext uri="{FF2B5EF4-FFF2-40B4-BE49-F238E27FC236}">
+                <a16:creationId xmlns:a16="http://schemas.microsoft.com/office/drawing/2014/main" id="{954484BE-D60E-C24F-ADB0-36204C44E1D9}"/>
               </a:ext>
             </a:extLst>
           </p:cNvPr>
@@ -3760,18 +3568,158 @@
         </p:blipFill>
         <p:spPr>
           <a:xfrm>
-            <a:off x="6438405" y="373191"/>
-            <a:ext cx="2691818" cy="1859647"/>
+            <a:off x="2281527" y="433504"/>
+            <a:ext cx="2462659" cy="2462659"/>
           </a:xfrm>
           <a:prstGeom prst="rect">
             <a:avLst/>
           </a:prstGeom>
         </p:spPr>
       </p:pic>
+      <p:sp>
+        <p:nvSpPr>
+          <p:cNvPr id="2" name="TextBox 1">
+            <a:extLst>
+              <a:ext uri="{FF2B5EF4-FFF2-40B4-BE49-F238E27FC236}">
+                <a16:creationId xmlns:a16="http://schemas.microsoft.com/office/drawing/2014/main" id="{7D17BEAF-0739-934C-8337-2DAFA102468A}"/>
+              </a:ext>
+            </a:extLst>
+          </p:cNvPr>
+          <p:cNvSpPr txBox="1"/>
+          <p:nvPr/>
+        </p:nvSpPr>
+        <p:spPr>
+          <a:xfrm>
+            <a:off x="472471" y="1639432"/>
+            <a:ext cx="1477777" cy="369332"/>
+          </a:xfrm>
+          <a:prstGeom prst="rect">
+            <a:avLst/>
+          </a:prstGeom>
+          <a:noFill/>
+        </p:spPr>
+        <p:txBody>
+          <a:bodyPr wrap="none" rtlCol="0">
+            <a:spAutoFit/>
+          </a:bodyPr>
+          <a:lstStyle/>
+          <a:p>
+            <a:r>
+              <a:rPr lang="en-US" dirty="0"/>
+              <a:t>Ground truth</a:t>
+            </a:r>
+          </a:p>
+        </p:txBody>
+      </p:sp>
+      <p:sp>
+        <p:nvSpPr>
+          <p:cNvPr id="3" name="TextBox 2">
+            <a:extLst>
+              <a:ext uri="{FF2B5EF4-FFF2-40B4-BE49-F238E27FC236}">
+                <a16:creationId xmlns:a16="http://schemas.microsoft.com/office/drawing/2014/main" id="{9F55C512-125E-5149-9898-D621B6BC6D09}"/>
+              </a:ext>
+            </a:extLst>
+          </p:cNvPr>
+          <p:cNvSpPr txBox="1"/>
+          <p:nvPr/>
+        </p:nvSpPr>
+        <p:spPr>
+          <a:xfrm>
+            <a:off x="1353343" y="3961837"/>
+            <a:ext cx="1801519" cy="369332"/>
+          </a:xfrm>
+          <a:prstGeom prst="rect">
+            <a:avLst/>
+          </a:prstGeom>
+          <a:noFill/>
+        </p:spPr>
+        <p:txBody>
+          <a:bodyPr wrap="none" rtlCol="0">
+            <a:spAutoFit/>
+          </a:bodyPr>
+          <a:lstStyle/>
+          <a:p>
+            <a:r>
+              <a:rPr lang="en-US" dirty="0"/>
+              <a:t>Recovered atoms</a:t>
+            </a:r>
+          </a:p>
+        </p:txBody>
+      </p:sp>
+      <p:sp>
+        <p:nvSpPr>
+          <p:cNvPr id="4" name="TextBox 3">
+            <a:extLst>
+              <a:ext uri="{FF2B5EF4-FFF2-40B4-BE49-F238E27FC236}">
+                <a16:creationId xmlns:a16="http://schemas.microsoft.com/office/drawing/2014/main" id="{55FBC8FF-4C3F-D942-A167-F1727C88432B}"/>
+              </a:ext>
+            </a:extLst>
+          </p:cNvPr>
+          <p:cNvSpPr txBox="1"/>
+          <p:nvPr/>
+        </p:nvSpPr>
+        <p:spPr>
+          <a:xfrm>
+            <a:off x="5547972" y="3745467"/>
+            <a:ext cx="1589089" cy="369332"/>
+          </a:xfrm>
+          <a:prstGeom prst="rect">
+            <a:avLst/>
+          </a:prstGeom>
+          <a:noFill/>
+        </p:spPr>
+        <p:txBody>
+          <a:bodyPr wrap="none" rtlCol="0">
+            <a:spAutoFit/>
+          </a:bodyPr>
+          <a:lstStyle/>
+          <a:p>
+            <a:r>
+              <a:rPr lang="en-US" dirty="0"/>
+              <a:t>Reconstructed</a:t>
+            </a:r>
+          </a:p>
+        </p:txBody>
+      </p:sp>
+      <p:sp>
+        <p:nvSpPr>
+          <p:cNvPr id="12" name="TextBox 11">
+            <a:extLst>
+              <a:ext uri="{FF2B5EF4-FFF2-40B4-BE49-F238E27FC236}">
+                <a16:creationId xmlns:a16="http://schemas.microsoft.com/office/drawing/2014/main" id="{2540C02B-BA79-FC4E-9328-BAC05A7F3CD1}"/>
+              </a:ext>
+            </a:extLst>
+          </p:cNvPr>
+          <p:cNvSpPr txBox="1"/>
+          <p:nvPr/>
+        </p:nvSpPr>
+        <p:spPr>
+          <a:xfrm>
+            <a:off x="9848988" y="3745467"/>
+            <a:ext cx="655436" cy="369332"/>
+          </a:xfrm>
+          <a:prstGeom prst="rect">
+            <a:avLst/>
+          </a:prstGeom>
+          <a:noFill/>
+        </p:spPr>
+        <p:txBody>
+          <a:bodyPr wrap="none" rtlCol="0">
+            <a:spAutoFit/>
+          </a:bodyPr>
+          <a:lstStyle/>
+          <a:p>
+            <a:r>
+              <a:rPr lang="en-US" dirty="0"/>
+              <a:t>Error</a:t>
+            </a:r>
+          </a:p>
+        </p:txBody>
+      </p:sp>
     </p:spTree>
     <p:extLst>
       <p:ext uri="{BB962C8B-B14F-4D97-AF65-F5344CB8AC3E}">
-        <p14:creationId xmlns:p14="http://schemas.microsoft.com/office/powerpoint/2010/main" val="968249077"/>
+        <p14:creationId xmlns:p14="http://schemas.microsoft.com/office/powerpoint/2010/main" val="4168040403"/>
       </p:ext>
     </p:extLst>
   </p:cSld>
@@ -3798,106 +3746,12 @@
           <a:chExt cx="0" cy="0"/>
         </a:xfrm>
       </p:grpSpPr>
-      <p:sp>
-        <p:nvSpPr>
-          <p:cNvPr id="8" name="TextBox 7">
-            <a:extLst>
-              <a:ext uri="{FF2B5EF4-FFF2-40B4-BE49-F238E27FC236}">
-                <a16:creationId xmlns:a16="http://schemas.microsoft.com/office/drawing/2014/main" id="{C74BE216-385C-9146-B656-C67128BA1F10}"/>
-              </a:ext>
-            </a:extLst>
-          </p:cNvPr>
-          <p:cNvSpPr txBox="1"/>
-          <p:nvPr/>
-        </p:nvSpPr>
-        <p:spPr>
-          <a:xfrm>
-            <a:off x="21425" y="69378"/>
-            <a:ext cx="3565528" cy="400110"/>
-          </a:xfrm>
-          <a:prstGeom prst="rect">
-            <a:avLst/>
-          </a:prstGeom>
-          <a:noFill/>
-        </p:spPr>
-        <p:txBody>
-          <a:bodyPr wrap="none" rtlCol="0">
-            <a:spAutoFit/>
-          </a:bodyPr>
-          <a:lstStyle/>
-          <a:p>
-            <a:r>
-              <a:rPr lang="en-US" sz="2000" dirty="0"/>
-              <a:t>Toy problem 2: Data preparation</a:t>
-            </a:r>
-          </a:p>
-        </p:txBody>
-      </p:sp>
-      <p:sp>
-        <p:nvSpPr>
-          <p:cNvPr id="2" name="TextBox 1">
-            <a:extLst>
-              <a:ext uri="{FF2B5EF4-FFF2-40B4-BE49-F238E27FC236}">
-                <a16:creationId xmlns:a16="http://schemas.microsoft.com/office/drawing/2014/main" id="{4625E87B-44B7-AA4E-91AF-177B570A647A}"/>
-              </a:ext>
-            </a:extLst>
-          </p:cNvPr>
-          <p:cNvSpPr txBox="1"/>
-          <p:nvPr/>
-        </p:nvSpPr>
-        <p:spPr>
-          <a:xfrm>
-            <a:off x="446567" y="667582"/>
-            <a:ext cx="7309502" cy="923330"/>
-          </a:xfrm>
-          <a:prstGeom prst="rect">
-            <a:avLst/>
-          </a:prstGeom>
-          <a:noFill/>
-        </p:spPr>
-        <p:txBody>
-          <a:bodyPr wrap="none" rtlCol="0">
-            <a:spAutoFit/>
-          </a:bodyPr>
-          <a:lstStyle/>
-          <a:p>
-            <a:pPr marL="285750" indent="-285750">
-              <a:buFont typeface="Arial" panose="020B0604020202020204" pitchFamily="34" charset="0"/>
-              <a:buChar char="•"/>
-            </a:pPr>
-            <a:r>
-              <a:rPr lang="en-US" dirty="0"/>
-              <a:t>we record 300 snapshots from beginning to the steady state condition</a:t>
-            </a:r>
-          </a:p>
-          <a:p>
-            <a:pPr marL="285750" indent="-285750">
-              <a:buFont typeface="Arial" panose="020B0604020202020204" pitchFamily="34" charset="0"/>
-              <a:buChar char="•"/>
-            </a:pPr>
-            <a:r>
-              <a:rPr lang="en-US" dirty="0"/>
-              <a:t>250 random snapshots are used to construct the library</a:t>
-            </a:r>
-          </a:p>
-          <a:p>
-            <a:pPr marL="285750" indent="-285750">
-              <a:buFont typeface="Arial" panose="020B0604020202020204" pitchFamily="34" charset="0"/>
-              <a:buChar char="•"/>
-            </a:pPr>
-            <a:r>
-              <a:rPr lang="en-US" dirty="0"/>
-              <a:t>For reconstruction we select from those data not presented in the library</a:t>
-            </a:r>
-          </a:p>
-        </p:txBody>
-      </p:sp>
       <p:pic>
         <p:nvPicPr>
-          <p:cNvPr id="16" name="Picture 15">
-            <a:extLst>
-              <a:ext uri="{FF2B5EF4-FFF2-40B4-BE49-F238E27FC236}">
-                <a16:creationId xmlns:a16="http://schemas.microsoft.com/office/drawing/2014/main" id="{65409BF2-3A98-304C-B0C0-C2C07DB9111F}"/>
+          <p:cNvPr id="3" name="Picture 2">
+            <a:extLst>
+              <a:ext uri="{FF2B5EF4-FFF2-40B4-BE49-F238E27FC236}">
+                <a16:creationId xmlns:a16="http://schemas.microsoft.com/office/drawing/2014/main" id="{1AA6D635-8DE2-5F4C-8E79-00314D2F0B54}"/>
               </a:ext>
             </a:extLst>
           </p:cNvPr>
@@ -3914,20 +3768,110 @@
         </p:blipFill>
         <p:spPr>
           <a:xfrm>
-            <a:off x="3933594" y="2663554"/>
-            <a:ext cx="3822306" cy="3822306"/>
+            <a:off x="465616" y="1030831"/>
+            <a:ext cx="2781142" cy="2422893"/>
           </a:xfrm>
           <a:prstGeom prst="rect">
             <a:avLst/>
           </a:prstGeom>
         </p:spPr>
       </p:pic>
-      <p:sp>
-        <p:nvSpPr>
-          <p:cNvPr id="17" name="TextBox 16">
-            <a:extLst>
-              <a:ext uri="{FF2B5EF4-FFF2-40B4-BE49-F238E27FC236}">
-                <a16:creationId xmlns:a16="http://schemas.microsoft.com/office/drawing/2014/main" id="{E1110C96-CEE7-4F4C-BE0E-0A9226903BB0}"/>
+      <p:pic>
+        <p:nvPicPr>
+          <p:cNvPr id="5" name="Picture 4">
+            <a:extLst>
+              <a:ext uri="{FF2B5EF4-FFF2-40B4-BE49-F238E27FC236}">
+                <a16:creationId xmlns:a16="http://schemas.microsoft.com/office/drawing/2014/main" id="{0D1A159D-40CC-A445-8542-55BA2049A431}"/>
+              </a:ext>
+            </a:extLst>
+          </p:cNvPr>
+          <p:cNvPicPr>
+            <a:picLocks noChangeAspect="1"/>
+          </p:cNvPicPr>
+          <p:nvPr/>
+        </p:nvPicPr>
+        <p:blipFill>
+          <a:blip r:embed="rId3"/>
+          <a:stretch>
+            <a:fillRect/>
+          </a:stretch>
+        </p:blipFill>
+        <p:spPr>
+          <a:xfrm>
+            <a:off x="267426" y="4302129"/>
+            <a:ext cx="3177524" cy="2411130"/>
+          </a:xfrm>
+          <a:prstGeom prst="rect">
+            <a:avLst/>
+          </a:prstGeom>
+        </p:spPr>
+      </p:pic>
+      <p:pic>
+        <p:nvPicPr>
+          <p:cNvPr id="7" name="Picture 6">
+            <a:extLst>
+              <a:ext uri="{FF2B5EF4-FFF2-40B4-BE49-F238E27FC236}">
+                <a16:creationId xmlns:a16="http://schemas.microsoft.com/office/drawing/2014/main" id="{59D74B4D-43D6-5548-A28E-8B0293E2016B}"/>
+              </a:ext>
+            </a:extLst>
+          </p:cNvPr>
+          <p:cNvPicPr>
+            <a:picLocks noChangeAspect="1"/>
+          </p:cNvPicPr>
+          <p:nvPr/>
+        </p:nvPicPr>
+        <p:blipFill>
+          <a:blip r:embed="rId4"/>
+          <a:stretch>
+            <a:fillRect/>
+          </a:stretch>
+        </p:blipFill>
+        <p:spPr>
+          <a:xfrm>
+            <a:off x="4435412" y="4024166"/>
+            <a:ext cx="3060541" cy="2833834"/>
+          </a:xfrm>
+          <a:prstGeom prst="rect">
+            <a:avLst/>
+          </a:prstGeom>
+        </p:spPr>
+      </p:pic>
+      <p:pic>
+        <p:nvPicPr>
+          <p:cNvPr id="11" name="Picture 10">
+            <a:extLst>
+              <a:ext uri="{FF2B5EF4-FFF2-40B4-BE49-F238E27FC236}">
+                <a16:creationId xmlns:a16="http://schemas.microsoft.com/office/drawing/2014/main" id="{E38B9648-7C2E-144B-92F6-432037F38BF9}"/>
+              </a:ext>
+            </a:extLst>
+          </p:cNvPr>
+          <p:cNvPicPr>
+            <a:picLocks noChangeAspect="1"/>
+          </p:cNvPicPr>
+          <p:nvPr/>
+        </p:nvPicPr>
+        <p:blipFill>
+          <a:blip r:embed="rId5"/>
+          <a:stretch>
+            <a:fillRect/>
+          </a:stretch>
+        </p:blipFill>
+        <p:spPr>
+          <a:xfrm>
+            <a:off x="8275215" y="4103721"/>
+            <a:ext cx="3152398" cy="2609538"/>
+          </a:xfrm>
+          <a:prstGeom prst="rect">
+            <a:avLst/>
+          </a:prstGeom>
+        </p:spPr>
+      </p:pic>
+      <p:sp>
+        <p:nvSpPr>
+          <p:cNvPr id="6" name="TextBox 5">
+            <a:extLst>
+              <a:ext uri="{FF2B5EF4-FFF2-40B4-BE49-F238E27FC236}">
+                <a16:creationId xmlns:a16="http://schemas.microsoft.com/office/drawing/2014/main" id="{F52802FA-DBE6-6A48-A862-44CDE2A25ED2}"/>
               </a:ext>
             </a:extLst>
           </p:cNvPr>
@@ -3936,8 +3880,8 @@
         </p:nvSpPr>
         <p:spPr>
           <a:xfrm>
-            <a:off x="4700540" y="2294222"/>
-            <a:ext cx="2578270" cy="369332"/>
+            <a:off x="0" y="60279"/>
+            <a:ext cx="7031797" cy="400110"/>
           </a:xfrm>
           <a:prstGeom prst="rect">
             <a:avLst/>
@@ -3951,8 +3895,213 @@
           <a:lstStyle/>
           <a:p>
             <a:r>
+              <a:rPr lang="en-US" sz="2000" dirty="0"/>
+              <a:t>Toy problem 2: LASSO reconstruction without noisy measurement</a:t>
+            </a:r>
+          </a:p>
+        </p:txBody>
+      </p:sp>
+      <p:pic>
+        <p:nvPicPr>
+          <p:cNvPr id="8" name="Picture 7">
+            <a:extLst>
+              <a:ext uri="{FF2B5EF4-FFF2-40B4-BE49-F238E27FC236}">
+                <a16:creationId xmlns:a16="http://schemas.microsoft.com/office/drawing/2014/main" id="{C21D8DC1-6A38-874E-9048-A3532EFF9CF0}"/>
+              </a:ext>
+            </a:extLst>
+          </p:cNvPr>
+          <p:cNvPicPr>
+            <a:picLocks noChangeAspect="1"/>
+          </p:cNvPicPr>
+          <p:nvPr/>
+        </p:nvPicPr>
+        <p:blipFill>
+          <a:blip r:embed="rId6"/>
+          <a:stretch>
+            <a:fillRect/>
+          </a:stretch>
+        </p:blipFill>
+        <p:spPr>
+          <a:xfrm>
+            <a:off x="4435412" y="966341"/>
+            <a:ext cx="2462659" cy="2462659"/>
+          </a:xfrm>
+          <a:prstGeom prst="rect">
+            <a:avLst/>
+          </a:prstGeom>
+        </p:spPr>
+      </p:pic>
+      <p:sp>
+        <p:nvSpPr>
+          <p:cNvPr id="9" name="TextBox 8">
+            <a:extLst>
+              <a:ext uri="{FF2B5EF4-FFF2-40B4-BE49-F238E27FC236}">
+                <a16:creationId xmlns:a16="http://schemas.microsoft.com/office/drawing/2014/main" id="{2361A918-12F0-1F43-9F17-03ADA8740F69}"/>
+              </a:ext>
+            </a:extLst>
+          </p:cNvPr>
+          <p:cNvSpPr txBox="1"/>
+          <p:nvPr/>
+        </p:nvSpPr>
+        <p:spPr>
+          <a:xfrm>
+            <a:off x="5117024" y="597009"/>
+            <a:ext cx="1477777" cy="369332"/>
+          </a:xfrm>
+          <a:prstGeom prst="rect">
+            <a:avLst/>
+          </a:prstGeom>
+          <a:noFill/>
+        </p:spPr>
+        <p:txBody>
+          <a:bodyPr wrap="none" rtlCol="0">
+            <a:spAutoFit/>
+          </a:bodyPr>
+          <a:lstStyle/>
+          <a:p>
+            <a:r>
               <a:rPr lang="en-US" dirty="0"/>
-              <a:t>Just 2% of measurements</a:t>
+              <a:t>Ground truth</a:t>
+            </a:r>
+          </a:p>
+        </p:txBody>
+      </p:sp>
+      <p:sp>
+        <p:nvSpPr>
+          <p:cNvPr id="2" name="TextBox 1">
+            <a:extLst>
+              <a:ext uri="{FF2B5EF4-FFF2-40B4-BE49-F238E27FC236}">
+                <a16:creationId xmlns:a16="http://schemas.microsoft.com/office/drawing/2014/main" id="{2E9431FC-E046-A14C-A6EE-00C045EA5699}"/>
+              </a:ext>
+            </a:extLst>
+          </p:cNvPr>
+          <p:cNvSpPr txBox="1"/>
+          <p:nvPr/>
+        </p:nvSpPr>
+        <p:spPr>
+          <a:xfrm>
+            <a:off x="716371" y="661499"/>
+            <a:ext cx="2115003" cy="369332"/>
+          </a:xfrm>
+          <a:prstGeom prst="rect">
+            <a:avLst/>
+          </a:prstGeom>
+          <a:noFill/>
+        </p:spPr>
+        <p:txBody>
+          <a:bodyPr wrap="none" rtlCol="0">
+            <a:spAutoFit/>
+          </a:bodyPr>
+          <a:lstStyle/>
+          <a:p>
+            <a:r>
+              <a:rPr lang="en-US" dirty="0"/>
+              <a:t>Noisy measurement</a:t>
+            </a:r>
+          </a:p>
+        </p:txBody>
+      </p:sp>
+      <p:sp>
+        <p:nvSpPr>
+          <p:cNvPr id="10" name="TextBox 9">
+            <a:extLst>
+              <a:ext uri="{FF2B5EF4-FFF2-40B4-BE49-F238E27FC236}">
+                <a16:creationId xmlns:a16="http://schemas.microsoft.com/office/drawing/2014/main" id="{26C57488-8A65-084C-9CB4-A9A827E17DE6}"/>
+              </a:ext>
+            </a:extLst>
+          </p:cNvPr>
+          <p:cNvSpPr txBox="1"/>
+          <p:nvPr/>
+        </p:nvSpPr>
+        <p:spPr>
+          <a:xfrm>
+            <a:off x="955428" y="3786555"/>
+            <a:ext cx="1801519" cy="369332"/>
+          </a:xfrm>
+          <a:prstGeom prst="rect">
+            <a:avLst/>
+          </a:prstGeom>
+          <a:noFill/>
+        </p:spPr>
+        <p:txBody>
+          <a:bodyPr wrap="none" rtlCol="0">
+            <a:spAutoFit/>
+          </a:bodyPr>
+          <a:lstStyle/>
+          <a:p>
+            <a:r>
+              <a:rPr lang="en-US" dirty="0"/>
+              <a:t>Recovered atoms</a:t>
+            </a:r>
+          </a:p>
+        </p:txBody>
+      </p:sp>
+      <p:sp>
+        <p:nvSpPr>
+          <p:cNvPr id="12" name="TextBox 11">
+            <a:extLst>
+              <a:ext uri="{FF2B5EF4-FFF2-40B4-BE49-F238E27FC236}">
+                <a16:creationId xmlns:a16="http://schemas.microsoft.com/office/drawing/2014/main" id="{5A3913AD-3071-374A-8DCE-94AFA41CC560}"/>
+              </a:ext>
+            </a:extLst>
+          </p:cNvPr>
+          <p:cNvSpPr txBox="1"/>
+          <p:nvPr/>
+        </p:nvSpPr>
+        <p:spPr>
+          <a:xfrm>
+            <a:off x="5005712" y="3786555"/>
+            <a:ext cx="1589089" cy="369332"/>
+          </a:xfrm>
+          <a:prstGeom prst="rect">
+            <a:avLst/>
+          </a:prstGeom>
+          <a:noFill/>
+        </p:spPr>
+        <p:txBody>
+          <a:bodyPr wrap="none" rtlCol="0">
+            <a:spAutoFit/>
+          </a:bodyPr>
+          <a:lstStyle/>
+          <a:p>
+            <a:r>
+              <a:rPr lang="en-US" dirty="0"/>
+              <a:t>Reconstructed</a:t>
+            </a:r>
+          </a:p>
+        </p:txBody>
+      </p:sp>
+      <p:sp>
+        <p:nvSpPr>
+          <p:cNvPr id="13" name="TextBox 12">
+            <a:extLst>
+              <a:ext uri="{FF2B5EF4-FFF2-40B4-BE49-F238E27FC236}">
+                <a16:creationId xmlns:a16="http://schemas.microsoft.com/office/drawing/2014/main" id="{AA8394F6-7552-A540-881F-3AA9AF22AE21}"/>
+              </a:ext>
+            </a:extLst>
+          </p:cNvPr>
+          <p:cNvSpPr txBox="1"/>
+          <p:nvPr/>
+        </p:nvSpPr>
+        <p:spPr>
+          <a:xfrm>
+            <a:off x="9523696" y="3786555"/>
+            <a:ext cx="655436" cy="369332"/>
+          </a:xfrm>
+          <a:prstGeom prst="rect">
+            <a:avLst/>
+          </a:prstGeom>
+          <a:noFill/>
+        </p:spPr>
+        <p:txBody>
+          <a:bodyPr wrap="none" rtlCol="0">
+            <a:spAutoFit/>
+          </a:bodyPr>
+          <a:lstStyle/>
+          <a:p>
+            <a:r>
+              <a:rPr lang="en-US" dirty="0"/>
+              <a:t>Error</a:t>
             </a:r>
           </a:p>
         </p:txBody>
@@ -3960,7 +4109,7 @@
     </p:spTree>
     <p:extLst>
       <p:ext uri="{BB962C8B-B14F-4D97-AF65-F5344CB8AC3E}">
-        <p14:creationId xmlns:p14="http://schemas.microsoft.com/office/powerpoint/2010/main" val="3599638248"/>
+        <p14:creationId xmlns:p14="http://schemas.microsoft.com/office/powerpoint/2010/main" val="1923623714"/>
       </p:ext>
     </p:extLst>
   </p:cSld>
@@ -3987,40 +4136,121 @@
           <a:chExt cx="0" cy="0"/>
         </a:xfrm>
       </p:grpSpPr>
-      <p:pic>
-        <p:nvPicPr>
-          <p:cNvPr id="4" name="Picture 3">
-            <a:extLst>
-              <a:ext uri="{FF2B5EF4-FFF2-40B4-BE49-F238E27FC236}">
-                <a16:creationId xmlns:a16="http://schemas.microsoft.com/office/drawing/2014/main" id="{92D942E8-216A-EA4E-86AD-2D2F6029A41A}"/>
-              </a:ext>
-            </a:extLst>
-          </p:cNvPr>
-          <p:cNvPicPr>
-            <a:picLocks noChangeAspect="1"/>
-          </p:cNvPicPr>
-          <p:nvPr/>
-        </p:nvPicPr>
-        <p:blipFill>
-          <a:blip r:embed="rId2"/>
-          <a:stretch>
-            <a:fillRect/>
-          </a:stretch>
-        </p:blipFill>
-        <p:spPr>
-          <a:xfrm>
-            <a:off x="3546317" y="1168240"/>
-            <a:ext cx="4274491" cy="4274491"/>
-          </a:xfrm>
-          <a:prstGeom prst="rect">
-            <a:avLst/>
-          </a:prstGeom>
-        </p:spPr>
-      </p:pic>
+      <p:sp>
+        <p:nvSpPr>
+          <p:cNvPr id="4" name="TextBox 3">
+            <a:extLst>
+              <a:ext uri="{FF2B5EF4-FFF2-40B4-BE49-F238E27FC236}">
+                <a16:creationId xmlns:a16="http://schemas.microsoft.com/office/drawing/2014/main" id="{5B55BE75-EC5A-F54B-8236-E4CB993E7FA7}"/>
+              </a:ext>
+            </a:extLst>
+          </p:cNvPr>
+          <p:cNvSpPr txBox="1"/>
+          <p:nvPr/>
+        </p:nvSpPr>
+        <p:spPr>
+          <a:xfrm>
+            <a:off x="116958" y="116958"/>
+            <a:ext cx="1273105" cy="369332"/>
+          </a:xfrm>
+          <a:prstGeom prst="rect">
+            <a:avLst/>
+          </a:prstGeom>
+          <a:noFill/>
+        </p:spPr>
+        <p:txBody>
+          <a:bodyPr wrap="none" rtlCol="0">
+            <a:spAutoFit/>
+          </a:bodyPr>
+          <a:lstStyle/>
+          <a:p>
+            <a:r>
+              <a:rPr lang="en-US" dirty="0"/>
+              <a:t>Conclusion:</a:t>
+            </a:r>
+          </a:p>
+        </p:txBody>
+      </p:sp>
+      <p:sp>
+        <p:nvSpPr>
+          <p:cNvPr id="14" name="TextBox 13">
+            <a:extLst>
+              <a:ext uri="{FF2B5EF4-FFF2-40B4-BE49-F238E27FC236}">
+                <a16:creationId xmlns:a16="http://schemas.microsoft.com/office/drawing/2014/main" id="{1DBA9A70-68E1-F143-9797-2E3BBA43624C}"/>
+              </a:ext>
+            </a:extLst>
+          </p:cNvPr>
+          <p:cNvSpPr txBox="1"/>
+          <p:nvPr/>
+        </p:nvSpPr>
+        <p:spPr>
+          <a:xfrm>
+            <a:off x="1063256" y="2304555"/>
+            <a:ext cx="10431125" cy="369332"/>
+          </a:xfrm>
+          <a:prstGeom prst="rect">
+            <a:avLst/>
+          </a:prstGeom>
+          <a:noFill/>
+        </p:spPr>
+        <p:txBody>
+          <a:bodyPr wrap="none" rtlCol="0">
+            <a:spAutoFit/>
+          </a:bodyPr>
+          <a:lstStyle/>
+          <a:p>
+            <a:r>
+              <a:rPr lang="en-US" dirty="0"/>
+              <a:t>It seems sparse learning can help a lot experimental and computational area of mechanics/material modeling</a:t>
+            </a:r>
+          </a:p>
+        </p:txBody>
+      </p:sp>
+      <p:sp>
+        <p:nvSpPr>
+          <p:cNvPr id="15" name="TextBox 14">
+            <a:extLst>
+              <a:ext uri="{FF2B5EF4-FFF2-40B4-BE49-F238E27FC236}">
+                <a16:creationId xmlns:a16="http://schemas.microsoft.com/office/drawing/2014/main" id="{EF3056B8-E0DD-8049-B065-0E35B24FB95D}"/>
+              </a:ext>
+            </a:extLst>
+          </p:cNvPr>
+          <p:cNvSpPr txBox="1"/>
+          <p:nvPr/>
+        </p:nvSpPr>
+        <p:spPr>
+          <a:xfrm>
+            <a:off x="1063256" y="1341198"/>
+            <a:ext cx="9037154" cy="646331"/>
+          </a:xfrm>
+          <a:prstGeom prst="rect">
+            <a:avLst/>
+          </a:prstGeom>
+          <a:noFill/>
+        </p:spPr>
+        <p:txBody>
+          <a:bodyPr wrap="none" rtlCol="0">
+            <a:spAutoFit/>
+          </a:bodyPr>
+          <a:lstStyle/>
+          <a:p>
+            <a:r>
+              <a:rPr lang="en-US" dirty="0"/>
+              <a:t>We empirically show dictionary learning is a reasonable approach for flied reconstruction from</a:t>
+            </a:r>
+          </a:p>
+          <a:p>
+            <a:r>
+              <a:rPr lang="en-US" dirty="0"/>
+              <a:t>Few measurements even in noisy conditions.</a:t>
+            </a:r>
+          </a:p>
+        </p:txBody>
+      </p:sp>
     </p:spTree>
     <p:extLst>
       <p:ext uri="{BB962C8B-B14F-4D97-AF65-F5344CB8AC3E}">
-        <p14:creationId xmlns:p14="http://schemas.microsoft.com/office/powerpoint/2010/main" val="2078637325"/>
+        <p14:creationId xmlns:p14="http://schemas.microsoft.com/office/powerpoint/2010/main" val="1851292813"/>
       </p:ext>
     </p:extLst>
   </p:cSld>
@@ -4031,7 +4261,7 @@
 </file>
 
 <file path=ppt/slides/slide13.xml><?xml version="1.0" encoding="utf-8"?>
-<p:sld xmlns:a="http://schemas.openxmlformats.org/drawingml/2006/main" xmlns:r="http://schemas.openxmlformats.org/officeDocument/2006/relationships" xmlns:p="http://schemas.openxmlformats.org/presentationml/2006/main">
+<p:sld xmlns:a="http://schemas.openxmlformats.org/drawingml/2006/main" xmlns:r="http://schemas.openxmlformats.org/officeDocument/2006/relationships" xmlns:p="http://schemas.openxmlformats.org/presentationml/2006/main" show="0">
   <p:cSld>
     <p:spTree>
       <p:nvGrpSpPr>
@@ -4049,10 +4279,10 @@
       </p:grpSpPr>
       <p:pic>
         <p:nvPicPr>
-          <p:cNvPr id="17" name="Picture 16">
-            <a:extLst>
-              <a:ext uri="{FF2B5EF4-FFF2-40B4-BE49-F238E27FC236}">
-                <a16:creationId xmlns:a16="http://schemas.microsoft.com/office/drawing/2014/main" id="{E8604359-E03D-844C-8D8C-EE9CAB2CE2F6}"/>
+          <p:cNvPr id="8" name="Picture 7">
+            <a:extLst>
+              <a:ext uri="{FF2B5EF4-FFF2-40B4-BE49-F238E27FC236}">
+                <a16:creationId xmlns:a16="http://schemas.microsoft.com/office/drawing/2014/main" id="{50363B44-D409-084C-9296-B869546CD785}"/>
               </a:ext>
             </a:extLst>
           </p:cNvPr>
@@ -4069,20 +4299,55 @@
         </p:blipFill>
         <p:spPr>
           <a:xfrm>
-            <a:off x="472471" y="4299685"/>
-            <a:ext cx="3161860" cy="2331282"/>
+            <a:off x="5944706" y="1736562"/>
+            <a:ext cx="2038241" cy="1500054"/>
           </a:xfrm>
           <a:prstGeom prst="rect">
             <a:avLst/>
           </a:prstGeom>
         </p:spPr>
       </p:pic>
+      <p:sp>
+        <p:nvSpPr>
+          <p:cNvPr id="10" name="TextBox 9">
+            <a:extLst>
+              <a:ext uri="{FF2B5EF4-FFF2-40B4-BE49-F238E27FC236}">
+                <a16:creationId xmlns:a16="http://schemas.microsoft.com/office/drawing/2014/main" id="{2AE4F2B0-AB59-B646-BC51-C35DEC783C38}"/>
+              </a:ext>
+            </a:extLst>
+          </p:cNvPr>
+          <p:cNvSpPr txBox="1"/>
+          <p:nvPr/>
+        </p:nvSpPr>
+        <p:spPr>
+          <a:xfrm>
+            <a:off x="468604" y="2218003"/>
+            <a:ext cx="1212191" cy="369332"/>
+          </a:xfrm>
+          <a:prstGeom prst="rect">
+            <a:avLst/>
+          </a:prstGeom>
+          <a:noFill/>
+        </p:spPr>
+        <p:txBody>
+          <a:bodyPr wrap="none" rtlCol="0">
+            <a:spAutoFit/>
+          </a:bodyPr>
+          <a:lstStyle/>
+          <a:p>
+            <a:r>
+              <a:rPr lang="en-US" dirty="0"/>
+              <a:t>L2 solution</a:t>
+            </a:r>
+          </a:p>
+        </p:txBody>
+      </p:sp>
       <p:pic>
         <p:nvPicPr>
-          <p:cNvPr id="19" name="Picture 18">
-            <a:extLst>
-              <a:ext uri="{FF2B5EF4-FFF2-40B4-BE49-F238E27FC236}">
-                <a16:creationId xmlns:a16="http://schemas.microsoft.com/office/drawing/2014/main" id="{B0A53854-E8D3-5A41-B018-945D4DEEFE0E}"/>
+          <p:cNvPr id="14" name="Picture 13">
+            <a:extLst>
+              <a:ext uri="{FF2B5EF4-FFF2-40B4-BE49-F238E27FC236}">
+                <a16:creationId xmlns:a16="http://schemas.microsoft.com/office/drawing/2014/main" id="{DAE5A2A6-529D-4F45-8F18-49BE9A38E8F3}"/>
               </a:ext>
             </a:extLst>
           </p:cNvPr>
@@ -4099,20 +4364,55 @@
         </p:blipFill>
         <p:spPr>
           <a:xfrm>
-            <a:off x="5018960" y="4061637"/>
-            <a:ext cx="2647114" cy="2634264"/>
+            <a:off x="3608250" y="1728222"/>
+            <a:ext cx="2121563" cy="1608735"/>
           </a:xfrm>
           <a:prstGeom prst="rect">
             <a:avLst/>
           </a:prstGeom>
         </p:spPr>
       </p:pic>
+      <p:sp>
+        <p:nvSpPr>
+          <p:cNvPr id="15" name="TextBox 14">
+            <a:extLst>
+              <a:ext uri="{FF2B5EF4-FFF2-40B4-BE49-F238E27FC236}">
+                <a16:creationId xmlns:a16="http://schemas.microsoft.com/office/drawing/2014/main" id="{D0B412E0-27A1-3844-ADF4-7644BADB429B}"/>
+              </a:ext>
+            </a:extLst>
+          </p:cNvPr>
+          <p:cNvSpPr txBox="1"/>
+          <p:nvPr/>
+        </p:nvSpPr>
+        <p:spPr>
+          <a:xfrm>
+            <a:off x="8139856" y="2056361"/>
+            <a:ext cx="3667621" cy="307777"/>
+          </a:xfrm>
+          <a:prstGeom prst="rect">
+            <a:avLst/>
+          </a:prstGeom>
+          <a:noFill/>
+        </p:spPr>
+        <p:txBody>
+          <a:bodyPr wrap="square" rtlCol="0">
+            <a:spAutoFit/>
+          </a:bodyPr>
+          <a:lstStyle/>
+          <a:p>
+            <a:r>
+              <a:rPr lang="en-US" sz="1400" dirty="0"/>
+              <a:t>Reconstruction error: 5.605518633572185e-15</a:t>
+            </a:r>
+          </a:p>
+        </p:txBody>
+      </p:sp>
       <p:pic>
         <p:nvPicPr>
-          <p:cNvPr id="21" name="Picture 20">
-            <a:extLst>
-              <a:ext uri="{FF2B5EF4-FFF2-40B4-BE49-F238E27FC236}">
-                <a16:creationId xmlns:a16="http://schemas.microsoft.com/office/drawing/2014/main" id="{A7D47EF5-F662-074D-9F95-CE960D466848}"/>
+          <p:cNvPr id="18" name="Picture 17">
+            <a:extLst>
+              <a:ext uri="{FF2B5EF4-FFF2-40B4-BE49-F238E27FC236}">
+                <a16:creationId xmlns:a16="http://schemas.microsoft.com/office/drawing/2014/main" id="{4B16BDB0-6E6B-F34F-B2AB-FDF273454DB3}"/>
               </a:ext>
             </a:extLst>
           </p:cNvPr>
@@ -4129,8 +4429,8 @@
         </p:blipFill>
         <p:spPr>
           <a:xfrm>
-            <a:off x="8701661" y="4061636"/>
-            <a:ext cx="3139465" cy="2634264"/>
+            <a:off x="6096000" y="3621384"/>
+            <a:ext cx="2038241" cy="1508445"/>
           </a:xfrm>
           <a:prstGeom prst="rect">
             <a:avLst/>
@@ -4139,10 +4439,10 @@
       </p:pic>
       <p:sp>
         <p:nvSpPr>
-          <p:cNvPr id="7" name="TextBox 6">
-            <a:extLst>
-              <a:ext uri="{FF2B5EF4-FFF2-40B4-BE49-F238E27FC236}">
-                <a16:creationId xmlns:a16="http://schemas.microsoft.com/office/drawing/2014/main" id="{5DF48528-55E9-EB49-A7D2-C6452EDF4ACB}"/>
+          <p:cNvPr id="19" name="TextBox 18">
+            <a:extLst>
+              <a:ext uri="{FF2B5EF4-FFF2-40B4-BE49-F238E27FC236}">
+                <a16:creationId xmlns:a16="http://schemas.microsoft.com/office/drawing/2014/main" id="{976B8F34-6B53-394E-BFDD-BA9778E7DD05}"/>
               </a:ext>
             </a:extLst>
           </p:cNvPr>
@@ -4151,8 +4451,8 @@
         </p:nvSpPr>
         <p:spPr>
           <a:xfrm>
-            <a:off x="0" y="60279"/>
-            <a:ext cx="5527732" cy="400110"/>
+            <a:off x="468604" y="4029959"/>
+            <a:ext cx="1212191" cy="369332"/>
           </a:xfrm>
           <a:prstGeom prst="rect">
             <a:avLst/>
@@ -4166,18 +4466,18 @@
           <a:lstStyle/>
           <a:p>
             <a:r>
-              <a:rPr lang="en-US" sz="2000" dirty="0"/>
-              <a:t>Toy problem 2: LASSO reconstruction without noise</a:t>
+              <a:rPr lang="en-US" dirty="0"/>
+              <a:t>L1 solution</a:t>
             </a:r>
           </a:p>
         </p:txBody>
       </p:sp>
       <p:pic>
         <p:nvPicPr>
-          <p:cNvPr id="8" name="Picture 7">
-            <a:extLst>
-              <a:ext uri="{FF2B5EF4-FFF2-40B4-BE49-F238E27FC236}">
-                <a16:creationId xmlns:a16="http://schemas.microsoft.com/office/drawing/2014/main" id="{954484BE-D60E-C24F-ADB0-36204C44E1D9}"/>
+          <p:cNvPr id="21" name="Picture 20">
+            <a:extLst>
+              <a:ext uri="{FF2B5EF4-FFF2-40B4-BE49-F238E27FC236}">
+                <a16:creationId xmlns:a16="http://schemas.microsoft.com/office/drawing/2014/main" id="{51B9358B-1FC4-6C4F-A423-BCBE7EDF58D0}"/>
               </a:ext>
             </a:extLst>
           </p:cNvPr>
@@ -4194,8 +4494,8 @@
         </p:blipFill>
         <p:spPr>
           <a:xfrm>
-            <a:off x="2281527" y="433504"/>
-            <a:ext cx="2462659" cy="2462659"/>
+            <a:off x="3608251" y="3621385"/>
+            <a:ext cx="2121563" cy="1555813"/>
           </a:xfrm>
           <a:prstGeom prst="rect">
             <a:avLst/>
@@ -4204,10 +4504,44 @@
       </p:pic>
       <p:sp>
         <p:nvSpPr>
+          <p:cNvPr id="22" name="Rectangle 21">
+            <a:extLst>
+              <a:ext uri="{FF2B5EF4-FFF2-40B4-BE49-F238E27FC236}">
+                <a16:creationId xmlns:a16="http://schemas.microsoft.com/office/drawing/2014/main" id="{DEF6F3C6-9B38-8E46-823D-6417E354593E}"/>
+              </a:ext>
+            </a:extLst>
+          </p:cNvPr>
+          <p:cNvSpPr/>
+          <p:nvPr/>
+        </p:nvSpPr>
+        <p:spPr>
+          <a:xfrm>
+            <a:off x="8139607" y="3991463"/>
+            <a:ext cx="3668120" cy="307777"/>
+          </a:xfrm>
+          <a:prstGeom prst="rect">
+            <a:avLst/>
+          </a:prstGeom>
+        </p:spPr>
+        <p:txBody>
+          <a:bodyPr wrap="none">
+            <a:spAutoFit/>
+          </a:bodyPr>
+          <a:lstStyle/>
+          <a:p>
+            <a:r>
+              <a:rPr lang="en-US" sz="1400" dirty="0"/>
+              <a:t>Reconstruction error:1.0673072250676275e-06</a:t>
+            </a:r>
+          </a:p>
+        </p:txBody>
+      </p:sp>
+      <p:sp>
+        <p:nvSpPr>
           <p:cNvPr id="2" name="TextBox 1">
             <a:extLst>
               <a:ext uri="{FF2B5EF4-FFF2-40B4-BE49-F238E27FC236}">
-                <a16:creationId xmlns:a16="http://schemas.microsoft.com/office/drawing/2014/main" id="{7D17BEAF-0739-934C-8337-2DAFA102468A}"/>
+                <a16:creationId xmlns:a16="http://schemas.microsoft.com/office/drawing/2014/main" id="{2856BE86-94F3-7F48-A4B5-33F128D4270B}"/>
               </a:ext>
             </a:extLst>
           </p:cNvPr>
@@ -4216,8 +4550,8 @@
         </p:nvSpPr>
         <p:spPr>
           <a:xfrm>
-            <a:off x="472471" y="1639432"/>
-            <a:ext cx="1477777" cy="369332"/>
+            <a:off x="21425" y="69378"/>
+            <a:ext cx="1732205" cy="400110"/>
           </a:xfrm>
           <a:prstGeom prst="rect">
             <a:avLst/>
@@ -4231,8 +4565,8 @@
           <a:lstStyle/>
           <a:p>
             <a:r>
-              <a:rPr lang="en-US" dirty="0"/>
-              <a:t>Ground truth</a:t>
+              <a:rPr lang="en-US" sz="2000" dirty="0"/>
+              <a:t>Toy problem 1:</a:t>
             </a:r>
           </a:p>
         </p:txBody>
@@ -4242,7 +4576,7 @@
           <p:cNvPr id="3" name="TextBox 2">
             <a:extLst>
               <a:ext uri="{FF2B5EF4-FFF2-40B4-BE49-F238E27FC236}">
-                <a16:creationId xmlns:a16="http://schemas.microsoft.com/office/drawing/2014/main" id="{9F55C512-125E-5149-9898-D621B6BC6D09}"/>
+                <a16:creationId xmlns:a16="http://schemas.microsoft.com/office/drawing/2014/main" id="{007DAEE1-8C7A-AE45-A492-9C308D90A895}"/>
               </a:ext>
             </a:extLst>
           </p:cNvPr>
@@ -4251,8 +4585,8 @@
         </p:nvSpPr>
         <p:spPr>
           <a:xfrm>
-            <a:off x="1353343" y="3961837"/>
-            <a:ext cx="1801519" cy="369332"/>
+            <a:off x="468605" y="469488"/>
+            <a:ext cx="6453562" cy="1107996"/>
           </a:xfrm>
           <a:prstGeom prst="rect">
             <a:avLst/>
@@ -4266,18 +4600,48 @@
           <a:lstStyle/>
           <a:p>
             <a:r>
-              <a:rPr lang="en-US" dirty="0"/>
-              <a:t>Recovered atoms</a:t>
-            </a:r>
-          </a:p>
-        </p:txBody>
-      </p:sp>
-      <p:sp>
-        <p:nvSpPr>
-          <p:cNvPr id="4" name="TextBox 3">
-            <a:extLst>
-              <a:ext uri="{FF2B5EF4-FFF2-40B4-BE49-F238E27FC236}">
-                <a16:creationId xmlns:a16="http://schemas.microsoft.com/office/drawing/2014/main" id="{55FBC8FF-4C3F-D942-A167-F1727C88432B}"/>
+              <a:rPr lang="en-US" sz="1600" dirty="0"/>
+              <a:t>Constructing data:</a:t>
+            </a:r>
+          </a:p>
+          <a:p>
+            <a:pPr marL="285750" indent="-285750">
+              <a:buFont typeface="Arial" panose="020B0604020202020204" pitchFamily="34" charset="0"/>
+              <a:buChar char="•"/>
+            </a:pPr>
+            <a:r>
+              <a:rPr lang="en-US" sz="1600" dirty="0"/>
+              <a:t>50% of data is randomly chosen as library</a:t>
+            </a:r>
+          </a:p>
+          <a:p>
+            <a:pPr marL="285750" indent="-285750">
+              <a:buFont typeface="Arial" panose="020B0604020202020204" pitchFamily="34" charset="0"/>
+              <a:buChar char="•"/>
+            </a:pPr>
+            <a:r>
+              <a:rPr lang="en-US" sz="1600" dirty="0"/>
+              <a:t>library  is temporally normalized: zero mean unitary standard variation</a:t>
+            </a:r>
+          </a:p>
+          <a:p>
+            <a:pPr marL="285750" indent="-285750">
+              <a:buFont typeface="Arial" panose="020B0604020202020204" pitchFamily="34" charset="0"/>
+              <a:buChar char="•"/>
+            </a:pPr>
+            <a:r>
+              <a:rPr lang="en-US" sz="1600" dirty="0"/>
+              <a:t>We choose test measurements from data not included in library</a:t>
+            </a:r>
+          </a:p>
+        </p:txBody>
+      </p:sp>
+      <p:sp>
+        <p:nvSpPr>
+          <p:cNvPr id="20" name="TextBox 19">
+            <a:extLst>
+              <a:ext uri="{FF2B5EF4-FFF2-40B4-BE49-F238E27FC236}">
+                <a16:creationId xmlns:a16="http://schemas.microsoft.com/office/drawing/2014/main" id="{498A513A-9F70-AB4E-BBD0-42ACAE9E8ADD}"/>
               </a:ext>
             </a:extLst>
           </p:cNvPr>
@@ -4286,8 +4650,8 @@
         </p:nvSpPr>
         <p:spPr>
           <a:xfrm>
-            <a:off x="5547972" y="3745467"/>
-            <a:ext cx="1589089" cy="369332"/>
+            <a:off x="278647" y="5841915"/>
+            <a:ext cx="1592103" cy="369332"/>
           </a:xfrm>
           <a:prstGeom prst="rect">
             <a:avLst/>
@@ -4302,50 +4666,150 @@
           <a:p>
             <a:r>
               <a:rPr lang="en-US" dirty="0"/>
-              <a:t>Reconstructed</a:t>
-            </a:r>
-          </a:p>
-        </p:txBody>
-      </p:sp>
-      <p:sp>
-        <p:nvSpPr>
-          <p:cNvPr id="12" name="TextBox 11">
-            <a:extLst>
-              <a:ext uri="{FF2B5EF4-FFF2-40B4-BE49-F238E27FC236}">
-                <a16:creationId xmlns:a16="http://schemas.microsoft.com/office/drawing/2014/main" id="{2540C02B-BA79-FC4E-9328-BAC05A7F3CD1}"/>
-              </a:ext>
-            </a:extLst>
-          </p:cNvPr>
-          <p:cNvSpPr txBox="1"/>
-          <p:nvPr/>
-        </p:nvSpPr>
-        <p:spPr>
-          <a:xfrm>
-            <a:off x="9848988" y="3745467"/>
-            <a:ext cx="655436" cy="369332"/>
-          </a:xfrm>
-          <a:prstGeom prst="rect">
-            <a:avLst/>
-          </a:prstGeom>
-          <a:noFill/>
-        </p:spPr>
-        <p:txBody>
-          <a:bodyPr wrap="none" rtlCol="0">
+              <a:t>LASSO solution</a:t>
+            </a:r>
+          </a:p>
+        </p:txBody>
+      </p:sp>
+      <p:pic>
+        <p:nvPicPr>
+          <p:cNvPr id="5" name="Picture 4">
+            <a:extLst>
+              <a:ext uri="{FF2B5EF4-FFF2-40B4-BE49-F238E27FC236}">
+                <a16:creationId xmlns:a16="http://schemas.microsoft.com/office/drawing/2014/main" id="{29560555-7FBF-8F47-8B7F-CBDE3746B3D0}"/>
+              </a:ext>
+            </a:extLst>
+          </p:cNvPr>
+          <p:cNvPicPr>
+            <a:picLocks noChangeAspect="1"/>
+          </p:cNvPicPr>
+          <p:nvPr/>
+        </p:nvPicPr>
+        <p:blipFill>
+          <a:blip r:embed="rId6"/>
+          <a:stretch>
+            <a:fillRect/>
+          </a:stretch>
+        </p:blipFill>
+        <p:spPr>
+          <a:xfrm>
+            <a:off x="6196405" y="5177198"/>
+            <a:ext cx="1937836" cy="1602550"/>
+          </a:xfrm>
+          <a:prstGeom prst="rect">
+            <a:avLst/>
+          </a:prstGeom>
+        </p:spPr>
+      </p:pic>
+      <p:pic>
+        <p:nvPicPr>
+          <p:cNvPr id="7" name="Picture 6">
+            <a:extLst>
+              <a:ext uri="{FF2B5EF4-FFF2-40B4-BE49-F238E27FC236}">
+                <a16:creationId xmlns:a16="http://schemas.microsoft.com/office/drawing/2014/main" id="{CADADA41-388C-A34D-A840-1CF90DCABEF7}"/>
+              </a:ext>
+            </a:extLst>
+          </p:cNvPr>
+          <p:cNvPicPr>
+            <a:picLocks noChangeAspect="1"/>
+          </p:cNvPicPr>
+          <p:nvPr/>
+        </p:nvPicPr>
+        <p:blipFill>
+          <a:blip r:embed="rId7"/>
+          <a:stretch>
+            <a:fillRect/>
+          </a:stretch>
+        </p:blipFill>
+        <p:spPr>
+          <a:xfrm>
+            <a:off x="3628569" y="5271302"/>
+            <a:ext cx="2116015" cy="1508446"/>
+          </a:xfrm>
+          <a:prstGeom prst="rect">
+            <a:avLst/>
+          </a:prstGeom>
+        </p:spPr>
+      </p:pic>
+      <p:sp>
+        <p:nvSpPr>
+          <p:cNvPr id="23" name="Rectangle 22">
+            <a:extLst>
+              <a:ext uri="{FF2B5EF4-FFF2-40B4-BE49-F238E27FC236}">
+                <a16:creationId xmlns:a16="http://schemas.microsoft.com/office/drawing/2014/main" id="{E079B3F9-F667-BB49-9F8D-A12FD33E2A4C}"/>
+              </a:ext>
+            </a:extLst>
+          </p:cNvPr>
+          <p:cNvSpPr/>
+          <p:nvPr/>
+        </p:nvSpPr>
+        <p:spPr>
+          <a:xfrm>
+            <a:off x="8139606" y="5729018"/>
+            <a:ext cx="3523850" cy="307777"/>
+          </a:xfrm>
+          <a:prstGeom prst="rect">
+            <a:avLst/>
+          </a:prstGeom>
+        </p:spPr>
+        <p:txBody>
+          <a:bodyPr wrap="none">
             <a:spAutoFit/>
           </a:bodyPr>
           <a:lstStyle/>
           <a:p>
             <a:r>
-              <a:rPr lang="en-US" dirty="0"/>
-              <a:t>Error</a:t>
-            </a:r>
+              <a:rPr lang="en-US" sz="1400" dirty="0"/>
+              <a:t>Reconstruction error:0.002015971351983264</a:t>
+            </a:r>
+          </a:p>
+        </p:txBody>
+      </p:sp>
+      <p:sp>
+        <p:nvSpPr>
+          <p:cNvPr id="11" name="Rectangle 10">
+            <a:extLst>
+              <a:ext uri="{FF2B5EF4-FFF2-40B4-BE49-F238E27FC236}">
+                <a16:creationId xmlns:a16="http://schemas.microsoft.com/office/drawing/2014/main" id="{8F86D258-C0B6-3B4D-8950-063DAA4CA49A}"/>
+              </a:ext>
+            </a:extLst>
+          </p:cNvPr>
+          <p:cNvSpPr/>
+          <p:nvPr/>
+        </p:nvSpPr>
+        <p:spPr>
+          <a:xfrm>
+            <a:off x="6826481" y="5345320"/>
+            <a:ext cx="1152880" cy="338554"/>
+          </a:xfrm>
+          <a:prstGeom prst="rect">
+            <a:avLst/>
+          </a:prstGeom>
+        </p:spPr>
+        <p:txBody>
+          <a:bodyPr wrap="none">
+            <a:spAutoFit/>
+          </a:bodyPr>
+          <a:lstStyle/>
+          <a:p>
+            <a:r>
+              <a:rPr lang="en-US" sz="1600" dirty="0" err="1"/>
+              <a:t>lamda</a:t>
+            </a:r>
+            <a:r>
+              <a:rPr lang="en-US" sz="1600" dirty="0"/>
+              <a:t> = .01</a:t>
+            </a:r>
+            <a:endParaRPr lang="en-US" sz="1600" b="0" dirty="0">
+              <a:effectLst/>
+            </a:endParaRPr>
           </a:p>
         </p:txBody>
       </p:sp>
     </p:spTree>
     <p:extLst>
       <p:ext uri="{BB962C8B-B14F-4D97-AF65-F5344CB8AC3E}">
-        <p14:creationId xmlns:p14="http://schemas.microsoft.com/office/powerpoint/2010/main" val="4168040403"/>
+        <p14:creationId xmlns:p14="http://schemas.microsoft.com/office/powerpoint/2010/main" val="47085056"/>
       </p:ext>
     </p:extLst>
   </p:cSld>
@@ -4356,7 +4820,7 @@
 </file>
 
 <file path=ppt/slides/slide14.xml><?xml version="1.0" encoding="utf-8"?>
-<p:sld xmlns:a="http://schemas.openxmlformats.org/drawingml/2006/main" xmlns:r="http://schemas.openxmlformats.org/officeDocument/2006/relationships" xmlns:p="http://schemas.openxmlformats.org/presentationml/2006/main">
+<p:sld xmlns:a="http://schemas.openxmlformats.org/drawingml/2006/main" xmlns:r="http://schemas.openxmlformats.org/officeDocument/2006/relationships" xmlns:p="http://schemas.openxmlformats.org/presentationml/2006/main" show="0">
   <p:cSld>
     <p:spTree>
       <p:nvGrpSpPr>
@@ -4377,7 +4841,7 @@
           <p:cNvPr id="3" name="Picture 2">
             <a:extLst>
               <a:ext uri="{FF2B5EF4-FFF2-40B4-BE49-F238E27FC236}">
-                <a16:creationId xmlns:a16="http://schemas.microsoft.com/office/drawing/2014/main" id="{1AA6D635-8DE2-5F4C-8E79-00314D2F0B54}"/>
+                <a16:creationId xmlns:a16="http://schemas.microsoft.com/office/drawing/2014/main" id="{5757173F-9581-C842-B61A-7AFB348373C8}"/>
               </a:ext>
             </a:extLst>
           </p:cNvPr>
@@ -4394,8 +4858,8 @@
         </p:blipFill>
         <p:spPr>
           <a:xfrm>
-            <a:off x="465616" y="1030831"/>
-            <a:ext cx="2781142" cy="2422893"/>
+            <a:off x="779548" y="559292"/>
+            <a:ext cx="2712682" cy="2003073"/>
           </a:xfrm>
           <a:prstGeom prst="rect">
             <a:avLst/>
@@ -4404,10 +4868,10 @@
       </p:pic>
       <p:pic>
         <p:nvPicPr>
-          <p:cNvPr id="5" name="Picture 4">
-            <a:extLst>
-              <a:ext uri="{FF2B5EF4-FFF2-40B4-BE49-F238E27FC236}">
-                <a16:creationId xmlns:a16="http://schemas.microsoft.com/office/drawing/2014/main" id="{0D1A159D-40CC-A445-8542-55BA2049A431}"/>
+          <p:cNvPr id="11" name="Picture 10">
+            <a:extLst>
+              <a:ext uri="{FF2B5EF4-FFF2-40B4-BE49-F238E27FC236}">
+                <a16:creationId xmlns:a16="http://schemas.microsoft.com/office/drawing/2014/main" id="{F719A4FB-AAB3-1448-9BF1-01C03E3DAC5A}"/>
               </a:ext>
             </a:extLst>
           </p:cNvPr>
@@ -4424,20 +4888,54 @@
         </p:blipFill>
         <p:spPr>
           <a:xfrm>
-            <a:off x="267426" y="4302129"/>
-            <a:ext cx="3177524" cy="2411130"/>
+            <a:off x="4046705" y="559292"/>
+            <a:ext cx="2548648" cy="1809279"/>
           </a:xfrm>
           <a:prstGeom prst="rect">
             <a:avLst/>
           </a:prstGeom>
         </p:spPr>
       </p:pic>
+      <p:sp>
+        <p:nvSpPr>
+          <p:cNvPr id="12" name="Rectangle 11">
+            <a:extLst>
+              <a:ext uri="{FF2B5EF4-FFF2-40B4-BE49-F238E27FC236}">
+                <a16:creationId xmlns:a16="http://schemas.microsoft.com/office/drawing/2014/main" id="{85F79A9A-EF02-2947-8B4E-75B23C1E93AD}"/>
+              </a:ext>
+            </a:extLst>
+          </p:cNvPr>
+          <p:cNvSpPr/>
+          <p:nvPr/>
+        </p:nvSpPr>
+        <p:spPr>
+          <a:xfrm>
+            <a:off x="7023836" y="1125377"/>
+            <a:ext cx="3939155" cy="338554"/>
+          </a:xfrm>
+          <a:prstGeom prst="rect">
+            <a:avLst/>
+          </a:prstGeom>
+        </p:spPr>
+        <p:txBody>
+          <a:bodyPr wrap="none">
+            <a:spAutoFit/>
+          </a:bodyPr>
+          <a:lstStyle/>
+          <a:p>
+            <a:r>
+              <a:rPr lang="en-US" sz="1600" dirty="0"/>
+              <a:t>Reconstruction Error: 0.09860999176138388</a:t>
+            </a:r>
+          </a:p>
+        </p:txBody>
+      </p:sp>
       <p:pic>
         <p:nvPicPr>
-          <p:cNvPr id="7" name="Picture 6">
-            <a:extLst>
-              <a:ext uri="{FF2B5EF4-FFF2-40B4-BE49-F238E27FC236}">
-                <a16:creationId xmlns:a16="http://schemas.microsoft.com/office/drawing/2014/main" id="{59D74B4D-43D6-5548-A28E-8B0293E2016B}"/>
+          <p:cNvPr id="17" name="Picture 16">
+            <a:extLst>
+              <a:ext uri="{FF2B5EF4-FFF2-40B4-BE49-F238E27FC236}">
+                <a16:creationId xmlns:a16="http://schemas.microsoft.com/office/drawing/2014/main" id="{DEB88461-00B4-CF4E-8CB2-3EFB618270C9}"/>
               </a:ext>
             </a:extLst>
           </p:cNvPr>
@@ -4454,8 +4952,8 @@
         </p:blipFill>
         <p:spPr>
           <a:xfrm>
-            <a:off x="4435412" y="4024166"/>
-            <a:ext cx="3060541" cy="2833834"/>
+            <a:off x="4221805" y="2883861"/>
+            <a:ext cx="2495559" cy="1809280"/>
           </a:xfrm>
           <a:prstGeom prst="rect">
             <a:avLst/>
@@ -4464,10 +4962,10 @@
       </p:pic>
       <p:pic>
         <p:nvPicPr>
-          <p:cNvPr id="11" name="Picture 10">
-            <a:extLst>
-              <a:ext uri="{FF2B5EF4-FFF2-40B4-BE49-F238E27FC236}">
-                <a16:creationId xmlns:a16="http://schemas.microsoft.com/office/drawing/2014/main" id="{E38B9648-7C2E-144B-92F6-432037F38BF9}"/>
+          <p:cNvPr id="23" name="Picture 22">
+            <a:extLst>
+              <a:ext uri="{FF2B5EF4-FFF2-40B4-BE49-F238E27FC236}">
+                <a16:creationId xmlns:a16="http://schemas.microsoft.com/office/drawing/2014/main" id="{FD984DA3-CB5A-C54E-8FF9-438941019FF9}"/>
               </a:ext>
             </a:extLst>
           </p:cNvPr>
@@ -4484,8 +4982,8 @@
         </p:blipFill>
         <p:spPr>
           <a:xfrm>
-            <a:off x="8275215" y="4103721"/>
-            <a:ext cx="3152398" cy="2609538"/>
+            <a:off x="870577" y="2883860"/>
+            <a:ext cx="2621653" cy="1911440"/>
           </a:xfrm>
           <a:prstGeom prst="rect">
             <a:avLst/>
@@ -4494,10 +4992,44 @@
       </p:pic>
       <p:sp>
         <p:nvSpPr>
-          <p:cNvPr id="6" name="TextBox 5">
-            <a:extLst>
-              <a:ext uri="{FF2B5EF4-FFF2-40B4-BE49-F238E27FC236}">
-                <a16:creationId xmlns:a16="http://schemas.microsoft.com/office/drawing/2014/main" id="{F52802FA-DBE6-6A48-A862-44CDE2A25ED2}"/>
+          <p:cNvPr id="24" name="Rectangle 23">
+            <a:extLst>
+              <a:ext uri="{FF2B5EF4-FFF2-40B4-BE49-F238E27FC236}">
+                <a16:creationId xmlns:a16="http://schemas.microsoft.com/office/drawing/2014/main" id="{6C3ED802-F015-7843-95CE-3AAE5359D691}"/>
+              </a:ext>
+            </a:extLst>
+          </p:cNvPr>
+          <p:cNvSpPr/>
+          <p:nvPr/>
+        </p:nvSpPr>
+        <p:spPr>
+          <a:xfrm>
+            <a:off x="7023835" y="3788501"/>
+            <a:ext cx="3939155" cy="338554"/>
+          </a:xfrm>
+          <a:prstGeom prst="rect">
+            <a:avLst/>
+          </a:prstGeom>
+        </p:spPr>
+        <p:txBody>
+          <a:bodyPr wrap="none">
+            <a:spAutoFit/>
+          </a:bodyPr>
+          <a:lstStyle/>
+          <a:p>
+            <a:r>
+              <a:rPr lang="en-US" sz="1600" dirty="0"/>
+              <a:t>Reconstruction Error: 0.16966901383199118</a:t>
+            </a:r>
+          </a:p>
+        </p:txBody>
+      </p:sp>
+      <p:sp>
+        <p:nvSpPr>
+          <p:cNvPr id="25" name="TextBox 24">
+            <a:extLst>
+              <a:ext uri="{FF2B5EF4-FFF2-40B4-BE49-F238E27FC236}">
+                <a16:creationId xmlns:a16="http://schemas.microsoft.com/office/drawing/2014/main" id="{FC12410A-5A53-5440-AEA5-5B82EE33C35C}"/>
               </a:ext>
             </a:extLst>
           </p:cNvPr>
@@ -4506,8 +5038,43 @@
         </p:nvSpPr>
         <p:spPr>
           <a:xfrm>
-            <a:off x="0" y="60279"/>
-            <a:ext cx="7031797" cy="400110"/>
+            <a:off x="6995751" y="3222414"/>
+            <a:ext cx="3939155" cy="338554"/>
+          </a:xfrm>
+          <a:prstGeom prst="rect">
+            <a:avLst/>
+          </a:prstGeom>
+          <a:noFill/>
+        </p:spPr>
+        <p:txBody>
+          <a:bodyPr wrap="square" rtlCol="0">
+            <a:spAutoFit/>
+          </a:bodyPr>
+          <a:lstStyle/>
+          <a:p>
+            <a:r>
+              <a:rPr lang="en-US" sz="1600" dirty="0"/>
+              <a:t>The minimum possible of Epsilon was 0.7</a:t>
+            </a:r>
+          </a:p>
+        </p:txBody>
+      </p:sp>
+      <p:sp>
+        <p:nvSpPr>
+          <p:cNvPr id="26" name="TextBox 25">
+            <a:extLst>
+              <a:ext uri="{FF2B5EF4-FFF2-40B4-BE49-F238E27FC236}">
+                <a16:creationId xmlns:a16="http://schemas.microsoft.com/office/drawing/2014/main" id="{BD548D13-E139-1E43-AB38-4594428A6C54}"/>
+              </a:ext>
+            </a:extLst>
+          </p:cNvPr>
+          <p:cNvSpPr txBox="1"/>
+          <p:nvPr/>
+        </p:nvSpPr>
+        <p:spPr>
+          <a:xfrm>
+            <a:off x="321013" y="1410511"/>
+            <a:ext cx="399468" cy="369332"/>
           </a:xfrm>
           <a:prstGeom prst="rect">
             <a:avLst/>
@@ -4521,18 +5088,53 @@
           <a:lstStyle/>
           <a:p>
             <a:r>
-              <a:rPr lang="en-US" sz="2000" dirty="0"/>
-              <a:t>Toy problem 2: LASSO reconstruction without noisy measurement</a:t>
+              <a:rPr lang="en-US" dirty="0"/>
+              <a:t>L2</a:t>
+            </a:r>
+          </a:p>
+        </p:txBody>
+      </p:sp>
+      <p:sp>
+        <p:nvSpPr>
+          <p:cNvPr id="27" name="TextBox 26">
+            <a:extLst>
+              <a:ext uri="{FF2B5EF4-FFF2-40B4-BE49-F238E27FC236}">
+                <a16:creationId xmlns:a16="http://schemas.microsoft.com/office/drawing/2014/main" id="{4687AC32-F173-0A48-96C3-91944EBB45FB}"/>
+              </a:ext>
+            </a:extLst>
+          </p:cNvPr>
+          <p:cNvSpPr txBox="1"/>
+          <p:nvPr/>
+        </p:nvSpPr>
+        <p:spPr>
+          <a:xfrm>
+            <a:off x="321013" y="3552057"/>
+            <a:ext cx="399468" cy="369332"/>
+          </a:xfrm>
+          <a:prstGeom prst="rect">
+            <a:avLst/>
+          </a:prstGeom>
+          <a:noFill/>
+        </p:spPr>
+        <p:txBody>
+          <a:bodyPr wrap="none" rtlCol="0">
+            <a:spAutoFit/>
+          </a:bodyPr>
+          <a:lstStyle/>
+          <a:p>
+            <a:r>
+              <a:rPr lang="en-US" dirty="0"/>
+              <a:t>L1</a:t>
             </a:r>
           </a:p>
         </p:txBody>
       </p:sp>
       <p:pic>
         <p:nvPicPr>
-          <p:cNvPr id="8" name="Picture 7">
-            <a:extLst>
-              <a:ext uri="{FF2B5EF4-FFF2-40B4-BE49-F238E27FC236}">
-                <a16:creationId xmlns:a16="http://schemas.microsoft.com/office/drawing/2014/main" id="{C21D8DC1-6A38-874E-9048-A3532EFF9CF0}"/>
+          <p:cNvPr id="29" name="Picture 28">
+            <a:extLst>
+              <a:ext uri="{FF2B5EF4-FFF2-40B4-BE49-F238E27FC236}">
+                <a16:creationId xmlns:a16="http://schemas.microsoft.com/office/drawing/2014/main" id="{303ABE75-E4F6-F940-9481-FFDE94AA8CDA}"/>
               </a:ext>
             </a:extLst>
           </p:cNvPr>
@@ -4549,20 +5151,50 @@
         </p:blipFill>
         <p:spPr>
           <a:xfrm>
-            <a:off x="4435412" y="966341"/>
-            <a:ext cx="2462659" cy="2462659"/>
+            <a:off x="4296279" y="5123692"/>
+            <a:ext cx="2346609" cy="1695237"/>
           </a:xfrm>
           <a:prstGeom prst="rect">
             <a:avLst/>
           </a:prstGeom>
         </p:spPr>
       </p:pic>
-      <p:sp>
-        <p:nvSpPr>
-          <p:cNvPr id="9" name="TextBox 8">
-            <a:extLst>
-              <a:ext uri="{FF2B5EF4-FFF2-40B4-BE49-F238E27FC236}">
-                <a16:creationId xmlns:a16="http://schemas.microsoft.com/office/drawing/2014/main" id="{2361A918-12F0-1F43-9F17-03ADA8740F69}"/>
+      <p:pic>
+        <p:nvPicPr>
+          <p:cNvPr id="31" name="Picture 30">
+            <a:extLst>
+              <a:ext uri="{FF2B5EF4-FFF2-40B4-BE49-F238E27FC236}">
+                <a16:creationId xmlns:a16="http://schemas.microsoft.com/office/drawing/2014/main" id="{A2B283D8-B451-DE4F-91C6-79B296C33CFB}"/>
+              </a:ext>
+            </a:extLst>
+          </p:cNvPr>
+          <p:cNvPicPr>
+            <a:picLocks noChangeAspect="1"/>
+          </p:cNvPicPr>
+          <p:nvPr/>
+        </p:nvPicPr>
+        <p:blipFill>
+          <a:blip r:embed="rId7"/>
+          <a:stretch>
+            <a:fillRect/>
+          </a:stretch>
+        </p:blipFill>
+        <p:spPr>
+          <a:xfrm>
+            <a:off x="923688" y="5022992"/>
+            <a:ext cx="2568542" cy="1896638"/>
+          </a:xfrm>
+          <a:prstGeom prst="rect">
+            <a:avLst/>
+          </a:prstGeom>
+        </p:spPr>
+      </p:pic>
+      <p:sp>
+        <p:nvSpPr>
+          <p:cNvPr id="32" name="TextBox 31">
+            <a:extLst>
+              <a:ext uri="{FF2B5EF4-FFF2-40B4-BE49-F238E27FC236}">
+                <a16:creationId xmlns:a16="http://schemas.microsoft.com/office/drawing/2014/main" id="{1F983E7C-A9C1-D942-8A98-6428BF8FFC61}"/>
               </a:ext>
             </a:extLst>
           </p:cNvPr>
@@ -4571,8 +5203,8 @@
         </p:nvSpPr>
         <p:spPr>
           <a:xfrm>
-            <a:off x="5117024" y="597009"/>
-            <a:ext cx="1477777" cy="369332"/>
+            <a:off x="144307" y="5601979"/>
+            <a:ext cx="779381" cy="369332"/>
           </a:xfrm>
           <a:prstGeom prst="rect">
             <a:avLst/>
@@ -4587,17 +5219,87 @@
           <a:p>
             <a:r>
               <a:rPr lang="en-US" dirty="0"/>
-              <a:t>Ground truth</a:t>
-            </a:r>
-          </a:p>
-        </p:txBody>
-      </p:sp>
-      <p:sp>
-        <p:nvSpPr>
-          <p:cNvPr id="2" name="TextBox 1">
-            <a:extLst>
-              <a:ext uri="{FF2B5EF4-FFF2-40B4-BE49-F238E27FC236}">
-                <a16:creationId xmlns:a16="http://schemas.microsoft.com/office/drawing/2014/main" id="{2E9431FC-E046-A14C-A6EE-00C045EA5699}"/>
+              <a:t>LASSO</a:t>
+            </a:r>
+          </a:p>
+        </p:txBody>
+      </p:sp>
+      <p:sp>
+        <p:nvSpPr>
+          <p:cNvPr id="33" name="Rectangle 32">
+            <a:extLst>
+              <a:ext uri="{FF2B5EF4-FFF2-40B4-BE49-F238E27FC236}">
+                <a16:creationId xmlns:a16="http://schemas.microsoft.com/office/drawing/2014/main" id="{0EF82C53-2CCC-3740-91DF-91BF308F4506}"/>
+              </a:ext>
+            </a:extLst>
+          </p:cNvPr>
+          <p:cNvSpPr/>
+          <p:nvPr/>
+        </p:nvSpPr>
+        <p:spPr>
+          <a:xfrm>
+            <a:off x="5174216" y="5123692"/>
+            <a:ext cx="1468672" cy="338554"/>
+          </a:xfrm>
+          <a:prstGeom prst="rect">
+            <a:avLst/>
+          </a:prstGeom>
+        </p:spPr>
+        <p:txBody>
+          <a:bodyPr wrap="none">
+            <a:spAutoFit/>
+          </a:bodyPr>
+          <a:lstStyle/>
+          <a:p>
+            <a:r>
+              <a:rPr lang="en-US" sz="1600" b="0" dirty="0">
+                <a:effectLst/>
+              </a:rPr>
+              <a:t>lambda = 0.005</a:t>
+            </a:r>
+          </a:p>
+        </p:txBody>
+      </p:sp>
+      <p:sp>
+        <p:nvSpPr>
+          <p:cNvPr id="34" name="Rectangle 33">
+            <a:extLst>
+              <a:ext uri="{FF2B5EF4-FFF2-40B4-BE49-F238E27FC236}">
+                <a16:creationId xmlns:a16="http://schemas.microsoft.com/office/drawing/2014/main" id="{5D8EB579-C4B0-A641-869C-D7C1ED6CCEE7}"/>
+              </a:ext>
+            </a:extLst>
+          </p:cNvPr>
+          <p:cNvSpPr/>
+          <p:nvPr/>
+        </p:nvSpPr>
+        <p:spPr>
+          <a:xfrm>
+            <a:off x="7023835" y="5682753"/>
+            <a:ext cx="3470950" cy="307777"/>
+          </a:xfrm>
+          <a:prstGeom prst="rect">
+            <a:avLst/>
+          </a:prstGeom>
+        </p:spPr>
+        <p:txBody>
+          <a:bodyPr wrap="none">
+            <a:spAutoFit/>
+          </a:bodyPr>
+          <a:lstStyle/>
+          <a:p>
+            <a:r>
+              <a:rPr lang="en-US" sz="1400" dirty="0"/>
+              <a:t>Reconstruction Error: 0.10372515231840763</a:t>
+            </a:r>
+          </a:p>
+        </p:txBody>
+      </p:sp>
+      <p:sp>
+        <p:nvSpPr>
+          <p:cNvPr id="16" name="TextBox 15">
+            <a:extLst>
+              <a:ext uri="{FF2B5EF4-FFF2-40B4-BE49-F238E27FC236}">
+                <a16:creationId xmlns:a16="http://schemas.microsoft.com/office/drawing/2014/main" id="{29175E68-E4EB-D249-867C-A98D0099FB1E}"/>
               </a:ext>
             </a:extLst>
           </p:cNvPr>
@@ -4606,8 +5308,8 @@
         </p:nvSpPr>
         <p:spPr>
           <a:xfrm>
-            <a:off x="716371" y="661499"/>
-            <a:ext cx="2115003" cy="369332"/>
+            <a:off x="21425" y="69378"/>
+            <a:ext cx="3948389" cy="400110"/>
           </a:xfrm>
           <a:prstGeom prst="rect">
             <a:avLst/>
@@ -4621,113 +5323,8 @@
           <a:lstStyle/>
           <a:p>
             <a:r>
-              <a:rPr lang="en-US" dirty="0"/>
-              <a:t>Noisy measurement</a:t>
-            </a:r>
-          </a:p>
-        </p:txBody>
-      </p:sp>
-      <p:sp>
-        <p:nvSpPr>
-          <p:cNvPr id="10" name="TextBox 9">
-            <a:extLst>
-              <a:ext uri="{FF2B5EF4-FFF2-40B4-BE49-F238E27FC236}">
-                <a16:creationId xmlns:a16="http://schemas.microsoft.com/office/drawing/2014/main" id="{26C57488-8A65-084C-9CB4-A9A827E17DE6}"/>
-              </a:ext>
-            </a:extLst>
-          </p:cNvPr>
-          <p:cNvSpPr txBox="1"/>
-          <p:nvPr/>
-        </p:nvSpPr>
-        <p:spPr>
-          <a:xfrm>
-            <a:off x="955428" y="3786555"/>
-            <a:ext cx="1801519" cy="369332"/>
-          </a:xfrm>
-          <a:prstGeom prst="rect">
-            <a:avLst/>
-          </a:prstGeom>
-          <a:noFill/>
-        </p:spPr>
-        <p:txBody>
-          <a:bodyPr wrap="none" rtlCol="0">
-            <a:spAutoFit/>
-          </a:bodyPr>
-          <a:lstStyle/>
-          <a:p>
-            <a:r>
-              <a:rPr lang="en-US" dirty="0"/>
-              <a:t>Recovered atoms</a:t>
-            </a:r>
-          </a:p>
-        </p:txBody>
-      </p:sp>
-      <p:sp>
-        <p:nvSpPr>
-          <p:cNvPr id="12" name="TextBox 11">
-            <a:extLst>
-              <a:ext uri="{FF2B5EF4-FFF2-40B4-BE49-F238E27FC236}">
-                <a16:creationId xmlns:a16="http://schemas.microsoft.com/office/drawing/2014/main" id="{5A3913AD-3071-374A-8DCE-94AFA41CC560}"/>
-              </a:ext>
-            </a:extLst>
-          </p:cNvPr>
-          <p:cNvSpPr txBox="1"/>
-          <p:nvPr/>
-        </p:nvSpPr>
-        <p:spPr>
-          <a:xfrm>
-            <a:off x="5005712" y="3786555"/>
-            <a:ext cx="1589089" cy="369332"/>
-          </a:xfrm>
-          <a:prstGeom prst="rect">
-            <a:avLst/>
-          </a:prstGeom>
-          <a:noFill/>
-        </p:spPr>
-        <p:txBody>
-          <a:bodyPr wrap="none" rtlCol="0">
-            <a:spAutoFit/>
-          </a:bodyPr>
-          <a:lstStyle/>
-          <a:p>
-            <a:r>
-              <a:rPr lang="en-US" dirty="0"/>
-              <a:t>Reconstructed</a:t>
-            </a:r>
-          </a:p>
-        </p:txBody>
-      </p:sp>
-      <p:sp>
-        <p:nvSpPr>
-          <p:cNvPr id="13" name="TextBox 12">
-            <a:extLst>
-              <a:ext uri="{FF2B5EF4-FFF2-40B4-BE49-F238E27FC236}">
-                <a16:creationId xmlns:a16="http://schemas.microsoft.com/office/drawing/2014/main" id="{AA8394F6-7552-A540-881F-3AA9AF22AE21}"/>
-              </a:ext>
-            </a:extLst>
-          </p:cNvPr>
-          <p:cNvSpPr txBox="1"/>
-          <p:nvPr/>
-        </p:nvSpPr>
-        <p:spPr>
-          <a:xfrm>
-            <a:off x="9523696" y="3786555"/>
-            <a:ext cx="655436" cy="369332"/>
-          </a:xfrm>
-          <a:prstGeom prst="rect">
-            <a:avLst/>
-          </a:prstGeom>
-          <a:noFill/>
-        </p:spPr>
-        <p:txBody>
-          <a:bodyPr wrap="none" rtlCol="0">
-            <a:spAutoFit/>
-          </a:bodyPr>
-          <a:lstStyle/>
-          <a:p>
-            <a:r>
-              <a:rPr lang="en-US" dirty="0"/>
-              <a:t>Error</a:t>
+              <a:rPr lang="en-US" sz="2000" dirty="0"/>
+              <a:t>Toy problem 1: noisy measurements</a:t>
             </a:r>
           </a:p>
         </p:txBody>
@@ -4735,148 +5332,7 @@
     </p:spTree>
     <p:extLst>
       <p:ext uri="{BB962C8B-B14F-4D97-AF65-F5344CB8AC3E}">
-        <p14:creationId xmlns:p14="http://schemas.microsoft.com/office/powerpoint/2010/main" val="1923623714"/>
-      </p:ext>
-    </p:extLst>
-  </p:cSld>
-  <p:clrMapOvr>
-    <a:masterClrMapping/>
-  </p:clrMapOvr>
-</p:sld>
-</file>
-
-<file path=ppt/slides/slide15.xml><?xml version="1.0" encoding="utf-8"?>
-<p:sld xmlns:a="http://schemas.openxmlformats.org/drawingml/2006/main" xmlns:r="http://schemas.openxmlformats.org/officeDocument/2006/relationships" xmlns:p="http://schemas.openxmlformats.org/presentationml/2006/main">
-  <p:cSld>
-    <p:spTree>
-      <p:nvGrpSpPr>
-        <p:cNvPr id="1" name=""/>
-        <p:cNvGrpSpPr/>
-        <p:nvPr/>
-      </p:nvGrpSpPr>
-      <p:grpSpPr>
-        <a:xfrm>
-          <a:off x="0" y="0"/>
-          <a:ext cx="0" cy="0"/>
-          <a:chOff x="0" y="0"/>
-          <a:chExt cx="0" cy="0"/>
-        </a:xfrm>
-      </p:grpSpPr>
-      <p:sp>
-        <p:nvSpPr>
-          <p:cNvPr id="4" name="TextBox 3">
-            <a:extLst>
-              <a:ext uri="{FF2B5EF4-FFF2-40B4-BE49-F238E27FC236}">
-                <a16:creationId xmlns:a16="http://schemas.microsoft.com/office/drawing/2014/main" id="{5B55BE75-EC5A-F54B-8236-E4CB993E7FA7}"/>
-              </a:ext>
-            </a:extLst>
-          </p:cNvPr>
-          <p:cNvSpPr txBox="1"/>
-          <p:nvPr/>
-        </p:nvSpPr>
-        <p:spPr>
-          <a:xfrm>
-            <a:off x="116958" y="116958"/>
-            <a:ext cx="1273105" cy="369332"/>
-          </a:xfrm>
-          <a:prstGeom prst="rect">
-            <a:avLst/>
-          </a:prstGeom>
-          <a:noFill/>
-        </p:spPr>
-        <p:txBody>
-          <a:bodyPr wrap="none" rtlCol="0">
-            <a:spAutoFit/>
-          </a:bodyPr>
-          <a:lstStyle/>
-          <a:p>
-            <a:r>
-              <a:rPr lang="en-US" dirty="0"/>
-              <a:t>Conclusion:</a:t>
-            </a:r>
-          </a:p>
-        </p:txBody>
-      </p:sp>
-      <p:sp>
-        <p:nvSpPr>
-          <p:cNvPr id="14" name="TextBox 13">
-            <a:extLst>
-              <a:ext uri="{FF2B5EF4-FFF2-40B4-BE49-F238E27FC236}">
-                <a16:creationId xmlns:a16="http://schemas.microsoft.com/office/drawing/2014/main" id="{1DBA9A70-68E1-F143-9797-2E3BBA43624C}"/>
-              </a:ext>
-            </a:extLst>
-          </p:cNvPr>
-          <p:cNvSpPr txBox="1"/>
-          <p:nvPr/>
-        </p:nvSpPr>
-        <p:spPr>
-          <a:xfrm>
-            <a:off x="1063256" y="2842437"/>
-            <a:ext cx="10431125" cy="369332"/>
-          </a:xfrm>
-          <a:prstGeom prst="rect">
-            <a:avLst/>
-          </a:prstGeom>
-          <a:noFill/>
-        </p:spPr>
-        <p:txBody>
-          <a:bodyPr wrap="none" rtlCol="0">
-            <a:spAutoFit/>
-          </a:bodyPr>
-          <a:lstStyle/>
-          <a:p>
-            <a:r>
-              <a:rPr lang="en-US" dirty="0"/>
-              <a:t>It seems sparse learning can help a lot experimental and computational area of mechanics/material modeling</a:t>
-            </a:r>
-          </a:p>
-        </p:txBody>
-      </p:sp>
-      <p:sp>
-        <p:nvSpPr>
-          <p:cNvPr id="15" name="TextBox 14">
-            <a:extLst>
-              <a:ext uri="{FF2B5EF4-FFF2-40B4-BE49-F238E27FC236}">
-                <a16:creationId xmlns:a16="http://schemas.microsoft.com/office/drawing/2014/main" id="{EF3056B8-E0DD-8049-B065-0E35B24FB95D}"/>
-              </a:ext>
-            </a:extLst>
-          </p:cNvPr>
-          <p:cNvSpPr txBox="1"/>
-          <p:nvPr/>
-        </p:nvSpPr>
-        <p:spPr>
-          <a:xfrm>
-            <a:off x="1063256" y="1616149"/>
-            <a:ext cx="9037154" cy="646331"/>
-          </a:xfrm>
-          <a:prstGeom prst="rect">
-            <a:avLst/>
-          </a:prstGeom>
-          <a:noFill/>
-        </p:spPr>
-        <p:txBody>
-          <a:bodyPr wrap="none" rtlCol="0">
-            <a:spAutoFit/>
-          </a:bodyPr>
-          <a:lstStyle/>
-          <a:p>
-            <a:r>
-              <a:rPr lang="en-US" dirty="0"/>
-              <a:t>We empirically show dictionary learning is a reasonable approach for flied reconstruction from</a:t>
-            </a:r>
-          </a:p>
-          <a:p>
-            <a:r>
-              <a:rPr lang="en-US" dirty="0"/>
-              <a:t>Few measurements even in noisy conditions.</a:t>
-            </a:r>
-          </a:p>
-        </p:txBody>
-      </p:sp>
-    </p:spTree>
-    <p:extLst>
-      <p:ext uri="{BB962C8B-B14F-4D97-AF65-F5344CB8AC3E}">
-        <p14:creationId xmlns:p14="http://schemas.microsoft.com/office/powerpoint/2010/main" val="1851292813"/>
+        <p14:creationId xmlns:p14="http://schemas.microsoft.com/office/powerpoint/2010/main" val="1014468516"/>
       </p:ext>
     </p:extLst>
   </p:cSld>
@@ -6291,7 +6747,7 @@
         <p:spPr>
           <a:xfrm>
             <a:off x="4663505" y="3583984"/>
-            <a:ext cx="1669240" cy="369332"/>
+            <a:ext cx="1366913" cy="369332"/>
           </a:xfrm>
           <a:prstGeom prst="rect">
             <a:avLst/>
@@ -6306,7 +6762,7 @@
           <a:p>
             <a:r>
               <a:rPr lang="en-US" dirty="0"/>
-              <a:t>Sparse recovery</a:t>
+              <a:t>Basis pursuit</a:t>
             </a:r>
           </a:p>
         </p:txBody>
@@ -6832,10 +7288,10 @@
       </p:grpSpPr>
       <p:pic>
         <p:nvPicPr>
-          <p:cNvPr id="8" name="Picture 7">
-            <a:extLst>
-              <a:ext uri="{FF2B5EF4-FFF2-40B4-BE49-F238E27FC236}">
-                <a16:creationId xmlns:a16="http://schemas.microsoft.com/office/drawing/2014/main" id="{50363B44-D409-084C-9296-B869546CD785}"/>
+          <p:cNvPr id="18" name="Picture 17">
+            <a:extLst>
+              <a:ext uri="{FF2B5EF4-FFF2-40B4-BE49-F238E27FC236}">
+                <a16:creationId xmlns:a16="http://schemas.microsoft.com/office/drawing/2014/main" id="{4B16BDB0-6E6B-F34F-B2AB-FDF273454DB3}"/>
               </a:ext>
             </a:extLst>
           </p:cNvPr>
@@ -6852,8 +7308,8 @@
         </p:blipFill>
         <p:spPr>
           <a:xfrm>
-            <a:off x="5944706" y="1736562"/>
-            <a:ext cx="2038241" cy="1500054"/>
+            <a:off x="6196405" y="1818361"/>
+            <a:ext cx="2988355" cy="2211598"/>
           </a:xfrm>
           <a:prstGeom prst="rect">
             <a:avLst/>
@@ -6862,10 +7318,10 @@
       </p:pic>
       <p:sp>
         <p:nvSpPr>
-          <p:cNvPr id="10" name="TextBox 9">
-            <a:extLst>
-              <a:ext uri="{FF2B5EF4-FFF2-40B4-BE49-F238E27FC236}">
-                <a16:creationId xmlns:a16="http://schemas.microsoft.com/office/drawing/2014/main" id="{2AE4F2B0-AB59-B646-BC51-C35DEC783C38}"/>
+          <p:cNvPr id="19" name="TextBox 18">
+            <a:extLst>
+              <a:ext uri="{FF2B5EF4-FFF2-40B4-BE49-F238E27FC236}">
+                <a16:creationId xmlns:a16="http://schemas.microsoft.com/office/drawing/2014/main" id="{976B8F34-6B53-394E-BFDD-BA9778E7DD05}"/>
               </a:ext>
             </a:extLst>
           </p:cNvPr>
@@ -6874,8 +7330,8 @@
         </p:nvSpPr>
         <p:spPr>
           <a:xfrm>
-            <a:off x="468604" y="2218003"/>
-            <a:ext cx="1212191" cy="369332"/>
+            <a:off x="616431" y="2665685"/>
+            <a:ext cx="1366913" cy="369332"/>
           </a:xfrm>
           <a:prstGeom prst="rect">
             <a:avLst/>
@@ -6890,17 +7346,17 @@
           <a:p>
             <a:r>
               <a:rPr lang="en-US" dirty="0"/>
-              <a:t>L2 solution</a:t>
+              <a:t>Basis pursuit</a:t>
             </a:r>
           </a:p>
         </p:txBody>
       </p:sp>
       <p:pic>
         <p:nvPicPr>
-          <p:cNvPr id="14" name="Picture 13">
-            <a:extLst>
-              <a:ext uri="{FF2B5EF4-FFF2-40B4-BE49-F238E27FC236}">
-                <a16:creationId xmlns:a16="http://schemas.microsoft.com/office/drawing/2014/main" id="{DAE5A2A6-529D-4F45-8F18-49BE9A38E8F3}"/>
+          <p:cNvPr id="21" name="Picture 20">
+            <a:extLst>
+              <a:ext uri="{FF2B5EF4-FFF2-40B4-BE49-F238E27FC236}">
+                <a16:creationId xmlns:a16="http://schemas.microsoft.com/office/drawing/2014/main" id="{51B9358B-1FC4-6C4F-A423-BCBE7EDF58D0}"/>
               </a:ext>
             </a:extLst>
           </p:cNvPr>
@@ -6917,8 +7373,8 @@
         </p:blipFill>
         <p:spPr>
           <a:xfrm>
-            <a:off x="3608250" y="1728222"/>
-            <a:ext cx="2121563" cy="1608735"/>
+            <a:off x="2803177" y="1818361"/>
+            <a:ext cx="3200873" cy="2347307"/>
           </a:xfrm>
           <a:prstGeom prst="rect">
             <a:avLst/>
@@ -6927,45 +7383,179 @@
       </p:pic>
       <p:sp>
         <p:nvSpPr>
-          <p:cNvPr id="15" name="TextBox 14">
-            <a:extLst>
-              <a:ext uri="{FF2B5EF4-FFF2-40B4-BE49-F238E27FC236}">
-                <a16:creationId xmlns:a16="http://schemas.microsoft.com/office/drawing/2014/main" id="{D0B412E0-27A1-3844-ADF4-7644BADB429B}"/>
-              </a:ext>
-            </a:extLst>
-          </p:cNvPr>
-          <p:cNvSpPr txBox="1"/>
-          <p:nvPr/>
-        </p:nvSpPr>
-        <p:spPr>
-          <a:xfrm>
-            <a:off x="8139856" y="2056361"/>
-            <a:ext cx="3667621" cy="307777"/>
-          </a:xfrm>
-          <a:prstGeom prst="rect">
-            <a:avLst/>
-          </a:prstGeom>
-          <a:noFill/>
-        </p:spPr>
-        <p:txBody>
-          <a:bodyPr wrap="square" rtlCol="0">
+          <p:cNvPr id="22" name="Rectangle 21">
+            <a:extLst>
+              <a:ext uri="{FF2B5EF4-FFF2-40B4-BE49-F238E27FC236}">
+                <a16:creationId xmlns:a16="http://schemas.microsoft.com/office/drawing/2014/main" id="{DEF6F3C6-9B38-8E46-823D-6417E354593E}"/>
+              </a:ext>
+            </a:extLst>
+          </p:cNvPr>
+          <p:cNvSpPr/>
+          <p:nvPr/>
+        </p:nvSpPr>
+        <p:spPr>
+          <a:xfrm>
+            <a:off x="9540267" y="2511797"/>
+            <a:ext cx="2443751" cy="307777"/>
+          </a:xfrm>
+          <a:prstGeom prst="rect">
+            <a:avLst/>
+          </a:prstGeom>
+        </p:spPr>
+        <p:txBody>
+          <a:bodyPr wrap="square">
             <a:spAutoFit/>
           </a:bodyPr>
           <a:lstStyle/>
           <a:p>
             <a:r>
               <a:rPr lang="en-US" sz="1400" dirty="0"/>
-              <a:t>Reconstruction error: 5.605518633572185e-15</a:t>
+              <a:t>Reconstruction error:1.06e-06</a:t>
+            </a:r>
+          </a:p>
+        </p:txBody>
+      </p:sp>
+      <p:sp>
+        <p:nvSpPr>
+          <p:cNvPr id="2" name="TextBox 1">
+            <a:extLst>
+              <a:ext uri="{FF2B5EF4-FFF2-40B4-BE49-F238E27FC236}">
+                <a16:creationId xmlns:a16="http://schemas.microsoft.com/office/drawing/2014/main" id="{2856BE86-94F3-7F48-A4B5-33F128D4270B}"/>
+              </a:ext>
+            </a:extLst>
+          </p:cNvPr>
+          <p:cNvSpPr txBox="1"/>
+          <p:nvPr/>
+        </p:nvSpPr>
+        <p:spPr>
+          <a:xfrm>
+            <a:off x="21425" y="69378"/>
+            <a:ext cx="1732205" cy="400110"/>
+          </a:xfrm>
+          <a:prstGeom prst="rect">
+            <a:avLst/>
+          </a:prstGeom>
+          <a:noFill/>
+        </p:spPr>
+        <p:txBody>
+          <a:bodyPr wrap="none" rtlCol="0">
+            <a:spAutoFit/>
+          </a:bodyPr>
+          <a:lstStyle/>
+          <a:p>
+            <a:r>
+              <a:rPr lang="en-US" sz="2000" dirty="0"/>
+              <a:t>Toy problem 1:</a:t>
+            </a:r>
+          </a:p>
+        </p:txBody>
+      </p:sp>
+      <p:sp>
+        <p:nvSpPr>
+          <p:cNvPr id="3" name="TextBox 2">
+            <a:extLst>
+              <a:ext uri="{FF2B5EF4-FFF2-40B4-BE49-F238E27FC236}">
+                <a16:creationId xmlns:a16="http://schemas.microsoft.com/office/drawing/2014/main" id="{007DAEE1-8C7A-AE45-A492-9C308D90A895}"/>
+              </a:ext>
+            </a:extLst>
+          </p:cNvPr>
+          <p:cNvSpPr txBox="1"/>
+          <p:nvPr/>
+        </p:nvSpPr>
+        <p:spPr>
+          <a:xfrm>
+            <a:off x="468605" y="469488"/>
+            <a:ext cx="6453562" cy="1107996"/>
+          </a:xfrm>
+          <a:prstGeom prst="rect">
+            <a:avLst/>
+          </a:prstGeom>
+          <a:noFill/>
+        </p:spPr>
+        <p:txBody>
+          <a:bodyPr wrap="none" rtlCol="0">
+            <a:spAutoFit/>
+          </a:bodyPr>
+          <a:lstStyle/>
+          <a:p>
+            <a:r>
+              <a:rPr lang="en-US" sz="1600" dirty="0"/>
+              <a:t>Constructing data:</a:t>
+            </a:r>
+          </a:p>
+          <a:p>
+            <a:pPr marL="285750" indent="-285750">
+              <a:buFont typeface="Arial" panose="020B0604020202020204" pitchFamily="34" charset="0"/>
+              <a:buChar char="•"/>
+            </a:pPr>
+            <a:r>
+              <a:rPr lang="en-US" sz="1600" dirty="0"/>
+              <a:t>50% of data is randomly chosen as library</a:t>
+            </a:r>
+          </a:p>
+          <a:p>
+            <a:pPr marL="285750" indent="-285750">
+              <a:buFont typeface="Arial" panose="020B0604020202020204" pitchFamily="34" charset="0"/>
+              <a:buChar char="•"/>
+            </a:pPr>
+            <a:r>
+              <a:rPr lang="en-US" sz="1600" dirty="0"/>
+              <a:t>library  is temporally normalized: zero mean unitary standard variation</a:t>
+            </a:r>
+          </a:p>
+          <a:p>
+            <a:pPr marL="285750" indent="-285750">
+              <a:buFont typeface="Arial" panose="020B0604020202020204" pitchFamily="34" charset="0"/>
+              <a:buChar char="•"/>
+            </a:pPr>
+            <a:r>
+              <a:rPr lang="en-US" sz="1600" dirty="0"/>
+              <a:t>We choose test measurements from data not included in library</a:t>
+            </a:r>
+          </a:p>
+        </p:txBody>
+      </p:sp>
+      <p:sp>
+        <p:nvSpPr>
+          <p:cNvPr id="20" name="TextBox 19">
+            <a:extLst>
+              <a:ext uri="{FF2B5EF4-FFF2-40B4-BE49-F238E27FC236}">
+                <a16:creationId xmlns:a16="http://schemas.microsoft.com/office/drawing/2014/main" id="{498A513A-9F70-AB4E-BBD0-42ACAE9E8ADD}"/>
+              </a:ext>
+            </a:extLst>
+          </p:cNvPr>
+          <p:cNvSpPr txBox="1"/>
+          <p:nvPr/>
+        </p:nvSpPr>
+        <p:spPr>
+          <a:xfrm>
+            <a:off x="910196" y="5336786"/>
+            <a:ext cx="779381" cy="369332"/>
+          </a:xfrm>
+          <a:prstGeom prst="rect">
+            <a:avLst/>
+          </a:prstGeom>
+          <a:noFill/>
+        </p:spPr>
+        <p:txBody>
+          <a:bodyPr wrap="none" rtlCol="0">
+            <a:spAutoFit/>
+          </a:bodyPr>
+          <a:lstStyle/>
+          <a:p>
+            <a:r>
+              <a:rPr lang="en-US" dirty="0"/>
+              <a:t>LASSO</a:t>
             </a:r>
           </a:p>
         </p:txBody>
       </p:sp>
       <p:pic>
         <p:nvPicPr>
-          <p:cNvPr id="18" name="Picture 17">
-            <a:extLst>
-              <a:ext uri="{FF2B5EF4-FFF2-40B4-BE49-F238E27FC236}">
-                <a16:creationId xmlns:a16="http://schemas.microsoft.com/office/drawing/2014/main" id="{4B16BDB0-6E6B-F34F-B2AB-FDF273454DB3}"/>
+          <p:cNvPr id="5" name="Picture 4">
+            <a:extLst>
+              <a:ext uri="{FF2B5EF4-FFF2-40B4-BE49-F238E27FC236}">
+                <a16:creationId xmlns:a16="http://schemas.microsoft.com/office/drawing/2014/main" id="{29560555-7FBF-8F47-8B7F-CBDE3746B3D0}"/>
               </a:ext>
             </a:extLst>
           </p:cNvPr>
@@ -6982,55 +7572,20 @@
         </p:blipFill>
         <p:spPr>
           <a:xfrm>
-            <a:off x="6096000" y="3621384"/>
-            <a:ext cx="2038241" cy="1508445"/>
+            <a:off x="6196405" y="4396064"/>
+            <a:ext cx="2988354" cy="2250776"/>
           </a:xfrm>
           <a:prstGeom prst="rect">
             <a:avLst/>
           </a:prstGeom>
         </p:spPr>
       </p:pic>
-      <p:sp>
-        <p:nvSpPr>
-          <p:cNvPr id="19" name="TextBox 18">
-            <a:extLst>
-              <a:ext uri="{FF2B5EF4-FFF2-40B4-BE49-F238E27FC236}">
-                <a16:creationId xmlns:a16="http://schemas.microsoft.com/office/drawing/2014/main" id="{976B8F34-6B53-394E-BFDD-BA9778E7DD05}"/>
-              </a:ext>
-            </a:extLst>
-          </p:cNvPr>
-          <p:cNvSpPr txBox="1"/>
-          <p:nvPr/>
-        </p:nvSpPr>
-        <p:spPr>
-          <a:xfrm>
-            <a:off x="468604" y="4029959"/>
-            <a:ext cx="1212191" cy="369332"/>
-          </a:xfrm>
-          <a:prstGeom prst="rect">
-            <a:avLst/>
-          </a:prstGeom>
-          <a:noFill/>
-        </p:spPr>
-        <p:txBody>
-          <a:bodyPr wrap="none" rtlCol="0">
-            <a:spAutoFit/>
-          </a:bodyPr>
-          <a:lstStyle/>
-          <a:p>
-            <a:r>
-              <a:rPr lang="en-US" dirty="0"/>
-              <a:t>L1 solution</a:t>
-            </a:r>
-          </a:p>
-        </p:txBody>
-      </p:sp>
       <p:pic>
         <p:nvPicPr>
-          <p:cNvPr id="21" name="Picture 20">
-            <a:extLst>
-              <a:ext uri="{FF2B5EF4-FFF2-40B4-BE49-F238E27FC236}">
-                <a16:creationId xmlns:a16="http://schemas.microsoft.com/office/drawing/2014/main" id="{51B9358B-1FC4-6C4F-A423-BCBE7EDF58D0}"/>
+          <p:cNvPr id="7" name="Picture 6">
+            <a:extLst>
+              <a:ext uri="{FF2B5EF4-FFF2-40B4-BE49-F238E27FC236}">
+                <a16:creationId xmlns:a16="http://schemas.microsoft.com/office/drawing/2014/main" id="{CADADA41-388C-A34D-A840-1CF90DCABEF7}"/>
               </a:ext>
             </a:extLst>
           </p:cNvPr>
@@ -7047,8 +7602,8 @@
         </p:blipFill>
         <p:spPr>
           <a:xfrm>
-            <a:off x="3608251" y="3621385"/>
-            <a:ext cx="2121563" cy="1555813"/>
+            <a:off x="2803177" y="4499218"/>
+            <a:ext cx="3200873" cy="2281810"/>
           </a:xfrm>
           <a:prstGeom prst="rect">
             <a:avLst/>
@@ -7057,10 +7612,10 @@
       </p:pic>
       <p:sp>
         <p:nvSpPr>
-          <p:cNvPr id="22" name="Rectangle 21">
-            <a:extLst>
-              <a:ext uri="{FF2B5EF4-FFF2-40B4-BE49-F238E27FC236}">
-                <a16:creationId xmlns:a16="http://schemas.microsoft.com/office/drawing/2014/main" id="{DEF6F3C6-9B38-8E46-823D-6417E354593E}"/>
+          <p:cNvPr id="23" name="Rectangle 22">
+            <a:extLst>
+              <a:ext uri="{FF2B5EF4-FFF2-40B4-BE49-F238E27FC236}">
+                <a16:creationId xmlns:a16="http://schemas.microsoft.com/office/drawing/2014/main" id="{E079B3F9-F667-BB49-9F8D-A12FD33E2A4C}"/>
               </a:ext>
             </a:extLst>
           </p:cNvPr>
@@ -7069,8 +7624,42 @@
         </p:nvSpPr>
         <p:spPr>
           <a:xfrm>
-            <a:off x="8139607" y="3991463"/>
-            <a:ext cx="3668120" cy="307777"/>
+            <a:off x="9633140" y="5127324"/>
+            <a:ext cx="2558860" cy="307777"/>
+          </a:xfrm>
+          <a:prstGeom prst="rect">
+            <a:avLst/>
+          </a:prstGeom>
+        </p:spPr>
+        <p:txBody>
+          <a:bodyPr wrap="square">
+            <a:spAutoFit/>
+          </a:bodyPr>
+          <a:lstStyle/>
+          <a:p>
+            <a:r>
+              <a:rPr lang="en-US" sz="1400" dirty="0"/>
+              <a:t>Reconstruction error:0.002</a:t>
+            </a:r>
+          </a:p>
+        </p:txBody>
+      </p:sp>
+      <p:sp>
+        <p:nvSpPr>
+          <p:cNvPr id="11" name="Rectangle 10">
+            <a:extLst>
+              <a:ext uri="{FF2B5EF4-FFF2-40B4-BE49-F238E27FC236}">
+                <a16:creationId xmlns:a16="http://schemas.microsoft.com/office/drawing/2014/main" id="{8F86D258-C0B6-3B4D-8950-063DAA4CA49A}"/>
+              </a:ext>
+            </a:extLst>
+          </p:cNvPr>
+          <p:cNvSpPr/>
+          <p:nvPr/>
+        </p:nvSpPr>
+        <p:spPr>
+          <a:xfrm>
+            <a:off x="7690582" y="4499218"/>
+            <a:ext cx="1260281" cy="338554"/>
           </a:xfrm>
           <a:prstGeom prst="rect">
             <a:avLst/>
@@ -7083,275 +7672,8 @@
           <a:lstStyle/>
           <a:p>
             <a:r>
-              <a:rPr lang="en-US" sz="1400" dirty="0"/>
-              <a:t>Reconstruction error:1.0673072250676275e-06</a:t>
-            </a:r>
-          </a:p>
-        </p:txBody>
-      </p:sp>
-      <p:sp>
-        <p:nvSpPr>
-          <p:cNvPr id="2" name="TextBox 1">
-            <a:extLst>
-              <a:ext uri="{FF2B5EF4-FFF2-40B4-BE49-F238E27FC236}">
-                <a16:creationId xmlns:a16="http://schemas.microsoft.com/office/drawing/2014/main" id="{2856BE86-94F3-7F48-A4B5-33F128D4270B}"/>
-              </a:ext>
-            </a:extLst>
-          </p:cNvPr>
-          <p:cNvSpPr txBox="1"/>
-          <p:nvPr/>
-        </p:nvSpPr>
-        <p:spPr>
-          <a:xfrm>
-            <a:off x="21425" y="69378"/>
-            <a:ext cx="1732205" cy="400110"/>
-          </a:xfrm>
-          <a:prstGeom prst="rect">
-            <a:avLst/>
-          </a:prstGeom>
-          <a:noFill/>
-        </p:spPr>
-        <p:txBody>
-          <a:bodyPr wrap="none" rtlCol="0">
-            <a:spAutoFit/>
-          </a:bodyPr>
-          <a:lstStyle/>
-          <a:p>
-            <a:r>
-              <a:rPr lang="en-US" sz="2000" dirty="0"/>
-              <a:t>Toy problem 1:</a:t>
-            </a:r>
-          </a:p>
-        </p:txBody>
-      </p:sp>
-      <p:sp>
-        <p:nvSpPr>
-          <p:cNvPr id="3" name="TextBox 2">
-            <a:extLst>
-              <a:ext uri="{FF2B5EF4-FFF2-40B4-BE49-F238E27FC236}">
-                <a16:creationId xmlns:a16="http://schemas.microsoft.com/office/drawing/2014/main" id="{007DAEE1-8C7A-AE45-A492-9C308D90A895}"/>
-              </a:ext>
-            </a:extLst>
-          </p:cNvPr>
-          <p:cNvSpPr txBox="1"/>
-          <p:nvPr/>
-        </p:nvSpPr>
-        <p:spPr>
-          <a:xfrm>
-            <a:off x="468605" y="469488"/>
-            <a:ext cx="6453562" cy="1107996"/>
-          </a:xfrm>
-          <a:prstGeom prst="rect">
-            <a:avLst/>
-          </a:prstGeom>
-          <a:noFill/>
-        </p:spPr>
-        <p:txBody>
-          <a:bodyPr wrap="none" rtlCol="0">
-            <a:spAutoFit/>
-          </a:bodyPr>
-          <a:lstStyle/>
-          <a:p>
-            <a:r>
               <a:rPr lang="en-US" sz="1600" dirty="0"/>
-              <a:t>Constructing data:</a:t>
-            </a:r>
-          </a:p>
-          <a:p>
-            <a:pPr marL="285750" indent="-285750">
-              <a:buFont typeface="Arial" panose="020B0604020202020204" pitchFamily="34" charset="0"/>
-              <a:buChar char="•"/>
-            </a:pPr>
-            <a:r>
-              <a:rPr lang="en-US" sz="1600" dirty="0"/>
-              <a:t>50% of data is randomly chosen as library</a:t>
-            </a:r>
-          </a:p>
-          <a:p>
-            <a:pPr marL="285750" indent="-285750">
-              <a:buFont typeface="Arial" panose="020B0604020202020204" pitchFamily="34" charset="0"/>
-              <a:buChar char="•"/>
-            </a:pPr>
-            <a:r>
-              <a:rPr lang="en-US" sz="1600" dirty="0"/>
-              <a:t>library  is temporally normalized: zero mean unitary standard variation</a:t>
-            </a:r>
-          </a:p>
-          <a:p>
-            <a:pPr marL="285750" indent="-285750">
-              <a:buFont typeface="Arial" panose="020B0604020202020204" pitchFamily="34" charset="0"/>
-              <a:buChar char="•"/>
-            </a:pPr>
-            <a:r>
-              <a:rPr lang="en-US" sz="1600" dirty="0"/>
-              <a:t>We choose test measurements from data not included in library</a:t>
-            </a:r>
-          </a:p>
-        </p:txBody>
-      </p:sp>
-      <p:sp>
-        <p:nvSpPr>
-          <p:cNvPr id="20" name="TextBox 19">
-            <a:extLst>
-              <a:ext uri="{FF2B5EF4-FFF2-40B4-BE49-F238E27FC236}">
-                <a16:creationId xmlns:a16="http://schemas.microsoft.com/office/drawing/2014/main" id="{498A513A-9F70-AB4E-BBD0-42ACAE9E8ADD}"/>
-              </a:ext>
-            </a:extLst>
-          </p:cNvPr>
-          <p:cNvSpPr txBox="1"/>
-          <p:nvPr/>
-        </p:nvSpPr>
-        <p:spPr>
-          <a:xfrm>
-            <a:off x="278647" y="5841915"/>
-            <a:ext cx="1592103" cy="369332"/>
-          </a:xfrm>
-          <a:prstGeom prst="rect">
-            <a:avLst/>
-          </a:prstGeom>
-          <a:noFill/>
-        </p:spPr>
-        <p:txBody>
-          <a:bodyPr wrap="none" rtlCol="0">
-            <a:spAutoFit/>
-          </a:bodyPr>
-          <a:lstStyle/>
-          <a:p>
-            <a:r>
-              <a:rPr lang="en-US" dirty="0"/>
-              <a:t>LASSO solution</a:t>
-            </a:r>
-          </a:p>
-        </p:txBody>
-      </p:sp>
-      <p:pic>
-        <p:nvPicPr>
-          <p:cNvPr id="5" name="Picture 4">
-            <a:extLst>
-              <a:ext uri="{FF2B5EF4-FFF2-40B4-BE49-F238E27FC236}">
-                <a16:creationId xmlns:a16="http://schemas.microsoft.com/office/drawing/2014/main" id="{29560555-7FBF-8F47-8B7F-CBDE3746B3D0}"/>
-              </a:ext>
-            </a:extLst>
-          </p:cNvPr>
-          <p:cNvPicPr>
-            <a:picLocks noChangeAspect="1"/>
-          </p:cNvPicPr>
-          <p:nvPr/>
-        </p:nvPicPr>
-        <p:blipFill>
-          <a:blip r:embed="rId6"/>
-          <a:stretch>
-            <a:fillRect/>
-          </a:stretch>
-        </p:blipFill>
-        <p:spPr>
-          <a:xfrm>
-            <a:off x="6196405" y="5177198"/>
-            <a:ext cx="1937836" cy="1602550"/>
-          </a:xfrm>
-          <a:prstGeom prst="rect">
-            <a:avLst/>
-          </a:prstGeom>
-        </p:spPr>
-      </p:pic>
-      <p:pic>
-        <p:nvPicPr>
-          <p:cNvPr id="7" name="Picture 6">
-            <a:extLst>
-              <a:ext uri="{FF2B5EF4-FFF2-40B4-BE49-F238E27FC236}">
-                <a16:creationId xmlns:a16="http://schemas.microsoft.com/office/drawing/2014/main" id="{CADADA41-388C-A34D-A840-1CF90DCABEF7}"/>
-              </a:ext>
-            </a:extLst>
-          </p:cNvPr>
-          <p:cNvPicPr>
-            <a:picLocks noChangeAspect="1"/>
-          </p:cNvPicPr>
-          <p:nvPr/>
-        </p:nvPicPr>
-        <p:blipFill>
-          <a:blip r:embed="rId7"/>
-          <a:stretch>
-            <a:fillRect/>
-          </a:stretch>
-        </p:blipFill>
-        <p:spPr>
-          <a:xfrm>
-            <a:off x="3628569" y="5271302"/>
-            <a:ext cx="2116015" cy="1508446"/>
-          </a:xfrm>
-          <a:prstGeom prst="rect">
-            <a:avLst/>
-          </a:prstGeom>
-        </p:spPr>
-      </p:pic>
-      <p:sp>
-        <p:nvSpPr>
-          <p:cNvPr id="23" name="Rectangle 22">
-            <a:extLst>
-              <a:ext uri="{FF2B5EF4-FFF2-40B4-BE49-F238E27FC236}">
-                <a16:creationId xmlns:a16="http://schemas.microsoft.com/office/drawing/2014/main" id="{E079B3F9-F667-BB49-9F8D-A12FD33E2A4C}"/>
-              </a:ext>
-            </a:extLst>
-          </p:cNvPr>
-          <p:cNvSpPr/>
-          <p:nvPr/>
-        </p:nvSpPr>
-        <p:spPr>
-          <a:xfrm>
-            <a:off x="8139606" y="5729018"/>
-            <a:ext cx="3523850" cy="307777"/>
-          </a:xfrm>
-          <a:prstGeom prst="rect">
-            <a:avLst/>
-          </a:prstGeom>
-        </p:spPr>
-        <p:txBody>
-          <a:bodyPr wrap="none">
-            <a:spAutoFit/>
-          </a:bodyPr>
-          <a:lstStyle/>
-          <a:p>
-            <a:r>
-              <a:rPr lang="en-US" sz="1400" dirty="0"/>
-              <a:t>Reconstruction error:0.002015971351983264</a:t>
-            </a:r>
-          </a:p>
-        </p:txBody>
-      </p:sp>
-      <p:sp>
-        <p:nvSpPr>
-          <p:cNvPr id="11" name="Rectangle 10">
-            <a:extLst>
-              <a:ext uri="{FF2B5EF4-FFF2-40B4-BE49-F238E27FC236}">
-                <a16:creationId xmlns:a16="http://schemas.microsoft.com/office/drawing/2014/main" id="{8F86D258-C0B6-3B4D-8950-063DAA4CA49A}"/>
-              </a:ext>
-            </a:extLst>
-          </p:cNvPr>
-          <p:cNvSpPr/>
-          <p:nvPr/>
-        </p:nvSpPr>
-        <p:spPr>
-          <a:xfrm>
-            <a:off x="6826481" y="5345320"/>
-            <a:ext cx="1152880" cy="338554"/>
-          </a:xfrm>
-          <a:prstGeom prst="rect">
-            <a:avLst/>
-          </a:prstGeom>
-        </p:spPr>
-        <p:txBody>
-          <a:bodyPr wrap="none">
-            <a:spAutoFit/>
-          </a:bodyPr>
-          <a:lstStyle/>
-          <a:p>
-            <a:r>
-              <a:rPr lang="en-US" sz="1600" dirty="0" err="1"/>
-              <a:t>lamda</a:t>
-            </a:r>
-            <a:r>
-              <a:rPr lang="en-US" sz="1600" dirty="0"/>
-              <a:t> = .01</a:t>
+              <a:t>lambda = .01</a:t>
             </a:r>
             <a:endParaRPr lang="en-US" sz="1600" b="0" dirty="0">
               <a:effectLst/>
@@ -7391,10 +7713,10 @@
       </p:grpSpPr>
       <p:pic>
         <p:nvPicPr>
-          <p:cNvPr id="10" name="Picture 9">
-            <a:extLst>
-              <a:ext uri="{FF2B5EF4-FFF2-40B4-BE49-F238E27FC236}">
-                <a16:creationId xmlns:a16="http://schemas.microsoft.com/office/drawing/2014/main" id="{91F29965-EB51-4647-ABEC-CF582E2E3FD3}"/>
+          <p:cNvPr id="17" name="Picture 16">
+            <a:extLst>
+              <a:ext uri="{FF2B5EF4-FFF2-40B4-BE49-F238E27FC236}">
+                <a16:creationId xmlns:a16="http://schemas.microsoft.com/office/drawing/2014/main" id="{DEB88461-00B4-CF4E-8CB2-3EFB618270C9}"/>
               </a:ext>
             </a:extLst>
           </p:cNvPr>
@@ -7411,8 +7733,8 @@
         </p:blipFill>
         <p:spPr>
           <a:xfrm>
-            <a:off x="6860215" y="1190022"/>
-            <a:ext cx="4454950" cy="3218344"/>
+            <a:off x="5355778" y="670709"/>
+            <a:ext cx="3350438" cy="2429067"/>
           </a:xfrm>
           <a:prstGeom prst="rect">
             <a:avLst/>
@@ -7421,10 +7743,10 @@
       </p:pic>
       <p:pic>
         <p:nvPicPr>
-          <p:cNvPr id="11" name="Picture 10">
-            <a:extLst>
-              <a:ext uri="{FF2B5EF4-FFF2-40B4-BE49-F238E27FC236}">
-                <a16:creationId xmlns:a16="http://schemas.microsoft.com/office/drawing/2014/main" id="{28D4A074-320E-3949-BE0B-1E5A44768291}"/>
+          <p:cNvPr id="23" name="Picture 22">
+            <a:extLst>
+              <a:ext uri="{FF2B5EF4-FFF2-40B4-BE49-F238E27FC236}">
+                <a16:creationId xmlns:a16="http://schemas.microsoft.com/office/drawing/2014/main" id="{FD984DA3-CB5A-C54E-8FF9-438941019FF9}"/>
               </a:ext>
             </a:extLst>
           </p:cNvPr>
@@ -7441,18 +7763,322 @@
         </p:blipFill>
         <p:spPr>
           <a:xfrm>
-            <a:off x="552324" y="1190022"/>
-            <a:ext cx="4876282" cy="3600697"/>
+            <a:off x="1643629" y="670710"/>
+            <a:ext cx="3558021" cy="2594143"/>
           </a:xfrm>
           <a:prstGeom prst="rect">
             <a:avLst/>
           </a:prstGeom>
         </p:spPr>
       </p:pic>
+      <p:sp>
+        <p:nvSpPr>
+          <p:cNvPr id="24" name="Rectangle 23">
+            <a:extLst>
+              <a:ext uri="{FF2B5EF4-FFF2-40B4-BE49-F238E27FC236}">
+                <a16:creationId xmlns:a16="http://schemas.microsoft.com/office/drawing/2014/main" id="{6C3ED802-F015-7843-95CE-3AAE5359D691}"/>
+              </a:ext>
+            </a:extLst>
+          </p:cNvPr>
+          <p:cNvSpPr/>
+          <p:nvPr/>
+        </p:nvSpPr>
+        <p:spPr>
+          <a:xfrm>
+            <a:off x="9265614" y="1518636"/>
+            <a:ext cx="2376228" cy="338554"/>
+          </a:xfrm>
+          <a:prstGeom prst="rect">
+            <a:avLst/>
+          </a:prstGeom>
+        </p:spPr>
+        <p:txBody>
+          <a:bodyPr wrap="none">
+            <a:spAutoFit/>
+          </a:bodyPr>
+          <a:lstStyle/>
+          <a:p>
+            <a:r>
+              <a:rPr lang="en-US" sz="1600" dirty="0"/>
+              <a:t>Reconstruction Error: 0.17</a:t>
+            </a:r>
+          </a:p>
+        </p:txBody>
+      </p:sp>
+      <p:sp>
+        <p:nvSpPr>
+          <p:cNvPr id="25" name="TextBox 24">
+            <a:extLst>
+              <a:ext uri="{FF2B5EF4-FFF2-40B4-BE49-F238E27FC236}">
+                <a16:creationId xmlns:a16="http://schemas.microsoft.com/office/drawing/2014/main" id="{FC12410A-5A53-5440-AEA5-5B82EE33C35C}"/>
+              </a:ext>
+            </a:extLst>
+          </p:cNvPr>
+          <p:cNvSpPr txBox="1"/>
+          <p:nvPr/>
+        </p:nvSpPr>
+        <p:spPr>
+          <a:xfrm>
+            <a:off x="8706216" y="870969"/>
+            <a:ext cx="3939155" cy="338554"/>
+          </a:xfrm>
+          <a:prstGeom prst="rect">
+            <a:avLst/>
+          </a:prstGeom>
+          <a:noFill/>
+        </p:spPr>
+        <p:txBody>
+          <a:bodyPr wrap="square" rtlCol="0">
+            <a:spAutoFit/>
+          </a:bodyPr>
+          <a:lstStyle/>
+          <a:p>
+            <a:r>
+              <a:rPr lang="en-US" sz="1600" dirty="0"/>
+              <a:t>The minimum possible of Epsilon was 0.7</a:t>
+            </a:r>
+          </a:p>
+        </p:txBody>
+      </p:sp>
+      <p:sp>
+        <p:nvSpPr>
+          <p:cNvPr id="27" name="TextBox 26">
+            <a:extLst>
+              <a:ext uri="{FF2B5EF4-FFF2-40B4-BE49-F238E27FC236}">
+                <a16:creationId xmlns:a16="http://schemas.microsoft.com/office/drawing/2014/main" id="{4687AC32-F173-0A48-96C3-91944EBB45FB}"/>
+              </a:ext>
+            </a:extLst>
+          </p:cNvPr>
+          <p:cNvSpPr txBox="1"/>
+          <p:nvPr/>
+        </p:nvSpPr>
+        <p:spPr>
+          <a:xfrm>
+            <a:off x="122588" y="1487858"/>
+            <a:ext cx="1366913" cy="369332"/>
+          </a:xfrm>
+          <a:prstGeom prst="rect">
+            <a:avLst/>
+          </a:prstGeom>
+          <a:noFill/>
+        </p:spPr>
+        <p:txBody>
+          <a:bodyPr wrap="none" rtlCol="0">
+            <a:spAutoFit/>
+          </a:bodyPr>
+          <a:lstStyle/>
+          <a:p>
+            <a:r>
+              <a:rPr lang="en-US" dirty="0"/>
+              <a:t>Basis pursuit</a:t>
+            </a:r>
+          </a:p>
+        </p:txBody>
+      </p:sp>
+      <p:pic>
+        <p:nvPicPr>
+          <p:cNvPr id="29" name="Picture 28">
+            <a:extLst>
+              <a:ext uri="{FF2B5EF4-FFF2-40B4-BE49-F238E27FC236}">
+                <a16:creationId xmlns:a16="http://schemas.microsoft.com/office/drawing/2014/main" id="{303ABE75-E4F6-F940-9481-FFDE94AA8CDA}"/>
+              </a:ext>
+            </a:extLst>
+          </p:cNvPr>
+          <p:cNvPicPr>
+            <a:picLocks noChangeAspect="1"/>
+          </p:cNvPicPr>
+          <p:nvPr/>
+        </p:nvPicPr>
+        <p:blipFill>
+          <a:blip r:embed="rId4"/>
+          <a:stretch>
+            <a:fillRect/>
+          </a:stretch>
+        </p:blipFill>
+        <p:spPr>
+          <a:xfrm>
+            <a:off x="5303811" y="3777607"/>
+            <a:ext cx="3491155" cy="2522080"/>
+          </a:xfrm>
+          <a:prstGeom prst="rect">
+            <a:avLst/>
+          </a:prstGeom>
+        </p:spPr>
+      </p:pic>
+      <p:pic>
+        <p:nvPicPr>
+          <p:cNvPr id="31" name="Picture 30">
+            <a:extLst>
+              <a:ext uri="{FF2B5EF4-FFF2-40B4-BE49-F238E27FC236}">
+                <a16:creationId xmlns:a16="http://schemas.microsoft.com/office/drawing/2014/main" id="{A2B283D8-B451-DE4F-91C6-79B296C33CFB}"/>
+              </a:ext>
+            </a:extLst>
+          </p:cNvPr>
+          <p:cNvPicPr>
+            <a:picLocks noChangeAspect="1"/>
+          </p:cNvPicPr>
+          <p:nvPr/>
+        </p:nvPicPr>
+        <p:blipFill>
+          <a:blip r:embed="rId5"/>
+          <a:stretch>
+            <a:fillRect/>
+          </a:stretch>
+        </p:blipFill>
+        <p:spPr>
+          <a:xfrm>
+            <a:off x="1643629" y="3777607"/>
+            <a:ext cx="3558020" cy="2627279"/>
+          </a:xfrm>
+          <a:prstGeom prst="rect">
+            <a:avLst/>
+          </a:prstGeom>
+        </p:spPr>
+      </p:pic>
+      <p:sp>
+        <p:nvSpPr>
+          <p:cNvPr id="32" name="TextBox 31">
+            <a:extLst>
+              <a:ext uri="{FF2B5EF4-FFF2-40B4-BE49-F238E27FC236}">
+                <a16:creationId xmlns:a16="http://schemas.microsoft.com/office/drawing/2014/main" id="{1F983E7C-A9C1-D942-8A98-6428BF8FFC61}"/>
+              </a:ext>
+            </a:extLst>
+          </p:cNvPr>
+          <p:cNvSpPr txBox="1"/>
+          <p:nvPr/>
+        </p:nvSpPr>
+        <p:spPr>
+          <a:xfrm>
+            <a:off x="423477" y="4646866"/>
+            <a:ext cx="779381" cy="369332"/>
+          </a:xfrm>
+          <a:prstGeom prst="rect">
+            <a:avLst/>
+          </a:prstGeom>
+          <a:noFill/>
+        </p:spPr>
+        <p:txBody>
+          <a:bodyPr wrap="none" rtlCol="0">
+            <a:spAutoFit/>
+          </a:bodyPr>
+          <a:lstStyle/>
+          <a:p>
+            <a:r>
+              <a:rPr lang="en-US" dirty="0"/>
+              <a:t>LASSO</a:t>
+            </a:r>
+          </a:p>
+        </p:txBody>
+      </p:sp>
+      <p:sp>
+        <p:nvSpPr>
+          <p:cNvPr id="33" name="Rectangle 32">
+            <a:extLst>
+              <a:ext uri="{FF2B5EF4-FFF2-40B4-BE49-F238E27FC236}">
+                <a16:creationId xmlns:a16="http://schemas.microsoft.com/office/drawing/2014/main" id="{0EF82C53-2CCC-3740-91DF-91BF308F4506}"/>
+              </a:ext>
+            </a:extLst>
+          </p:cNvPr>
+          <p:cNvSpPr/>
+          <p:nvPr/>
+        </p:nvSpPr>
+        <p:spPr>
+          <a:xfrm>
+            <a:off x="7326294" y="3804277"/>
+            <a:ext cx="1468672" cy="338554"/>
+          </a:xfrm>
+          <a:prstGeom prst="rect">
+            <a:avLst/>
+          </a:prstGeom>
+        </p:spPr>
+        <p:txBody>
+          <a:bodyPr wrap="none">
+            <a:spAutoFit/>
+          </a:bodyPr>
+          <a:lstStyle/>
+          <a:p>
+            <a:r>
+              <a:rPr lang="en-US" sz="1600" b="0" dirty="0">
+                <a:effectLst/>
+              </a:rPr>
+              <a:t>lambda = 0.005</a:t>
+            </a:r>
+          </a:p>
+        </p:txBody>
+      </p:sp>
+      <p:sp>
+        <p:nvSpPr>
+          <p:cNvPr id="34" name="Rectangle 33">
+            <a:extLst>
+              <a:ext uri="{FF2B5EF4-FFF2-40B4-BE49-F238E27FC236}">
+                <a16:creationId xmlns:a16="http://schemas.microsoft.com/office/drawing/2014/main" id="{5D8EB579-C4B0-A641-869C-D7C1ED6CCEE7}"/>
+              </a:ext>
+            </a:extLst>
+          </p:cNvPr>
+          <p:cNvSpPr/>
+          <p:nvPr/>
+        </p:nvSpPr>
+        <p:spPr>
+          <a:xfrm>
+            <a:off x="9154433" y="4862310"/>
+            <a:ext cx="2009012" cy="307777"/>
+          </a:xfrm>
+          <a:prstGeom prst="rect">
+            <a:avLst/>
+          </a:prstGeom>
+        </p:spPr>
+        <p:txBody>
+          <a:bodyPr wrap="none">
+            <a:spAutoFit/>
+          </a:bodyPr>
+          <a:lstStyle/>
+          <a:p>
+            <a:r>
+              <a:rPr lang="en-US" sz="1400" dirty="0"/>
+              <a:t>Reconstruction Error: 0.1</a:t>
+            </a:r>
+          </a:p>
+        </p:txBody>
+      </p:sp>
+      <p:sp>
+        <p:nvSpPr>
+          <p:cNvPr id="16" name="TextBox 15">
+            <a:extLst>
+              <a:ext uri="{FF2B5EF4-FFF2-40B4-BE49-F238E27FC236}">
+                <a16:creationId xmlns:a16="http://schemas.microsoft.com/office/drawing/2014/main" id="{29175E68-E4EB-D249-867C-A98D0099FB1E}"/>
+              </a:ext>
+            </a:extLst>
+          </p:cNvPr>
+          <p:cNvSpPr txBox="1"/>
+          <p:nvPr/>
+        </p:nvSpPr>
+        <p:spPr>
+          <a:xfrm>
+            <a:off x="21425" y="69378"/>
+            <a:ext cx="3948389" cy="400110"/>
+          </a:xfrm>
+          <a:prstGeom prst="rect">
+            <a:avLst/>
+          </a:prstGeom>
+          <a:noFill/>
+        </p:spPr>
+        <p:txBody>
+          <a:bodyPr wrap="none" rtlCol="0">
+            <a:spAutoFit/>
+          </a:bodyPr>
+          <a:lstStyle/>
+          <a:p>
+            <a:r>
+              <a:rPr lang="en-US" sz="2000" dirty="0"/>
+              <a:t>Toy problem 1: noisy measurements</a:t>
+            </a:r>
+          </a:p>
+        </p:txBody>
+      </p:sp>
     </p:spTree>
     <p:extLst>
       <p:ext uri="{BB962C8B-B14F-4D97-AF65-F5344CB8AC3E}">
-        <p14:creationId xmlns:p14="http://schemas.microsoft.com/office/powerpoint/2010/main" val="3837333539"/>
+        <p14:creationId xmlns:p14="http://schemas.microsoft.com/office/powerpoint/2010/main" val="545929587"/>
       </p:ext>
     </p:extLst>
   </p:cSld>
@@ -7481,10 +8107,10 @@
       </p:grpSpPr>
       <p:pic>
         <p:nvPicPr>
-          <p:cNvPr id="3" name="Picture 2">
-            <a:extLst>
-              <a:ext uri="{FF2B5EF4-FFF2-40B4-BE49-F238E27FC236}">
-                <a16:creationId xmlns:a16="http://schemas.microsoft.com/office/drawing/2014/main" id="{5757173F-9581-C842-B61A-7AFB348373C8}"/>
+          <p:cNvPr id="4" name="Picture 3">
+            <a:extLst>
+              <a:ext uri="{FF2B5EF4-FFF2-40B4-BE49-F238E27FC236}">
+                <a16:creationId xmlns:a16="http://schemas.microsoft.com/office/drawing/2014/main" id="{2E519EC8-71CA-D840-9C30-63E2D2BFF5E8}"/>
               </a:ext>
             </a:extLst>
           </p:cNvPr>
@@ -7501,20 +8127,55 @@
         </p:blipFill>
         <p:spPr>
           <a:xfrm>
-            <a:off x="779548" y="559292"/>
-            <a:ext cx="2712682" cy="2003073"/>
+            <a:off x="8711501" y="714037"/>
+            <a:ext cx="2214411" cy="2179675"/>
           </a:xfrm>
           <a:prstGeom prst="rect">
             <a:avLst/>
           </a:prstGeom>
         </p:spPr>
       </p:pic>
+      <p:sp>
+        <p:nvSpPr>
+          <p:cNvPr id="7" name="TextBox 6">
+            <a:extLst>
+              <a:ext uri="{FF2B5EF4-FFF2-40B4-BE49-F238E27FC236}">
+                <a16:creationId xmlns:a16="http://schemas.microsoft.com/office/drawing/2014/main" id="{DF922F77-F3B7-5D46-B1F0-1F1C91AE1E64}"/>
+              </a:ext>
+            </a:extLst>
+          </p:cNvPr>
+          <p:cNvSpPr txBox="1"/>
+          <p:nvPr/>
+        </p:nvSpPr>
+        <p:spPr>
+          <a:xfrm>
+            <a:off x="21425" y="69378"/>
+            <a:ext cx="5818452" cy="400110"/>
+          </a:xfrm>
+          <a:prstGeom prst="rect">
+            <a:avLst/>
+          </a:prstGeom>
+          <a:noFill/>
+        </p:spPr>
+        <p:txBody>
+          <a:bodyPr wrap="none" rtlCol="0">
+            <a:spAutoFit/>
+          </a:bodyPr>
+          <a:lstStyle/>
+          <a:p>
+            <a:r>
+              <a:rPr lang="en-US" sz="2000" dirty="0"/>
+              <a:t>Toy problem 2: heat transfer in heterogenous material</a:t>
+            </a:r>
+          </a:p>
+        </p:txBody>
+      </p:sp>
       <p:pic>
         <p:nvPicPr>
-          <p:cNvPr id="11" name="Picture 10">
-            <a:extLst>
-              <a:ext uri="{FF2B5EF4-FFF2-40B4-BE49-F238E27FC236}">
-                <a16:creationId xmlns:a16="http://schemas.microsoft.com/office/drawing/2014/main" id="{F719A4FB-AAB3-1448-9BF1-01C03E3DAC5A}"/>
+          <p:cNvPr id="2" name="Picture 1">
+            <a:extLst>
+              <a:ext uri="{FF2B5EF4-FFF2-40B4-BE49-F238E27FC236}">
+                <a16:creationId xmlns:a16="http://schemas.microsoft.com/office/drawing/2014/main" id="{C07CB02C-0611-B440-9092-3A860993F645}"/>
               </a:ext>
             </a:extLst>
           </p:cNvPr>
@@ -7531,54 +8192,248 @@
         </p:blipFill>
         <p:spPr>
           <a:xfrm>
-            <a:off x="4046705" y="559292"/>
-            <a:ext cx="2548648" cy="1809279"/>
+            <a:off x="1266088" y="1439517"/>
+            <a:ext cx="4429061" cy="728713"/>
           </a:xfrm>
           <a:prstGeom prst="rect">
             <a:avLst/>
           </a:prstGeom>
         </p:spPr>
       </p:pic>
-      <p:sp>
-        <p:nvSpPr>
-          <p:cNvPr id="12" name="Rectangle 11">
-            <a:extLst>
-              <a:ext uri="{FF2B5EF4-FFF2-40B4-BE49-F238E27FC236}">
-                <a16:creationId xmlns:a16="http://schemas.microsoft.com/office/drawing/2014/main" id="{85F79A9A-EF02-2947-8B4E-75B23C1E93AD}"/>
-              </a:ext>
-            </a:extLst>
-          </p:cNvPr>
-          <p:cNvSpPr/>
-          <p:nvPr/>
-        </p:nvSpPr>
-        <p:spPr>
-          <a:xfrm>
-            <a:off x="7023836" y="1125377"/>
-            <a:ext cx="3939155" cy="338554"/>
-          </a:xfrm>
-          <a:prstGeom prst="rect">
-            <a:avLst/>
-          </a:prstGeom>
-        </p:spPr>
-        <p:txBody>
-          <a:bodyPr wrap="none">
+      <p:cxnSp>
+        <p:nvCxnSpPr>
+          <p:cNvPr id="5" name="Straight Arrow Connector 4">
+            <a:extLst>
+              <a:ext uri="{FF2B5EF4-FFF2-40B4-BE49-F238E27FC236}">
+                <a16:creationId xmlns:a16="http://schemas.microsoft.com/office/drawing/2014/main" id="{3A7C893C-37A5-6444-8120-0DE7E677E340}"/>
+              </a:ext>
+            </a:extLst>
+          </p:cNvPr>
+          <p:cNvCxnSpPr>
+            <a:cxnSpLocks/>
+          </p:cNvCxnSpPr>
+          <p:nvPr/>
+        </p:nvCxnSpPr>
+        <p:spPr>
+          <a:xfrm flipH="1" flipV="1">
+            <a:off x="8133907" y="1318437"/>
+            <a:ext cx="850605" cy="340243"/>
+          </a:xfrm>
+          <a:prstGeom prst="straightConnector1">
+            <a:avLst/>
+          </a:prstGeom>
+          <a:ln w="25400">
+            <a:solidFill>
+              <a:schemeClr val="tx1"/>
+            </a:solidFill>
+            <a:tailEnd type="triangle"/>
+          </a:ln>
+        </p:spPr>
+        <p:style>
+          <a:lnRef idx="1">
+            <a:schemeClr val="accent1"/>
+          </a:lnRef>
+          <a:fillRef idx="0">
+            <a:schemeClr val="accent1"/>
+          </a:fillRef>
+          <a:effectRef idx="0">
+            <a:schemeClr val="accent1"/>
+          </a:effectRef>
+          <a:fontRef idx="minor">
+            <a:schemeClr val="tx1"/>
+          </a:fontRef>
+        </p:style>
+      </p:cxnSp>
+      <p:sp>
+        <p:nvSpPr>
+          <p:cNvPr id="13" name="TextBox 12">
+            <a:extLst>
+              <a:ext uri="{FF2B5EF4-FFF2-40B4-BE49-F238E27FC236}">
+                <a16:creationId xmlns:a16="http://schemas.microsoft.com/office/drawing/2014/main" id="{5B58523F-2788-9F4B-90AA-CF73D095E134}"/>
+              </a:ext>
+            </a:extLst>
+          </p:cNvPr>
+          <p:cNvSpPr txBox="1"/>
+          <p:nvPr/>
+        </p:nvSpPr>
+        <p:spPr>
+          <a:xfrm>
+            <a:off x="6944023" y="1016741"/>
+            <a:ext cx="1615186" cy="276999"/>
+          </a:xfrm>
+          <a:prstGeom prst="rect">
+            <a:avLst/>
+          </a:prstGeom>
+          <a:noFill/>
+        </p:spPr>
+        <p:txBody>
+          <a:bodyPr wrap="none" rtlCol="0">
             <a:spAutoFit/>
           </a:bodyPr>
           <a:lstStyle/>
           <a:p>
             <a:r>
-              <a:rPr lang="en-US" sz="1600" dirty="0"/>
-              <a:t>Reconstruction Error: 0.09860999176138388</a:t>
+              <a:rPr lang="en-US" sz="1200" dirty="0"/>
+              <a:t>Fixed temperature to 1</a:t>
+            </a:r>
+          </a:p>
+        </p:txBody>
+      </p:sp>
+      <p:cxnSp>
+        <p:nvCxnSpPr>
+          <p:cNvPr id="14" name="Straight Arrow Connector 13">
+            <a:extLst>
+              <a:ext uri="{FF2B5EF4-FFF2-40B4-BE49-F238E27FC236}">
+                <a16:creationId xmlns:a16="http://schemas.microsoft.com/office/drawing/2014/main" id="{7E56E4D0-DC68-DE4C-96DC-BAD3583584C2}"/>
+              </a:ext>
+            </a:extLst>
+          </p:cNvPr>
+          <p:cNvCxnSpPr>
+            <a:cxnSpLocks/>
+          </p:cNvCxnSpPr>
+          <p:nvPr/>
+        </p:nvCxnSpPr>
+        <p:spPr>
+          <a:xfrm flipV="1">
+            <a:off x="10822173" y="710605"/>
+            <a:ext cx="404958" cy="478744"/>
+          </a:xfrm>
+          <a:prstGeom prst="straightConnector1">
+            <a:avLst/>
+          </a:prstGeom>
+          <a:ln w="25400">
+            <a:solidFill>
+              <a:schemeClr val="tx1"/>
+            </a:solidFill>
+            <a:tailEnd type="triangle"/>
+          </a:ln>
+        </p:spPr>
+        <p:style>
+          <a:lnRef idx="1">
+            <a:schemeClr val="accent1"/>
+          </a:lnRef>
+          <a:fillRef idx="0">
+            <a:schemeClr val="accent1"/>
+          </a:fillRef>
+          <a:effectRef idx="0">
+            <a:schemeClr val="accent1"/>
+          </a:effectRef>
+          <a:fontRef idx="minor">
+            <a:schemeClr val="tx1"/>
+          </a:fontRef>
+        </p:style>
+      </p:cxnSp>
+      <p:sp>
+        <p:nvSpPr>
+          <p:cNvPr id="16" name="TextBox 15">
+            <a:extLst>
+              <a:ext uri="{FF2B5EF4-FFF2-40B4-BE49-F238E27FC236}">
+                <a16:creationId xmlns:a16="http://schemas.microsoft.com/office/drawing/2014/main" id="{8280B503-8DBB-594D-82C8-F44E9F288FF6}"/>
+              </a:ext>
+            </a:extLst>
+          </p:cNvPr>
+          <p:cNvSpPr txBox="1"/>
+          <p:nvPr/>
+        </p:nvSpPr>
+        <p:spPr>
+          <a:xfrm>
+            <a:off x="10576814" y="330988"/>
+            <a:ext cx="1615186" cy="276999"/>
+          </a:xfrm>
+          <a:prstGeom prst="rect">
+            <a:avLst/>
+          </a:prstGeom>
+          <a:noFill/>
+        </p:spPr>
+        <p:txBody>
+          <a:bodyPr wrap="none" rtlCol="0">
+            <a:spAutoFit/>
+          </a:bodyPr>
+          <a:lstStyle/>
+          <a:p>
+            <a:r>
+              <a:rPr lang="en-US" sz="1200" dirty="0"/>
+              <a:t>Fixed temperature to 0</a:t>
+            </a:r>
+          </a:p>
+        </p:txBody>
+      </p:sp>
+      <p:sp>
+        <p:nvSpPr>
+          <p:cNvPr id="17" name="TextBox 16">
+            <a:extLst>
+              <a:ext uri="{FF2B5EF4-FFF2-40B4-BE49-F238E27FC236}">
+                <a16:creationId xmlns:a16="http://schemas.microsoft.com/office/drawing/2014/main" id="{109B8C76-2F74-BA40-8C2F-35F4160DD056}"/>
+              </a:ext>
+            </a:extLst>
+          </p:cNvPr>
+          <p:cNvSpPr txBox="1"/>
+          <p:nvPr/>
+        </p:nvSpPr>
+        <p:spPr>
+          <a:xfrm>
+            <a:off x="340241" y="832075"/>
+            <a:ext cx="3455882" cy="369332"/>
+          </a:xfrm>
+          <a:prstGeom prst="rect">
+            <a:avLst/>
+          </a:prstGeom>
+          <a:noFill/>
+        </p:spPr>
+        <p:txBody>
+          <a:bodyPr wrap="none" rtlCol="0">
+            <a:spAutoFit/>
+          </a:bodyPr>
+          <a:lstStyle/>
+          <a:p>
+            <a:r>
+              <a:rPr lang="en-US" dirty="0"/>
+              <a:t>Governing equation: parabolic PDE</a:t>
+            </a:r>
+          </a:p>
+        </p:txBody>
+      </p:sp>
+      <p:sp>
+        <p:nvSpPr>
+          <p:cNvPr id="18" name="TextBox 17">
+            <a:extLst>
+              <a:ext uri="{FF2B5EF4-FFF2-40B4-BE49-F238E27FC236}">
+                <a16:creationId xmlns:a16="http://schemas.microsoft.com/office/drawing/2014/main" id="{3D1F5D53-B649-5A49-B954-8E4F85F43372}"/>
+              </a:ext>
+            </a:extLst>
+          </p:cNvPr>
+          <p:cNvSpPr txBox="1"/>
+          <p:nvPr/>
+        </p:nvSpPr>
+        <p:spPr>
+          <a:xfrm>
+            <a:off x="366959" y="3429000"/>
+            <a:ext cx="5328190" cy="369332"/>
+          </a:xfrm>
+          <a:prstGeom prst="rect">
+            <a:avLst/>
+          </a:prstGeom>
+          <a:noFill/>
+        </p:spPr>
+        <p:txBody>
+          <a:bodyPr wrap="none" rtlCol="0">
+            <a:spAutoFit/>
+          </a:bodyPr>
+          <a:lstStyle/>
+          <a:p>
+            <a:r>
+              <a:rPr lang="en-US" dirty="0"/>
+              <a:t>We solve the above problem with finite element solver</a:t>
             </a:r>
           </a:p>
         </p:txBody>
       </p:sp>
       <p:pic>
         <p:nvPicPr>
-          <p:cNvPr id="17" name="Picture 16">
-            <a:extLst>
-              <a:ext uri="{FF2B5EF4-FFF2-40B4-BE49-F238E27FC236}">
-                <a16:creationId xmlns:a16="http://schemas.microsoft.com/office/drawing/2014/main" id="{DEB88461-00B4-CF4E-8CB2-3EFB618270C9}"/>
+          <p:cNvPr id="19" name="Picture 18">
+            <a:extLst>
+              <a:ext uri="{FF2B5EF4-FFF2-40B4-BE49-F238E27FC236}">
+                <a16:creationId xmlns:a16="http://schemas.microsoft.com/office/drawing/2014/main" id="{970D3264-4919-D246-9D15-C7EDADB7E523}"/>
               </a:ext>
             </a:extLst>
           </p:cNvPr>
@@ -7595,8 +8450,8 @@
         </p:blipFill>
         <p:spPr>
           <a:xfrm>
-            <a:off x="4221805" y="2883861"/>
-            <a:ext cx="2495559" cy="1809280"/>
+            <a:off x="1093002" y="4395823"/>
+            <a:ext cx="2336800" cy="2286000"/>
           </a:xfrm>
           <a:prstGeom prst="rect">
             <a:avLst/>
@@ -7605,10 +8460,10 @@
       </p:pic>
       <p:pic>
         <p:nvPicPr>
-          <p:cNvPr id="23" name="Picture 22">
-            <a:extLst>
-              <a:ext uri="{FF2B5EF4-FFF2-40B4-BE49-F238E27FC236}">
-                <a16:creationId xmlns:a16="http://schemas.microsoft.com/office/drawing/2014/main" id="{FD984DA3-CB5A-C54E-8FF9-438941019FF9}"/>
+          <p:cNvPr id="20" name="Picture 19">
+            <a:extLst>
+              <a:ext uri="{FF2B5EF4-FFF2-40B4-BE49-F238E27FC236}">
+                <a16:creationId xmlns:a16="http://schemas.microsoft.com/office/drawing/2014/main" id="{FCB0D9AF-08EB-2C4D-AC3C-EDE9BB3185E1}"/>
               </a:ext>
             </a:extLst>
           </p:cNvPr>
@@ -7625,159 +8480,20 @@
         </p:blipFill>
         <p:spPr>
           <a:xfrm>
-            <a:off x="870577" y="2883860"/>
-            <a:ext cx="2621653" cy="1911440"/>
+            <a:off x="3663672" y="4395823"/>
+            <a:ext cx="2273300" cy="2247900"/>
           </a:xfrm>
           <a:prstGeom prst="rect">
             <a:avLst/>
           </a:prstGeom>
         </p:spPr>
       </p:pic>
-      <p:sp>
-        <p:nvSpPr>
-          <p:cNvPr id="24" name="Rectangle 23">
-            <a:extLst>
-              <a:ext uri="{FF2B5EF4-FFF2-40B4-BE49-F238E27FC236}">
-                <a16:creationId xmlns:a16="http://schemas.microsoft.com/office/drawing/2014/main" id="{6C3ED802-F015-7843-95CE-3AAE5359D691}"/>
-              </a:ext>
-            </a:extLst>
-          </p:cNvPr>
-          <p:cNvSpPr/>
-          <p:nvPr/>
-        </p:nvSpPr>
-        <p:spPr>
-          <a:xfrm>
-            <a:off x="7023835" y="3788501"/>
-            <a:ext cx="3939155" cy="338554"/>
-          </a:xfrm>
-          <a:prstGeom prst="rect">
-            <a:avLst/>
-          </a:prstGeom>
-        </p:spPr>
-        <p:txBody>
-          <a:bodyPr wrap="none">
-            <a:spAutoFit/>
-          </a:bodyPr>
-          <a:lstStyle/>
-          <a:p>
-            <a:r>
-              <a:rPr lang="en-US" sz="1600" dirty="0"/>
-              <a:t>Reconstruction Error: 0.16966901383199118</a:t>
-            </a:r>
-          </a:p>
-        </p:txBody>
-      </p:sp>
-      <p:sp>
-        <p:nvSpPr>
-          <p:cNvPr id="25" name="TextBox 24">
-            <a:extLst>
-              <a:ext uri="{FF2B5EF4-FFF2-40B4-BE49-F238E27FC236}">
-                <a16:creationId xmlns:a16="http://schemas.microsoft.com/office/drawing/2014/main" id="{FC12410A-5A53-5440-AEA5-5B82EE33C35C}"/>
-              </a:ext>
-            </a:extLst>
-          </p:cNvPr>
-          <p:cNvSpPr txBox="1"/>
-          <p:nvPr/>
-        </p:nvSpPr>
-        <p:spPr>
-          <a:xfrm>
-            <a:off x="6995751" y="3222414"/>
-            <a:ext cx="3939155" cy="338554"/>
-          </a:xfrm>
-          <a:prstGeom prst="rect">
-            <a:avLst/>
-          </a:prstGeom>
-          <a:noFill/>
-        </p:spPr>
-        <p:txBody>
-          <a:bodyPr wrap="square" rtlCol="0">
-            <a:spAutoFit/>
-          </a:bodyPr>
-          <a:lstStyle/>
-          <a:p>
-            <a:r>
-              <a:rPr lang="en-US" sz="1600" dirty="0"/>
-              <a:t>The minimum possible of Epsilon was 0.7</a:t>
-            </a:r>
-          </a:p>
-        </p:txBody>
-      </p:sp>
-      <p:sp>
-        <p:nvSpPr>
-          <p:cNvPr id="26" name="TextBox 25">
-            <a:extLst>
-              <a:ext uri="{FF2B5EF4-FFF2-40B4-BE49-F238E27FC236}">
-                <a16:creationId xmlns:a16="http://schemas.microsoft.com/office/drawing/2014/main" id="{BD548D13-E139-1E43-AB38-4594428A6C54}"/>
-              </a:ext>
-            </a:extLst>
-          </p:cNvPr>
-          <p:cNvSpPr txBox="1"/>
-          <p:nvPr/>
-        </p:nvSpPr>
-        <p:spPr>
-          <a:xfrm>
-            <a:off x="321013" y="1410511"/>
-            <a:ext cx="399468" cy="369332"/>
-          </a:xfrm>
-          <a:prstGeom prst="rect">
-            <a:avLst/>
-          </a:prstGeom>
-          <a:noFill/>
-        </p:spPr>
-        <p:txBody>
-          <a:bodyPr wrap="none" rtlCol="0">
-            <a:spAutoFit/>
-          </a:bodyPr>
-          <a:lstStyle/>
-          <a:p>
-            <a:r>
-              <a:rPr lang="en-US" dirty="0"/>
-              <a:t>L2</a:t>
-            </a:r>
-          </a:p>
-        </p:txBody>
-      </p:sp>
-      <p:sp>
-        <p:nvSpPr>
-          <p:cNvPr id="27" name="TextBox 26">
-            <a:extLst>
-              <a:ext uri="{FF2B5EF4-FFF2-40B4-BE49-F238E27FC236}">
-                <a16:creationId xmlns:a16="http://schemas.microsoft.com/office/drawing/2014/main" id="{4687AC32-F173-0A48-96C3-91944EBB45FB}"/>
-              </a:ext>
-            </a:extLst>
-          </p:cNvPr>
-          <p:cNvSpPr txBox="1"/>
-          <p:nvPr/>
-        </p:nvSpPr>
-        <p:spPr>
-          <a:xfrm>
-            <a:off x="321013" y="3552057"/>
-            <a:ext cx="399468" cy="369332"/>
-          </a:xfrm>
-          <a:prstGeom prst="rect">
-            <a:avLst/>
-          </a:prstGeom>
-          <a:noFill/>
-        </p:spPr>
-        <p:txBody>
-          <a:bodyPr wrap="none" rtlCol="0">
-            <a:spAutoFit/>
-          </a:bodyPr>
-          <a:lstStyle/>
-          <a:p>
-            <a:r>
-              <a:rPr lang="en-US" dirty="0"/>
-              <a:t>L1</a:t>
-            </a:r>
-          </a:p>
-        </p:txBody>
-      </p:sp>
       <p:pic>
         <p:nvPicPr>
-          <p:cNvPr id="29" name="Picture 28">
-            <a:extLst>
-              <a:ext uri="{FF2B5EF4-FFF2-40B4-BE49-F238E27FC236}">
-                <a16:creationId xmlns:a16="http://schemas.microsoft.com/office/drawing/2014/main" id="{303ABE75-E4F6-F940-9481-FFDE94AA8CDA}"/>
+          <p:cNvPr id="21" name="Picture 20">
+            <a:extLst>
+              <a:ext uri="{FF2B5EF4-FFF2-40B4-BE49-F238E27FC236}">
+                <a16:creationId xmlns:a16="http://schemas.microsoft.com/office/drawing/2014/main" id="{43C834D5-CDB2-AF49-9912-A2A8DF3D87CD}"/>
               </a:ext>
             </a:extLst>
           </p:cNvPr>
@@ -7794,8 +8510,8 @@
         </p:blipFill>
         <p:spPr>
           <a:xfrm>
-            <a:off x="4296279" y="5123692"/>
-            <a:ext cx="2346609" cy="1695237"/>
+            <a:off x="6170842" y="4395823"/>
+            <a:ext cx="2273300" cy="2247900"/>
           </a:xfrm>
           <a:prstGeom prst="rect">
             <a:avLst/>
@@ -7804,10 +8520,10 @@
       </p:pic>
       <p:pic>
         <p:nvPicPr>
-          <p:cNvPr id="31" name="Picture 30">
-            <a:extLst>
-              <a:ext uri="{FF2B5EF4-FFF2-40B4-BE49-F238E27FC236}">
-                <a16:creationId xmlns:a16="http://schemas.microsoft.com/office/drawing/2014/main" id="{A2B283D8-B451-DE4F-91C6-79B296C33CFB}"/>
+          <p:cNvPr id="22" name="Picture 21">
+            <a:extLst>
+              <a:ext uri="{FF2B5EF4-FFF2-40B4-BE49-F238E27FC236}">
+                <a16:creationId xmlns:a16="http://schemas.microsoft.com/office/drawing/2014/main" id="{E575751C-F612-D949-B883-F08094434BB1}"/>
               </a:ext>
             </a:extLst>
           </p:cNvPr>
@@ -7824,158 +8540,18 @@
         </p:blipFill>
         <p:spPr>
           <a:xfrm>
-            <a:off x="923688" y="5022992"/>
-            <a:ext cx="2568542" cy="1896638"/>
+            <a:off x="8678012" y="4395823"/>
+            <a:ext cx="2247900" cy="2247900"/>
           </a:xfrm>
           <a:prstGeom prst="rect">
             <a:avLst/>
           </a:prstGeom>
         </p:spPr>
       </p:pic>
-      <p:sp>
-        <p:nvSpPr>
-          <p:cNvPr id="32" name="TextBox 31">
-            <a:extLst>
-              <a:ext uri="{FF2B5EF4-FFF2-40B4-BE49-F238E27FC236}">
-                <a16:creationId xmlns:a16="http://schemas.microsoft.com/office/drawing/2014/main" id="{1F983E7C-A9C1-D942-8A98-6428BF8FFC61}"/>
-              </a:ext>
-            </a:extLst>
-          </p:cNvPr>
-          <p:cNvSpPr txBox="1"/>
-          <p:nvPr/>
-        </p:nvSpPr>
-        <p:spPr>
-          <a:xfrm>
-            <a:off x="144307" y="5601979"/>
-            <a:ext cx="779381" cy="369332"/>
-          </a:xfrm>
-          <a:prstGeom prst="rect">
-            <a:avLst/>
-          </a:prstGeom>
-          <a:noFill/>
-        </p:spPr>
-        <p:txBody>
-          <a:bodyPr wrap="none" rtlCol="0">
-            <a:spAutoFit/>
-          </a:bodyPr>
-          <a:lstStyle/>
-          <a:p>
-            <a:r>
-              <a:rPr lang="en-US" dirty="0"/>
-              <a:t>LASSO</a:t>
-            </a:r>
-          </a:p>
-        </p:txBody>
-      </p:sp>
-      <p:sp>
-        <p:nvSpPr>
-          <p:cNvPr id="33" name="Rectangle 32">
-            <a:extLst>
-              <a:ext uri="{FF2B5EF4-FFF2-40B4-BE49-F238E27FC236}">
-                <a16:creationId xmlns:a16="http://schemas.microsoft.com/office/drawing/2014/main" id="{0EF82C53-2CCC-3740-91DF-91BF308F4506}"/>
-              </a:ext>
-            </a:extLst>
-          </p:cNvPr>
-          <p:cNvSpPr/>
-          <p:nvPr/>
-        </p:nvSpPr>
-        <p:spPr>
-          <a:xfrm>
-            <a:off x="5174216" y="5123692"/>
-            <a:ext cx="1468672" cy="338554"/>
-          </a:xfrm>
-          <a:prstGeom prst="rect">
-            <a:avLst/>
-          </a:prstGeom>
-        </p:spPr>
-        <p:txBody>
-          <a:bodyPr wrap="none">
-            <a:spAutoFit/>
-          </a:bodyPr>
-          <a:lstStyle/>
-          <a:p>
-            <a:r>
-              <a:rPr lang="en-US" sz="1600" b="0" dirty="0">
-                <a:effectLst/>
-              </a:rPr>
-              <a:t>lambda = 0.005</a:t>
-            </a:r>
-          </a:p>
-        </p:txBody>
-      </p:sp>
-      <p:sp>
-        <p:nvSpPr>
-          <p:cNvPr id="34" name="Rectangle 33">
-            <a:extLst>
-              <a:ext uri="{FF2B5EF4-FFF2-40B4-BE49-F238E27FC236}">
-                <a16:creationId xmlns:a16="http://schemas.microsoft.com/office/drawing/2014/main" id="{5D8EB579-C4B0-A641-869C-D7C1ED6CCEE7}"/>
-              </a:ext>
-            </a:extLst>
-          </p:cNvPr>
-          <p:cNvSpPr/>
-          <p:nvPr/>
-        </p:nvSpPr>
-        <p:spPr>
-          <a:xfrm>
-            <a:off x="7023835" y="5682753"/>
-            <a:ext cx="3470950" cy="307777"/>
-          </a:xfrm>
-          <a:prstGeom prst="rect">
-            <a:avLst/>
-          </a:prstGeom>
-        </p:spPr>
-        <p:txBody>
-          <a:bodyPr wrap="none">
-            <a:spAutoFit/>
-          </a:bodyPr>
-          <a:lstStyle/>
-          <a:p>
-            <a:r>
-              <a:rPr lang="en-US" sz="1400" dirty="0"/>
-              <a:t>Reconstruction Error: 0.10372515231840763</a:t>
-            </a:r>
-          </a:p>
-        </p:txBody>
-      </p:sp>
-      <p:sp>
-        <p:nvSpPr>
-          <p:cNvPr id="16" name="TextBox 15">
-            <a:extLst>
-              <a:ext uri="{FF2B5EF4-FFF2-40B4-BE49-F238E27FC236}">
-                <a16:creationId xmlns:a16="http://schemas.microsoft.com/office/drawing/2014/main" id="{29175E68-E4EB-D249-867C-A98D0099FB1E}"/>
-              </a:ext>
-            </a:extLst>
-          </p:cNvPr>
-          <p:cNvSpPr txBox="1"/>
-          <p:nvPr/>
-        </p:nvSpPr>
-        <p:spPr>
-          <a:xfrm>
-            <a:off x="21425" y="69378"/>
-            <a:ext cx="3948389" cy="400110"/>
-          </a:xfrm>
-          <a:prstGeom prst="rect">
-            <a:avLst/>
-          </a:prstGeom>
-          <a:noFill/>
-        </p:spPr>
-        <p:txBody>
-          <a:bodyPr wrap="none" rtlCol="0">
-            <a:spAutoFit/>
-          </a:bodyPr>
-          <a:lstStyle/>
-          <a:p>
-            <a:r>
-              <a:rPr lang="en-US" sz="2000" dirty="0"/>
-              <a:t>Toy problem 1: noisy measurements</a:t>
-            </a:r>
-          </a:p>
-        </p:txBody>
-      </p:sp>
     </p:spTree>
     <p:extLst>
       <p:ext uri="{BB962C8B-B14F-4D97-AF65-F5344CB8AC3E}">
-        <p14:creationId xmlns:p14="http://schemas.microsoft.com/office/powerpoint/2010/main" val="545929587"/>
+        <p14:creationId xmlns:p14="http://schemas.microsoft.com/office/powerpoint/2010/main" val="998925543"/>
       </p:ext>
     </p:extLst>
   </p:cSld>
@@ -8004,10 +8580,10 @@
       </p:grpSpPr>
       <p:pic>
         <p:nvPicPr>
-          <p:cNvPr id="4" name="Picture 3">
-            <a:extLst>
-              <a:ext uri="{FF2B5EF4-FFF2-40B4-BE49-F238E27FC236}">
-                <a16:creationId xmlns:a16="http://schemas.microsoft.com/office/drawing/2014/main" id="{2E519EC8-71CA-D840-9C30-63E2D2BFF5E8}"/>
+          <p:cNvPr id="3" name="Picture 2">
+            <a:extLst>
+              <a:ext uri="{FF2B5EF4-FFF2-40B4-BE49-F238E27FC236}">
+                <a16:creationId xmlns:a16="http://schemas.microsoft.com/office/drawing/2014/main" id="{041C70E5-B258-C540-8E1C-1357F56956E4}"/>
               </a:ext>
             </a:extLst>
           </p:cNvPr>
@@ -8024,55 +8600,20 @@
         </p:blipFill>
         <p:spPr>
           <a:xfrm>
-            <a:off x="8711501" y="714037"/>
-            <a:ext cx="2214411" cy="2179675"/>
+            <a:off x="3915947" y="2598255"/>
+            <a:ext cx="1869533" cy="1869533"/>
           </a:xfrm>
           <a:prstGeom prst="rect">
             <a:avLst/>
           </a:prstGeom>
         </p:spPr>
       </p:pic>
-      <p:sp>
-        <p:nvSpPr>
-          <p:cNvPr id="7" name="TextBox 6">
-            <a:extLst>
-              <a:ext uri="{FF2B5EF4-FFF2-40B4-BE49-F238E27FC236}">
-                <a16:creationId xmlns:a16="http://schemas.microsoft.com/office/drawing/2014/main" id="{DF922F77-F3B7-5D46-B1F0-1F1C91AE1E64}"/>
-              </a:ext>
-            </a:extLst>
-          </p:cNvPr>
-          <p:cNvSpPr txBox="1"/>
-          <p:nvPr/>
-        </p:nvSpPr>
-        <p:spPr>
-          <a:xfrm>
-            <a:off x="21425" y="69378"/>
-            <a:ext cx="5818452" cy="400110"/>
-          </a:xfrm>
-          <a:prstGeom prst="rect">
-            <a:avLst/>
-          </a:prstGeom>
-          <a:noFill/>
-        </p:spPr>
-        <p:txBody>
-          <a:bodyPr wrap="none" rtlCol="0">
-            <a:spAutoFit/>
-          </a:bodyPr>
-          <a:lstStyle/>
-          <a:p>
-            <a:r>
-              <a:rPr lang="en-US" sz="2000" dirty="0"/>
-              <a:t>Toy problem 2: heat transfer in heterogenous material</a:t>
-            </a:r>
-          </a:p>
-        </p:txBody>
-      </p:sp>
       <p:pic>
         <p:nvPicPr>
-          <p:cNvPr id="2" name="Picture 1">
-            <a:extLst>
-              <a:ext uri="{FF2B5EF4-FFF2-40B4-BE49-F238E27FC236}">
-                <a16:creationId xmlns:a16="http://schemas.microsoft.com/office/drawing/2014/main" id="{C07CB02C-0611-B440-9092-3A860993F645}"/>
+          <p:cNvPr id="11" name="Picture 10">
+            <a:extLst>
+              <a:ext uri="{FF2B5EF4-FFF2-40B4-BE49-F238E27FC236}">
+                <a16:creationId xmlns:a16="http://schemas.microsoft.com/office/drawing/2014/main" id="{C327F4C0-73E3-C14C-9B0D-EBB396FC02EE}"/>
               </a:ext>
             </a:extLst>
           </p:cNvPr>
@@ -8089,64 +8630,20 @@
         </p:blipFill>
         <p:spPr>
           <a:xfrm>
-            <a:off x="1266088" y="1439517"/>
-            <a:ext cx="4429061" cy="728713"/>
+            <a:off x="3824175" y="4678325"/>
+            <a:ext cx="1869533" cy="1886005"/>
           </a:xfrm>
           <a:prstGeom prst="rect">
             <a:avLst/>
           </a:prstGeom>
         </p:spPr>
       </p:pic>
-      <p:cxnSp>
-        <p:nvCxnSpPr>
-          <p:cNvPr id="5" name="Straight Arrow Connector 4">
-            <a:extLst>
-              <a:ext uri="{FF2B5EF4-FFF2-40B4-BE49-F238E27FC236}">
-                <a16:creationId xmlns:a16="http://schemas.microsoft.com/office/drawing/2014/main" id="{3A7C893C-37A5-6444-8120-0DE7E677E340}"/>
-              </a:ext>
-            </a:extLst>
-          </p:cNvPr>
-          <p:cNvCxnSpPr>
-            <a:cxnSpLocks/>
-          </p:cNvCxnSpPr>
-          <p:nvPr/>
-        </p:nvCxnSpPr>
-        <p:spPr>
-          <a:xfrm flipH="1" flipV="1">
-            <a:off x="8133907" y="1318437"/>
-            <a:ext cx="850605" cy="340243"/>
-          </a:xfrm>
-          <a:prstGeom prst="straightConnector1">
-            <a:avLst/>
-          </a:prstGeom>
-          <a:ln w="25400">
-            <a:solidFill>
-              <a:schemeClr val="tx1"/>
-            </a:solidFill>
-            <a:tailEnd type="triangle"/>
-          </a:ln>
-        </p:spPr>
-        <p:style>
-          <a:lnRef idx="1">
-            <a:schemeClr val="accent1"/>
-          </a:lnRef>
-          <a:fillRef idx="0">
-            <a:schemeClr val="accent1"/>
-          </a:fillRef>
-          <a:effectRef idx="0">
-            <a:schemeClr val="accent1"/>
-          </a:effectRef>
-          <a:fontRef idx="minor">
-            <a:schemeClr val="tx1"/>
-          </a:fontRef>
-        </p:style>
-      </p:cxnSp>
-      <p:sp>
-        <p:nvSpPr>
-          <p:cNvPr id="13" name="TextBox 12">
-            <a:extLst>
-              <a:ext uri="{FF2B5EF4-FFF2-40B4-BE49-F238E27FC236}">
-                <a16:creationId xmlns:a16="http://schemas.microsoft.com/office/drawing/2014/main" id="{5B58523F-2788-9F4B-90AA-CF73D095E134}"/>
+      <p:sp>
+        <p:nvSpPr>
+          <p:cNvPr id="4" name="TextBox 3">
+            <a:extLst>
+              <a:ext uri="{FF2B5EF4-FFF2-40B4-BE49-F238E27FC236}">
+                <a16:creationId xmlns:a16="http://schemas.microsoft.com/office/drawing/2014/main" id="{62CC6AB0-6FC9-C742-BCEA-0FF8A995BAE9}"/>
               </a:ext>
             </a:extLst>
           </p:cNvPr>
@@ -8155,8 +8652,8 @@
         </p:nvSpPr>
         <p:spPr>
           <a:xfrm>
-            <a:off x="6944023" y="1016741"/>
-            <a:ext cx="1615186" cy="276999"/>
+            <a:off x="203504" y="5430819"/>
+            <a:ext cx="2756076" cy="369332"/>
           </a:xfrm>
           <a:prstGeom prst="rect">
             <a:avLst/>
@@ -8170,62 +8667,18 @@
           <a:lstStyle/>
           <a:p>
             <a:r>
-              <a:rPr lang="en-US" sz="1200" dirty="0"/>
-              <a:t>Fixed temperature to 1</a:t>
-            </a:r>
-          </a:p>
-        </p:txBody>
-      </p:sp>
-      <p:cxnSp>
-        <p:nvCxnSpPr>
-          <p:cNvPr id="14" name="Straight Arrow Connector 13">
-            <a:extLst>
-              <a:ext uri="{FF2B5EF4-FFF2-40B4-BE49-F238E27FC236}">
-                <a16:creationId xmlns:a16="http://schemas.microsoft.com/office/drawing/2014/main" id="{7E56E4D0-DC68-DE4C-96DC-BAD3583584C2}"/>
-              </a:ext>
-            </a:extLst>
-          </p:cNvPr>
-          <p:cNvCxnSpPr>
-            <a:cxnSpLocks/>
-          </p:cNvCxnSpPr>
-          <p:nvPr/>
-        </p:nvCxnSpPr>
-        <p:spPr>
-          <a:xfrm flipV="1">
-            <a:off x="10822173" y="710605"/>
-            <a:ext cx="404958" cy="478744"/>
-          </a:xfrm>
-          <a:prstGeom prst="straightConnector1">
-            <a:avLst/>
-          </a:prstGeom>
-          <a:ln w="25400">
-            <a:solidFill>
-              <a:schemeClr val="tx1"/>
-            </a:solidFill>
-            <a:tailEnd type="triangle"/>
-          </a:ln>
-        </p:spPr>
-        <p:style>
-          <a:lnRef idx="1">
-            <a:schemeClr val="accent1"/>
-          </a:lnRef>
-          <a:fillRef idx="0">
-            <a:schemeClr val="accent1"/>
-          </a:fillRef>
-          <a:effectRef idx="0">
-            <a:schemeClr val="accent1"/>
-          </a:effectRef>
-          <a:fontRef idx="minor">
-            <a:schemeClr val="tx1"/>
-          </a:fontRef>
-        </p:style>
-      </p:cxnSp>
-      <p:sp>
-        <p:nvSpPr>
-          <p:cNvPr id="16" name="TextBox 15">
-            <a:extLst>
-              <a:ext uri="{FF2B5EF4-FFF2-40B4-BE49-F238E27FC236}">
-                <a16:creationId xmlns:a16="http://schemas.microsoft.com/office/drawing/2014/main" id="{8280B503-8DBB-594D-82C8-F44E9F288FF6}"/>
+              <a:rPr lang="en-US" dirty="0"/>
+              <a:t>2- Down sampled and crop </a:t>
+            </a:r>
+          </a:p>
+        </p:txBody>
+      </p:sp>
+      <p:sp>
+        <p:nvSpPr>
+          <p:cNvPr id="8" name="TextBox 7">
+            <a:extLst>
+              <a:ext uri="{FF2B5EF4-FFF2-40B4-BE49-F238E27FC236}">
+                <a16:creationId xmlns:a16="http://schemas.microsoft.com/office/drawing/2014/main" id="{C74BE216-385C-9146-B656-C67128BA1F10}"/>
               </a:ext>
             </a:extLst>
           </p:cNvPr>
@@ -8234,8 +8687,8 @@
         </p:nvSpPr>
         <p:spPr>
           <a:xfrm>
-            <a:off x="10576814" y="330988"/>
-            <a:ext cx="1615186" cy="276999"/>
+            <a:off x="21425" y="69378"/>
+            <a:ext cx="3565528" cy="400110"/>
           </a:xfrm>
           <a:prstGeom prst="rect">
             <a:avLst/>
@@ -8249,18 +8702,18 @@
           <a:lstStyle/>
           <a:p>
             <a:r>
-              <a:rPr lang="en-US" sz="1200" dirty="0"/>
-              <a:t>Fixed temperature to 0</a:t>
-            </a:r>
-          </a:p>
-        </p:txBody>
-      </p:sp>
-      <p:sp>
-        <p:nvSpPr>
-          <p:cNvPr id="17" name="TextBox 16">
-            <a:extLst>
-              <a:ext uri="{FF2B5EF4-FFF2-40B4-BE49-F238E27FC236}">
-                <a16:creationId xmlns:a16="http://schemas.microsoft.com/office/drawing/2014/main" id="{109B8C76-2F74-BA40-8C2F-35F4160DD056}"/>
+              <a:rPr lang="en-US" sz="2000" dirty="0"/>
+              <a:t>Toy problem 2: Data preparation</a:t>
+            </a:r>
+          </a:p>
+        </p:txBody>
+      </p:sp>
+      <p:sp>
+        <p:nvSpPr>
+          <p:cNvPr id="5" name="TextBox 4">
+            <a:extLst>
+              <a:ext uri="{FF2B5EF4-FFF2-40B4-BE49-F238E27FC236}">
+                <a16:creationId xmlns:a16="http://schemas.microsoft.com/office/drawing/2014/main" id="{A8E2949C-DFFA-C640-AF27-AD36FD633E8E}"/>
               </a:ext>
             </a:extLst>
           </p:cNvPr>
@@ -8269,8 +8722,8 @@
         </p:nvSpPr>
         <p:spPr>
           <a:xfrm>
-            <a:off x="340241" y="832075"/>
-            <a:ext cx="3455882" cy="369332"/>
+            <a:off x="157628" y="3163690"/>
+            <a:ext cx="2852832" cy="369332"/>
           </a:xfrm>
           <a:prstGeom prst="rect">
             <a:avLst/>
@@ -8285,17 +8738,17 @@
           <a:p>
             <a:r>
               <a:rPr lang="en-US" dirty="0"/>
-              <a:t>Governing equation: parabolic PDE</a:t>
-            </a:r>
-          </a:p>
-        </p:txBody>
-      </p:sp>
-      <p:sp>
-        <p:nvSpPr>
-          <p:cNvPr id="18" name="TextBox 17">
-            <a:extLst>
-              <a:ext uri="{FF2B5EF4-FFF2-40B4-BE49-F238E27FC236}">
-                <a16:creationId xmlns:a16="http://schemas.microsoft.com/office/drawing/2014/main" id="{3D1F5D53-B649-5A49-B954-8E4F85F43372}"/>
+              <a:t>1- we binarized the solution </a:t>
+            </a:r>
+          </a:p>
+        </p:txBody>
+      </p:sp>
+      <p:sp>
+        <p:nvSpPr>
+          <p:cNvPr id="10" name="TextBox 9">
+            <a:extLst>
+              <a:ext uri="{FF2B5EF4-FFF2-40B4-BE49-F238E27FC236}">
+                <a16:creationId xmlns:a16="http://schemas.microsoft.com/office/drawing/2014/main" id="{EDD8CB23-6CD0-A143-8279-4727EB4169ED}"/>
               </a:ext>
             </a:extLst>
           </p:cNvPr>
@@ -8304,8 +8757,43 @@
         </p:nvSpPr>
         <p:spPr>
           <a:xfrm>
-            <a:off x="366959" y="3429000"/>
-            <a:ext cx="5328190" cy="369332"/>
+            <a:off x="9130223" y="950127"/>
+            <a:ext cx="2381293" cy="584775"/>
+          </a:xfrm>
+          <a:prstGeom prst="rect">
+            <a:avLst/>
+          </a:prstGeom>
+          <a:noFill/>
+        </p:spPr>
+        <p:txBody>
+          <a:bodyPr wrap="square" rtlCol="0">
+            <a:spAutoFit/>
+          </a:bodyPr>
+          <a:lstStyle/>
+          <a:p>
+            <a:r>
+              <a:rPr lang="en-US" sz="1600" dirty="0"/>
+              <a:t>Computational domain has a graph structure</a:t>
+            </a:r>
+          </a:p>
+        </p:txBody>
+      </p:sp>
+      <p:sp>
+        <p:nvSpPr>
+          <p:cNvPr id="13" name="TextBox 12">
+            <a:extLst>
+              <a:ext uri="{FF2B5EF4-FFF2-40B4-BE49-F238E27FC236}">
+                <a16:creationId xmlns:a16="http://schemas.microsoft.com/office/drawing/2014/main" id="{5F33CCCB-7E90-164B-891C-1D41168D9A13}"/>
+              </a:ext>
+            </a:extLst>
+          </p:cNvPr>
+          <p:cNvSpPr txBox="1"/>
+          <p:nvPr/>
+        </p:nvSpPr>
+        <p:spPr>
+          <a:xfrm>
+            <a:off x="203504" y="1057849"/>
+            <a:ext cx="2570575" cy="369332"/>
           </a:xfrm>
           <a:prstGeom prst="rect">
             <a:avLst/>
@@ -8320,17 +8808,17 @@
           <a:p>
             <a:r>
               <a:rPr lang="en-US" dirty="0"/>
-              <a:t>We solve the above problem with finite element solver</a:t>
+              <a:t>0-field solution from FEM</a:t>
             </a:r>
           </a:p>
         </p:txBody>
       </p:sp>
       <p:pic>
         <p:nvPicPr>
-          <p:cNvPr id="19" name="Picture 18">
-            <a:extLst>
-              <a:ext uri="{FF2B5EF4-FFF2-40B4-BE49-F238E27FC236}">
-                <a16:creationId xmlns:a16="http://schemas.microsoft.com/office/drawing/2014/main" id="{970D3264-4919-D246-9D15-C7EDADB7E523}"/>
+          <p:cNvPr id="14" name="Picture 13">
+            <a:extLst>
+              <a:ext uri="{FF2B5EF4-FFF2-40B4-BE49-F238E27FC236}">
+                <a16:creationId xmlns:a16="http://schemas.microsoft.com/office/drawing/2014/main" id="{936D074F-FCBD-F146-B045-C7D78E96CB97}"/>
               </a:ext>
             </a:extLst>
           </p:cNvPr>
@@ -8347,20 +8835,71 @@
         </p:blipFill>
         <p:spPr>
           <a:xfrm>
-            <a:off x="1093002" y="4395823"/>
-            <a:ext cx="2336800" cy="2286000"/>
+            <a:off x="4054548" y="591442"/>
+            <a:ext cx="1477147" cy="1460642"/>
           </a:xfrm>
           <a:prstGeom prst="rect">
             <a:avLst/>
           </a:prstGeom>
         </p:spPr>
       </p:pic>
+      <p:sp>
+        <p:nvSpPr>
+          <p:cNvPr id="15" name="TextBox 14">
+            <a:extLst>
+              <a:ext uri="{FF2B5EF4-FFF2-40B4-BE49-F238E27FC236}">
+                <a16:creationId xmlns:a16="http://schemas.microsoft.com/office/drawing/2014/main" id="{F1C1B91F-C21C-4E41-832D-23EC7E2A8450}"/>
+              </a:ext>
+            </a:extLst>
+          </p:cNvPr>
+          <p:cNvSpPr txBox="1"/>
+          <p:nvPr/>
+        </p:nvSpPr>
+        <p:spPr>
+          <a:xfrm>
+            <a:off x="8150055" y="4078160"/>
+            <a:ext cx="3618614" cy="1200329"/>
+          </a:xfrm>
+          <a:prstGeom prst="rect">
+            <a:avLst/>
+          </a:prstGeom>
+          <a:noFill/>
+        </p:spPr>
+        <p:txBody>
+          <a:bodyPr wrap="square" rtlCol="0">
+            <a:spAutoFit/>
+          </a:bodyPr>
+          <a:lstStyle/>
+          <a:p>
+            <a:pPr algn="ctr"/>
+            <a:r>
+              <a:rPr lang="en-US" sz="2400" dirty="0">
+                <a:solidFill>
+                  <a:srgbClr val="00B0F0"/>
+                </a:solidFill>
+              </a:rPr>
+              <a:t>To be as close as possible to experimental </a:t>
+            </a:r>
+          </a:p>
+          <a:p>
+            <a:pPr algn="ctr"/>
+            <a:r>
+              <a:rPr lang="en-US" sz="2400" dirty="0">
+                <a:solidFill>
+                  <a:srgbClr val="00B0F0"/>
+                </a:solidFill>
+              </a:rPr>
+              <a:t>conditions!</a:t>
+            </a:r>
+          </a:p>
+        </p:txBody>
+      </p:sp>
       <p:pic>
         <p:nvPicPr>
-          <p:cNvPr id="20" name="Picture 19">
-            <a:extLst>
-              <a:ext uri="{FF2B5EF4-FFF2-40B4-BE49-F238E27FC236}">
-                <a16:creationId xmlns:a16="http://schemas.microsoft.com/office/drawing/2014/main" id="{FCB0D9AF-08EB-2C4D-AC3C-EDE9BB3185E1}"/>
+          <p:cNvPr id="17" name="Picture 16">
+            <a:extLst>
+              <a:ext uri="{FF2B5EF4-FFF2-40B4-BE49-F238E27FC236}">
+                <a16:creationId xmlns:a16="http://schemas.microsoft.com/office/drawing/2014/main" id="{3F05394D-B945-8C41-90CC-268D696D2433}"/>
               </a:ext>
             </a:extLst>
           </p:cNvPr>
@@ -8377,68 +8916,8 @@
         </p:blipFill>
         <p:spPr>
           <a:xfrm>
-            <a:off x="3663672" y="4395823"/>
-            <a:ext cx="2273300" cy="2247900"/>
-          </a:xfrm>
-          <a:prstGeom prst="rect">
-            <a:avLst/>
-          </a:prstGeom>
-        </p:spPr>
-      </p:pic>
-      <p:pic>
-        <p:nvPicPr>
-          <p:cNvPr id="21" name="Picture 20">
-            <a:extLst>
-              <a:ext uri="{FF2B5EF4-FFF2-40B4-BE49-F238E27FC236}">
-                <a16:creationId xmlns:a16="http://schemas.microsoft.com/office/drawing/2014/main" id="{43C834D5-CDB2-AF49-9912-A2A8DF3D87CD}"/>
-              </a:ext>
-            </a:extLst>
-          </p:cNvPr>
-          <p:cNvPicPr>
-            <a:picLocks noChangeAspect="1"/>
-          </p:cNvPicPr>
-          <p:nvPr/>
-        </p:nvPicPr>
-        <p:blipFill>
-          <a:blip r:embed="rId6"/>
-          <a:stretch>
-            <a:fillRect/>
-          </a:stretch>
-        </p:blipFill>
-        <p:spPr>
-          <a:xfrm>
-            <a:off x="6170842" y="4395823"/>
-            <a:ext cx="2273300" cy="2247900"/>
-          </a:xfrm>
-          <a:prstGeom prst="rect">
-            <a:avLst/>
-          </a:prstGeom>
-        </p:spPr>
-      </p:pic>
-      <p:pic>
-        <p:nvPicPr>
-          <p:cNvPr id="22" name="Picture 21">
-            <a:extLst>
-              <a:ext uri="{FF2B5EF4-FFF2-40B4-BE49-F238E27FC236}">
-                <a16:creationId xmlns:a16="http://schemas.microsoft.com/office/drawing/2014/main" id="{E575751C-F612-D949-B883-F08094434BB1}"/>
-              </a:ext>
-            </a:extLst>
-          </p:cNvPr>
-          <p:cNvPicPr>
-            <a:picLocks noChangeAspect="1"/>
-          </p:cNvPicPr>
-          <p:nvPr/>
-        </p:nvPicPr>
-        <p:blipFill>
-          <a:blip r:embed="rId7"/>
-          <a:stretch>
-            <a:fillRect/>
-          </a:stretch>
-        </p:blipFill>
-        <p:spPr>
-          <a:xfrm>
-            <a:off x="8678012" y="4395823"/>
-            <a:ext cx="2247900" cy="2247900"/>
+            <a:off x="6438405" y="373191"/>
+            <a:ext cx="2691818" cy="1859647"/>
           </a:xfrm>
           <a:prstGeom prst="rect">
             <a:avLst/>
@@ -8448,7 +8927,7 @@
     </p:spTree>
     <p:extLst>
       <p:ext uri="{BB962C8B-B14F-4D97-AF65-F5344CB8AC3E}">
-        <p14:creationId xmlns:p14="http://schemas.microsoft.com/office/powerpoint/2010/main" val="998925543"/>
+        <p14:creationId xmlns:p14="http://schemas.microsoft.com/office/powerpoint/2010/main" val="968249077"/>
       </p:ext>
     </p:extLst>
   </p:cSld>
@@ -8475,12 +8954,106 @@
           <a:chExt cx="0" cy="0"/>
         </a:xfrm>
       </p:grpSpPr>
+      <p:sp>
+        <p:nvSpPr>
+          <p:cNvPr id="8" name="TextBox 7">
+            <a:extLst>
+              <a:ext uri="{FF2B5EF4-FFF2-40B4-BE49-F238E27FC236}">
+                <a16:creationId xmlns:a16="http://schemas.microsoft.com/office/drawing/2014/main" id="{C74BE216-385C-9146-B656-C67128BA1F10}"/>
+              </a:ext>
+            </a:extLst>
+          </p:cNvPr>
+          <p:cNvSpPr txBox="1"/>
+          <p:nvPr/>
+        </p:nvSpPr>
+        <p:spPr>
+          <a:xfrm>
+            <a:off x="21425" y="69378"/>
+            <a:ext cx="3565528" cy="400110"/>
+          </a:xfrm>
+          <a:prstGeom prst="rect">
+            <a:avLst/>
+          </a:prstGeom>
+          <a:noFill/>
+        </p:spPr>
+        <p:txBody>
+          <a:bodyPr wrap="none" rtlCol="0">
+            <a:spAutoFit/>
+          </a:bodyPr>
+          <a:lstStyle/>
+          <a:p>
+            <a:r>
+              <a:rPr lang="en-US" sz="2000" dirty="0"/>
+              <a:t>Toy problem 2: Data preparation</a:t>
+            </a:r>
+          </a:p>
+        </p:txBody>
+      </p:sp>
+      <p:sp>
+        <p:nvSpPr>
+          <p:cNvPr id="2" name="TextBox 1">
+            <a:extLst>
+              <a:ext uri="{FF2B5EF4-FFF2-40B4-BE49-F238E27FC236}">
+                <a16:creationId xmlns:a16="http://schemas.microsoft.com/office/drawing/2014/main" id="{4625E87B-44B7-AA4E-91AF-177B570A647A}"/>
+              </a:ext>
+            </a:extLst>
+          </p:cNvPr>
+          <p:cNvSpPr txBox="1"/>
+          <p:nvPr/>
+        </p:nvSpPr>
+        <p:spPr>
+          <a:xfrm>
+            <a:off x="446567" y="667582"/>
+            <a:ext cx="7309502" cy="923330"/>
+          </a:xfrm>
+          <a:prstGeom prst="rect">
+            <a:avLst/>
+          </a:prstGeom>
+          <a:noFill/>
+        </p:spPr>
+        <p:txBody>
+          <a:bodyPr wrap="none" rtlCol="0">
+            <a:spAutoFit/>
+          </a:bodyPr>
+          <a:lstStyle/>
+          <a:p>
+            <a:pPr marL="285750" indent="-285750">
+              <a:buFont typeface="Arial" panose="020B0604020202020204" pitchFamily="34" charset="0"/>
+              <a:buChar char="•"/>
+            </a:pPr>
+            <a:r>
+              <a:rPr lang="en-US" dirty="0"/>
+              <a:t>we record 300 snapshots from beginning to the steady state condition</a:t>
+            </a:r>
+          </a:p>
+          <a:p>
+            <a:pPr marL="285750" indent="-285750">
+              <a:buFont typeface="Arial" panose="020B0604020202020204" pitchFamily="34" charset="0"/>
+              <a:buChar char="•"/>
+            </a:pPr>
+            <a:r>
+              <a:rPr lang="en-US" dirty="0"/>
+              <a:t>240 random snapshots are used to construct the library</a:t>
+            </a:r>
+          </a:p>
+          <a:p>
+            <a:pPr marL="285750" indent="-285750">
+              <a:buFont typeface="Arial" panose="020B0604020202020204" pitchFamily="34" charset="0"/>
+              <a:buChar char="•"/>
+            </a:pPr>
+            <a:r>
+              <a:rPr lang="en-US" dirty="0"/>
+              <a:t>For reconstruction we select from those data not presented in the library</a:t>
+            </a:r>
+          </a:p>
+        </p:txBody>
+      </p:sp>
       <p:pic>
         <p:nvPicPr>
-          <p:cNvPr id="4" name="Picture 3">
-            <a:extLst>
-              <a:ext uri="{FF2B5EF4-FFF2-40B4-BE49-F238E27FC236}">
-                <a16:creationId xmlns:a16="http://schemas.microsoft.com/office/drawing/2014/main" id="{6DD4221C-6A9D-1847-9B81-4877AD818F1D}"/>
+          <p:cNvPr id="16" name="Picture 15">
+            <a:extLst>
+              <a:ext uri="{FF2B5EF4-FFF2-40B4-BE49-F238E27FC236}">
+                <a16:creationId xmlns:a16="http://schemas.microsoft.com/office/drawing/2014/main" id="{65409BF2-3A98-304C-B0C0-C2C07DB9111F}"/>
               </a:ext>
             </a:extLst>
           </p:cNvPr>
@@ -8497,18 +9070,53 @@
         </p:blipFill>
         <p:spPr>
           <a:xfrm>
-            <a:off x="3085251" y="1058283"/>
-            <a:ext cx="4105238" cy="4040842"/>
+            <a:off x="3933594" y="2663554"/>
+            <a:ext cx="3822306" cy="3822306"/>
           </a:xfrm>
           <a:prstGeom prst="rect">
             <a:avLst/>
           </a:prstGeom>
         </p:spPr>
       </p:pic>
+      <p:sp>
+        <p:nvSpPr>
+          <p:cNvPr id="17" name="TextBox 16">
+            <a:extLst>
+              <a:ext uri="{FF2B5EF4-FFF2-40B4-BE49-F238E27FC236}">
+                <a16:creationId xmlns:a16="http://schemas.microsoft.com/office/drawing/2014/main" id="{E1110C96-CEE7-4F4C-BE0E-0A9226903BB0}"/>
+              </a:ext>
+            </a:extLst>
+          </p:cNvPr>
+          <p:cNvSpPr txBox="1"/>
+          <p:nvPr/>
+        </p:nvSpPr>
+        <p:spPr>
+          <a:xfrm>
+            <a:off x="4700540" y="2294222"/>
+            <a:ext cx="2578270" cy="369332"/>
+          </a:xfrm>
+          <a:prstGeom prst="rect">
+            <a:avLst/>
+          </a:prstGeom>
+          <a:noFill/>
+        </p:spPr>
+        <p:txBody>
+          <a:bodyPr wrap="none" rtlCol="0">
+            <a:spAutoFit/>
+          </a:bodyPr>
+          <a:lstStyle/>
+          <a:p>
+            <a:r>
+              <a:rPr lang="en-US" dirty="0"/>
+              <a:t>Just 2% of measurements</a:t>
+            </a:r>
+          </a:p>
+        </p:txBody>
+      </p:sp>
     </p:spTree>
     <p:extLst>
       <p:ext uri="{BB962C8B-B14F-4D97-AF65-F5344CB8AC3E}">
-        <p14:creationId xmlns:p14="http://schemas.microsoft.com/office/powerpoint/2010/main" val="1467505426"/>
+        <p14:creationId xmlns:p14="http://schemas.microsoft.com/office/powerpoint/2010/main" val="3599638248"/>
       </p:ext>
     </p:extLst>
   </p:cSld>
